--- a/00. Lecture/basics_and_beyond.pptx
+++ b/00. Lecture/basics_and_beyond.pptx
@@ -21,35 +21,34 @@
     <p:sldId id="834" r:id="rId15"/>
     <p:sldId id="685" r:id="rId16"/>
     <p:sldId id="836" r:id="rId17"/>
-    <p:sldId id="879" r:id="rId18"/>
-    <p:sldId id="256" r:id="rId19"/>
-    <p:sldId id="257" r:id="rId20"/>
-    <p:sldId id="258" r:id="rId21"/>
-    <p:sldId id="259" r:id="rId22"/>
-    <p:sldId id="260" r:id="rId23"/>
-    <p:sldId id="261" r:id="rId24"/>
-    <p:sldId id="262" r:id="rId25"/>
-    <p:sldId id="869" r:id="rId26"/>
-    <p:sldId id="870" r:id="rId27"/>
-    <p:sldId id="871" r:id="rId28"/>
-    <p:sldId id="872" r:id="rId29"/>
-    <p:sldId id="873" r:id="rId30"/>
-    <p:sldId id="874" r:id="rId31"/>
-    <p:sldId id="865" r:id="rId32"/>
-    <p:sldId id="876" r:id="rId33"/>
-    <p:sldId id="263" r:id="rId34"/>
-    <p:sldId id="264" r:id="rId35"/>
-    <p:sldId id="509" r:id="rId36"/>
-    <p:sldId id="315" r:id="rId37"/>
-    <p:sldId id="387" r:id="rId38"/>
-    <p:sldId id="459" r:id="rId39"/>
-    <p:sldId id="501" r:id="rId40"/>
-    <p:sldId id="502" r:id="rId41"/>
-    <p:sldId id="503" r:id="rId42"/>
-    <p:sldId id="504" r:id="rId43"/>
-    <p:sldId id="505" r:id="rId44"/>
-    <p:sldId id="508" r:id="rId45"/>
-    <p:sldId id="877" r:id="rId46"/>
+    <p:sldId id="256" r:id="rId18"/>
+    <p:sldId id="257" r:id="rId19"/>
+    <p:sldId id="258" r:id="rId20"/>
+    <p:sldId id="259" r:id="rId21"/>
+    <p:sldId id="260" r:id="rId22"/>
+    <p:sldId id="261" r:id="rId23"/>
+    <p:sldId id="262" r:id="rId24"/>
+    <p:sldId id="869" r:id="rId25"/>
+    <p:sldId id="870" r:id="rId26"/>
+    <p:sldId id="871" r:id="rId27"/>
+    <p:sldId id="872" r:id="rId28"/>
+    <p:sldId id="873" r:id="rId29"/>
+    <p:sldId id="874" r:id="rId30"/>
+    <p:sldId id="865" r:id="rId31"/>
+    <p:sldId id="876" r:id="rId32"/>
+    <p:sldId id="263" r:id="rId33"/>
+    <p:sldId id="264" r:id="rId34"/>
+    <p:sldId id="509" r:id="rId35"/>
+    <p:sldId id="315" r:id="rId36"/>
+    <p:sldId id="387" r:id="rId37"/>
+    <p:sldId id="459" r:id="rId38"/>
+    <p:sldId id="501" r:id="rId39"/>
+    <p:sldId id="502" r:id="rId40"/>
+    <p:sldId id="503" r:id="rId41"/>
+    <p:sldId id="504" r:id="rId42"/>
+    <p:sldId id="505" r:id="rId43"/>
+    <p:sldId id="508" r:id="rId44"/>
+    <p:sldId id="877" r:id="rId45"/>
   </p:sldIdLst>
   <p:sldSz cx="12192000" cy="6858000"/>
   <p:notesSz cx="6858000" cy="9144000"/>
@@ -206,7 +205,7 @@
           <a:noFill/>
           <a:extLst>
             <a:ext uri="{909E8E84-426E-40dd-AFC4-6F175D3DCCD1}">
-              <a14:hiddenFill xmlns:a14="http://schemas.microsoft.com/office/drawing/2010/main" xmlns="">
+              <a14:hiddenFill xmlns="" xmlns:a14="http://schemas.microsoft.com/office/drawing/2010/main">
                 <a:solidFill>
                   <a:srgbClr val="FFFFFF"/>
                 </a:solidFill>
@@ -266,7 +265,7 @@
             </a:ln>
             <a:extLst>
               <a:ext uri="{91240B29-F687-4f45-9708-019B960494DF}">
-                <a14:hiddenLine xmlns:a14="http://schemas.microsoft.com/office/drawing/2010/main" xmlns="" w="9525">
+                <a14:hiddenLine xmlns="" xmlns:a14="http://schemas.microsoft.com/office/drawing/2010/main" w="9525">
                   <a:solidFill>
                     <a:srgbClr val="000000"/>
                   </a:solidFill>
@@ -356,7 +355,7 @@
             </a:ln>
             <a:extLst>
               <a:ext uri="{91240B29-F687-4f45-9708-019B960494DF}">
-                <a14:hiddenLine xmlns:a14="http://schemas.microsoft.com/office/drawing/2010/main" xmlns="" w="9525">
+                <a14:hiddenLine xmlns="" xmlns:a14="http://schemas.microsoft.com/office/drawing/2010/main" w="9525">
                   <a:solidFill>
                     <a:srgbClr val="000000"/>
                   </a:solidFill>
@@ -446,7 +445,7 @@
             </a:ln>
             <a:extLst>
               <a:ext uri="{91240B29-F687-4f45-9708-019B960494DF}">
-                <a14:hiddenLine xmlns:a14="http://schemas.microsoft.com/office/drawing/2010/main" xmlns="" w="9525">
+                <a14:hiddenLine xmlns="" xmlns:a14="http://schemas.microsoft.com/office/drawing/2010/main" w="9525">
                   <a:solidFill>
                     <a:srgbClr val="000000"/>
                   </a:solidFill>
@@ -480,7 +479,7 @@
             </a:ln>
             <a:extLst>
               <a:ext uri="{91240B29-F687-4f45-9708-019B960494DF}">
-                <a14:hiddenLine xmlns:a14="http://schemas.microsoft.com/office/drawing/2010/main" xmlns="" w="9525">
+                <a14:hiddenLine xmlns="" xmlns:a14="http://schemas.microsoft.com/office/drawing/2010/main" w="9525">
                   <a:solidFill>
                     <a:srgbClr val="000000"/>
                   </a:solidFill>
@@ -570,7 +569,7 @@
             </a:ln>
             <a:extLst>
               <a:ext uri="{91240B29-F687-4f45-9708-019B960494DF}">
-                <a14:hiddenLine xmlns:a14="http://schemas.microsoft.com/office/drawing/2010/main" xmlns="" w="9525">
+                <a14:hiddenLine xmlns="" xmlns:a14="http://schemas.microsoft.com/office/drawing/2010/main" w="9525">
                   <a:solidFill>
                     <a:srgbClr val="000000"/>
                   </a:solidFill>
@@ -632,7 +631,7 @@
             </a:ln>
             <a:extLst>
               <a:ext uri="{91240B29-F687-4f45-9708-019B960494DF}">
-                <a14:hiddenLine xmlns:a14="http://schemas.microsoft.com/office/drawing/2010/main" xmlns="" w="9525">
+                <a14:hiddenLine xmlns="" xmlns:a14="http://schemas.microsoft.com/office/drawing/2010/main" w="9525">
                   <a:solidFill>
                     <a:srgbClr val="000000"/>
                   </a:solidFill>
@@ -694,7 +693,7 @@
             </a:ln>
             <a:extLst>
               <a:ext uri="{91240B29-F687-4f45-9708-019B960494DF}">
-                <a14:hiddenLine xmlns:a14="http://schemas.microsoft.com/office/drawing/2010/main" xmlns="" w="9525">
+                <a14:hiddenLine xmlns="" xmlns:a14="http://schemas.microsoft.com/office/drawing/2010/main" w="9525">
                   <a:solidFill>
                     <a:srgbClr val="000000"/>
                   </a:solidFill>
@@ -784,7 +783,7 @@
             </a:ln>
             <a:extLst>
               <a:ext uri="{91240B29-F687-4f45-9708-019B960494DF}">
-                <a14:hiddenLine xmlns:a14="http://schemas.microsoft.com/office/drawing/2010/main" xmlns="" w="9525">
+                <a14:hiddenLine xmlns="" xmlns:a14="http://schemas.microsoft.com/office/drawing/2010/main" w="9525">
                   <a:solidFill>
                     <a:srgbClr val="000000"/>
                   </a:solidFill>
@@ -846,7 +845,7 @@
             </a:ln>
             <a:extLst>
               <a:ext uri="{91240B29-F687-4f45-9708-019B960494DF}">
-                <a14:hiddenLine xmlns:a14="http://schemas.microsoft.com/office/drawing/2010/main" xmlns="" w="9525">
+                <a14:hiddenLine xmlns="" xmlns:a14="http://schemas.microsoft.com/office/drawing/2010/main" w="9525">
                   <a:solidFill>
                     <a:srgbClr val="000000"/>
                   </a:solidFill>
@@ -908,7 +907,7 @@
             </a:ln>
             <a:extLst>
               <a:ext uri="{91240B29-F687-4f45-9708-019B960494DF}">
-                <a14:hiddenLine xmlns:a14="http://schemas.microsoft.com/office/drawing/2010/main" xmlns="" w="9525">
+                <a14:hiddenLine xmlns="" xmlns:a14="http://schemas.microsoft.com/office/drawing/2010/main" w="9525">
                   <a:solidFill>
                     <a:srgbClr val="000000"/>
                   </a:solidFill>
@@ -998,7 +997,7 @@
             </a:ln>
             <a:extLst>
               <a:ext uri="{91240B29-F687-4f45-9708-019B960494DF}">
-                <a14:hiddenLine xmlns:a14="http://schemas.microsoft.com/office/drawing/2010/main" xmlns="" w="9525">
+                <a14:hiddenLine xmlns="" xmlns:a14="http://schemas.microsoft.com/office/drawing/2010/main" w="9525">
                   <a:solidFill>
                     <a:srgbClr val="000000"/>
                   </a:solidFill>
@@ -1088,7 +1087,7 @@
             </a:ln>
             <a:extLst>
               <a:ext uri="{91240B29-F687-4f45-9708-019B960494DF}">
-                <a14:hiddenLine xmlns:a14="http://schemas.microsoft.com/office/drawing/2010/main" xmlns="" w="9525">
+                <a14:hiddenLine xmlns="" xmlns:a14="http://schemas.microsoft.com/office/drawing/2010/main" w="9525">
                   <a:solidFill>
                     <a:srgbClr val="000000"/>
                   </a:solidFill>
@@ -1150,7 +1149,7 @@
             </a:ln>
             <a:extLst>
               <a:ext uri="{91240B29-F687-4f45-9708-019B960494DF}">
-                <a14:hiddenLine xmlns:a14="http://schemas.microsoft.com/office/drawing/2010/main" xmlns="" w="9525">
+                <a14:hiddenLine xmlns="" xmlns:a14="http://schemas.microsoft.com/office/drawing/2010/main" w="9525">
                   <a:solidFill>
                     <a:srgbClr val="000000"/>
                   </a:solidFill>
@@ -1260,7 +1259,7 @@
             </a:ln>
             <a:extLst>
               <a:ext uri="{91240B29-F687-4f45-9708-019B960494DF}">
-                <a14:hiddenLine xmlns:a14="http://schemas.microsoft.com/office/drawing/2010/main" xmlns="" w="9525">
+                <a14:hiddenLine xmlns="" xmlns:a14="http://schemas.microsoft.com/office/drawing/2010/main" w="9525">
                   <a:solidFill>
                     <a:srgbClr val="000000"/>
                   </a:solidFill>
@@ -1322,7 +1321,7 @@
             </a:ln>
             <a:extLst>
               <a:ext uri="{91240B29-F687-4f45-9708-019B960494DF}">
-                <a14:hiddenLine xmlns:a14="http://schemas.microsoft.com/office/drawing/2010/main" xmlns="" w="9525">
+                <a14:hiddenLine xmlns="" xmlns:a14="http://schemas.microsoft.com/office/drawing/2010/main" w="9525">
                   <a:solidFill>
                     <a:srgbClr val="000000"/>
                   </a:solidFill>
@@ -1412,7 +1411,7 @@
             </a:ln>
             <a:extLst>
               <a:ext uri="{91240B29-F687-4f45-9708-019B960494DF}">
-                <a14:hiddenLine xmlns:a14="http://schemas.microsoft.com/office/drawing/2010/main" xmlns="" w="9525">
+                <a14:hiddenLine xmlns="" xmlns:a14="http://schemas.microsoft.com/office/drawing/2010/main" w="9525">
                   <a:solidFill>
                     <a:srgbClr val="000000"/>
                   </a:solidFill>
@@ -1502,7 +1501,7 @@
             </a:ln>
             <a:extLst>
               <a:ext uri="{91240B29-F687-4f45-9708-019B960494DF}">
-                <a14:hiddenLine xmlns:a14="http://schemas.microsoft.com/office/drawing/2010/main" xmlns="" w="9525">
+                <a14:hiddenLine xmlns="" xmlns:a14="http://schemas.microsoft.com/office/drawing/2010/main" w="9525">
                   <a:solidFill>
                     <a:srgbClr val="000000"/>
                   </a:solidFill>
@@ -1564,7 +1563,7 @@
             </a:ln>
             <a:extLst>
               <a:ext uri="{91240B29-F687-4f45-9708-019B960494DF}">
-                <a14:hiddenLine xmlns:a14="http://schemas.microsoft.com/office/drawing/2010/main" xmlns="" w="9525">
+                <a14:hiddenLine xmlns="" xmlns:a14="http://schemas.microsoft.com/office/drawing/2010/main" w="9525">
                   <a:solidFill>
                     <a:srgbClr val="000000"/>
                   </a:solidFill>
@@ -1654,7 +1653,7 @@
             </a:ln>
             <a:extLst>
               <a:ext uri="{91240B29-F687-4f45-9708-019B960494DF}">
-                <a14:hiddenLine xmlns:a14="http://schemas.microsoft.com/office/drawing/2010/main" xmlns="" w="9525">
+                <a14:hiddenLine xmlns="" xmlns:a14="http://schemas.microsoft.com/office/drawing/2010/main" w="9525">
                   <a:solidFill>
                     <a:srgbClr val="000000"/>
                   </a:solidFill>
@@ -1744,7 +1743,7 @@
             </a:ln>
             <a:extLst>
               <a:ext uri="{91240B29-F687-4f45-9708-019B960494DF}">
-                <a14:hiddenLine xmlns:a14="http://schemas.microsoft.com/office/drawing/2010/main" xmlns="" w="9525">
+                <a14:hiddenLine xmlns="" xmlns:a14="http://schemas.microsoft.com/office/drawing/2010/main" w="9525">
                   <a:solidFill>
                     <a:srgbClr val="000000"/>
                   </a:solidFill>
@@ -1800,7 +1799,7 @@
             </a:ln>
             <a:extLst>
               <a:ext uri="{91240B29-F687-4f45-9708-019B960494DF}">
-                <a14:hiddenLine xmlns:a14="http://schemas.microsoft.com/office/drawing/2010/main" xmlns="" w="9525">
+                <a14:hiddenLine xmlns="" xmlns:a14="http://schemas.microsoft.com/office/drawing/2010/main" w="9525">
                   <a:solidFill>
                     <a:srgbClr val="000000"/>
                   </a:solidFill>
@@ -1890,7 +1889,7 @@
             </a:ln>
             <a:extLst>
               <a:ext uri="{91240B29-F687-4f45-9708-019B960494DF}">
-                <a14:hiddenLine xmlns:a14="http://schemas.microsoft.com/office/drawing/2010/main" xmlns="" w="9525">
+                <a14:hiddenLine xmlns="" xmlns:a14="http://schemas.microsoft.com/office/drawing/2010/main" w="9525">
                   <a:solidFill>
                     <a:srgbClr val="000000"/>
                   </a:solidFill>
@@ -1946,7 +1945,7 @@
             </a:ln>
             <a:extLst>
               <a:ext uri="{91240B29-F687-4f45-9708-019B960494DF}">
-                <a14:hiddenLine xmlns:a14="http://schemas.microsoft.com/office/drawing/2010/main" xmlns="" w="9525">
+                <a14:hiddenLine xmlns="" xmlns:a14="http://schemas.microsoft.com/office/drawing/2010/main" w="9525">
                   <a:solidFill>
                     <a:srgbClr val="000000"/>
                   </a:solidFill>
@@ -2036,7 +2035,7 @@
             </a:ln>
             <a:extLst>
               <a:ext uri="{91240B29-F687-4f45-9708-019B960494DF}">
-                <a14:hiddenLine xmlns:a14="http://schemas.microsoft.com/office/drawing/2010/main" xmlns="" w="9525">
+                <a14:hiddenLine xmlns="" xmlns:a14="http://schemas.microsoft.com/office/drawing/2010/main" w="9525">
                   <a:solidFill>
                     <a:srgbClr val="000000"/>
                   </a:solidFill>
@@ -2104,7 +2103,7 @@
             </a:ln>
             <a:extLst>
               <a:ext uri="{91240B29-F687-4f45-9708-019B960494DF}">
-                <a14:hiddenLine xmlns:a14="http://schemas.microsoft.com/office/drawing/2010/main" xmlns="" w="9525">
+                <a14:hiddenLine xmlns="" xmlns:a14="http://schemas.microsoft.com/office/drawing/2010/main" w="9525">
                   <a:solidFill>
                     <a:srgbClr val="000000"/>
                   </a:solidFill>
@@ -2194,7 +2193,7 @@
             </a:ln>
             <a:extLst>
               <a:ext uri="{91240B29-F687-4f45-9708-019B960494DF}">
-                <a14:hiddenLine xmlns:a14="http://schemas.microsoft.com/office/drawing/2010/main" xmlns="" w="9525">
+                <a14:hiddenLine xmlns="" xmlns:a14="http://schemas.microsoft.com/office/drawing/2010/main" w="9525">
                   <a:solidFill>
                     <a:srgbClr val="000000"/>
                   </a:solidFill>
@@ -2262,7 +2261,7 @@
             </a:ln>
             <a:extLst>
               <a:ext uri="{91240B29-F687-4f45-9708-019B960494DF}">
-                <a14:hiddenLine xmlns:a14="http://schemas.microsoft.com/office/drawing/2010/main" xmlns="" w="9525">
+                <a14:hiddenLine xmlns="" xmlns:a14="http://schemas.microsoft.com/office/drawing/2010/main" w="9525">
                   <a:solidFill>
                     <a:srgbClr val="000000"/>
                   </a:solidFill>
@@ -2352,7 +2351,7 @@
             </a:ln>
             <a:extLst>
               <a:ext uri="{91240B29-F687-4f45-9708-019B960494DF}">
-                <a14:hiddenLine xmlns:a14="http://schemas.microsoft.com/office/drawing/2010/main" xmlns="" w="9525">
+                <a14:hiddenLine xmlns="" xmlns:a14="http://schemas.microsoft.com/office/drawing/2010/main" w="9525">
                   <a:solidFill>
                     <a:srgbClr val="000000"/>
                   </a:solidFill>
@@ -2386,7 +2385,7 @@
             </a:ln>
             <a:extLst>
               <a:ext uri="{91240B29-F687-4f45-9708-019B960494DF}">
-                <a14:hiddenLine xmlns:a14="http://schemas.microsoft.com/office/drawing/2010/main" xmlns="" w="9525">
+                <a14:hiddenLine xmlns="" xmlns:a14="http://schemas.microsoft.com/office/drawing/2010/main" w="9525">
                   <a:solidFill>
                     <a:srgbClr val="000000"/>
                   </a:solidFill>
@@ -2476,7 +2475,7 @@
             </a:ln>
             <a:extLst>
               <a:ext uri="{91240B29-F687-4f45-9708-019B960494DF}">
-                <a14:hiddenLine xmlns:a14="http://schemas.microsoft.com/office/drawing/2010/main" xmlns="" w="9525">
+                <a14:hiddenLine xmlns="" xmlns:a14="http://schemas.microsoft.com/office/drawing/2010/main" w="9525">
                   <a:solidFill>
                     <a:srgbClr val="000000"/>
                   </a:solidFill>
@@ -2538,7 +2537,7 @@
             </a:ln>
             <a:extLst>
               <a:ext uri="{91240B29-F687-4f45-9708-019B960494DF}">
-                <a14:hiddenLine xmlns:a14="http://schemas.microsoft.com/office/drawing/2010/main" xmlns="" w="9525">
+                <a14:hiddenLine xmlns="" xmlns:a14="http://schemas.microsoft.com/office/drawing/2010/main" w="9525">
                   <a:solidFill>
                     <a:srgbClr val="000000"/>
                   </a:solidFill>
@@ -2600,7 +2599,7 @@
             </a:ln>
             <a:extLst>
               <a:ext uri="{91240B29-F687-4f45-9708-019B960494DF}">
-                <a14:hiddenLine xmlns:a14="http://schemas.microsoft.com/office/drawing/2010/main" xmlns="" w="9525">
+                <a14:hiddenLine xmlns="" xmlns:a14="http://schemas.microsoft.com/office/drawing/2010/main" w="9525">
                   <a:solidFill>
                     <a:srgbClr val="000000"/>
                   </a:solidFill>
@@ -2690,7 +2689,7 @@
             </a:ln>
             <a:extLst>
               <a:ext uri="{91240B29-F687-4f45-9708-019B960494DF}">
-                <a14:hiddenLine xmlns:a14="http://schemas.microsoft.com/office/drawing/2010/main" xmlns="" w="9525">
+                <a14:hiddenLine xmlns="" xmlns:a14="http://schemas.microsoft.com/office/drawing/2010/main" w="9525">
                   <a:solidFill>
                     <a:srgbClr val="000000"/>
                   </a:solidFill>
@@ -2758,7 +2757,7 @@
             </a:ln>
             <a:extLst>
               <a:ext uri="{91240B29-F687-4f45-9708-019B960494DF}">
-                <a14:hiddenLine xmlns:a14="http://schemas.microsoft.com/office/drawing/2010/main" xmlns="" w="9525">
+                <a14:hiddenLine xmlns="" xmlns:a14="http://schemas.microsoft.com/office/drawing/2010/main" w="9525">
                   <a:solidFill>
                     <a:srgbClr val="000000"/>
                   </a:solidFill>
@@ -2820,7 +2819,7 @@
             </a:ln>
             <a:extLst>
               <a:ext uri="{91240B29-F687-4f45-9708-019B960494DF}">
-                <a14:hiddenLine xmlns:a14="http://schemas.microsoft.com/office/drawing/2010/main" xmlns="" w="9525">
+                <a14:hiddenLine xmlns="" xmlns:a14="http://schemas.microsoft.com/office/drawing/2010/main" w="9525">
                   <a:solidFill>
                     <a:srgbClr val="000000"/>
                   </a:solidFill>
@@ -2910,7 +2909,7 @@
             </a:ln>
             <a:extLst>
               <a:ext uri="{91240B29-F687-4f45-9708-019B960494DF}">
-                <a14:hiddenLine xmlns:a14="http://schemas.microsoft.com/office/drawing/2010/main" xmlns="" w="9525">
+                <a14:hiddenLine xmlns="" xmlns:a14="http://schemas.microsoft.com/office/drawing/2010/main" w="9525">
                   <a:solidFill>
                     <a:srgbClr val="000000"/>
                   </a:solidFill>
@@ -2972,7 +2971,7 @@
             </a:ln>
             <a:extLst>
               <a:ext uri="{91240B29-F687-4f45-9708-019B960494DF}">
-                <a14:hiddenLine xmlns:a14="http://schemas.microsoft.com/office/drawing/2010/main" xmlns="" w="9525">
+                <a14:hiddenLine xmlns="" xmlns:a14="http://schemas.microsoft.com/office/drawing/2010/main" w="9525">
                   <a:solidFill>
                     <a:srgbClr val="000000"/>
                   </a:solidFill>
@@ -3062,7 +3061,7 @@
             </a:ln>
             <a:extLst>
               <a:ext uri="{91240B29-F687-4f45-9708-019B960494DF}">
-                <a14:hiddenLine xmlns:a14="http://schemas.microsoft.com/office/drawing/2010/main" xmlns="" w="9525">
+                <a14:hiddenLine xmlns="" xmlns:a14="http://schemas.microsoft.com/office/drawing/2010/main" w="9525">
                   <a:solidFill>
                     <a:srgbClr val="000000"/>
                   </a:solidFill>
@@ -3124,7 +3123,7 @@
             </a:ln>
             <a:extLst>
               <a:ext uri="{91240B29-F687-4f45-9708-019B960494DF}">
-                <a14:hiddenLine xmlns:a14="http://schemas.microsoft.com/office/drawing/2010/main" xmlns="" w="9525">
+                <a14:hiddenLine xmlns="" xmlns:a14="http://schemas.microsoft.com/office/drawing/2010/main" w="9525">
                   <a:solidFill>
                     <a:srgbClr val="000000"/>
                   </a:solidFill>
@@ -3214,7 +3213,7 @@
             </a:ln>
             <a:extLst>
               <a:ext uri="{91240B29-F687-4f45-9708-019B960494DF}">
-                <a14:hiddenLine xmlns:a14="http://schemas.microsoft.com/office/drawing/2010/main" xmlns="" w="9525">
+                <a14:hiddenLine xmlns="" xmlns:a14="http://schemas.microsoft.com/office/drawing/2010/main" w="9525">
                   <a:solidFill>
                     <a:srgbClr val="000000"/>
                   </a:solidFill>
@@ -3248,7 +3247,7 @@
             </a:ln>
             <a:extLst>
               <a:ext uri="{91240B29-F687-4f45-9708-019B960494DF}">
-                <a14:hiddenLine xmlns:a14="http://schemas.microsoft.com/office/drawing/2010/main" xmlns="" w="9525">
+                <a14:hiddenLine xmlns="" xmlns:a14="http://schemas.microsoft.com/office/drawing/2010/main" w="9525">
                   <a:solidFill>
                     <a:srgbClr val="000000"/>
                   </a:solidFill>
@@ -3313,7 +3312,7 @@
             </a:ln>
             <a:extLst>
               <a:ext uri="{91240B29-F687-4f45-9708-019B960494DF}">
-                <a14:hiddenLine xmlns:a14="http://schemas.microsoft.com/office/drawing/2010/main" xmlns="" w="9525">
+                <a14:hiddenLine xmlns="" xmlns:a14="http://schemas.microsoft.com/office/drawing/2010/main" w="9525">
                   <a:solidFill>
                     <a:srgbClr val="000000"/>
                   </a:solidFill>
@@ -3403,7 +3402,7 @@
             </a:ln>
             <a:extLst>
               <a:ext uri="{91240B29-F687-4f45-9708-019B960494DF}">
-                <a14:hiddenLine xmlns:a14="http://schemas.microsoft.com/office/drawing/2010/main" xmlns="" w="9525">
+                <a14:hiddenLine xmlns="" xmlns:a14="http://schemas.microsoft.com/office/drawing/2010/main" w="9525">
                   <a:solidFill>
                     <a:srgbClr val="000000"/>
                   </a:solidFill>
@@ -3465,7 +3464,7 @@
             </a:ln>
             <a:extLst>
               <a:ext uri="{91240B29-F687-4f45-9708-019B960494DF}">
-                <a14:hiddenLine xmlns:a14="http://schemas.microsoft.com/office/drawing/2010/main" xmlns="" w="9525">
+                <a14:hiddenLine xmlns="" xmlns:a14="http://schemas.microsoft.com/office/drawing/2010/main" w="9525">
                   <a:solidFill>
                     <a:srgbClr val="000000"/>
                   </a:solidFill>
@@ -3555,7 +3554,7 @@
             </a:ln>
             <a:extLst>
               <a:ext uri="{91240B29-F687-4f45-9708-019B960494DF}">
-                <a14:hiddenLine xmlns:a14="http://schemas.microsoft.com/office/drawing/2010/main" xmlns="" w="9525">
+                <a14:hiddenLine xmlns="" xmlns:a14="http://schemas.microsoft.com/office/drawing/2010/main" w="9525">
                   <a:solidFill>
                     <a:srgbClr val="000000"/>
                   </a:solidFill>
@@ -3645,7 +3644,7 @@
             </a:ln>
             <a:extLst>
               <a:ext uri="{91240B29-F687-4f45-9708-019B960494DF}">
-                <a14:hiddenLine xmlns:a14="http://schemas.microsoft.com/office/drawing/2010/main" xmlns="" w="9525">
+                <a14:hiddenLine xmlns="" xmlns:a14="http://schemas.microsoft.com/office/drawing/2010/main" w="9525">
                   <a:solidFill>
                     <a:srgbClr val="000000"/>
                   </a:solidFill>
@@ -3710,7 +3709,7 @@
             </a:ln>
             <a:extLst>
               <a:ext uri="{91240B29-F687-4f45-9708-019B960494DF}">
-                <a14:hiddenLine xmlns:a14="http://schemas.microsoft.com/office/drawing/2010/main" xmlns="" w="9525">
+                <a14:hiddenLine xmlns="" xmlns:a14="http://schemas.microsoft.com/office/drawing/2010/main" w="9525">
                   <a:solidFill>
                     <a:srgbClr val="000000"/>
                   </a:solidFill>
@@ -3772,7 +3771,7 @@
             </a:ln>
             <a:extLst>
               <a:ext uri="{91240B29-F687-4f45-9708-019B960494DF}">
-                <a14:hiddenLine xmlns:a14="http://schemas.microsoft.com/office/drawing/2010/main" xmlns="" w="9525">
+                <a14:hiddenLine xmlns="" xmlns:a14="http://schemas.microsoft.com/office/drawing/2010/main" w="9525">
                   <a:solidFill>
                     <a:srgbClr val="000000"/>
                   </a:solidFill>
@@ -3862,7 +3861,7 @@
             </a:ln>
             <a:extLst>
               <a:ext uri="{91240B29-F687-4f45-9708-019B960494DF}">
-                <a14:hiddenLine xmlns:a14="http://schemas.microsoft.com/office/drawing/2010/main" xmlns="" w="9525">
+                <a14:hiddenLine xmlns="" xmlns:a14="http://schemas.microsoft.com/office/drawing/2010/main" w="9525">
                   <a:solidFill>
                     <a:srgbClr val="000000"/>
                   </a:solidFill>
@@ -3952,7 +3951,7 @@
             </a:ln>
             <a:extLst>
               <a:ext uri="{91240B29-F687-4f45-9708-019B960494DF}">
-                <a14:hiddenLine xmlns:a14="http://schemas.microsoft.com/office/drawing/2010/main" xmlns="" w="9525">
+                <a14:hiddenLine xmlns="" xmlns:a14="http://schemas.microsoft.com/office/drawing/2010/main" w="9525">
                   <a:solidFill>
                     <a:srgbClr val="000000"/>
                   </a:solidFill>
@@ -4014,7 +4013,7 @@
             </a:ln>
             <a:extLst>
               <a:ext uri="{91240B29-F687-4f45-9708-019B960494DF}">
-                <a14:hiddenLine xmlns:a14="http://schemas.microsoft.com/office/drawing/2010/main" xmlns="" w="9525">
+                <a14:hiddenLine xmlns="" xmlns:a14="http://schemas.microsoft.com/office/drawing/2010/main" w="9525">
                   <a:solidFill>
                     <a:srgbClr val="000000"/>
                   </a:solidFill>
@@ -4134,7 +4133,7 @@
             </a:ln>
             <a:extLst>
               <a:ext uri="{91240B29-F687-4f45-9708-019B960494DF}">
-                <a14:hiddenLine xmlns:a14="http://schemas.microsoft.com/office/drawing/2010/main" xmlns="" w="9525">
+                <a14:hiddenLine xmlns="" xmlns:a14="http://schemas.microsoft.com/office/drawing/2010/main" w="9525">
                   <a:solidFill>
                     <a:srgbClr val="000000"/>
                   </a:solidFill>
@@ -4202,7 +4201,7 @@
             </a:ln>
             <a:extLst>
               <a:ext uri="{91240B29-F687-4f45-9708-019B960494DF}">
-                <a14:hiddenLine xmlns:a14="http://schemas.microsoft.com/office/drawing/2010/main" xmlns="" w="9525">
+                <a14:hiddenLine xmlns="" xmlns:a14="http://schemas.microsoft.com/office/drawing/2010/main" w="9525">
                   <a:solidFill>
                     <a:srgbClr val="000000"/>
                   </a:solidFill>
@@ -4292,7 +4291,7 @@
             </a:ln>
             <a:extLst>
               <a:ext uri="{91240B29-F687-4f45-9708-019B960494DF}">
-                <a14:hiddenLine xmlns:a14="http://schemas.microsoft.com/office/drawing/2010/main" xmlns="" w="9525">
+                <a14:hiddenLine xmlns="" xmlns:a14="http://schemas.microsoft.com/office/drawing/2010/main" w="9525">
                   <a:solidFill>
                     <a:srgbClr val="000000"/>
                   </a:solidFill>
@@ -9099,7 +9098,7 @@
           <a:noFill/>
           <a:extLst>
             <a:ext uri="{909E8E84-426E-40dd-AFC4-6F175D3DCCD1}">
-              <a14:hiddenFill xmlns:a14="http://schemas.microsoft.com/office/drawing/2010/main" xmlns="">
+              <a14:hiddenFill xmlns="" xmlns:a14="http://schemas.microsoft.com/office/drawing/2010/main">
                 <a:solidFill>
                   <a:srgbClr val="FFFFFF"/>
                 </a:solidFill>
@@ -9173,7 +9172,7 @@
               </a:ln>
               <a:extLst>
                 <a:ext uri="{91240B29-F687-4f45-9708-019B960494DF}">
-                  <a14:hiddenLine xmlns:a14="http://schemas.microsoft.com/office/drawing/2010/main" xmlns="" w="9525">
+                  <a14:hiddenLine xmlns="" xmlns:a14="http://schemas.microsoft.com/office/drawing/2010/main" w="9525">
                     <a:solidFill>
                       <a:srgbClr val="000000"/>
                     </a:solidFill>
@@ -9263,7 +9262,7 @@
               </a:ln>
               <a:extLst>
                 <a:ext uri="{91240B29-F687-4f45-9708-019B960494DF}">
-                  <a14:hiddenLine xmlns:a14="http://schemas.microsoft.com/office/drawing/2010/main" xmlns="" w="9525">
+                  <a14:hiddenLine xmlns="" xmlns:a14="http://schemas.microsoft.com/office/drawing/2010/main" w="9525">
                     <a:solidFill>
                       <a:srgbClr val="000000"/>
                     </a:solidFill>
@@ -9353,7 +9352,7 @@
               </a:ln>
               <a:extLst>
                 <a:ext uri="{91240B29-F687-4f45-9708-019B960494DF}">
-                  <a14:hiddenLine xmlns:a14="http://schemas.microsoft.com/office/drawing/2010/main" xmlns="" w="9525">
+                  <a14:hiddenLine xmlns="" xmlns:a14="http://schemas.microsoft.com/office/drawing/2010/main" w="9525">
                     <a:solidFill>
                       <a:srgbClr val="000000"/>
                     </a:solidFill>
@@ -9415,7 +9414,7 @@
               </a:ln>
               <a:extLst>
                 <a:ext uri="{91240B29-F687-4f45-9708-019B960494DF}">
-                  <a14:hiddenLine xmlns:a14="http://schemas.microsoft.com/office/drawing/2010/main" xmlns="" w="9525">
+                  <a14:hiddenLine xmlns="" xmlns:a14="http://schemas.microsoft.com/office/drawing/2010/main" w="9525">
                     <a:solidFill>
                       <a:srgbClr val="000000"/>
                     </a:solidFill>
@@ -9505,7 +9504,7 @@
               </a:ln>
               <a:extLst>
                 <a:ext uri="{91240B29-F687-4f45-9708-019B960494DF}">
-                  <a14:hiddenLine xmlns:a14="http://schemas.microsoft.com/office/drawing/2010/main" xmlns="" w="9525">
+                  <a14:hiddenLine xmlns="" xmlns:a14="http://schemas.microsoft.com/office/drawing/2010/main" w="9525">
                     <a:solidFill>
                       <a:srgbClr val="000000"/>
                     </a:solidFill>
@@ -9567,7 +9566,7 @@
               </a:ln>
               <a:extLst>
                 <a:ext uri="{91240B29-F687-4f45-9708-019B960494DF}">
-                  <a14:hiddenLine xmlns:a14="http://schemas.microsoft.com/office/drawing/2010/main" xmlns="" w="9525">
+                  <a14:hiddenLine xmlns="" xmlns:a14="http://schemas.microsoft.com/office/drawing/2010/main" w="9525">
                     <a:solidFill>
                       <a:srgbClr val="000000"/>
                     </a:solidFill>
@@ -9629,7 +9628,7 @@
               </a:ln>
               <a:extLst>
                 <a:ext uri="{91240B29-F687-4f45-9708-019B960494DF}">
-                  <a14:hiddenLine xmlns:a14="http://schemas.microsoft.com/office/drawing/2010/main" xmlns="" w="9525">
+                  <a14:hiddenLine xmlns="" xmlns:a14="http://schemas.microsoft.com/office/drawing/2010/main" w="9525">
                     <a:solidFill>
                       <a:srgbClr val="000000"/>
                     </a:solidFill>
@@ -9719,7 +9718,7 @@
               </a:ln>
               <a:extLst>
                 <a:ext uri="{91240B29-F687-4f45-9708-019B960494DF}">
-                  <a14:hiddenLine xmlns:a14="http://schemas.microsoft.com/office/drawing/2010/main" xmlns="" w="9525">
+                  <a14:hiddenLine xmlns="" xmlns:a14="http://schemas.microsoft.com/office/drawing/2010/main" w="9525">
                     <a:solidFill>
                       <a:srgbClr val="000000"/>
                     </a:solidFill>
@@ -9809,7 +9808,7 @@
               </a:ln>
               <a:extLst>
                 <a:ext uri="{91240B29-F687-4f45-9708-019B960494DF}">
-                  <a14:hiddenLine xmlns:a14="http://schemas.microsoft.com/office/drawing/2010/main" xmlns="" w="9525">
+                  <a14:hiddenLine xmlns="" xmlns:a14="http://schemas.microsoft.com/office/drawing/2010/main" w="9525">
                     <a:solidFill>
                       <a:srgbClr val="000000"/>
                     </a:solidFill>
@@ -9871,7 +9870,7 @@
               </a:ln>
               <a:extLst>
                 <a:ext uri="{91240B29-F687-4f45-9708-019B960494DF}">
-                  <a14:hiddenLine xmlns:a14="http://schemas.microsoft.com/office/drawing/2010/main" xmlns="" w="9525">
+                  <a14:hiddenLine xmlns="" xmlns:a14="http://schemas.microsoft.com/office/drawing/2010/main" w="9525">
                     <a:solidFill>
                       <a:srgbClr val="000000"/>
                     </a:solidFill>
@@ -9981,7 +9980,7 @@
               </a:ln>
               <a:extLst>
                 <a:ext uri="{91240B29-F687-4f45-9708-019B960494DF}">
-                  <a14:hiddenLine xmlns:a14="http://schemas.microsoft.com/office/drawing/2010/main" xmlns="" w="9525">
+                  <a14:hiddenLine xmlns="" xmlns:a14="http://schemas.microsoft.com/office/drawing/2010/main" w="9525">
                     <a:solidFill>
                       <a:srgbClr val="000000"/>
                     </a:solidFill>
@@ -10065,7 +10064,7 @@
               </a:ln>
               <a:extLst>
                 <a:ext uri="{91240B29-F687-4f45-9708-019B960494DF}">
-                  <a14:hiddenLine xmlns:a14="http://schemas.microsoft.com/office/drawing/2010/main" xmlns="" w="9525">
+                  <a14:hiddenLine xmlns="" xmlns:a14="http://schemas.microsoft.com/office/drawing/2010/main" w="9525">
                     <a:solidFill>
                       <a:srgbClr val="000000"/>
                     </a:solidFill>
@@ -10127,7 +10126,7 @@
               </a:ln>
               <a:extLst>
                 <a:ext uri="{91240B29-F687-4f45-9708-019B960494DF}">
-                  <a14:hiddenLine xmlns:a14="http://schemas.microsoft.com/office/drawing/2010/main" xmlns="" w="9525">
+                  <a14:hiddenLine xmlns="" xmlns:a14="http://schemas.microsoft.com/office/drawing/2010/main" w="9525">
                     <a:solidFill>
                       <a:srgbClr val="000000"/>
                     </a:solidFill>
@@ -10189,7 +10188,7 @@
               </a:ln>
               <a:extLst>
                 <a:ext uri="{91240B29-F687-4f45-9708-019B960494DF}">
-                  <a14:hiddenLine xmlns:a14="http://schemas.microsoft.com/office/drawing/2010/main" xmlns="" w="9525">
+                  <a14:hiddenLine xmlns="" xmlns:a14="http://schemas.microsoft.com/office/drawing/2010/main" w="9525">
                     <a:solidFill>
                       <a:srgbClr val="000000"/>
                     </a:solidFill>
@@ -10279,7 +10278,7 @@
               </a:ln>
               <a:extLst>
                 <a:ext uri="{91240B29-F687-4f45-9708-019B960494DF}">
-                  <a14:hiddenLine xmlns:a14="http://schemas.microsoft.com/office/drawing/2010/main" xmlns="" w="9525">
+                  <a14:hiddenLine xmlns="" xmlns:a14="http://schemas.microsoft.com/office/drawing/2010/main" w="9525">
                     <a:solidFill>
                       <a:srgbClr val="000000"/>
                     </a:solidFill>
@@ -10313,7 +10312,7 @@
               </a:ln>
               <a:extLst>
                 <a:ext uri="{91240B29-F687-4f45-9708-019B960494DF}">
-                  <a14:hiddenLine xmlns:a14="http://schemas.microsoft.com/office/drawing/2010/main" xmlns="" w="9525">
+                  <a14:hiddenLine xmlns="" xmlns:a14="http://schemas.microsoft.com/office/drawing/2010/main" w="9525">
                     <a:solidFill>
                       <a:srgbClr val="000000"/>
                     </a:solidFill>
@@ -10378,7 +10377,7 @@
               </a:ln>
               <a:extLst>
                 <a:ext uri="{91240B29-F687-4f45-9708-019B960494DF}">
-                  <a14:hiddenLine xmlns:a14="http://schemas.microsoft.com/office/drawing/2010/main" xmlns="" w="9525">
+                  <a14:hiddenLine xmlns="" xmlns:a14="http://schemas.microsoft.com/office/drawing/2010/main" w="9525">
                     <a:solidFill>
                       <a:srgbClr val="000000"/>
                     </a:solidFill>
@@ -10468,7 +10467,7 @@
               </a:ln>
               <a:extLst>
                 <a:ext uri="{91240B29-F687-4f45-9708-019B960494DF}">
-                  <a14:hiddenLine xmlns:a14="http://schemas.microsoft.com/office/drawing/2010/main" xmlns="" w="9525">
+                  <a14:hiddenLine xmlns="" xmlns:a14="http://schemas.microsoft.com/office/drawing/2010/main" w="9525">
                     <a:solidFill>
                       <a:srgbClr val="000000"/>
                     </a:solidFill>
@@ -10530,7 +10529,7 @@
               </a:ln>
               <a:extLst>
                 <a:ext uri="{91240B29-F687-4f45-9708-019B960494DF}">
-                  <a14:hiddenLine xmlns:a14="http://schemas.microsoft.com/office/drawing/2010/main" xmlns="" w="9525">
+                  <a14:hiddenLine xmlns="" xmlns:a14="http://schemas.microsoft.com/office/drawing/2010/main" w="9525">
                     <a:solidFill>
                       <a:srgbClr val="000000"/>
                     </a:solidFill>
@@ -10620,7 +10619,7 @@
               </a:ln>
               <a:extLst>
                 <a:ext uri="{91240B29-F687-4f45-9708-019B960494DF}">
-                  <a14:hiddenLine xmlns:a14="http://schemas.microsoft.com/office/drawing/2010/main" xmlns="" w="9525">
+                  <a14:hiddenLine xmlns="" xmlns:a14="http://schemas.microsoft.com/office/drawing/2010/main" w="9525">
                     <a:solidFill>
                       <a:srgbClr val="000000"/>
                     </a:solidFill>
@@ -10685,7 +10684,7 @@
               </a:ln>
               <a:extLst>
                 <a:ext uri="{91240B29-F687-4f45-9708-019B960494DF}">
-                  <a14:hiddenLine xmlns:a14="http://schemas.microsoft.com/office/drawing/2010/main" xmlns="" w="9525">
+                  <a14:hiddenLine xmlns="" xmlns:a14="http://schemas.microsoft.com/office/drawing/2010/main" w="9525">
                     <a:solidFill>
                       <a:srgbClr val="000000"/>
                     </a:solidFill>
@@ -10747,7 +10746,7 @@
               </a:ln>
               <a:extLst>
                 <a:ext uri="{91240B29-F687-4f45-9708-019B960494DF}">
-                  <a14:hiddenLine xmlns:a14="http://schemas.microsoft.com/office/drawing/2010/main" xmlns="" w="9525">
+                  <a14:hiddenLine xmlns="" xmlns:a14="http://schemas.microsoft.com/office/drawing/2010/main" w="9525">
                     <a:solidFill>
                       <a:srgbClr val="000000"/>
                     </a:solidFill>
@@ -10837,7 +10836,7 @@
               </a:ln>
               <a:extLst>
                 <a:ext uri="{91240B29-F687-4f45-9708-019B960494DF}">
-                  <a14:hiddenLine xmlns:a14="http://schemas.microsoft.com/office/drawing/2010/main" xmlns="" w="9525">
+                  <a14:hiddenLine xmlns="" xmlns:a14="http://schemas.microsoft.com/office/drawing/2010/main" w="9525">
                     <a:solidFill>
                       <a:srgbClr val="000000"/>
                     </a:solidFill>
@@ -10927,7 +10926,7 @@
               </a:ln>
               <a:extLst>
                 <a:ext uri="{91240B29-F687-4f45-9708-019B960494DF}">
-                  <a14:hiddenLine xmlns:a14="http://schemas.microsoft.com/office/drawing/2010/main" xmlns="" w="9525">
+                  <a14:hiddenLine xmlns="" xmlns:a14="http://schemas.microsoft.com/office/drawing/2010/main" w="9525">
                     <a:solidFill>
                       <a:srgbClr val="000000"/>
                     </a:solidFill>
@@ -10992,7 +10991,7 @@
               </a:ln>
               <a:extLst>
                 <a:ext uri="{91240B29-F687-4f45-9708-019B960494DF}">
-                  <a14:hiddenLine xmlns:a14="http://schemas.microsoft.com/office/drawing/2010/main" xmlns="" w="9525">
+                  <a14:hiddenLine xmlns="" xmlns:a14="http://schemas.microsoft.com/office/drawing/2010/main" w="9525">
                     <a:solidFill>
                       <a:srgbClr val="000000"/>
                     </a:solidFill>
@@ -11112,7 +11111,7 @@
               </a:ln>
               <a:extLst>
                 <a:ext uri="{91240B29-F687-4f45-9708-019B960494DF}">
-                  <a14:hiddenLine xmlns:a14="http://schemas.microsoft.com/office/drawing/2010/main" xmlns="" w="9525">
+                  <a14:hiddenLine xmlns="" xmlns:a14="http://schemas.microsoft.com/office/drawing/2010/main" w="9525">
                     <a:solidFill>
                       <a:srgbClr val="000000"/>
                     </a:solidFill>
@@ -11210,7 +11209,7 @@
               </a:ln>
               <a:extLst>
                 <a:ext uri="{91240B29-F687-4f45-9708-019B960494DF}">
-                  <a14:hiddenLine xmlns:a14="http://schemas.microsoft.com/office/drawing/2010/main" xmlns="" w="9525">
+                  <a14:hiddenLine xmlns="" xmlns:a14="http://schemas.microsoft.com/office/drawing/2010/main" w="9525">
                     <a:solidFill>
                       <a:srgbClr val="000000"/>
                     </a:solidFill>
@@ -11325,7 +11324,7 @@
               </a:ln>
               <a:extLst>
                 <a:ext uri="{91240B29-F687-4f45-9708-019B960494DF}">
-                  <a14:hiddenLine xmlns:a14="http://schemas.microsoft.com/office/drawing/2010/main" xmlns="" w="9525">
+                  <a14:hiddenLine xmlns="" xmlns:a14="http://schemas.microsoft.com/office/drawing/2010/main" w="9525">
                     <a:solidFill>
                       <a:srgbClr val="000000"/>
                     </a:solidFill>
@@ -11415,7 +11414,7 @@
               </a:ln>
               <a:extLst>
                 <a:ext uri="{91240B29-F687-4f45-9708-019B960494DF}">
-                  <a14:hiddenLine xmlns:a14="http://schemas.microsoft.com/office/drawing/2010/main" xmlns="" w="9525">
+                  <a14:hiddenLine xmlns="" xmlns:a14="http://schemas.microsoft.com/office/drawing/2010/main" w="9525">
                     <a:solidFill>
                       <a:srgbClr val="000000"/>
                     </a:solidFill>
@@ -11480,7 +11479,7 @@
               </a:ln>
               <a:extLst>
                 <a:ext uri="{91240B29-F687-4f45-9708-019B960494DF}">
-                  <a14:hiddenLine xmlns:a14="http://schemas.microsoft.com/office/drawing/2010/main" xmlns="" w="9525">
+                  <a14:hiddenLine xmlns="" xmlns:a14="http://schemas.microsoft.com/office/drawing/2010/main" w="9525">
                     <a:solidFill>
                       <a:srgbClr val="000000"/>
                     </a:solidFill>
@@ -11570,7 +11569,7 @@
               </a:ln>
               <a:extLst>
                 <a:ext uri="{91240B29-F687-4f45-9708-019B960494DF}">
-                  <a14:hiddenLine xmlns:a14="http://schemas.microsoft.com/office/drawing/2010/main" xmlns="" w="9525">
+                  <a14:hiddenLine xmlns="" xmlns:a14="http://schemas.microsoft.com/office/drawing/2010/main" w="9525">
                     <a:solidFill>
                       <a:srgbClr val="000000"/>
                     </a:solidFill>
@@ -11638,7 +11637,7 @@
               </a:ln>
               <a:extLst>
                 <a:ext uri="{91240B29-F687-4f45-9708-019B960494DF}">
-                  <a14:hiddenLine xmlns:a14="http://schemas.microsoft.com/office/drawing/2010/main" xmlns="" w="9525">
+                  <a14:hiddenLine xmlns="" xmlns:a14="http://schemas.microsoft.com/office/drawing/2010/main" w="9525">
                     <a:solidFill>
                       <a:srgbClr val="000000"/>
                     </a:solidFill>
@@ -11728,7 +11727,7 @@
               </a:ln>
               <a:extLst>
                 <a:ext uri="{91240B29-F687-4f45-9708-019B960494DF}">
-                  <a14:hiddenLine xmlns:a14="http://schemas.microsoft.com/office/drawing/2010/main" xmlns="" w="9525">
+                  <a14:hiddenLine xmlns="" xmlns:a14="http://schemas.microsoft.com/office/drawing/2010/main" w="9525">
                     <a:solidFill>
                       <a:srgbClr val="000000"/>
                     </a:solidFill>
@@ -11796,7 +11795,7 @@
               </a:ln>
               <a:extLst>
                 <a:ext uri="{91240B29-F687-4f45-9708-019B960494DF}">
-                  <a14:hiddenLine xmlns:a14="http://schemas.microsoft.com/office/drawing/2010/main" xmlns="" w="9525">
+                  <a14:hiddenLine xmlns="" xmlns:a14="http://schemas.microsoft.com/office/drawing/2010/main" w="9525">
                     <a:solidFill>
                       <a:srgbClr val="000000"/>
                     </a:solidFill>
@@ -11886,7 +11885,7 @@
               </a:ln>
               <a:extLst>
                 <a:ext uri="{91240B29-F687-4f45-9708-019B960494DF}">
-                  <a14:hiddenLine xmlns:a14="http://schemas.microsoft.com/office/drawing/2010/main" xmlns="" w="9525">
+                  <a14:hiddenLine xmlns="" xmlns:a14="http://schemas.microsoft.com/office/drawing/2010/main" w="9525">
                     <a:solidFill>
                       <a:srgbClr val="000000"/>
                     </a:solidFill>
@@ -11920,7 +11919,7 @@
               </a:ln>
               <a:extLst>
                 <a:ext uri="{91240B29-F687-4f45-9708-019B960494DF}">
-                  <a14:hiddenLine xmlns:a14="http://schemas.microsoft.com/office/drawing/2010/main" xmlns="" w="9525">
+                  <a14:hiddenLine xmlns="" xmlns:a14="http://schemas.microsoft.com/office/drawing/2010/main" w="9525">
                     <a:solidFill>
                       <a:srgbClr val="000000"/>
                     </a:solidFill>
@@ -14028,86 +14027,6 @@
           <p:cNvPr id="2" name="Title 1">
             <a:extLst>
               <a:ext uri="{FF2B5EF4-FFF2-40B4-BE49-F238E27FC236}">
-                <a16:creationId xmlns:a16="http://schemas.microsoft.com/office/drawing/2014/main" id="{3697DEDF-2ECC-4D04-9DBA-4D5643E1A62B}"/>
-              </a:ext>
-            </a:extLst>
-          </p:cNvPr>
-          <p:cNvSpPr>
-            <a:spLocks noGrp="1"/>
-          </p:cNvSpPr>
-          <p:nvPr>
-            <p:ph type="title"/>
-          </p:nvPr>
-        </p:nvSpPr>
-        <p:spPr/>
-        <p:txBody>
-          <a:bodyPr/>
-          <a:lstStyle/>
-          <a:p>
-            <a:endParaRPr lang="en-US"/>
-          </a:p>
-        </p:txBody>
-      </p:sp>
-      <p:sp>
-        <p:nvSpPr>
-          <p:cNvPr id="3" name="Content Placeholder 2">
-            <a:extLst>
-              <a:ext uri="{FF2B5EF4-FFF2-40B4-BE49-F238E27FC236}">
-                <a16:creationId xmlns:a16="http://schemas.microsoft.com/office/drawing/2014/main" id="{68F2DE3A-DD1E-499A-99EF-CF99D99B14CF}"/>
-              </a:ext>
-            </a:extLst>
-          </p:cNvPr>
-          <p:cNvSpPr>
-            <a:spLocks noGrp="1"/>
-          </p:cNvSpPr>
-          <p:nvPr>
-            <p:ph idx="1"/>
-          </p:nvPr>
-        </p:nvSpPr>
-        <p:spPr/>
-        <p:txBody>
-          <a:bodyPr/>
-          <a:lstStyle/>
-          <a:p>
-            <a:endParaRPr lang="en-US"/>
-          </a:p>
-        </p:txBody>
-      </p:sp>
-    </p:spTree>
-    <p:extLst>
-      <p:ext uri="{BB962C8B-B14F-4D97-AF65-F5344CB8AC3E}">
-        <p14:creationId xmlns:p14="http://schemas.microsoft.com/office/powerpoint/2010/main" val="3678944721"/>
-      </p:ext>
-    </p:extLst>
-  </p:cSld>
-  <p:clrMapOvr>
-    <a:masterClrMapping/>
-  </p:clrMapOvr>
-</p:sld>
-</file>
-
-<file path=ppt/slides/slide18.xml><?xml version="1.0" encoding="utf-8"?>
-<p:sld xmlns:a="http://schemas.openxmlformats.org/drawingml/2006/main" xmlns:r="http://schemas.openxmlformats.org/officeDocument/2006/relationships" xmlns:p="http://schemas.openxmlformats.org/presentationml/2006/main">
-  <p:cSld>
-    <p:spTree>
-      <p:nvGrpSpPr>
-        <p:cNvPr id="1" name=""/>
-        <p:cNvGrpSpPr/>
-        <p:nvPr/>
-      </p:nvGrpSpPr>
-      <p:grpSpPr>
-        <a:xfrm>
-          <a:off x="0" y="0"/>
-          <a:ext cx="0" cy="0"/>
-          <a:chOff x="0" y="0"/>
-          <a:chExt cx="0" cy="0"/>
-        </a:xfrm>
-      </p:grpSpPr>
-      <p:sp>
-        <p:nvSpPr>
-          <p:cNvPr id="2" name="Title 1">
-            <a:extLst>
-              <a:ext uri="{FF2B5EF4-FFF2-40B4-BE49-F238E27FC236}">
                 <a16:creationId xmlns:a16="http://schemas.microsoft.com/office/drawing/2014/main" id="{AC185794-B78F-466F-B582-C94476FEA250}"/>
               </a:ext>
             </a:extLst>
@@ -14214,7 +14133,7 @@
 </p:sld>
 </file>
 
-<file path=ppt/slides/slide19.xml><?xml version="1.0" encoding="utf-8"?>
+<file path=ppt/slides/slide18.xml><?xml version="1.0" encoding="utf-8"?>
 <p:sld xmlns:a="http://schemas.openxmlformats.org/drawingml/2006/main" xmlns:r="http://schemas.openxmlformats.org/officeDocument/2006/relationships" xmlns:p="http://schemas.openxmlformats.org/presentationml/2006/main">
   <p:cSld>
     <p:spTree>
@@ -14642,230 +14561,7 @@
 </p:sld>
 </file>
 
-<file path=ppt/slides/slide2.xml><?xml version="1.0" encoding="utf-8"?>
-<p:sld xmlns:a="http://schemas.openxmlformats.org/drawingml/2006/main" xmlns:r="http://schemas.openxmlformats.org/officeDocument/2006/relationships" xmlns:p="http://schemas.openxmlformats.org/presentationml/2006/main">
-  <p:cSld>
-    <p:spTree>
-      <p:nvGrpSpPr>
-        <p:cNvPr id="1" name=""/>
-        <p:cNvGrpSpPr/>
-        <p:nvPr/>
-      </p:nvGrpSpPr>
-      <p:grpSpPr>
-        <a:xfrm>
-          <a:off x="0" y="0"/>
-          <a:ext cx="0" cy="0"/>
-          <a:chOff x="0" y="0"/>
-          <a:chExt cx="0" cy="0"/>
-        </a:xfrm>
-      </p:grpSpPr>
-      <p:sp>
-        <p:nvSpPr>
-          <p:cNvPr id="7" name="Slide Number Placeholder 3"/>
-          <p:cNvSpPr>
-            <a:spLocks noGrp="1"/>
-          </p:cNvSpPr>
-          <p:nvPr>
-            <p:ph type="sldNum" sz="quarter" idx="4294967295"/>
-          </p:nvPr>
-        </p:nvSpPr>
-        <p:spPr>
-          <a:xfrm>
-            <a:off x="11568000" y="6525003"/>
-            <a:ext cx="428822" cy="196477"/>
-          </a:xfrm>
-          <a:prstGeom prst="rect">
-            <a:avLst/>
-          </a:prstGeom>
-        </p:spPr>
-        <p:txBody>
-          <a:bodyPr/>
-          <a:lstStyle/>
-          <a:p>
-            <a:pPr>
-              <a:defRPr/>
-            </a:pPr>
-            <a:fld id="{58452FF4-89E3-4D1B-9927-2DBDC00E58D7}" type="slidenum">
-              <a:rPr lang="en-US" smtClean="0"/>
-              <a:pPr>
-                <a:defRPr/>
-              </a:pPr>
-              <a:t>2</a:t>
-            </a:fld>
-            <a:endParaRPr lang="en-US" dirty="0"/>
-          </a:p>
-        </p:txBody>
-      </p:sp>
-      <p:sp>
-        <p:nvSpPr>
-          <p:cNvPr id="5" name="Content Placeholder 4"/>
-          <p:cNvSpPr>
-            <a:spLocks noGrp="1"/>
-          </p:cNvSpPr>
-          <p:nvPr>
-            <p:ph idx="1"/>
-          </p:nvPr>
-        </p:nvSpPr>
-        <p:spPr>
-          <a:xfrm>
-            <a:off x="1141413" y="1712549"/>
-            <a:ext cx="11696797" cy="5458202"/>
-          </a:xfrm>
-        </p:spPr>
-        <p:txBody>
-          <a:bodyPr>
-            <a:normAutofit/>
-          </a:bodyPr>
-          <a:lstStyle/>
-          <a:p>
-            <a:pPr>
-              <a:lnSpc>
-                <a:spcPct val="100000"/>
-              </a:lnSpc>
-            </a:pPr>
-            <a:r>
-              <a:rPr lang="en-US" dirty="0"/>
-              <a:t>The development process is different in each company </a:t>
-            </a:r>
-          </a:p>
-          <a:p>
-            <a:pPr>
-              <a:lnSpc>
-                <a:spcPct val="100000"/>
-              </a:lnSpc>
-            </a:pPr>
-            <a:r>
-              <a:rPr lang="en-US" dirty="0"/>
-              <a:t>But there is always a need to: </a:t>
-            </a:r>
-          </a:p>
-          <a:p>
-            <a:pPr lvl="1">
-              <a:lnSpc>
-                <a:spcPct val="100000"/>
-              </a:lnSpc>
-            </a:pPr>
-            <a:r>
-              <a:rPr lang="en-US" dirty="0"/>
-              <a:t>Understand business problem </a:t>
-            </a:r>
-          </a:p>
-          <a:p>
-            <a:pPr lvl="1">
-              <a:lnSpc>
-                <a:spcPct val="100000"/>
-              </a:lnSpc>
-            </a:pPr>
-            <a:r>
-              <a:rPr lang="en-US" dirty="0"/>
-              <a:t>Document non-technical business solution </a:t>
-            </a:r>
-          </a:p>
-          <a:p>
-            <a:pPr lvl="1">
-              <a:lnSpc>
-                <a:spcPct val="100000"/>
-              </a:lnSpc>
-            </a:pPr>
-            <a:r>
-              <a:rPr lang="en-US" dirty="0"/>
-              <a:t>Convert solution to technical architecture </a:t>
-            </a:r>
-          </a:p>
-          <a:p>
-            <a:pPr lvl="1">
-              <a:lnSpc>
-                <a:spcPct val="100000"/>
-              </a:lnSpc>
-            </a:pPr>
-            <a:r>
-              <a:rPr lang="en-US" dirty="0"/>
-              <a:t>Convert architecture to code </a:t>
-            </a:r>
-          </a:p>
-          <a:p>
-            <a:pPr lvl="1">
-              <a:lnSpc>
-                <a:spcPct val="100000"/>
-              </a:lnSpc>
-            </a:pPr>
-            <a:r>
-              <a:rPr lang="en-US" dirty="0"/>
-              <a:t>Manage developers </a:t>
-            </a:r>
-          </a:p>
-          <a:p>
-            <a:pPr lvl="1">
-              <a:lnSpc>
-                <a:spcPct val="100000"/>
-              </a:lnSpc>
-            </a:pPr>
-            <a:r>
-              <a:rPr lang="en-US" dirty="0"/>
-              <a:t>Test code </a:t>
-            </a:r>
-          </a:p>
-          <a:p>
-            <a:pPr lvl="1">
-              <a:lnSpc>
-                <a:spcPct val="100000"/>
-              </a:lnSpc>
-            </a:pPr>
-            <a:r>
-              <a:rPr lang="en-US" dirty="0"/>
-              <a:t>Deploy code</a:t>
-            </a:r>
-          </a:p>
-          <a:p>
-            <a:pPr>
-              <a:lnSpc>
-                <a:spcPct val="100000"/>
-              </a:lnSpc>
-            </a:pPr>
-            <a:r>
-              <a:rPr lang="en-US" dirty="0"/>
-              <a:t>Of course, in some companies these responsibilities are mixed</a:t>
-            </a:r>
-          </a:p>
-        </p:txBody>
-      </p:sp>
-      <p:sp>
-        <p:nvSpPr>
-          <p:cNvPr id="4" name="Title 3"/>
-          <p:cNvSpPr>
-            <a:spLocks noGrp="1"/>
-          </p:cNvSpPr>
-          <p:nvPr>
-            <p:ph type="title"/>
-          </p:nvPr>
-        </p:nvSpPr>
-        <p:spPr/>
-        <p:txBody>
-          <a:bodyPr/>
-          <a:lstStyle/>
-          <a:p>
-            <a:r>
-              <a:rPr lang="en-GB" dirty="0"/>
-              <a:t>Principles Of Software Development</a:t>
-            </a:r>
-            <a:endParaRPr lang="en-US" dirty="0"/>
-          </a:p>
-        </p:txBody>
-      </p:sp>
-    </p:spTree>
-    <p:extLst>
-      <p:ext uri="{BB962C8B-B14F-4D97-AF65-F5344CB8AC3E}">
-        <p14:creationId xmlns:p14="http://schemas.microsoft.com/office/powerpoint/2010/main" val="2245006873"/>
-      </p:ext>
-    </p:extLst>
-  </p:cSld>
-  <p:clrMapOvr>
-    <a:masterClrMapping/>
-  </p:clrMapOvr>
-</p:sld>
-</file>
-
-<file path=ppt/slides/slide20.xml><?xml version="1.0" encoding="utf-8"?>
+<file path=ppt/slides/slide19.xml><?xml version="1.0" encoding="utf-8"?>
 <p:sld xmlns:a="http://schemas.openxmlformats.org/drawingml/2006/main" xmlns:r="http://schemas.openxmlformats.org/officeDocument/2006/relationships" xmlns:p="http://schemas.openxmlformats.org/presentationml/2006/main">
   <p:cSld>
     <p:spTree>
@@ -14965,7 +14661,230 @@
 </p:sld>
 </file>
 
-<file path=ppt/slides/slide21.xml><?xml version="1.0" encoding="utf-8"?>
+<file path=ppt/slides/slide2.xml><?xml version="1.0" encoding="utf-8"?>
+<p:sld xmlns:a="http://schemas.openxmlformats.org/drawingml/2006/main" xmlns:r="http://schemas.openxmlformats.org/officeDocument/2006/relationships" xmlns:p="http://schemas.openxmlformats.org/presentationml/2006/main">
+  <p:cSld>
+    <p:spTree>
+      <p:nvGrpSpPr>
+        <p:cNvPr id="1" name=""/>
+        <p:cNvGrpSpPr/>
+        <p:nvPr/>
+      </p:nvGrpSpPr>
+      <p:grpSpPr>
+        <a:xfrm>
+          <a:off x="0" y="0"/>
+          <a:ext cx="0" cy="0"/>
+          <a:chOff x="0" y="0"/>
+          <a:chExt cx="0" cy="0"/>
+        </a:xfrm>
+      </p:grpSpPr>
+      <p:sp>
+        <p:nvSpPr>
+          <p:cNvPr id="7" name="Slide Number Placeholder 3"/>
+          <p:cNvSpPr>
+            <a:spLocks noGrp="1"/>
+          </p:cNvSpPr>
+          <p:nvPr>
+            <p:ph type="sldNum" sz="quarter" idx="4294967295"/>
+          </p:nvPr>
+        </p:nvSpPr>
+        <p:spPr>
+          <a:xfrm>
+            <a:off x="11568000" y="6525003"/>
+            <a:ext cx="428822" cy="196477"/>
+          </a:xfrm>
+          <a:prstGeom prst="rect">
+            <a:avLst/>
+          </a:prstGeom>
+        </p:spPr>
+        <p:txBody>
+          <a:bodyPr/>
+          <a:lstStyle/>
+          <a:p>
+            <a:pPr>
+              <a:defRPr/>
+            </a:pPr>
+            <a:fld id="{58452FF4-89E3-4D1B-9927-2DBDC00E58D7}" type="slidenum">
+              <a:rPr lang="en-US" smtClean="0"/>
+              <a:pPr>
+                <a:defRPr/>
+              </a:pPr>
+              <a:t>2</a:t>
+            </a:fld>
+            <a:endParaRPr lang="en-US" dirty="0"/>
+          </a:p>
+        </p:txBody>
+      </p:sp>
+      <p:sp>
+        <p:nvSpPr>
+          <p:cNvPr id="5" name="Content Placeholder 4"/>
+          <p:cNvSpPr>
+            <a:spLocks noGrp="1"/>
+          </p:cNvSpPr>
+          <p:nvPr>
+            <p:ph idx="1"/>
+          </p:nvPr>
+        </p:nvSpPr>
+        <p:spPr>
+          <a:xfrm>
+            <a:off x="1141413" y="1712549"/>
+            <a:ext cx="11696797" cy="5458202"/>
+          </a:xfrm>
+        </p:spPr>
+        <p:txBody>
+          <a:bodyPr>
+            <a:normAutofit/>
+          </a:bodyPr>
+          <a:lstStyle/>
+          <a:p>
+            <a:pPr>
+              <a:lnSpc>
+                <a:spcPct val="100000"/>
+              </a:lnSpc>
+            </a:pPr>
+            <a:r>
+              <a:rPr lang="en-US" dirty="0"/>
+              <a:t>The development process is different in each company </a:t>
+            </a:r>
+          </a:p>
+          <a:p>
+            <a:pPr>
+              <a:lnSpc>
+                <a:spcPct val="100000"/>
+              </a:lnSpc>
+            </a:pPr>
+            <a:r>
+              <a:rPr lang="en-US" dirty="0"/>
+              <a:t>But there is always a need to: </a:t>
+            </a:r>
+          </a:p>
+          <a:p>
+            <a:pPr lvl="1">
+              <a:lnSpc>
+                <a:spcPct val="100000"/>
+              </a:lnSpc>
+            </a:pPr>
+            <a:r>
+              <a:rPr lang="en-US" dirty="0"/>
+              <a:t>Understand business problem </a:t>
+            </a:r>
+          </a:p>
+          <a:p>
+            <a:pPr lvl="1">
+              <a:lnSpc>
+                <a:spcPct val="100000"/>
+              </a:lnSpc>
+            </a:pPr>
+            <a:r>
+              <a:rPr lang="en-US" dirty="0"/>
+              <a:t>Document non-technical business solution </a:t>
+            </a:r>
+          </a:p>
+          <a:p>
+            <a:pPr lvl="1">
+              <a:lnSpc>
+                <a:spcPct val="100000"/>
+              </a:lnSpc>
+            </a:pPr>
+            <a:r>
+              <a:rPr lang="en-US" dirty="0"/>
+              <a:t>Convert solution to technical architecture </a:t>
+            </a:r>
+          </a:p>
+          <a:p>
+            <a:pPr lvl="1">
+              <a:lnSpc>
+                <a:spcPct val="100000"/>
+              </a:lnSpc>
+            </a:pPr>
+            <a:r>
+              <a:rPr lang="en-US" dirty="0"/>
+              <a:t>Convert architecture to code </a:t>
+            </a:r>
+          </a:p>
+          <a:p>
+            <a:pPr lvl="1">
+              <a:lnSpc>
+                <a:spcPct val="100000"/>
+              </a:lnSpc>
+            </a:pPr>
+            <a:r>
+              <a:rPr lang="en-US" dirty="0"/>
+              <a:t>Manage developers </a:t>
+            </a:r>
+          </a:p>
+          <a:p>
+            <a:pPr lvl="1">
+              <a:lnSpc>
+                <a:spcPct val="100000"/>
+              </a:lnSpc>
+            </a:pPr>
+            <a:r>
+              <a:rPr lang="en-US" dirty="0"/>
+              <a:t>Test code </a:t>
+            </a:r>
+          </a:p>
+          <a:p>
+            <a:pPr lvl="1">
+              <a:lnSpc>
+                <a:spcPct val="100000"/>
+              </a:lnSpc>
+            </a:pPr>
+            <a:r>
+              <a:rPr lang="en-US" dirty="0"/>
+              <a:t>Deploy code</a:t>
+            </a:r>
+          </a:p>
+          <a:p>
+            <a:pPr>
+              <a:lnSpc>
+                <a:spcPct val="100000"/>
+              </a:lnSpc>
+            </a:pPr>
+            <a:r>
+              <a:rPr lang="en-US" dirty="0"/>
+              <a:t>Of course, in some companies these responsibilities are mixed</a:t>
+            </a:r>
+          </a:p>
+        </p:txBody>
+      </p:sp>
+      <p:sp>
+        <p:nvSpPr>
+          <p:cNvPr id="4" name="Title 3"/>
+          <p:cNvSpPr>
+            <a:spLocks noGrp="1"/>
+          </p:cNvSpPr>
+          <p:nvPr>
+            <p:ph type="title"/>
+          </p:nvPr>
+        </p:nvSpPr>
+        <p:spPr/>
+        <p:txBody>
+          <a:bodyPr/>
+          <a:lstStyle/>
+          <a:p>
+            <a:r>
+              <a:rPr lang="en-GB" dirty="0"/>
+              <a:t>Principles Of Software Development</a:t>
+            </a:r>
+            <a:endParaRPr lang="en-US" dirty="0"/>
+          </a:p>
+        </p:txBody>
+      </p:sp>
+    </p:spTree>
+    <p:extLst>
+      <p:ext uri="{BB962C8B-B14F-4D97-AF65-F5344CB8AC3E}">
+        <p14:creationId xmlns:p14="http://schemas.microsoft.com/office/powerpoint/2010/main" val="2245006873"/>
+      </p:ext>
+    </p:extLst>
+  </p:cSld>
+  <p:clrMapOvr>
+    <a:masterClrMapping/>
+  </p:clrMapOvr>
+</p:sld>
+</file>
+
+<file path=ppt/slides/slide20.xml><?xml version="1.0" encoding="utf-8"?>
 <p:sld xmlns:a="http://schemas.openxmlformats.org/drawingml/2006/main" xmlns:r="http://schemas.openxmlformats.org/officeDocument/2006/relationships" xmlns:p="http://schemas.openxmlformats.org/presentationml/2006/main">
   <p:cSld>
     <p:spTree>
@@ -15113,7 +15032,7 @@
               <a:pPr>
                 <a:defRPr/>
               </a:pPr>
-              <a:t>21</a:t>
+              <a:t>20</a:t>
             </a:fld>
             <a:endParaRPr lang="en-US" dirty="0"/>
           </a:p>
@@ -15366,7 +15285,7 @@
 </p:sld>
 </file>
 
-<file path=ppt/slides/slide22.xml><?xml version="1.0" encoding="utf-8"?>
+<file path=ppt/slides/slide21.xml><?xml version="1.0" encoding="utf-8"?>
 <p:sld xmlns:a="http://schemas.openxmlformats.org/drawingml/2006/main" xmlns:r="http://schemas.openxmlformats.org/officeDocument/2006/relationships" xmlns:p="http://schemas.openxmlformats.org/presentationml/2006/main">
   <p:cSld>
     <p:spTree>
@@ -15514,7 +15433,7 @@
               <a:pPr>
                 <a:defRPr/>
               </a:pPr>
-              <a:t>22</a:t>
+              <a:t>21</a:t>
             </a:fld>
             <a:endParaRPr lang="en-US" dirty="0"/>
           </a:p>
@@ -15762,7 +15681,7 @@
 </p:sld>
 </file>
 
-<file path=ppt/slides/slide23.xml><?xml version="1.0" encoding="utf-8"?>
+<file path=ppt/slides/slide22.xml><?xml version="1.0" encoding="utf-8"?>
 <p:sld xmlns:a="http://schemas.openxmlformats.org/drawingml/2006/main" xmlns:r="http://schemas.openxmlformats.org/officeDocument/2006/relationships" xmlns:p="http://schemas.openxmlformats.org/presentationml/2006/main">
   <p:cSld>
     <p:spTree>
@@ -16430,7 +16349,7 @@
 </p:sld>
 </file>
 
-<file path=ppt/slides/slide24.xml><?xml version="1.0" encoding="utf-8"?>
+<file path=ppt/slides/slide23.xml><?xml version="1.0" encoding="utf-8"?>
 <p:sld xmlns:a="http://schemas.openxmlformats.org/drawingml/2006/main" xmlns:r="http://schemas.openxmlformats.org/officeDocument/2006/relationships" xmlns:p="http://schemas.openxmlformats.org/presentationml/2006/main">
   <p:cSld>
     <p:spTree>
@@ -17378,7 +17297,7 @@
 </p:sld>
 </file>
 
-<file path=ppt/slides/slide25.xml><?xml version="1.0" encoding="utf-8"?>
+<file path=ppt/slides/slide24.xml><?xml version="1.0" encoding="utf-8"?>
 <p:sld xmlns:a="http://schemas.openxmlformats.org/drawingml/2006/main" xmlns:r="http://schemas.openxmlformats.org/officeDocument/2006/relationships" xmlns:p="http://schemas.openxmlformats.org/presentationml/2006/main">
   <p:cSld>
     <p:spTree>
@@ -17426,7 +17345,7 @@
               <a:pPr>
                 <a:defRPr/>
               </a:pPr>
-              <a:t>25</a:t>
+              <a:t>24</a:t>
             </a:fld>
             <a:endParaRPr lang="en-US" dirty="0"/>
           </a:p>
@@ -17602,7 +17521,7 @@
 </p:sld>
 </file>
 
-<file path=ppt/slides/slide26.xml><?xml version="1.0" encoding="utf-8"?>
+<file path=ppt/slides/slide25.xml><?xml version="1.0" encoding="utf-8"?>
 <p:sld xmlns:a="http://schemas.openxmlformats.org/drawingml/2006/main" xmlns:r="http://schemas.openxmlformats.org/officeDocument/2006/relationships" xmlns:p="http://schemas.openxmlformats.org/presentationml/2006/main">
   <p:cSld>
     <p:spTree>
@@ -17650,7 +17569,7 @@
               <a:pPr>
                 <a:defRPr/>
               </a:pPr>
-              <a:t>26</a:t>
+              <a:t>25</a:t>
             </a:fld>
             <a:endParaRPr lang="en-US" dirty="0"/>
           </a:p>
@@ -17882,7 +17801,7 @@
 </p:sld>
 </file>
 
-<file path=ppt/slides/slide27.xml><?xml version="1.0" encoding="utf-8"?>
+<file path=ppt/slides/slide26.xml><?xml version="1.0" encoding="utf-8"?>
 <p:sld xmlns:a="http://schemas.openxmlformats.org/drawingml/2006/main" xmlns:r="http://schemas.openxmlformats.org/officeDocument/2006/relationships" xmlns:p="http://schemas.openxmlformats.org/presentationml/2006/main">
   <p:cSld>
     <p:spTree>
@@ -17930,7 +17849,7 @@
               <a:pPr>
                 <a:defRPr/>
               </a:pPr>
-              <a:t>27</a:t>
+              <a:t>26</a:t>
             </a:fld>
             <a:endParaRPr lang="en-US" dirty="0"/>
           </a:p>
@@ -18118,7 +18037,7 @@
 </p:sld>
 </file>
 
-<file path=ppt/slides/slide28.xml><?xml version="1.0" encoding="utf-8"?>
+<file path=ppt/slides/slide27.xml><?xml version="1.0" encoding="utf-8"?>
 <p:sld xmlns:a="http://schemas.openxmlformats.org/drawingml/2006/main" xmlns:r="http://schemas.openxmlformats.org/officeDocument/2006/relationships" xmlns:p="http://schemas.openxmlformats.org/presentationml/2006/main">
   <p:cSld>
     <p:spTree>
@@ -18166,7 +18085,7 @@
               <a:pPr>
                 <a:defRPr/>
               </a:pPr>
-              <a:t>28</a:t>
+              <a:t>27</a:t>
             </a:fld>
             <a:endParaRPr lang="en-US" dirty="0"/>
           </a:p>
@@ -18342,7 +18261,7 @@
 </p:sld>
 </file>
 
-<file path=ppt/slides/slide29.xml><?xml version="1.0" encoding="utf-8"?>
+<file path=ppt/slides/slide28.xml><?xml version="1.0" encoding="utf-8"?>
 <p:sld xmlns:a="http://schemas.openxmlformats.org/drawingml/2006/main" xmlns:r="http://schemas.openxmlformats.org/officeDocument/2006/relationships" xmlns:p="http://schemas.openxmlformats.org/presentationml/2006/main">
   <p:cSld>
     <p:spTree>
@@ -18390,7 +18309,7 @@
               <a:pPr>
                 <a:defRPr/>
               </a:pPr>
-              <a:t>29</a:t>
+              <a:t>28</a:t>
             </a:fld>
             <a:endParaRPr lang="en-US" dirty="0"/>
           </a:p>
@@ -18568,6 +18487,208 @@
     <p:extLst>
       <p:ext uri="{BB962C8B-B14F-4D97-AF65-F5344CB8AC3E}">
         <p14:creationId xmlns:p14="http://schemas.microsoft.com/office/powerpoint/2010/main" val="652442687"/>
+      </p:ext>
+    </p:extLst>
+  </p:cSld>
+  <p:clrMapOvr>
+    <a:masterClrMapping/>
+  </p:clrMapOvr>
+</p:sld>
+</file>
+
+<file path=ppt/slides/slide29.xml><?xml version="1.0" encoding="utf-8"?>
+<p:sld xmlns:a="http://schemas.openxmlformats.org/drawingml/2006/main" xmlns:r="http://schemas.openxmlformats.org/officeDocument/2006/relationships" xmlns:p="http://schemas.openxmlformats.org/presentationml/2006/main">
+  <p:cSld>
+    <p:spTree>
+      <p:nvGrpSpPr>
+        <p:cNvPr id="1" name=""/>
+        <p:cNvGrpSpPr/>
+        <p:nvPr/>
+      </p:nvGrpSpPr>
+      <p:grpSpPr>
+        <a:xfrm>
+          <a:off x="0" y="0"/>
+          <a:ext cx="0" cy="0"/>
+          <a:chOff x="0" y="0"/>
+          <a:chExt cx="0" cy="0"/>
+        </a:xfrm>
+      </p:grpSpPr>
+      <p:sp>
+        <p:nvSpPr>
+          <p:cNvPr id="7" name="Slide Number Placeholder 3"/>
+          <p:cNvSpPr>
+            <a:spLocks noGrp="1"/>
+          </p:cNvSpPr>
+          <p:nvPr>
+            <p:ph type="sldNum" sz="quarter" idx="4294967295"/>
+          </p:nvPr>
+        </p:nvSpPr>
+        <p:spPr>
+          <a:xfrm>
+            <a:off x="11568000" y="6525003"/>
+            <a:ext cx="428822" cy="196477"/>
+          </a:xfrm>
+          <a:prstGeom prst="rect">
+            <a:avLst/>
+          </a:prstGeom>
+        </p:spPr>
+        <p:txBody>
+          <a:bodyPr/>
+          <a:lstStyle/>
+          <a:p>
+            <a:pPr>
+              <a:defRPr/>
+            </a:pPr>
+            <a:fld id="{58452FF4-89E3-4D1B-9927-2DBDC00E58D7}" type="slidenum">
+              <a:rPr lang="en-US" smtClean="0"/>
+              <a:pPr>
+                <a:defRPr/>
+              </a:pPr>
+              <a:t>29</a:t>
+            </a:fld>
+            <a:endParaRPr lang="en-US" dirty="0"/>
+          </a:p>
+        </p:txBody>
+      </p:sp>
+      <p:sp>
+        <p:nvSpPr>
+          <p:cNvPr id="5" name="Content Placeholder 4"/>
+          <p:cNvSpPr>
+            <a:spLocks noGrp="1"/>
+          </p:cNvSpPr>
+          <p:nvPr>
+            <p:ph idx="1"/>
+          </p:nvPr>
+        </p:nvSpPr>
+        <p:spPr>
+          <a:xfrm>
+            <a:off x="1141413" y="1712549"/>
+            <a:ext cx="11696797" cy="5458202"/>
+          </a:xfrm>
+        </p:spPr>
+        <p:txBody>
+          <a:bodyPr>
+            <a:normAutofit/>
+          </a:bodyPr>
+          <a:lstStyle/>
+          <a:p>
+            <a:pPr>
+              <a:lnSpc>
+                <a:spcPct val="100000"/>
+              </a:lnSpc>
+            </a:pPr>
+            <a:r>
+              <a:rPr lang="en-US" dirty="0"/>
+              <a:t>Best suited for:</a:t>
+            </a:r>
+          </a:p>
+          <a:p>
+            <a:pPr lvl="1">
+              <a:lnSpc>
+                <a:spcPct val="100000"/>
+              </a:lnSpc>
+            </a:pPr>
+            <a:r>
+              <a:rPr lang="en-US" dirty="0"/>
+              <a:t>Long-running processes </a:t>
+            </a:r>
+          </a:p>
+          <a:p>
+            <a:pPr>
+              <a:lnSpc>
+                <a:spcPct val="100000"/>
+              </a:lnSpc>
+            </a:pPr>
+            <a:r>
+              <a:rPr lang="en-US" dirty="0"/>
+              <a:t>No UI at all</a:t>
+            </a:r>
+          </a:p>
+          <a:p>
+            <a:pPr>
+              <a:lnSpc>
+                <a:spcPct val="100000"/>
+              </a:lnSpc>
+            </a:pPr>
+            <a:r>
+              <a:rPr lang="en-US" dirty="0"/>
+              <a:t>Managed by the OS service manager</a:t>
+            </a:r>
+          </a:p>
+        </p:txBody>
+      </p:sp>
+      <p:sp>
+        <p:nvSpPr>
+          <p:cNvPr id="4" name="Title 3"/>
+          <p:cNvSpPr>
+            <a:spLocks noGrp="1"/>
+          </p:cNvSpPr>
+          <p:nvPr>
+            <p:ph type="title"/>
+          </p:nvPr>
+        </p:nvSpPr>
+        <p:spPr/>
+        <p:txBody>
+          <a:bodyPr/>
+          <a:lstStyle/>
+          <a:p>
+            <a:pPr>
+              <a:lnSpc>
+                <a:spcPct val="100000"/>
+              </a:lnSpc>
+            </a:pPr>
+            <a:r>
+              <a:rPr lang="en-GB" dirty="0"/>
+              <a:t>Application Types – Service</a:t>
+            </a:r>
+            <a:endParaRPr lang="pt-BR" dirty="0"/>
+          </a:p>
+        </p:txBody>
+      </p:sp>
+      <p:pic>
+        <p:nvPicPr>
+          <p:cNvPr id="2" name="Picture 1">
+            <a:extLst>
+              <a:ext uri="{FF2B5EF4-FFF2-40B4-BE49-F238E27FC236}">
+                <a16:creationId xmlns:a16="http://schemas.microsoft.com/office/drawing/2014/main" id="{D77E312A-B140-44C7-8392-D36088E155FC}"/>
+              </a:ext>
+            </a:extLst>
+          </p:cNvPr>
+          <p:cNvPicPr>
+            <a:picLocks noChangeAspect="1"/>
+          </p:cNvPicPr>
+          <p:nvPr/>
+        </p:nvPicPr>
+        <p:blipFill>
+          <a:blip r:embed="rId2"/>
+          <a:stretch>
+            <a:fillRect/>
+          </a:stretch>
+        </p:blipFill>
+        <p:spPr>
+          <a:xfrm>
+            <a:off x="6416229" y="1712549"/>
+            <a:ext cx="4631181" cy="2132830"/>
+          </a:xfrm>
+          <a:prstGeom prst="rect">
+            <a:avLst/>
+          </a:prstGeom>
+          <a:ln>
+            <a:noFill/>
+          </a:ln>
+          <a:effectLst>
+            <a:outerShdw blurRad="190500" algn="tl" rotWithShape="0">
+              <a:srgbClr val="000000">
+                <a:alpha val="70000"/>
+              </a:srgbClr>
+            </a:outerShdw>
+          </a:effectLst>
+        </p:spPr>
+      </p:pic>
+    </p:spTree>
+    <p:extLst>
+      <p:ext uri="{BB962C8B-B14F-4D97-AF65-F5344CB8AC3E}">
+        <p14:creationId xmlns:p14="http://schemas.microsoft.com/office/powerpoint/2010/main" val="4236251640"/>
       </p:ext>
     </p:extLst>
   </p:cSld>
@@ -18787,208 +18908,6 @@
                 <a:spcPct val="100000"/>
               </a:lnSpc>
             </a:pPr>
-            <a:r>
-              <a:rPr lang="en-US" dirty="0"/>
-              <a:t>Best suited for:</a:t>
-            </a:r>
-          </a:p>
-          <a:p>
-            <a:pPr lvl="1">
-              <a:lnSpc>
-                <a:spcPct val="100000"/>
-              </a:lnSpc>
-            </a:pPr>
-            <a:r>
-              <a:rPr lang="en-US" dirty="0"/>
-              <a:t>Long-running processes </a:t>
-            </a:r>
-          </a:p>
-          <a:p>
-            <a:pPr>
-              <a:lnSpc>
-                <a:spcPct val="100000"/>
-              </a:lnSpc>
-            </a:pPr>
-            <a:r>
-              <a:rPr lang="en-US" dirty="0"/>
-              <a:t>No UI at all</a:t>
-            </a:r>
-          </a:p>
-          <a:p>
-            <a:pPr>
-              <a:lnSpc>
-                <a:spcPct val="100000"/>
-              </a:lnSpc>
-            </a:pPr>
-            <a:r>
-              <a:rPr lang="en-US" dirty="0"/>
-              <a:t>Managed by the OS service manager</a:t>
-            </a:r>
-          </a:p>
-        </p:txBody>
-      </p:sp>
-      <p:sp>
-        <p:nvSpPr>
-          <p:cNvPr id="4" name="Title 3"/>
-          <p:cNvSpPr>
-            <a:spLocks noGrp="1"/>
-          </p:cNvSpPr>
-          <p:nvPr>
-            <p:ph type="title"/>
-          </p:nvPr>
-        </p:nvSpPr>
-        <p:spPr/>
-        <p:txBody>
-          <a:bodyPr/>
-          <a:lstStyle/>
-          <a:p>
-            <a:pPr>
-              <a:lnSpc>
-                <a:spcPct val="100000"/>
-              </a:lnSpc>
-            </a:pPr>
-            <a:r>
-              <a:rPr lang="en-GB" dirty="0"/>
-              <a:t>Application Types – Service</a:t>
-            </a:r>
-            <a:endParaRPr lang="pt-BR" dirty="0"/>
-          </a:p>
-        </p:txBody>
-      </p:sp>
-      <p:pic>
-        <p:nvPicPr>
-          <p:cNvPr id="2" name="Picture 1">
-            <a:extLst>
-              <a:ext uri="{FF2B5EF4-FFF2-40B4-BE49-F238E27FC236}">
-                <a16:creationId xmlns:a16="http://schemas.microsoft.com/office/drawing/2014/main" id="{D77E312A-B140-44C7-8392-D36088E155FC}"/>
-              </a:ext>
-            </a:extLst>
-          </p:cNvPr>
-          <p:cNvPicPr>
-            <a:picLocks noChangeAspect="1"/>
-          </p:cNvPicPr>
-          <p:nvPr/>
-        </p:nvPicPr>
-        <p:blipFill>
-          <a:blip r:embed="rId2"/>
-          <a:stretch>
-            <a:fillRect/>
-          </a:stretch>
-        </p:blipFill>
-        <p:spPr>
-          <a:xfrm>
-            <a:off x="6416229" y="1712549"/>
-            <a:ext cx="4631181" cy="2132830"/>
-          </a:xfrm>
-          <a:prstGeom prst="rect">
-            <a:avLst/>
-          </a:prstGeom>
-          <a:ln>
-            <a:noFill/>
-          </a:ln>
-          <a:effectLst>
-            <a:outerShdw blurRad="190500" algn="tl" rotWithShape="0">
-              <a:srgbClr val="000000">
-                <a:alpha val="70000"/>
-              </a:srgbClr>
-            </a:outerShdw>
-          </a:effectLst>
-        </p:spPr>
-      </p:pic>
-    </p:spTree>
-    <p:extLst>
-      <p:ext uri="{BB962C8B-B14F-4D97-AF65-F5344CB8AC3E}">
-        <p14:creationId xmlns:p14="http://schemas.microsoft.com/office/powerpoint/2010/main" val="4236251640"/>
-      </p:ext>
-    </p:extLst>
-  </p:cSld>
-  <p:clrMapOvr>
-    <a:masterClrMapping/>
-  </p:clrMapOvr>
-</p:sld>
-</file>
-
-<file path=ppt/slides/slide31.xml><?xml version="1.0" encoding="utf-8"?>
-<p:sld xmlns:a="http://schemas.openxmlformats.org/drawingml/2006/main" xmlns:r="http://schemas.openxmlformats.org/officeDocument/2006/relationships" xmlns:p="http://schemas.openxmlformats.org/presentationml/2006/main">
-  <p:cSld>
-    <p:spTree>
-      <p:nvGrpSpPr>
-        <p:cNvPr id="1" name=""/>
-        <p:cNvGrpSpPr/>
-        <p:nvPr/>
-      </p:nvGrpSpPr>
-      <p:grpSpPr>
-        <a:xfrm>
-          <a:off x="0" y="0"/>
-          <a:ext cx="0" cy="0"/>
-          <a:chOff x="0" y="0"/>
-          <a:chExt cx="0" cy="0"/>
-        </a:xfrm>
-      </p:grpSpPr>
-      <p:sp>
-        <p:nvSpPr>
-          <p:cNvPr id="7" name="Slide Number Placeholder 3"/>
-          <p:cNvSpPr>
-            <a:spLocks noGrp="1"/>
-          </p:cNvSpPr>
-          <p:nvPr>
-            <p:ph type="sldNum" sz="quarter" idx="4294967295"/>
-          </p:nvPr>
-        </p:nvSpPr>
-        <p:spPr>
-          <a:xfrm>
-            <a:off x="11568000" y="6525003"/>
-            <a:ext cx="428822" cy="196477"/>
-          </a:xfrm>
-          <a:prstGeom prst="rect">
-            <a:avLst/>
-          </a:prstGeom>
-        </p:spPr>
-        <p:txBody>
-          <a:bodyPr/>
-          <a:lstStyle/>
-          <a:p>
-            <a:pPr>
-              <a:defRPr/>
-            </a:pPr>
-            <a:fld id="{58452FF4-89E3-4D1B-9927-2DBDC00E58D7}" type="slidenum">
-              <a:rPr lang="en-US" smtClean="0"/>
-              <a:pPr>
-                <a:defRPr/>
-              </a:pPr>
-              <a:t>31</a:t>
-            </a:fld>
-            <a:endParaRPr lang="en-US" dirty="0"/>
-          </a:p>
-        </p:txBody>
-      </p:sp>
-      <p:sp>
-        <p:nvSpPr>
-          <p:cNvPr id="5" name="Content Placeholder 4"/>
-          <p:cNvSpPr>
-            <a:spLocks noGrp="1"/>
-          </p:cNvSpPr>
-          <p:nvPr>
-            <p:ph idx="1"/>
-          </p:nvPr>
-        </p:nvSpPr>
-        <p:spPr>
-          <a:xfrm>
-            <a:off x="1141413" y="1712549"/>
-            <a:ext cx="11696797" cy="5458202"/>
-          </a:xfrm>
-        </p:spPr>
-        <p:txBody>
-          <a:bodyPr>
-            <a:normAutofit/>
-          </a:bodyPr>
-          <a:lstStyle/>
-          <a:p>
-            <a:pPr>
-              <a:lnSpc>
-                <a:spcPct val="100000"/>
-              </a:lnSpc>
-            </a:pPr>
             <a:endParaRPr lang="en-US" dirty="0"/>
           </a:p>
           <a:p>
@@ -19131,7 +19050,7 @@
 </p:sld>
 </file>
 
-<file path=ppt/slides/slide32.xml><?xml version="1.0" encoding="utf-8"?>
+<file path=ppt/slides/slide31.xml><?xml version="1.0" encoding="utf-8"?>
 <p:sld xmlns:a="http://schemas.openxmlformats.org/drawingml/2006/main" xmlns:r="http://schemas.openxmlformats.org/officeDocument/2006/relationships" xmlns:p="http://schemas.openxmlformats.org/presentationml/2006/main">
   <p:cSld>
     <p:spTree>
@@ -19179,7 +19098,7 @@
               <a:pPr>
                 <a:defRPr/>
               </a:pPr>
-              <a:t>32</a:t>
+              <a:t>31</a:t>
             </a:fld>
             <a:endParaRPr lang="en-US" dirty="0"/>
           </a:p>
@@ -19266,7 +19185,7 @@
 </p:sld>
 </file>
 
-<file path=ppt/slides/slide33.xml><?xml version="1.0" encoding="utf-8"?>
+<file path=ppt/slides/slide32.xml><?xml version="1.0" encoding="utf-8"?>
 <p:sld xmlns:a="http://schemas.openxmlformats.org/drawingml/2006/main" xmlns:r="http://schemas.openxmlformats.org/officeDocument/2006/relationships" xmlns:p="http://schemas.openxmlformats.org/presentationml/2006/main">
   <p:cSld>
     <p:spTree>
@@ -19343,7 +19262,7 @@
 </p:sld>
 </file>
 
-<file path=ppt/slides/slide34.xml><?xml version="1.0" encoding="utf-8"?>
+<file path=ppt/slides/slide33.xml><?xml version="1.0" encoding="utf-8"?>
 <p:sld xmlns:a="http://schemas.openxmlformats.org/drawingml/2006/main" xmlns:r="http://schemas.openxmlformats.org/officeDocument/2006/relationships" xmlns:p="http://schemas.openxmlformats.org/presentationml/2006/main">
   <p:cSld>
     <p:spTree>
@@ -20251,7 +20170,7 @@
 </p:sld>
 </file>
 
-<file path=ppt/slides/slide35.xml><?xml version="1.0" encoding="utf-8"?>
+<file path=ppt/slides/slide34.xml><?xml version="1.0" encoding="utf-8"?>
 <p:sld xmlns:a="http://schemas.openxmlformats.org/drawingml/2006/main" xmlns:r="http://schemas.openxmlformats.org/officeDocument/2006/relationships" xmlns:p="http://schemas.openxmlformats.org/presentationml/2006/main">
   <p:cSld>
     <p:spTree>
@@ -20311,7 +20230,7 @@
 </p:sld>
 </file>
 
-<file path=ppt/slides/slide36.xml><?xml version="1.0" encoding="utf-8"?>
+<file path=ppt/slides/slide35.xml><?xml version="1.0" encoding="utf-8"?>
 <p:sld xmlns:a="http://schemas.openxmlformats.org/drawingml/2006/main" xmlns:r="http://schemas.openxmlformats.org/officeDocument/2006/relationships" xmlns:p="http://schemas.openxmlformats.org/presentationml/2006/main">
   <p:cSld>
     <p:spTree>
@@ -20391,7 +20310,7 @@
 </p:sld>
 </file>
 
-<file path=ppt/slides/slide37.xml><?xml version="1.0" encoding="utf-8"?>
+<file path=ppt/slides/slide36.xml><?xml version="1.0" encoding="utf-8"?>
 <p:sld xmlns:a="http://schemas.openxmlformats.org/drawingml/2006/main" xmlns:r="http://schemas.openxmlformats.org/officeDocument/2006/relationships" xmlns:p="http://schemas.openxmlformats.org/presentationml/2006/main">
   <p:cSld>
     <p:spTree>
@@ -20439,7 +20358,7 @@
               <a:pPr>
                 <a:defRPr/>
               </a:pPr>
-              <a:t>37</a:t>
+              <a:t>36</a:t>
             </a:fld>
             <a:endParaRPr lang="en-US" dirty="0"/>
           </a:p>
@@ -20652,6 +20571,209 @@
 </p:sld>
 </file>
 
+<file path=ppt/slides/slide37.xml><?xml version="1.0" encoding="utf-8"?>
+<p:sld xmlns:a="http://schemas.openxmlformats.org/drawingml/2006/main" xmlns:r="http://schemas.openxmlformats.org/officeDocument/2006/relationships" xmlns:p="http://schemas.openxmlformats.org/presentationml/2006/main">
+  <p:cSld>
+    <p:spTree>
+      <p:nvGrpSpPr>
+        <p:cNvPr id="1" name=""/>
+        <p:cNvGrpSpPr/>
+        <p:nvPr/>
+      </p:nvGrpSpPr>
+      <p:grpSpPr>
+        <a:xfrm>
+          <a:off x="0" y="0"/>
+          <a:ext cx="0" cy="0"/>
+          <a:chOff x="0" y="0"/>
+          <a:chExt cx="0" cy="0"/>
+        </a:xfrm>
+      </p:grpSpPr>
+      <p:sp>
+        <p:nvSpPr>
+          <p:cNvPr id="7" name="Slide Number Placeholder 3"/>
+          <p:cNvSpPr>
+            <a:spLocks noGrp="1"/>
+          </p:cNvSpPr>
+          <p:nvPr>
+            <p:ph type="sldNum" sz="quarter" idx="4294967295"/>
+          </p:nvPr>
+        </p:nvSpPr>
+        <p:spPr>
+          <a:xfrm>
+            <a:off x="11568000" y="6525003"/>
+            <a:ext cx="428822" cy="196477"/>
+          </a:xfrm>
+          <a:prstGeom prst="rect">
+            <a:avLst/>
+          </a:prstGeom>
+        </p:spPr>
+        <p:txBody>
+          <a:bodyPr/>
+          <a:lstStyle/>
+          <a:p>
+            <a:pPr>
+              <a:defRPr/>
+            </a:pPr>
+            <a:fld id="{58452FF4-89E3-4D1B-9927-2DBDC00E58D7}" type="slidenum">
+              <a:rPr lang="en-US" smtClean="0"/>
+              <a:pPr>
+                <a:defRPr/>
+              </a:pPr>
+              <a:t>37</a:t>
+            </a:fld>
+            <a:endParaRPr lang="en-US" dirty="0"/>
+          </a:p>
+        </p:txBody>
+      </p:sp>
+      <p:sp>
+        <p:nvSpPr>
+          <p:cNvPr id="5" name="Content Placeholder 4"/>
+          <p:cNvSpPr>
+            <a:spLocks noGrp="1"/>
+          </p:cNvSpPr>
+          <p:nvPr>
+            <p:ph idx="1"/>
+          </p:nvPr>
+        </p:nvSpPr>
+        <p:spPr>
+          <a:xfrm>
+            <a:off x="1141413" y="1712549"/>
+            <a:ext cx="11696797" cy="5458202"/>
+          </a:xfrm>
+        </p:spPr>
+        <p:txBody>
+          <a:bodyPr>
+            <a:normAutofit/>
+          </a:bodyPr>
+          <a:lstStyle/>
+          <a:p>
+            <a:pPr>
+              <a:lnSpc>
+                <a:spcPct val="100000"/>
+              </a:lnSpc>
+            </a:pPr>
+            <a:r>
+              <a:rPr lang="en-US" dirty="0"/>
+              <a:t>Docker is lightweight, open, secure</a:t>
+            </a:r>
+          </a:p>
+          <a:p>
+            <a:pPr>
+              <a:lnSpc>
+                <a:spcPct val="100000"/>
+              </a:lnSpc>
+            </a:pPr>
+            <a:r>
+              <a:rPr lang="en-US" dirty="0"/>
+              <a:t>It simplifies building, shipping, and running applications</a:t>
+            </a:r>
+          </a:p>
+          <a:p>
+            <a:pPr lvl="1">
+              <a:lnSpc>
+                <a:spcPct val="100000"/>
+              </a:lnSpc>
+            </a:pPr>
+            <a:r>
+              <a:rPr lang="en-US" dirty="0"/>
+              <a:t>On different environments</a:t>
+            </a:r>
+          </a:p>
+          <a:p>
+            <a:pPr>
+              <a:lnSpc>
+                <a:spcPct val="100000"/>
+              </a:lnSpc>
+            </a:pPr>
+            <a:r>
+              <a:rPr lang="en-US" dirty="0"/>
+              <a:t>Runs natively on Linux or Windows servers</a:t>
+            </a:r>
+          </a:p>
+          <a:p>
+            <a:pPr>
+              <a:lnSpc>
+                <a:spcPct val="100000"/>
+              </a:lnSpc>
+            </a:pPr>
+            <a:r>
+              <a:rPr lang="en-US" dirty="0"/>
+              <a:t>Runs on Windows or Mac development machines</a:t>
+            </a:r>
+          </a:p>
+          <a:p>
+            <a:pPr>
+              <a:lnSpc>
+                <a:spcPct val="100000"/>
+              </a:lnSpc>
+            </a:pPr>
+            <a:r>
+              <a:rPr lang="en-US" dirty="0"/>
+              <a:t>Relies on "images" and "containers"</a:t>
+            </a:r>
+          </a:p>
+          <a:p>
+            <a:pPr>
+              <a:lnSpc>
+                <a:spcPct val="100000"/>
+              </a:lnSpc>
+            </a:pPr>
+            <a:r>
+              <a:rPr lang="en-US" dirty="0"/>
+              <a:t>The playground is a good starting point:</a:t>
+            </a:r>
+          </a:p>
+          <a:p>
+            <a:pPr lvl="1">
+              <a:lnSpc>
+                <a:spcPct val="100000"/>
+              </a:lnSpc>
+            </a:pPr>
+            <a:r>
+              <a:rPr lang="en-GB" dirty="0">
+                <a:hlinkClick r:id="rId2"/>
+              </a:rPr>
+              <a:t>https://www.docker.com/play-with-docker</a:t>
+            </a:r>
+            <a:endParaRPr lang="en-US" dirty="0"/>
+          </a:p>
+        </p:txBody>
+      </p:sp>
+      <p:sp>
+        <p:nvSpPr>
+          <p:cNvPr id="4" name="Title 3"/>
+          <p:cNvSpPr>
+            <a:spLocks noGrp="1"/>
+          </p:cNvSpPr>
+          <p:nvPr>
+            <p:ph type="title"/>
+          </p:nvPr>
+        </p:nvSpPr>
+        <p:spPr/>
+        <p:txBody>
+          <a:bodyPr/>
+          <a:lstStyle/>
+          <a:p>
+            <a:r>
+              <a:rPr lang="en-US" dirty="0"/>
+              <a:t>What is docker?</a:t>
+            </a:r>
+          </a:p>
+        </p:txBody>
+      </p:sp>
+    </p:spTree>
+    <p:extLst>
+      <p:ext uri="{BB962C8B-B14F-4D97-AF65-F5344CB8AC3E}">
+        <p14:creationId xmlns:p14="http://schemas.microsoft.com/office/powerpoint/2010/main" val="2315132730"/>
+      </p:ext>
+    </p:extLst>
+  </p:cSld>
+  <p:clrMapOvr>
+    <a:masterClrMapping/>
+  </p:clrMapOvr>
+</p:sld>
+</file>
+
 <file path=ppt/slides/slide38.xml><?xml version="1.0" encoding="utf-8"?>
 <p:sld xmlns:a="http://schemas.openxmlformats.org/drawingml/2006/main" xmlns:r="http://schemas.openxmlformats.org/officeDocument/2006/relationships" xmlns:p="http://schemas.openxmlformats.org/presentationml/2006/main">
   <p:cSld>
@@ -20735,7 +20857,51 @@
             </a:pPr>
             <a:r>
               <a:rPr lang="en-US" dirty="0"/>
-              <a:t>Docker is lightweight, open, secure</a:t>
+              <a:t>Image</a:t>
+            </a:r>
+          </a:p>
+          <a:p>
+            <a:pPr lvl="1">
+              <a:lnSpc>
+                <a:spcPct val="100000"/>
+              </a:lnSpc>
+            </a:pPr>
+            <a:r>
+              <a:rPr lang="en-US" dirty="0"/>
+              <a:t>An image is just like a blueprint</a:t>
+            </a:r>
+          </a:p>
+          <a:p>
+            <a:pPr lvl="1">
+              <a:lnSpc>
+                <a:spcPct val="100000"/>
+              </a:lnSpc>
+            </a:pPr>
+            <a:r>
+              <a:rPr lang="en-US" dirty="0"/>
+              <a:t>A read-only template</a:t>
+            </a:r>
+          </a:p>
+          <a:p>
+            <a:pPr lvl="1">
+              <a:lnSpc>
+                <a:spcPct val="100000"/>
+              </a:lnSpc>
+            </a:pPr>
+            <a:r>
+              <a:rPr lang="en-US" dirty="0"/>
+              <a:t>Contains the building blocks of an application</a:t>
+            </a:r>
+          </a:p>
+          <a:p>
+            <a:pPr lvl="1">
+              <a:lnSpc>
+                <a:spcPct val="100000"/>
+              </a:lnSpc>
+            </a:pPr>
+            <a:r>
+              <a:rPr lang="en-US" dirty="0"/>
+              <a:t>Framework, dependencies and code are "described" here</a:t>
             </a:r>
           </a:p>
           <a:p>
@@ -20746,7 +20912,7 @@
             </a:pPr>
             <a:r>
               <a:rPr lang="en-US" dirty="0"/>
-              <a:t>It simplifies building, shipping, and running applications</a:t>
+              <a:t>Container</a:t>
             </a:r>
           </a:p>
           <a:p>
@@ -20757,51 +20923,7 @@
             </a:pPr>
             <a:r>
               <a:rPr lang="en-US" dirty="0"/>
-              <a:t>On different environments</a:t>
-            </a:r>
-          </a:p>
-          <a:p>
-            <a:pPr>
-              <a:lnSpc>
-                <a:spcPct val="100000"/>
-              </a:lnSpc>
-            </a:pPr>
-            <a:r>
-              <a:rPr lang="en-US" dirty="0"/>
-              <a:t>Runs natively on Linux or Windows servers</a:t>
-            </a:r>
-          </a:p>
-          <a:p>
-            <a:pPr>
-              <a:lnSpc>
-                <a:spcPct val="100000"/>
-              </a:lnSpc>
-            </a:pPr>
-            <a:r>
-              <a:rPr lang="en-US" dirty="0"/>
-              <a:t>Runs on Windows or Mac development machines</a:t>
-            </a:r>
-          </a:p>
-          <a:p>
-            <a:pPr>
-              <a:lnSpc>
-                <a:spcPct val="100000"/>
-              </a:lnSpc>
-            </a:pPr>
-            <a:r>
-              <a:rPr lang="en-US" dirty="0"/>
-              <a:t>Relies on "images" and "containers"</a:t>
-            </a:r>
-          </a:p>
-          <a:p>
-            <a:pPr>
-              <a:lnSpc>
-                <a:spcPct val="100000"/>
-              </a:lnSpc>
-            </a:pPr>
-            <a:r>
-              <a:rPr lang="en-US" dirty="0"/>
-              <a:t>The playground is a good starting point:</a:t>
+              <a:t>Built from the image</a:t>
             </a:r>
           </a:p>
           <a:p>
@@ -20811,12 +20933,53 @@
               </a:lnSpc>
             </a:pPr>
             <a:r>
-              <a:rPr lang="en-GB" dirty="0">
-                <a:hlinkClick r:id="rId2"/>
-              </a:rPr>
-              <a:t>https://www.docker.com/play-with-docker</a:t>
-            </a:r>
-            <a:endParaRPr lang="en-US" dirty="0"/>
+              <a:rPr lang="en-US" dirty="0"/>
+              <a:t>It is the actual running environment for your application</a:t>
+            </a:r>
+          </a:p>
+          <a:p>
+            <a:pPr lvl="1">
+              <a:lnSpc>
+                <a:spcPct val="100000"/>
+              </a:lnSpc>
+            </a:pPr>
+            <a:r>
+              <a:rPr lang="en-US" dirty="0"/>
+              <a:t>Isolated and secured</a:t>
+            </a:r>
+          </a:p>
+          <a:p>
+            <a:pPr lvl="1">
+              <a:lnSpc>
+                <a:spcPct val="100000"/>
+              </a:lnSpc>
+            </a:pPr>
+            <a:r>
+              <a:rPr lang="en-US" dirty="0"/>
+              <a:t>It can be started, stopped, moved, and deleted</a:t>
+            </a:r>
+          </a:p>
+          <a:p>
+            <a:pPr lvl="1">
+              <a:lnSpc>
+                <a:spcPct val="100000"/>
+              </a:lnSpc>
+            </a:pPr>
+            <a:r>
+              <a:rPr lang="en-US" dirty="0"/>
+              <a:t>You create a container for your different application pieces</a:t>
+            </a:r>
+          </a:p>
+          <a:p>
+            <a:pPr lvl="2">
+              <a:lnSpc>
+                <a:spcPct val="100000"/>
+              </a:lnSpc>
+            </a:pPr>
+            <a:r>
+              <a:rPr lang="en-US" dirty="0"/>
+              <a:t>Database, Presentation, Caching, etc.</a:t>
+            </a:r>
           </a:p>
         </p:txBody>
       </p:sp>
@@ -20845,7 +21008,7 @@
     </p:spTree>
     <p:extLst>
       <p:ext uri="{BB962C8B-B14F-4D97-AF65-F5344CB8AC3E}">
-        <p14:creationId xmlns:p14="http://schemas.microsoft.com/office/powerpoint/2010/main" val="2315132730"/>
+        <p14:creationId xmlns:p14="http://schemas.microsoft.com/office/powerpoint/2010/main" val="1280000100"/>
       </p:ext>
     </p:extLst>
   </p:cSld>
@@ -20904,473 +21067,6 @@
                 <a:defRPr/>
               </a:pPr>
               <a:t>39</a:t>
-            </a:fld>
-            <a:endParaRPr lang="en-US" dirty="0"/>
-          </a:p>
-        </p:txBody>
-      </p:sp>
-      <p:sp>
-        <p:nvSpPr>
-          <p:cNvPr id="5" name="Content Placeholder 4"/>
-          <p:cNvSpPr>
-            <a:spLocks noGrp="1"/>
-          </p:cNvSpPr>
-          <p:nvPr>
-            <p:ph idx="1"/>
-          </p:nvPr>
-        </p:nvSpPr>
-        <p:spPr>
-          <a:xfrm>
-            <a:off x="1141413" y="1712549"/>
-            <a:ext cx="11696797" cy="5458202"/>
-          </a:xfrm>
-        </p:spPr>
-        <p:txBody>
-          <a:bodyPr>
-            <a:normAutofit/>
-          </a:bodyPr>
-          <a:lstStyle/>
-          <a:p>
-            <a:pPr>
-              <a:lnSpc>
-                <a:spcPct val="100000"/>
-              </a:lnSpc>
-            </a:pPr>
-            <a:r>
-              <a:rPr lang="en-US" dirty="0"/>
-              <a:t>Image</a:t>
-            </a:r>
-          </a:p>
-          <a:p>
-            <a:pPr lvl="1">
-              <a:lnSpc>
-                <a:spcPct val="100000"/>
-              </a:lnSpc>
-            </a:pPr>
-            <a:r>
-              <a:rPr lang="en-US" dirty="0"/>
-              <a:t>An image is just like a blueprint</a:t>
-            </a:r>
-          </a:p>
-          <a:p>
-            <a:pPr lvl="1">
-              <a:lnSpc>
-                <a:spcPct val="100000"/>
-              </a:lnSpc>
-            </a:pPr>
-            <a:r>
-              <a:rPr lang="en-US" dirty="0"/>
-              <a:t>A read-only template</a:t>
-            </a:r>
-          </a:p>
-          <a:p>
-            <a:pPr lvl="1">
-              <a:lnSpc>
-                <a:spcPct val="100000"/>
-              </a:lnSpc>
-            </a:pPr>
-            <a:r>
-              <a:rPr lang="en-US" dirty="0"/>
-              <a:t>Contains the building blocks of an application</a:t>
-            </a:r>
-          </a:p>
-          <a:p>
-            <a:pPr lvl="1">
-              <a:lnSpc>
-                <a:spcPct val="100000"/>
-              </a:lnSpc>
-            </a:pPr>
-            <a:r>
-              <a:rPr lang="en-US" dirty="0"/>
-              <a:t>Framework, dependencies and code are "described" here</a:t>
-            </a:r>
-          </a:p>
-          <a:p>
-            <a:pPr>
-              <a:lnSpc>
-                <a:spcPct val="100000"/>
-              </a:lnSpc>
-            </a:pPr>
-            <a:r>
-              <a:rPr lang="en-US" dirty="0"/>
-              <a:t>Container</a:t>
-            </a:r>
-          </a:p>
-          <a:p>
-            <a:pPr lvl="1">
-              <a:lnSpc>
-                <a:spcPct val="100000"/>
-              </a:lnSpc>
-            </a:pPr>
-            <a:r>
-              <a:rPr lang="en-US" dirty="0"/>
-              <a:t>Built from the image</a:t>
-            </a:r>
-          </a:p>
-          <a:p>
-            <a:pPr lvl="1">
-              <a:lnSpc>
-                <a:spcPct val="100000"/>
-              </a:lnSpc>
-            </a:pPr>
-            <a:r>
-              <a:rPr lang="en-US" dirty="0"/>
-              <a:t>It is the actual running environment for your application</a:t>
-            </a:r>
-          </a:p>
-          <a:p>
-            <a:pPr lvl="1">
-              <a:lnSpc>
-                <a:spcPct val="100000"/>
-              </a:lnSpc>
-            </a:pPr>
-            <a:r>
-              <a:rPr lang="en-US" dirty="0"/>
-              <a:t>Isolated and secured</a:t>
-            </a:r>
-          </a:p>
-          <a:p>
-            <a:pPr lvl="1">
-              <a:lnSpc>
-                <a:spcPct val="100000"/>
-              </a:lnSpc>
-            </a:pPr>
-            <a:r>
-              <a:rPr lang="en-US" dirty="0"/>
-              <a:t>It can be started, stopped, moved, and deleted</a:t>
-            </a:r>
-          </a:p>
-          <a:p>
-            <a:pPr lvl="1">
-              <a:lnSpc>
-                <a:spcPct val="100000"/>
-              </a:lnSpc>
-            </a:pPr>
-            <a:r>
-              <a:rPr lang="en-US" dirty="0"/>
-              <a:t>You create a container for your different application pieces</a:t>
-            </a:r>
-          </a:p>
-          <a:p>
-            <a:pPr lvl="2">
-              <a:lnSpc>
-                <a:spcPct val="100000"/>
-              </a:lnSpc>
-            </a:pPr>
-            <a:r>
-              <a:rPr lang="en-US" dirty="0"/>
-              <a:t>Database, Presentation, Caching, etc.</a:t>
-            </a:r>
-          </a:p>
-        </p:txBody>
-      </p:sp>
-      <p:sp>
-        <p:nvSpPr>
-          <p:cNvPr id="4" name="Title 3"/>
-          <p:cNvSpPr>
-            <a:spLocks noGrp="1"/>
-          </p:cNvSpPr>
-          <p:nvPr>
-            <p:ph type="title"/>
-          </p:nvPr>
-        </p:nvSpPr>
-        <p:spPr/>
-        <p:txBody>
-          <a:bodyPr/>
-          <a:lstStyle/>
-          <a:p>
-            <a:r>
-              <a:rPr lang="en-US" dirty="0"/>
-              <a:t>What is docker?</a:t>
-            </a:r>
-          </a:p>
-        </p:txBody>
-      </p:sp>
-    </p:spTree>
-    <p:extLst>
-      <p:ext uri="{BB962C8B-B14F-4D97-AF65-F5344CB8AC3E}">
-        <p14:creationId xmlns:p14="http://schemas.microsoft.com/office/powerpoint/2010/main" val="1280000100"/>
-      </p:ext>
-    </p:extLst>
-  </p:cSld>
-  <p:clrMapOvr>
-    <a:masterClrMapping/>
-  </p:clrMapOvr>
-</p:sld>
-</file>
-
-<file path=ppt/slides/slide4.xml><?xml version="1.0" encoding="utf-8"?>
-<p:sld xmlns:a="http://schemas.openxmlformats.org/drawingml/2006/main" xmlns:r="http://schemas.openxmlformats.org/officeDocument/2006/relationships" xmlns:p="http://schemas.openxmlformats.org/presentationml/2006/main">
-  <p:cSld>
-    <p:spTree>
-      <p:nvGrpSpPr>
-        <p:cNvPr id="1" name=""/>
-        <p:cNvGrpSpPr/>
-        <p:nvPr/>
-      </p:nvGrpSpPr>
-      <p:grpSpPr>
-        <a:xfrm>
-          <a:off x="0" y="0"/>
-          <a:ext cx="0" cy="0"/>
-          <a:chOff x="0" y="0"/>
-          <a:chExt cx="0" cy="0"/>
-        </a:xfrm>
-      </p:grpSpPr>
-      <p:sp>
-        <p:nvSpPr>
-          <p:cNvPr id="7" name="Slide Number Placeholder 3"/>
-          <p:cNvSpPr>
-            <a:spLocks noGrp="1"/>
-          </p:cNvSpPr>
-          <p:nvPr>
-            <p:ph type="sldNum" sz="quarter" idx="4294967295"/>
-          </p:nvPr>
-        </p:nvSpPr>
-        <p:spPr>
-          <a:xfrm>
-            <a:off x="11568000" y="6525003"/>
-            <a:ext cx="428822" cy="196477"/>
-          </a:xfrm>
-          <a:prstGeom prst="rect">
-            <a:avLst/>
-          </a:prstGeom>
-        </p:spPr>
-        <p:txBody>
-          <a:bodyPr/>
-          <a:lstStyle/>
-          <a:p>
-            <a:pPr>
-              <a:defRPr/>
-            </a:pPr>
-            <a:fld id="{58452FF4-89E3-4D1B-9927-2DBDC00E58D7}" type="slidenum">
-              <a:rPr lang="en-US" smtClean="0"/>
-              <a:pPr>
-                <a:defRPr/>
-              </a:pPr>
-              <a:t>4</a:t>
-            </a:fld>
-            <a:endParaRPr lang="en-US" dirty="0"/>
-          </a:p>
-        </p:txBody>
-      </p:sp>
-      <p:sp>
-        <p:nvSpPr>
-          <p:cNvPr id="5" name="Content Placeholder 4"/>
-          <p:cNvSpPr>
-            <a:spLocks noGrp="1"/>
-          </p:cNvSpPr>
-          <p:nvPr>
-            <p:ph idx="1"/>
-          </p:nvPr>
-        </p:nvSpPr>
-        <p:spPr>
-          <a:xfrm>
-            <a:off x="1141413" y="1712549"/>
-            <a:ext cx="11696797" cy="5458202"/>
-          </a:xfrm>
-        </p:spPr>
-        <p:txBody>
-          <a:bodyPr>
-            <a:normAutofit/>
-          </a:bodyPr>
-          <a:lstStyle/>
-          <a:p>
-            <a:pPr>
-              <a:lnSpc>
-                <a:spcPct val="100000"/>
-              </a:lnSpc>
-            </a:pPr>
-            <a:r>
-              <a:rPr lang="en-US" dirty="0"/>
-              <a:t>Understanding the Business</a:t>
-            </a:r>
-          </a:p>
-          <a:p>
-            <a:pPr lvl="1">
-              <a:lnSpc>
-                <a:spcPct val="100000"/>
-              </a:lnSpc>
-            </a:pPr>
-            <a:r>
-              <a:rPr lang="en-US" dirty="0"/>
-              <a:t>The more business understanding you have, the more useful you will be </a:t>
-            </a:r>
-          </a:p>
-          <a:p>
-            <a:pPr>
-              <a:lnSpc>
-                <a:spcPct val="100000"/>
-              </a:lnSpc>
-            </a:pPr>
-            <a:r>
-              <a:rPr lang="en-US" dirty="0"/>
-              <a:t>Cross-Domain Understanding </a:t>
-            </a:r>
-          </a:p>
-          <a:p>
-            <a:pPr lvl="1">
-              <a:lnSpc>
-                <a:spcPct val="100000"/>
-              </a:lnSpc>
-            </a:pPr>
-            <a:r>
-              <a:rPr lang="en-US" dirty="0"/>
-              <a:t>You know bits of the other roles in the team as well</a:t>
-            </a:r>
-          </a:p>
-          <a:p>
-            <a:pPr>
-              <a:lnSpc>
-                <a:spcPct val="100000"/>
-              </a:lnSpc>
-            </a:pPr>
-            <a:r>
-              <a:rPr lang="en-US" dirty="0"/>
-              <a:t>Multiple Perspectives </a:t>
-            </a:r>
-          </a:p>
-          <a:p>
-            <a:pPr lvl="1">
-              <a:lnSpc>
-                <a:spcPct val="100000"/>
-              </a:lnSpc>
-            </a:pPr>
-            <a:r>
-              <a:rPr lang="en-US" dirty="0"/>
-              <a:t>You need to see the problem from everyone's point of view</a:t>
-            </a:r>
-          </a:p>
-          <a:p>
-            <a:pPr>
-              <a:lnSpc>
-                <a:spcPct val="100000"/>
-              </a:lnSpc>
-            </a:pPr>
-            <a:r>
-              <a:rPr lang="en-US" dirty="0"/>
-              <a:t>People Skills </a:t>
-            </a:r>
-          </a:p>
-          <a:p>
-            <a:pPr lvl="1">
-              <a:lnSpc>
-                <a:spcPct val="100000"/>
-              </a:lnSpc>
-            </a:pPr>
-            <a:r>
-              <a:rPr lang="en-US" dirty="0"/>
-              <a:t>Just to make sure communication goes smoothly</a:t>
-            </a:r>
-          </a:p>
-          <a:p>
-            <a:pPr>
-              <a:lnSpc>
-                <a:spcPct val="100000"/>
-              </a:lnSpc>
-            </a:pPr>
-            <a:r>
-              <a:rPr lang="en-US" dirty="0"/>
-              <a:t>Lifelong Learning</a:t>
-            </a:r>
-          </a:p>
-          <a:p>
-            <a:pPr lvl="1">
-              <a:lnSpc>
-                <a:spcPct val="100000"/>
-              </a:lnSpc>
-            </a:pPr>
-            <a:r>
-              <a:rPr lang="en-US" dirty="0"/>
-              <a:t>IT is moving super fast; you need to stay relevant</a:t>
-            </a:r>
-          </a:p>
-        </p:txBody>
-      </p:sp>
-      <p:sp>
-        <p:nvSpPr>
-          <p:cNvPr id="4" name="Title 3"/>
-          <p:cNvSpPr>
-            <a:spLocks noGrp="1"/>
-          </p:cNvSpPr>
-          <p:nvPr>
-            <p:ph type="title"/>
-          </p:nvPr>
-        </p:nvSpPr>
-        <p:spPr/>
-        <p:txBody>
-          <a:bodyPr/>
-          <a:lstStyle/>
-          <a:p>
-            <a:r>
-              <a:rPr lang="en-GB" dirty="0"/>
-              <a:t>Required skills by everybody in the team</a:t>
-            </a:r>
-            <a:endParaRPr lang="en-US" dirty="0"/>
-          </a:p>
-        </p:txBody>
-      </p:sp>
-    </p:spTree>
-    <p:extLst>
-      <p:ext uri="{BB962C8B-B14F-4D97-AF65-F5344CB8AC3E}">
-        <p14:creationId xmlns:p14="http://schemas.microsoft.com/office/powerpoint/2010/main" val="553259725"/>
-      </p:ext>
-    </p:extLst>
-  </p:cSld>
-  <p:clrMapOvr>
-    <a:masterClrMapping/>
-  </p:clrMapOvr>
-</p:sld>
-</file>
-
-<file path=ppt/slides/slide40.xml><?xml version="1.0" encoding="utf-8"?>
-<p:sld xmlns:a="http://schemas.openxmlformats.org/drawingml/2006/main" xmlns:r="http://schemas.openxmlformats.org/officeDocument/2006/relationships" xmlns:p="http://schemas.openxmlformats.org/presentationml/2006/main">
-  <p:cSld>
-    <p:spTree>
-      <p:nvGrpSpPr>
-        <p:cNvPr id="1" name=""/>
-        <p:cNvGrpSpPr/>
-        <p:nvPr/>
-      </p:nvGrpSpPr>
-      <p:grpSpPr>
-        <a:xfrm>
-          <a:off x="0" y="0"/>
-          <a:ext cx="0" cy="0"/>
-          <a:chOff x="0" y="0"/>
-          <a:chExt cx="0" cy="0"/>
-        </a:xfrm>
-      </p:grpSpPr>
-      <p:sp>
-        <p:nvSpPr>
-          <p:cNvPr id="7" name="Slide Number Placeholder 3"/>
-          <p:cNvSpPr>
-            <a:spLocks noGrp="1"/>
-          </p:cNvSpPr>
-          <p:nvPr>
-            <p:ph type="sldNum" sz="quarter" idx="4294967295"/>
-          </p:nvPr>
-        </p:nvSpPr>
-        <p:spPr>
-          <a:xfrm>
-            <a:off x="11568000" y="6525003"/>
-            <a:ext cx="428822" cy="196477"/>
-          </a:xfrm>
-          <a:prstGeom prst="rect">
-            <a:avLst/>
-          </a:prstGeom>
-        </p:spPr>
-        <p:txBody>
-          <a:bodyPr/>
-          <a:lstStyle/>
-          <a:p>
-            <a:pPr>
-              <a:defRPr/>
-            </a:pPr>
-            <a:fld id="{58452FF4-89E3-4D1B-9927-2DBDC00E58D7}" type="slidenum">
-              <a:rPr lang="en-US" smtClean="0"/>
-              <a:pPr>
-                <a:defRPr/>
-              </a:pPr>
-              <a:t>40</a:t>
             </a:fld>
             <a:endParaRPr lang="en-US" dirty="0"/>
           </a:p>
@@ -21458,6 +21154,456 @@
 </p:sld>
 </file>
 
+<file path=ppt/slides/slide4.xml><?xml version="1.0" encoding="utf-8"?>
+<p:sld xmlns:a="http://schemas.openxmlformats.org/drawingml/2006/main" xmlns:r="http://schemas.openxmlformats.org/officeDocument/2006/relationships" xmlns:p="http://schemas.openxmlformats.org/presentationml/2006/main">
+  <p:cSld>
+    <p:spTree>
+      <p:nvGrpSpPr>
+        <p:cNvPr id="1" name=""/>
+        <p:cNvGrpSpPr/>
+        <p:nvPr/>
+      </p:nvGrpSpPr>
+      <p:grpSpPr>
+        <a:xfrm>
+          <a:off x="0" y="0"/>
+          <a:ext cx="0" cy="0"/>
+          <a:chOff x="0" y="0"/>
+          <a:chExt cx="0" cy="0"/>
+        </a:xfrm>
+      </p:grpSpPr>
+      <p:sp>
+        <p:nvSpPr>
+          <p:cNvPr id="7" name="Slide Number Placeholder 3"/>
+          <p:cNvSpPr>
+            <a:spLocks noGrp="1"/>
+          </p:cNvSpPr>
+          <p:nvPr>
+            <p:ph type="sldNum" sz="quarter" idx="4294967295"/>
+          </p:nvPr>
+        </p:nvSpPr>
+        <p:spPr>
+          <a:xfrm>
+            <a:off x="11568000" y="6525003"/>
+            <a:ext cx="428822" cy="196477"/>
+          </a:xfrm>
+          <a:prstGeom prst="rect">
+            <a:avLst/>
+          </a:prstGeom>
+        </p:spPr>
+        <p:txBody>
+          <a:bodyPr/>
+          <a:lstStyle/>
+          <a:p>
+            <a:pPr>
+              <a:defRPr/>
+            </a:pPr>
+            <a:fld id="{58452FF4-89E3-4D1B-9927-2DBDC00E58D7}" type="slidenum">
+              <a:rPr lang="en-US" smtClean="0"/>
+              <a:pPr>
+                <a:defRPr/>
+              </a:pPr>
+              <a:t>4</a:t>
+            </a:fld>
+            <a:endParaRPr lang="en-US" dirty="0"/>
+          </a:p>
+        </p:txBody>
+      </p:sp>
+      <p:sp>
+        <p:nvSpPr>
+          <p:cNvPr id="5" name="Content Placeholder 4"/>
+          <p:cNvSpPr>
+            <a:spLocks noGrp="1"/>
+          </p:cNvSpPr>
+          <p:nvPr>
+            <p:ph idx="1"/>
+          </p:nvPr>
+        </p:nvSpPr>
+        <p:spPr>
+          <a:xfrm>
+            <a:off x="1141413" y="1712549"/>
+            <a:ext cx="11696797" cy="5458202"/>
+          </a:xfrm>
+        </p:spPr>
+        <p:txBody>
+          <a:bodyPr>
+            <a:normAutofit/>
+          </a:bodyPr>
+          <a:lstStyle/>
+          <a:p>
+            <a:pPr>
+              <a:lnSpc>
+                <a:spcPct val="100000"/>
+              </a:lnSpc>
+            </a:pPr>
+            <a:r>
+              <a:rPr lang="en-US" dirty="0"/>
+              <a:t>Understanding the Business</a:t>
+            </a:r>
+          </a:p>
+          <a:p>
+            <a:pPr lvl="1">
+              <a:lnSpc>
+                <a:spcPct val="100000"/>
+              </a:lnSpc>
+            </a:pPr>
+            <a:r>
+              <a:rPr lang="en-US" dirty="0"/>
+              <a:t>The more business understanding you have, the more useful you will be </a:t>
+            </a:r>
+          </a:p>
+          <a:p>
+            <a:pPr>
+              <a:lnSpc>
+                <a:spcPct val="100000"/>
+              </a:lnSpc>
+            </a:pPr>
+            <a:r>
+              <a:rPr lang="en-US" dirty="0"/>
+              <a:t>Cross-Domain Understanding </a:t>
+            </a:r>
+          </a:p>
+          <a:p>
+            <a:pPr lvl="1">
+              <a:lnSpc>
+                <a:spcPct val="100000"/>
+              </a:lnSpc>
+            </a:pPr>
+            <a:r>
+              <a:rPr lang="en-US" dirty="0"/>
+              <a:t>You know bits of the other roles in the team as well</a:t>
+            </a:r>
+          </a:p>
+          <a:p>
+            <a:pPr>
+              <a:lnSpc>
+                <a:spcPct val="100000"/>
+              </a:lnSpc>
+            </a:pPr>
+            <a:r>
+              <a:rPr lang="en-US" dirty="0"/>
+              <a:t>Multiple Perspectives </a:t>
+            </a:r>
+          </a:p>
+          <a:p>
+            <a:pPr lvl="1">
+              <a:lnSpc>
+                <a:spcPct val="100000"/>
+              </a:lnSpc>
+            </a:pPr>
+            <a:r>
+              <a:rPr lang="en-US" dirty="0"/>
+              <a:t>You need to see the problem from everyone's point of view</a:t>
+            </a:r>
+          </a:p>
+          <a:p>
+            <a:pPr>
+              <a:lnSpc>
+                <a:spcPct val="100000"/>
+              </a:lnSpc>
+            </a:pPr>
+            <a:r>
+              <a:rPr lang="en-US" dirty="0"/>
+              <a:t>People Skills </a:t>
+            </a:r>
+          </a:p>
+          <a:p>
+            <a:pPr lvl="1">
+              <a:lnSpc>
+                <a:spcPct val="100000"/>
+              </a:lnSpc>
+            </a:pPr>
+            <a:r>
+              <a:rPr lang="en-US" dirty="0"/>
+              <a:t>Just to make sure communication goes smoothly</a:t>
+            </a:r>
+          </a:p>
+          <a:p>
+            <a:pPr>
+              <a:lnSpc>
+                <a:spcPct val="100000"/>
+              </a:lnSpc>
+            </a:pPr>
+            <a:r>
+              <a:rPr lang="en-US" dirty="0"/>
+              <a:t>Lifelong Learning</a:t>
+            </a:r>
+          </a:p>
+          <a:p>
+            <a:pPr lvl="1">
+              <a:lnSpc>
+                <a:spcPct val="100000"/>
+              </a:lnSpc>
+            </a:pPr>
+            <a:r>
+              <a:rPr lang="en-US" dirty="0"/>
+              <a:t>IT is moving super fast; you need to stay relevant</a:t>
+            </a:r>
+          </a:p>
+        </p:txBody>
+      </p:sp>
+      <p:sp>
+        <p:nvSpPr>
+          <p:cNvPr id="4" name="Title 3"/>
+          <p:cNvSpPr>
+            <a:spLocks noGrp="1"/>
+          </p:cNvSpPr>
+          <p:nvPr>
+            <p:ph type="title"/>
+          </p:nvPr>
+        </p:nvSpPr>
+        <p:spPr/>
+        <p:txBody>
+          <a:bodyPr/>
+          <a:lstStyle/>
+          <a:p>
+            <a:r>
+              <a:rPr lang="en-GB" dirty="0"/>
+              <a:t>Required skills by everybody in the team</a:t>
+            </a:r>
+            <a:endParaRPr lang="en-US" dirty="0"/>
+          </a:p>
+        </p:txBody>
+      </p:sp>
+    </p:spTree>
+    <p:extLst>
+      <p:ext uri="{BB962C8B-B14F-4D97-AF65-F5344CB8AC3E}">
+        <p14:creationId xmlns:p14="http://schemas.microsoft.com/office/powerpoint/2010/main" val="553259725"/>
+      </p:ext>
+    </p:extLst>
+  </p:cSld>
+  <p:clrMapOvr>
+    <a:masterClrMapping/>
+  </p:clrMapOvr>
+</p:sld>
+</file>
+
+<file path=ppt/slides/slide40.xml><?xml version="1.0" encoding="utf-8"?>
+<p:sld xmlns:a="http://schemas.openxmlformats.org/drawingml/2006/main" xmlns:r="http://schemas.openxmlformats.org/officeDocument/2006/relationships" xmlns:p="http://schemas.openxmlformats.org/presentationml/2006/main">
+  <p:cSld>
+    <p:spTree>
+      <p:nvGrpSpPr>
+        <p:cNvPr id="1" name=""/>
+        <p:cNvGrpSpPr/>
+        <p:nvPr/>
+      </p:nvGrpSpPr>
+      <p:grpSpPr>
+        <a:xfrm>
+          <a:off x="0" y="0"/>
+          <a:ext cx="0" cy="0"/>
+          <a:chOff x="0" y="0"/>
+          <a:chExt cx="0" cy="0"/>
+        </a:xfrm>
+      </p:grpSpPr>
+      <p:sp>
+        <p:nvSpPr>
+          <p:cNvPr id="7" name="Slide Number Placeholder 3"/>
+          <p:cNvSpPr>
+            <a:spLocks noGrp="1"/>
+          </p:cNvSpPr>
+          <p:nvPr>
+            <p:ph type="sldNum" sz="quarter" idx="4294967295"/>
+          </p:nvPr>
+        </p:nvSpPr>
+        <p:spPr>
+          <a:xfrm>
+            <a:off x="11568000" y="6525003"/>
+            <a:ext cx="428822" cy="196477"/>
+          </a:xfrm>
+          <a:prstGeom prst="rect">
+            <a:avLst/>
+          </a:prstGeom>
+        </p:spPr>
+        <p:txBody>
+          <a:bodyPr/>
+          <a:lstStyle/>
+          <a:p>
+            <a:pPr>
+              <a:defRPr/>
+            </a:pPr>
+            <a:fld id="{58452FF4-89E3-4D1B-9927-2DBDC00E58D7}" type="slidenum">
+              <a:rPr lang="en-US" smtClean="0"/>
+              <a:pPr>
+                <a:defRPr/>
+              </a:pPr>
+              <a:t>40</a:t>
+            </a:fld>
+            <a:endParaRPr lang="en-US" dirty="0"/>
+          </a:p>
+        </p:txBody>
+      </p:sp>
+      <p:sp>
+        <p:nvSpPr>
+          <p:cNvPr id="5" name="Content Placeholder 4"/>
+          <p:cNvSpPr>
+            <a:spLocks noGrp="1"/>
+          </p:cNvSpPr>
+          <p:nvPr>
+            <p:ph idx="1"/>
+          </p:nvPr>
+        </p:nvSpPr>
+        <p:spPr>
+          <a:xfrm>
+            <a:off x="1141413" y="1712549"/>
+            <a:ext cx="11696797" cy="5458202"/>
+          </a:xfrm>
+        </p:spPr>
+        <p:txBody>
+          <a:bodyPr>
+            <a:normAutofit/>
+          </a:bodyPr>
+          <a:lstStyle/>
+          <a:p>
+            <a:pPr>
+              <a:lnSpc>
+                <a:spcPct val="100000"/>
+              </a:lnSpc>
+            </a:pPr>
+            <a:r>
+              <a:rPr lang="en-US" dirty="0"/>
+              <a:t>Virtual Machines</a:t>
+            </a:r>
+          </a:p>
+          <a:p>
+            <a:pPr lvl="1">
+              <a:lnSpc>
+                <a:spcPct val="100000"/>
+              </a:lnSpc>
+            </a:pPr>
+            <a:r>
+              <a:rPr lang="en-US" dirty="0"/>
+              <a:t>Have a guest OS, which is heavier</a:t>
+            </a:r>
+          </a:p>
+          <a:p>
+            <a:pPr lvl="1">
+              <a:lnSpc>
+                <a:spcPct val="100000"/>
+              </a:lnSpc>
+            </a:pPr>
+            <a:r>
+              <a:rPr lang="en-US" dirty="0"/>
+              <a:t>Images are bigger in terms of size</a:t>
+            </a:r>
+          </a:p>
+          <a:p>
+            <a:pPr lvl="1">
+              <a:lnSpc>
+                <a:spcPct val="100000"/>
+              </a:lnSpc>
+            </a:pPr>
+            <a:r>
+              <a:rPr lang="en-US" dirty="0"/>
+              <a:t>Slower startup time</a:t>
+            </a:r>
+          </a:p>
+          <a:p>
+            <a:pPr lvl="1">
+              <a:lnSpc>
+                <a:spcPct val="100000"/>
+              </a:lnSpc>
+            </a:pPr>
+            <a:r>
+              <a:rPr lang="en-US" dirty="0"/>
+              <a:t>Everything is a copy of the host OS</a:t>
+            </a:r>
+          </a:p>
+          <a:p>
+            <a:pPr>
+              <a:lnSpc>
+                <a:spcPct val="100000"/>
+              </a:lnSpc>
+            </a:pPr>
+            <a:r>
+              <a:rPr lang="en-US" dirty="0"/>
+              <a:t> Docker</a:t>
+            </a:r>
+          </a:p>
+          <a:p>
+            <a:pPr lvl="1">
+              <a:lnSpc>
+                <a:spcPct val="100000"/>
+              </a:lnSpc>
+            </a:pPr>
+            <a:r>
+              <a:rPr lang="en-US" dirty="0"/>
+              <a:t>No guest OS, just a process</a:t>
+            </a:r>
+          </a:p>
+          <a:p>
+            <a:pPr lvl="1">
+              <a:lnSpc>
+                <a:spcPct val="100000"/>
+              </a:lnSpc>
+            </a:pPr>
+            <a:r>
+              <a:rPr lang="en-US" dirty="0"/>
+              <a:t>Images are small in terms of size</a:t>
+            </a:r>
+          </a:p>
+          <a:p>
+            <a:pPr lvl="1">
+              <a:lnSpc>
+                <a:spcPct val="100000"/>
+              </a:lnSpc>
+            </a:pPr>
+            <a:r>
+              <a:rPr lang="en-US" dirty="0"/>
+              <a:t>Fast startup time</a:t>
+            </a:r>
+          </a:p>
+          <a:p>
+            <a:pPr lvl="1">
+              <a:lnSpc>
+                <a:spcPct val="100000"/>
+              </a:lnSpc>
+            </a:pPr>
+            <a:endParaRPr lang="en-US" dirty="0"/>
+          </a:p>
+          <a:p>
+            <a:pPr lvl="1">
+              <a:lnSpc>
+                <a:spcPct val="100000"/>
+              </a:lnSpc>
+            </a:pPr>
+            <a:endParaRPr lang="en-US" dirty="0"/>
+          </a:p>
+        </p:txBody>
+      </p:sp>
+      <p:sp>
+        <p:nvSpPr>
+          <p:cNvPr id="4" name="Title 3"/>
+          <p:cNvSpPr>
+            <a:spLocks noGrp="1"/>
+          </p:cNvSpPr>
+          <p:nvPr>
+            <p:ph type="title"/>
+          </p:nvPr>
+        </p:nvSpPr>
+        <p:spPr/>
+        <p:txBody>
+          <a:bodyPr/>
+          <a:lstStyle/>
+          <a:p>
+            <a:r>
+              <a:rPr lang="en-US" dirty="0"/>
+              <a:t>Docker VS Virtual Machines</a:t>
+            </a:r>
+          </a:p>
+        </p:txBody>
+      </p:sp>
+    </p:spTree>
+    <p:extLst>
+      <p:ext uri="{BB962C8B-B14F-4D97-AF65-F5344CB8AC3E}">
+        <p14:creationId xmlns:p14="http://schemas.microsoft.com/office/powerpoint/2010/main" val="174063324"/>
+      </p:ext>
+    </p:extLst>
+  </p:cSld>
+  <p:clrMapOvr>
+    <a:masterClrMapping/>
+  </p:clrMapOvr>
+</p:sld>
+</file>
+
 <file path=ppt/slides/slide41.xml><?xml version="1.0" encoding="utf-8"?>
 <p:sld xmlns:a="http://schemas.openxmlformats.org/drawingml/2006/main" xmlns:r="http://schemas.openxmlformats.org/officeDocument/2006/relationships" xmlns:p="http://schemas.openxmlformats.org/presentationml/2006/main">
   <p:cSld>
@@ -21541,7 +21687,18 @@
             </a:pPr>
             <a:r>
               <a:rPr lang="en-US" dirty="0"/>
-              <a:t>Virtual Machines</a:t>
+              <a:t>Accelerating developer onboarding</a:t>
+            </a:r>
+          </a:p>
+          <a:p>
+            <a:pPr>
+              <a:lnSpc>
+                <a:spcPct val="100000"/>
+              </a:lnSpc>
+            </a:pPr>
+            <a:r>
+              <a:rPr lang="en-US" dirty="0"/>
+              <a:t>Eliminate application conflicts</a:t>
             </a:r>
           </a:p>
           <a:p>
@@ -21552,7 +21709,18 @@
             </a:pPr>
             <a:r>
               <a:rPr lang="en-US" dirty="0"/>
-              <a:t>Have a guest OS, which is heavier</a:t>
+              <a:t>Isolated containers</a:t>
+            </a:r>
+          </a:p>
+          <a:p>
+            <a:pPr>
+              <a:lnSpc>
+                <a:spcPct val="100000"/>
+              </a:lnSpc>
+            </a:pPr>
+            <a:r>
+              <a:rPr lang="en-US" dirty="0"/>
+              <a:t>Environment consistency</a:t>
             </a:r>
           </a:p>
           <a:p>
@@ -21563,7 +21731,18 @@
             </a:pPr>
             <a:r>
               <a:rPr lang="en-US" dirty="0"/>
-              <a:t>Images are bigger in terms of size</a:t>
+              <a:t>If it runs on development environment, it should run on the staging/production </a:t>
+            </a:r>
+          </a:p>
+          <a:p>
+            <a:pPr>
+              <a:lnSpc>
+                <a:spcPct val="100000"/>
+              </a:lnSpc>
+            </a:pPr>
+            <a:r>
+              <a:rPr lang="en-US" dirty="0"/>
+              <a:t>Ship software faster</a:t>
             </a:r>
           </a:p>
           <a:p>
@@ -21574,71 +21753,8 @@
             </a:pPr>
             <a:r>
               <a:rPr lang="en-US" dirty="0"/>
-              <a:t>Slower startup time</a:t>
-            </a:r>
-          </a:p>
-          <a:p>
-            <a:pPr lvl="1">
-              <a:lnSpc>
-                <a:spcPct val="100000"/>
-              </a:lnSpc>
-            </a:pPr>
-            <a:r>
-              <a:rPr lang="en-US" dirty="0"/>
-              <a:t>Everything is a copy of the host OS</a:t>
-            </a:r>
-          </a:p>
-          <a:p>
-            <a:pPr>
-              <a:lnSpc>
-                <a:spcPct val="100000"/>
-              </a:lnSpc>
-            </a:pPr>
-            <a:r>
-              <a:rPr lang="en-US" dirty="0"/>
-              <a:t> Docker</a:t>
-            </a:r>
-          </a:p>
-          <a:p>
-            <a:pPr lvl="1">
-              <a:lnSpc>
-                <a:spcPct val="100000"/>
-              </a:lnSpc>
-            </a:pPr>
-            <a:r>
-              <a:rPr lang="en-US" dirty="0"/>
-              <a:t>No guest OS, just a process</a:t>
-            </a:r>
-          </a:p>
-          <a:p>
-            <a:pPr lvl="1">
-              <a:lnSpc>
-                <a:spcPct val="100000"/>
-              </a:lnSpc>
-            </a:pPr>
-            <a:r>
-              <a:rPr lang="en-US" dirty="0"/>
-              <a:t>Images are small in terms of size</a:t>
-            </a:r>
-          </a:p>
-          <a:p>
-            <a:pPr lvl="1">
-              <a:lnSpc>
-                <a:spcPct val="100000"/>
-              </a:lnSpc>
-            </a:pPr>
-            <a:r>
-              <a:rPr lang="en-US" dirty="0"/>
-              <a:t>Fast startup time</a:t>
-            </a:r>
-          </a:p>
-          <a:p>
-            <a:pPr lvl="1">
-              <a:lnSpc>
-                <a:spcPct val="100000"/>
-              </a:lnSpc>
-            </a:pPr>
-            <a:endParaRPr lang="en-US" dirty="0"/>
+              <a:t>Updating and migrating software is very easy</a:t>
+            </a:r>
           </a:p>
           <a:p>
             <a:pPr lvl="1">
@@ -21665,9 +21781,14 @@
           <a:bodyPr/>
           <a:lstStyle/>
           <a:p>
-            <a:r>
-              <a:rPr lang="en-US" dirty="0"/>
-              <a:t>Docker VS Virtual Machines</a:t>
+            <a:pPr>
+              <a:lnSpc>
+                <a:spcPct val="100000"/>
+              </a:lnSpc>
+            </a:pPr>
+            <a:r>
+              <a:rPr lang="en-US" dirty="0"/>
+              <a:t>Benefits for web developers</a:t>
             </a:r>
           </a:p>
         </p:txBody>
@@ -21675,7 +21796,7 @@
     </p:spTree>
     <p:extLst>
       <p:ext uri="{BB962C8B-B14F-4D97-AF65-F5344CB8AC3E}">
-        <p14:creationId xmlns:p14="http://schemas.microsoft.com/office/powerpoint/2010/main" val="174063324"/>
+        <p14:creationId xmlns:p14="http://schemas.microsoft.com/office/powerpoint/2010/main" val="1025572233"/>
       </p:ext>
     </p:extLst>
   </p:cSld>
@@ -21768,7 +21889,51 @@
             </a:pPr>
             <a:r>
               <a:rPr lang="en-US" dirty="0"/>
-              <a:t>Accelerating developer onboarding</a:t>
+              <a:t>Docker Desktop</a:t>
+            </a:r>
+          </a:p>
+          <a:p>
+            <a:pPr lvl="1">
+              <a:lnSpc>
+                <a:spcPct val="100000"/>
+              </a:lnSpc>
+            </a:pPr>
+            <a:r>
+              <a:rPr lang="en-US" dirty="0"/>
+              <a:t>Runs on Windows or Mac development machines</a:t>
+            </a:r>
+          </a:p>
+          <a:p>
+            <a:pPr lvl="1">
+              <a:lnSpc>
+                <a:spcPct val="100000"/>
+              </a:lnSpc>
+            </a:pPr>
+            <a:r>
+              <a:rPr lang="en-US" dirty="0"/>
+              <a:t>Includes Docker Engine, CLI and Kubernetes</a:t>
+            </a:r>
+          </a:p>
+          <a:p>
+            <a:pPr lvl="1">
+              <a:lnSpc>
+                <a:spcPct val="100000"/>
+              </a:lnSpc>
+            </a:pPr>
+            <a:r>
+              <a:rPr lang="en-GB" dirty="0"/>
+              <a:t>Containerize and share any application</a:t>
+            </a:r>
+          </a:p>
+          <a:p>
+            <a:pPr lvl="1">
+              <a:lnSpc>
+                <a:spcPct val="100000"/>
+              </a:lnSpc>
+            </a:pPr>
+            <a:r>
+              <a:rPr lang="en-GB" dirty="0"/>
+              <a:t>Complete Docker development environment</a:t>
             </a:r>
           </a:p>
           <a:p>
@@ -21778,8 +21943,8 @@
               </a:lnSpc>
             </a:pPr>
             <a:r>
-              <a:rPr lang="en-US" dirty="0"/>
-              <a:t>Eliminate application conflicts</a:t>
+              <a:rPr lang="en-GB" dirty="0"/>
+              <a:t>On Windows</a:t>
             </a:r>
           </a:p>
           <a:p>
@@ -21789,9 +21954,36 @@
               </a:lnSpc>
             </a:pPr>
             <a:r>
-              <a:rPr lang="en-US" dirty="0"/>
-              <a:t>Isolated containers</a:t>
-            </a:r>
+              <a:rPr lang="en-GB" dirty="0"/>
+              <a:t>Ability to switch between Linux and Windows Server environments</a:t>
+            </a:r>
+          </a:p>
+          <a:p>
+            <a:pPr lvl="1">
+              <a:lnSpc>
+                <a:spcPct val="100000"/>
+              </a:lnSpc>
+            </a:pPr>
+            <a:r>
+              <a:rPr lang="en-US" dirty="0"/>
+              <a:t>Supports Pro, Enterprise, and </a:t>
+            </a:r>
+            <a:r>
+              <a:rPr lang="en-GB" dirty="0"/>
+              <a:t>Education versions</a:t>
+            </a:r>
+          </a:p>
+          <a:p>
+            <a:pPr lvl="1">
+              <a:lnSpc>
+                <a:spcPct val="100000"/>
+              </a:lnSpc>
+            </a:pPr>
+            <a:r>
+              <a:rPr lang="en-GB" dirty="0"/>
+              <a:t>For Home – you can only run Linux containers through WSL 2</a:t>
+            </a:r>
+            <a:endParaRPr lang="en-US" dirty="0"/>
           </a:p>
           <a:p>
             <a:pPr>
@@ -21801,7 +21993,26 @@
             </a:pPr>
             <a:r>
               <a:rPr lang="en-US" dirty="0"/>
-              <a:t>Environment consistency</a:t>
+              <a:t>There are third-party solutions for Linux – </a:t>
+            </a:r>
+            <a:r>
+              <a:rPr lang="en-GB" dirty="0" err="1"/>
+              <a:t>DockStation</a:t>
+            </a:r>
+            <a:r>
+              <a:rPr lang="en-GB" dirty="0"/>
+              <a:t>, </a:t>
+            </a:r>
+            <a:br>
+              <a:rPr lang="en-GB" dirty="0"/>
+            </a:br>
+            <a:r>
+              <a:rPr lang="en-GB" dirty="0" err="1"/>
+              <a:t>CairoDock</a:t>
+            </a:r>
+            <a:r>
+              <a:rPr lang="en-GB" dirty="0"/>
+              <a:t>, and more…</a:t>
             </a:r>
           </a:p>
           <a:p>
@@ -21810,32 +22021,7 @@
                 <a:spcPct val="100000"/>
               </a:lnSpc>
             </a:pPr>
-            <a:r>
-              <a:rPr lang="en-US" dirty="0"/>
-              <a:t>If it runs on development environment, it should run on the staging/production </a:t>
-            </a:r>
-          </a:p>
-          <a:p>
-            <a:pPr>
-              <a:lnSpc>
-                <a:spcPct val="100000"/>
-              </a:lnSpc>
-            </a:pPr>
-            <a:r>
-              <a:rPr lang="en-US" dirty="0"/>
-              <a:t>Ship software faster</a:t>
-            </a:r>
-          </a:p>
-          <a:p>
-            <a:pPr lvl="1">
-              <a:lnSpc>
-                <a:spcPct val="100000"/>
-              </a:lnSpc>
-            </a:pPr>
-            <a:r>
-              <a:rPr lang="en-US" dirty="0"/>
-              <a:t>Updating and migrating software is very easy</a:t>
-            </a:r>
+            <a:endParaRPr lang="en-US" dirty="0"/>
           </a:p>
           <a:p>
             <a:pPr lvl="1">
@@ -21862,14 +22048,9 @@
           <a:bodyPr/>
           <a:lstStyle/>
           <a:p>
-            <a:pPr>
-              <a:lnSpc>
-                <a:spcPct val="100000"/>
-              </a:lnSpc>
-            </a:pPr>
-            <a:r>
-              <a:rPr lang="en-US" dirty="0"/>
-              <a:t>Benefits for web developers</a:t>
+            <a:r>
+              <a:rPr lang="en-US" dirty="0"/>
+              <a:t>Docker Tools</a:t>
             </a:r>
           </a:p>
         </p:txBody>
@@ -21877,7 +22058,7 @@
     </p:spTree>
     <p:extLst>
       <p:ext uri="{BB962C8B-B14F-4D97-AF65-F5344CB8AC3E}">
-        <p14:creationId xmlns:p14="http://schemas.microsoft.com/office/powerpoint/2010/main" val="1025572233"/>
+        <p14:creationId xmlns:p14="http://schemas.microsoft.com/office/powerpoint/2010/main" val="896969366"/>
       </p:ext>
     </p:extLst>
   </p:cSld>
@@ -21970,7 +22151,7 @@
             </a:pPr>
             <a:r>
               <a:rPr lang="en-US" dirty="0"/>
-              <a:t>Docker Desktop</a:t>
+              <a:t>Docker Hub</a:t>
             </a:r>
           </a:p>
           <a:p>
@@ -21980,8 +22161,8 @@
               </a:lnSpc>
             </a:pPr>
             <a:r>
-              <a:rPr lang="en-US" dirty="0"/>
-              <a:t>Runs on Windows or Mac development machines</a:t>
+              <a:rPr lang="en-GB" dirty="0"/>
+              <a:t>Cloud-based application registry</a:t>
             </a:r>
           </a:p>
           <a:p>
@@ -21991,8 +22172,8 @@
               </a:lnSpc>
             </a:pPr>
             <a:r>
-              <a:rPr lang="en-US" dirty="0"/>
-              <a:t>Includes Docker Engine, CLI and Kubernetes</a:t>
+              <a:rPr lang="en-GB" dirty="0"/>
+              <a:t>Development team collaboration services</a:t>
             </a:r>
           </a:p>
           <a:p>
@@ -22002,8 +22183,19 @@
               </a:lnSpc>
             </a:pPr>
             <a:r>
+              <a:rPr lang="en-US" dirty="0"/>
+              <a:t>Supports public and private repositories</a:t>
+            </a:r>
+          </a:p>
+          <a:p>
+            <a:pPr lvl="1">
+              <a:lnSpc>
+                <a:spcPct val="100000"/>
+              </a:lnSpc>
+            </a:pPr>
+            <a:r>
               <a:rPr lang="en-GB" dirty="0"/>
-              <a:t>Containerize and share any application</a:t>
+              <a:t>The world’s largest library of container images</a:t>
             </a:r>
           </a:p>
           <a:p>
@@ -22014,19 +22206,9 @@
             </a:pPr>
             <a:r>
               <a:rPr lang="en-GB" dirty="0"/>
-              <a:t>Complete Docker development environment</a:t>
-            </a:r>
-          </a:p>
-          <a:p>
-            <a:pPr>
-              <a:lnSpc>
-                <a:spcPct val="100000"/>
-              </a:lnSpc>
-            </a:pPr>
-            <a:r>
-              <a:rPr lang="en-GB" dirty="0"/>
-              <a:t>On Windows</a:t>
-            </a:r>
+              <a:t>Automated builds and webhooks</a:t>
+            </a:r>
+            <a:endParaRPr lang="en-US" dirty="0"/>
           </a:p>
           <a:p>
             <a:pPr lvl="1">
@@ -22035,73 +22217,11 @@
               </a:lnSpc>
             </a:pPr>
             <a:r>
-              <a:rPr lang="en-GB" dirty="0"/>
-              <a:t>Ability to switch between Linux and Windows Server environments</a:t>
-            </a:r>
-          </a:p>
-          <a:p>
-            <a:pPr lvl="1">
-              <a:lnSpc>
-                <a:spcPct val="100000"/>
-              </a:lnSpc>
-            </a:pPr>
-            <a:r>
-              <a:rPr lang="en-US" dirty="0"/>
-              <a:t>Supports Pro, Enterprise, and </a:t>
-            </a:r>
-            <a:r>
-              <a:rPr lang="en-GB" dirty="0"/>
-              <a:t>Education versions</a:t>
-            </a:r>
-          </a:p>
-          <a:p>
-            <a:pPr lvl="1">
-              <a:lnSpc>
-                <a:spcPct val="100000"/>
-              </a:lnSpc>
-            </a:pPr>
-            <a:r>
-              <a:rPr lang="en-GB" dirty="0"/>
-              <a:t>For Home – you can only run Linux containers through WSL 2</a:t>
-            </a:r>
-            <a:endParaRPr lang="en-US" dirty="0"/>
-          </a:p>
-          <a:p>
-            <a:pPr>
-              <a:lnSpc>
-                <a:spcPct val="100000"/>
-              </a:lnSpc>
-            </a:pPr>
-            <a:r>
-              <a:rPr lang="en-US" dirty="0"/>
-              <a:t>There are third-party solutions for Linux – </a:t>
-            </a:r>
-            <a:r>
-              <a:rPr lang="en-GB" dirty="0" err="1"/>
-              <a:t>DockStation</a:t>
-            </a:r>
-            <a:r>
-              <a:rPr lang="en-GB" dirty="0"/>
-              <a:t>, </a:t>
-            </a:r>
-            <a:br>
-              <a:rPr lang="en-GB" dirty="0"/>
-            </a:br>
-            <a:r>
-              <a:rPr lang="en-GB" dirty="0" err="1"/>
-              <a:t>CairoDock</a:t>
-            </a:r>
-            <a:r>
-              <a:rPr lang="en-GB" dirty="0"/>
-              <a:t>, and more…</a:t>
-            </a:r>
-          </a:p>
-          <a:p>
-            <a:pPr lvl="1">
-              <a:lnSpc>
-                <a:spcPct val="100000"/>
-              </a:lnSpc>
-            </a:pPr>
+              <a:rPr lang="en-GB" dirty="0">
+                <a:hlinkClick r:id="rId2"/>
+              </a:rPr>
+              <a:t>https://hub.docker.com/</a:t>
+            </a:r>
             <a:endParaRPr lang="en-US" dirty="0"/>
           </a:p>
           <a:p>
@@ -22139,7 +22259,7 @@
     </p:spTree>
     <p:extLst>
       <p:ext uri="{BB962C8B-B14F-4D97-AF65-F5344CB8AC3E}">
-        <p14:creationId xmlns:p14="http://schemas.microsoft.com/office/powerpoint/2010/main" val="896969366"/>
+        <p14:creationId xmlns:p14="http://schemas.microsoft.com/office/powerpoint/2010/main" val="349724400"/>
       </p:ext>
     </p:extLst>
   </p:cSld>
@@ -22150,207 +22270,6 @@
 </file>
 
 <file path=ppt/slides/slide44.xml><?xml version="1.0" encoding="utf-8"?>
-<p:sld xmlns:a="http://schemas.openxmlformats.org/drawingml/2006/main" xmlns:r="http://schemas.openxmlformats.org/officeDocument/2006/relationships" xmlns:p="http://schemas.openxmlformats.org/presentationml/2006/main">
-  <p:cSld>
-    <p:spTree>
-      <p:nvGrpSpPr>
-        <p:cNvPr id="1" name=""/>
-        <p:cNvGrpSpPr/>
-        <p:nvPr/>
-      </p:nvGrpSpPr>
-      <p:grpSpPr>
-        <a:xfrm>
-          <a:off x="0" y="0"/>
-          <a:ext cx="0" cy="0"/>
-          <a:chOff x="0" y="0"/>
-          <a:chExt cx="0" cy="0"/>
-        </a:xfrm>
-      </p:grpSpPr>
-      <p:sp>
-        <p:nvSpPr>
-          <p:cNvPr id="7" name="Slide Number Placeholder 3"/>
-          <p:cNvSpPr>
-            <a:spLocks noGrp="1"/>
-          </p:cNvSpPr>
-          <p:nvPr>
-            <p:ph type="sldNum" sz="quarter" idx="4294967295"/>
-          </p:nvPr>
-        </p:nvSpPr>
-        <p:spPr>
-          <a:xfrm>
-            <a:off x="11568000" y="6525003"/>
-            <a:ext cx="428822" cy="196477"/>
-          </a:xfrm>
-          <a:prstGeom prst="rect">
-            <a:avLst/>
-          </a:prstGeom>
-        </p:spPr>
-        <p:txBody>
-          <a:bodyPr/>
-          <a:lstStyle/>
-          <a:p>
-            <a:pPr>
-              <a:defRPr/>
-            </a:pPr>
-            <a:fld id="{58452FF4-89E3-4D1B-9927-2DBDC00E58D7}" type="slidenum">
-              <a:rPr lang="en-US" smtClean="0"/>
-              <a:pPr>
-                <a:defRPr/>
-              </a:pPr>
-              <a:t>44</a:t>
-            </a:fld>
-            <a:endParaRPr lang="en-US" dirty="0"/>
-          </a:p>
-        </p:txBody>
-      </p:sp>
-      <p:sp>
-        <p:nvSpPr>
-          <p:cNvPr id="5" name="Content Placeholder 4"/>
-          <p:cNvSpPr>
-            <a:spLocks noGrp="1"/>
-          </p:cNvSpPr>
-          <p:nvPr>
-            <p:ph idx="1"/>
-          </p:nvPr>
-        </p:nvSpPr>
-        <p:spPr>
-          <a:xfrm>
-            <a:off x="1141413" y="1712549"/>
-            <a:ext cx="11696797" cy="5458202"/>
-          </a:xfrm>
-        </p:spPr>
-        <p:txBody>
-          <a:bodyPr>
-            <a:normAutofit/>
-          </a:bodyPr>
-          <a:lstStyle/>
-          <a:p>
-            <a:pPr>
-              <a:lnSpc>
-                <a:spcPct val="100000"/>
-              </a:lnSpc>
-            </a:pPr>
-            <a:r>
-              <a:rPr lang="en-US" dirty="0"/>
-              <a:t>Docker Hub</a:t>
-            </a:r>
-          </a:p>
-          <a:p>
-            <a:pPr lvl="1">
-              <a:lnSpc>
-                <a:spcPct val="100000"/>
-              </a:lnSpc>
-            </a:pPr>
-            <a:r>
-              <a:rPr lang="en-GB" dirty="0"/>
-              <a:t>Cloud-based application registry</a:t>
-            </a:r>
-          </a:p>
-          <a:p>
-            <a:pPr lvl="1">
-              <a:lnSpc>
-                <a:spcPct val="100000"/>
-              </a:lnSpc>
-            </a:pPr>
-            <a:r>
-              <a:rPr lang="en-GB" dirty="0"/>
-              <a:t>Development team collaboration services</a:t>
-            </a:r>
-          </a:p>
-          <a:p>
-            <a:pPr lvl="1">
-              <a:lnSpc>
-                <a:spcPct val="100000"/>
-              </a:lnSpc>
-            </a:pPr>
-            <a:r>
-              <a:rPr lang="en-US" dirty="0"/>
-              <a:t>Supports public and private repositories</a:t>
-            </a:r>
-          </a:p>
-          <a:p>
-            <a:pPr lvl="1">
-              <a:lnSpc>
-                <a:spcPct val="100000"/>
-              </a:lnSpc>
-            </a:pPr>
-            <a:r>
-              <a:rPr lang="en-GB" dirty="0"/>
-              <a:t>The world’s largest library of container images</a:t>
-            </a:r>
-          </a:p>
-          <a:p>
-            <a:pPr lvl="1">
-              <a:lnSpc>
-                <a:spcPct val="100000"/>
-              </a:lnSpc>
-            </a:pPr>
-            <a:r>
-              <a:rPr lang="en-GB" dirty="0"/>
-              <a:t>Automated builds and webhooks</a:t>
-            </a:r>
-            <a:endParaRPr lang="en-US" dirty="0"/>
-          </a:p>
-          <a:p>
-            <a:pPr lvl="1">
-              <a:lnSpc>
-                <a:spcPct val="100000"/>
-              </a:lnSpc>
-            </a:pPr>
-            <a:r>
-              <a:rPr lang="en-GB" dirty="0">
-                <a:hlinkClick r:id="rId2"/>
-              </a:rPr>
-              <a:t>https://hub.docker.com/</a:t>
-            </a:r>
-            <a:endParaRPr lang="en-US" dirty="0"/>
-          </a:p>
-          <a:p>
-            <a:pPr lvl="1">
-              <a:lnSpc>
-                <a:spcPct val="100000"/>
-              </a:lnSpc>
-            </a:pPr>
-            <a:endParaRPr lang="en-US" dirty="0"/>
-          </a:p>
-        </p:txBody>
-      </p:sp>
-      <p:sp>
-        <p:nvSpPr>
-          <p:cNvPr id="4" name="Title 3"/>
-          <p:cNvSpPr>
-            <a:spLocks noGrp="1"/>
-          </p:cNvSpPr>
-          <p:nvPr>
-            <p:ph type="title"/>
-          </p:nvPr>
-        </p:nvSpPr>
-        <p:spPr/>
-        <p:txBody>
-          <a:bodyPr/>
-          <a:lstStyle/>
-          <a:p>
-            <a:r>
-              <a:rPr lang="en-US" dirty="0"/>
-              <a:t>Docker Tools</a:t>
-            </a:r>
-          </a:p>
-        </p:txBody>
-      </p:sp>
-    </p:spTree>
-    <p:extLst>
-      <p:ext uri="{BB962C8B-B14F-4D97-AF65-F5344CB8AC3E}">
-        <p14:creationId xmlns:p14="http://schemas.microsoft.com/office/powerpoint/2010/main" val="349724400"/>
-      </p:ext>
-    </p:extLst>
-  </p:cSld>
-  <p:clrMapOvr>
-    <a:masterClrMapping/>
-  </p:clrMapOvr>
-</p:sld>
-</file>
-
-<file path=ppt/slides/slide45.xml><?xml version="1.0" encoding="utf-8"?>
 <p:sld xmlns:a="http://schemas.openxmlformats.org/drawingml/2006/main" xmlns:r="http://schemas.openxmlformats.org/officeDocument/2006/relationships" xmlns:p="http://schemas.openxmlformats.org/presentationml/2006/main">
   <p:cSld>
     <p:spTree>

--- a/00. Lecture/basics_and_beyond.pptx
+++ b/00. Lecture/basics_and_beyond.pptx
@@ -21,34 +21,35 @@
     <p:sldId id="834" r:id="rId15"/>
     <p:sldId id="685" r:id="rId16"/>
     <p:sldId id="836" r:id="rId17"/>
-    <p:sldId id="256" r:id="rId18"/>
-    <p:sldId id="257" r:id="rId19"/>
-    <p:sldId id="258" r:id="rId20"/>
-    <p:sldId id="259" r:id="rId21"/>
-    <p:sldId id="260" r:id="rId22"/>
-    <p:sldId id="261" r:id="rId23"/>
-    <p:sldId id="262" r:id="rId24"/>
-    <p:sldId id="869" r:id="rId25"/>
-    <p:sldId id="870" r:id="rId26"/>
-    <p:sldId id="871" r:id="rId27"/>
-    <p:sldId id="872" r:id="rId28"/>
-    <p:sldId id="873" r:id="rId29"/>
-    <p:sldId id="874" r:id="rId30"/>
-    <p:sldId id="865" r:id="rId31"/>
-    <p:sldId id="876" r:id="rId32"/>
-    <p:sldId id="263" r:id="rId33"/>
-    <p:sldId id="264" r:id="rId34"/>
-    <p:sldId id="509" r:id="rId35"/>
-    <p:sldId id="315" r:id="rId36"/>
-    <p:sldId id="387" r:id="rId37"/>
-    <p:sldId id="459" r:id="rId38"/>
-    <p:sldId id="501" r:id="rId39"/>
-    <p:sldId id="502" r:id="rId40"/>
-    <p:sldId id="503" r:id="rId41"/>
-    <p:sldId id="504" r:id="rId42"/>
-    <p:sldId id="505" r:id="rId43"/>
-    <p:sldId id="508" r:id="rId44"/>
-    <p:sldId id="877" r:id="rId45"/>
+    <p:sldId id="879" r:id="rId18"/>
+    <p:sldId id="256" r:id="rId19"/>
+    <p:sldId id="257" r:id="rId20"/>
+    <p:sldId id="258" r:id="rId21"/>
+    <p:sldId id="259" r:id="rId22"/>
+    <p:sldId id="260" r:id="rId23"/>
+    <p:sldId id="261" r:id="rId24"/>
+    <p:sldId id="262" r:id="rId25"/>
+    <p:sldId id="869" r:id="rId26"/>
+    <p:sldId id="870" r:id="rId27"/>
+    <p:sldId id="871" r:id="rId28"/>
+    <p:sldId id="872" r:id="rId29"/>
+    <p:sldId id="873" r:id="rId30"/>
+    <p:sldId id="874" r:id="rId31"/>
+    <p:sldId id="865" r:id="rId32"/>
+    <p:sldId id="876" r:id="rId33"/>
+    <p:sldId id="263" r:id="rId34"/>
+    <p:sldId id="264" r:id="rId35"/>
+    <p:sldId id="509" r:id="rId36"/>
+    <p:sldId id="315" r:id="rId37"/>
+    <p:sldId id="387" r:id="rId38"/>
+    <p:sldId id="459" r:id="rId39"/>
+    <p:sldId id="501" r:id="rId40"/>
+    <p:sldId id="502" r:id="rId41"/>
+    <p:sldId id="503" r:id="rId42"/>
+    <p:sldId id="504" r:id="rId43"/>
+    <p:sldId id="505" r:id="rId44"/>
+    <p:sldId id="508" r:id="rId45"/>
+    <p:sldId id="877" r:id="rId46"/>
   </p:sldIdLst>
   <p:sldSz cx="12192000" cy="6858000"/>
   <p:notesSz cx="6858000" cy="9144000"/>
@@ -205,7 +206,7 @@
           <a:noFill/>
           <a:extLst>
             <a:ext uri="{909E8E84-426E-40dd-AFC4-6F175D3DCCD1}">
-              <a14:hiddenFill xmlns="" xmlns:a14="http://schemas.microsoft.com/office/drawing/2010/main">
+              <a14:hiddenFill xmlns:a14="http://schemas.microsoft.com/office/drawing/2010/main" xmlns="">
                 <a:solidFill>
                   <a:srgbClr val="FFFFFF"/>
                 </a:solidFill>
@@ -265,7 +266,7 @@
             </a:ln>
             <a:extLst>
               <a:ext uri="{91240B29-F687-4f45-9708-019B960494DF}">
-                <a14:hiddenLine xmlns="" xmlns:a14="http://schemas.microsoft.com/office/drawing/2010/main" w="9525">
+                <a14:hiddenLine xmlns:a14="http://schemas.microsoft.com/office/drawing/2010/main" xmlns="" w="9525">
                   <a:solidFill>
                     <a:srgbClr val="000000"/>
                   </a:solidFill>
@@ -355,7 +356,7 @@
             </a:ln>
             <a:extLst>
               <a:ext uri="{91240B29-F687-4f45-9708-019B960494DF}">
-                <a14:hiddenLine xmlns="" xmlns:a14="http://schemas.microsoft.com/office/drawing/2010/main" w="9525">
+                <a14:hiddenLine xmlns:a14="http://schemas.microsoft.com/office/drawing/2010/main" xmlns="" w="9525">
                   <a:solidFill>
                     <a:srgbClr val="000000"/>
                   </a:solidFill>
@@ -445,7 +446,7 @@
             </a:ln>
             <a:extLst>
               <a:ext uri="{91240B29-F687-4f45-9708-019B960494DF}">
-                <a14:hiddenLine xmlns="" xmlns:a14="http://schemas.microsoft.com/office/drawing/2010/main" w="9525">
+                <a14:hiddenLine xmlns:a14="http://schemas.microsoft.com/office/drawing/2010/main" xmlns="" w="9525">
                   <a:solidFill>
                     <a:srgbClr val="000000"/>
                   </a:solidFill>
@@ -479,7 +480,7 @@
             </a:ln>
             <a:extLst>
               <a:ext uri="{91240B29-F687-4f45-9708-019B960494DF}">
-                <a14:hiddenLine xmlns="" xmlns:a14="http://schemas.microsoft.com/office/drawing/2010/main" w="9525">
+                <a14:hiddenLine xmlns:a14="http://schemas.microsoft.com/office/drawing/2010/main" xmlns="" w="9525">
                   <a:solidFill>
                     <a:srgbClr val="000000"/>
                   </a:solidFill>
@@ -569,7 +570,7 @@
             </a:ln>
             <a:extLst>
               <a:ext uri="{91240B29-F687-4f45-9708-019B960494DF}">
-                <a14:hiddenLine xmlns="" xmlns:a14="http://schemas.microsoft.com/office/drawing/2010/main" w="9525">
+                <a14:hiddenLine xmlns:a14="http://schemas.microsoft.com/office/drawing/2010/main" xmlns="" w="9525">
                   <a:solidFill>
                     <a:srgbClr val="000000"/>
                   </a:solidFill>
@@ -631,7 +632,7 @@
             </a:ln>
             <a:extLst>
               <a:ext uri="{91240B29-F687-4f45-9708-019B960494DF}">
-                <a14:hiddenLine xmlns="" xmlns:a14="http://schemas.microsoft.com/office/drawing/2010/main" w="9525">
+                <a14:hiddenLine xmlns:a14="http://schemas.microsoft.com/office/drawing/2010/main" xmlns="" w="9525">
                   <a:solidFill>
                     <a:srgbClr val="000000"/>
                   </a:solidFill>
@@ -693,7 +694,7 @@
             </a:ln>
             <a:extLst>
               <a:ext uri="{91240B29-F687-4f45-9708-019B960494DF}">
-                <a14:hiddenLine xmlns="" xmlns:a14="http://schemas.microsoft.com/office/drawing/2010/main" w="9525">
+                <a14:hiddenLine xmlns:a14="http://schemas.microsoft.com/office/drawing/2010/main" xmlns="" w="9525">
                   <a:solidFill>
                     <a:srgbClr val="000000"/>
                   </a:solidFill>
@@ -783,7 +784,7 @@
             </a:ln>
             <a:extLst>
               <a:ext uri="{91240B29-F687-4f45-9708-019B960494DF}">
-                <a14:hiddenLine xmlns="" xmlns:a14="http://schemas.microsoft.com/office/drawing/2010/main" w="9525">
+                <a14:hiddenLine xmlns:a14="http://schemas.microsoft.com/office/drawing/2010/main" xmlns="" w="9525">
                   <a:solidFill>
                     <a:srgbClr val="000000"/>
                   </a:solidFill>
@@ -845,7 +846,7 @@
             </a:ln>
             <a:extLst>
               <a:ext uri="{91240B29-F687-4f45-9708-019B960494DF}">
-                <a14:hiddenLine xmlns="" xmlns:a14="http://schemas.microsoft.com/office/drawing/2010/main" w="9525">
+                <a14:hiddenLine xmlns:a14="http://schemas.microsoft.com/office/drawing/2010/main" xmlns="" w="9525">
                   <a:solidFill>
                     <a:srgbClr val="000000"/>
                   </a:solidFill>
@@ -907,7 +908,7 @@
             </a:ln>
             <a:extLst>
               <a:ext uri="{91240B29-F687-4f45-9708-019B960494DF}">
-                <a14:hiddenLine xmlns="" xmlns:a14="http://schemas.microsoft.com/office/drawing/2010/main" w="9525">
+                <a14:hiddenLine xmlns:a14="http://schemas.microsoft.com/office/drawing/2010/main" xmlns="" w="9525">
                   <a:solidFill>
                     <a:srgbClr val="000000"/>
                   </a:solidFill>
@@ -997,7 +998,7 @@
             </a:ln>
             <a:extLst>
               <a:ext uri="{91240B29-F687-4f45-9708-019B960494DF}">
-                <a14:hiddenLine xmlns="" xmlns:a14="http://schemas.microsoft.com/office/drawing/2010/main" w="9525">
+                <a14:hiddenLine xmlns:a14="http://schemas.microsoft.com/office/drawing/2010/main" xmlns="" w="9525">
                   <a:solidFill>
                     <a:srgbClr val="000000"/>
                   </a:solidFill>
@@ -1087,7 +1088,7 @@
             </a:ln>
             <a:extLst>
               <a:ext uri="{91240B29-F687-4f45-9708-019B960494DF}">
-                <a14:hiddenLine xmlns="" xmlns:a14="http://schemas.microsoft.com/office/drawing/2010/main" w="9525">
+                <a14:hiddenLine xmlns:a14="http://schemas.microsoft.com/office/drawing/2010/main" xmlns="" w="9525">
                   <a:solidFill>
                     <a:srgbClr val="000000"/>
                   </a:solidFill>
@@ -1149,7 +1150,7 @@
             </a:ln>
             <a:extLst>
               <a:ext uri="{91240B29-F687-4f45-9708-019B960494DF}">
-                <a14:hiddenLine xmlns="" xmlns:a14="http://schemas.microsoft.com/office/drawing/2010/main" w="9525">
+                <a14:hiddenLine xmlns:a14="http://schemas.microsoft.com/office/drawing/2010/main" xmlns="" w="9525">
                   <a:solidFill>
                     <a:srgbClr val="000000"/>
                   </a:solidFill>
@@ -1259,7 +1260,7 @@
             </a:ln>
             <a:extLst>
               <a:ext uri="{91240B29-F687-4f45-9708-019B960494DF}">
-                <a14:hiddenLine xmlns="" xmlns:a14="http://schemas.microsoft.com/office/drawing/2010/main" w="9525">
+                <a14:hiddenLine xmlns:a14="http://schemas.microsoft.com/office/drawing/2010/main" xmlns="" w="9525">
                   <a:solidFill>
                     <a:srgbClr val="000000"/>
                   </a:solidFill>
@@ -1321,7 +1322,7 @@
             </a:ln>
             <a:extLst>
               <a:ext uri="{91240B29-F687-4f45-9708-019B960494DF}">
-                <a14:hiddenLine xmlns="" xmlns:a14="http://schemas.microsoft.com/office/drawing/2010/main" w="9525">
+                <a14:hiddenLine xmlns:a14="http://schemas.microsoft.com/office/drawing/2010/main" xmlns="" w="9525">
                   <a:solidFill>
                     <a:srgbClr val="000000"/>
                   </a:solidFill>
@@ -1411,7 +1412,7 @@
             </a:ln>
             <a:extLst>
               <a:ext uri="{91240B29-F687-4f45-9708-019B960494DF}">
-                <a14:hiddenLine xmlns="" xmlns:a14="http://schemas.microsoft.com/office/drawing/2010/main" w="9525">
+                <a14:hiddenLine xmlns:a14="http://schemas.microsoft.com/office/drawing/2010/main" xmlns="" w="9525">
                   <a:solidFill>
                     <a:srgbClr val="000000"/>
                   </a:solidFill>
@@ -1501,7 +1502,7 @@
             </a:ln>
             <a:extLst>
               <a:ext uri="{91240B29-F687-4f45-9708-019B960494DF}">
-                <a14:hiddenLine xmlns="" xmlns:a14="http://schemas.microsoft.com/office/drawing/2010/main" w="9525">
+                <a14:hiddenLine xmlns:a14="http://schemas.microsoft.com/office/drawing/2010/main" xmlns="" w="9525">
                   <a:solidFill>
                     <a:srgbClr val="000000"/>
                   </a:solidFill>
@@ -1563,7 +1564,7 @@
             </a:ln>
             <a:extLst>
               <a:ext uri="{91240B29-F687-4f45-9708-019B960494DF}">
-                <a14:hiddenLine xmlns="" xmlns:a14="http://schemas.microsoft.com/office/drawing/2010/main" w="9525">
+                <a14:hiddenLine xmlns:a14="http://schemas.microsoft.com/office/drawing/2010/main" xmlns="" w="9525">
                   <a:solidFill>
                     <a:srgbClr val="000000"/>
                   </a:solidFill>
@@ -1653,7 +1654,7 @@
             </a:ln>
             <a:extLst>
               <a:ext uri="{91240B29-F687-4f45-9708-019B960494DF}">
-                <a14:hiddenLine xmlns="" xmlns:a14="http://schemas.microsoft.com/office/drawing/2010/main" w="9525">
+                <a14:hiddenLine xmlns:a14="http://schemas.microsoft.com/office/drawing/2010/main" xmlns="" w="9525">
                   <a:solidFill>
                     <a:srgbClr val="000000"/>
                   </a:solidFill>
@@ -1743,7 +1744,7 @@
             </a:ln>
             <a:extLst>
               <a:ext uri="{91240B29-F687-4f45-9708-019B960494DF}">
-                <a14:hiddenLine xmlns="" xmlns:a14="http://schemas.microsoft.com/office/drawing/2010/main" w="9525">
+                <a14:hiddenLine xmlns:a14="http://schemas.microsoft.com/office/drawing/2010/main" xmlns="" w="9525">
                   <a:solidFill>
                     <a:srgbClr val="000000"/>
                   </a:solidFill>
@@ -1799,7 +1800,7 @@
             </a:ln>
             <a:extLst>
               <a:ext uri="{91240B29-F687-4f45-9708-019B960494DF}">
-                <a14:hiddenLine xmlns="" xmlns:a14="http://schemas.microsoft.com/office/drawing/2010/main" w="9525">
+                <a14:hiddenLine xmlns:a14="http://schemas.microsoft.com/office/drawing/2010/main" xmlns="" w="9525">
                   <a:solidFill>
                     <a:srgbClr val="000000"/>
                   </a:solidFill>
@@ -1889,7 +1890,7 @@
             </a:ln>
             <a:extLst>
               <a:ext uri="{91240B29-F687-4f45-9708-019B960494DF}">
-                <a14:hiddenLine xmlns="" xmlns:a14="http://schemas.microsoft.com/office/drawing/2010/main" w="9525">
+                <a14:hiddenLine xmlns:a14="http://schemas.microsoft.com/office/drawing/2010/main" xmlns="" w="9525">
                   <a:solidFill>
                     <a:srgbClr val="000000"/>
                   </a:solidFill>
@@ -1945,7 +1946,7 @@
             </a:ln>
             <a:extLst>
               <a:ext uri="{91240B29-F687-4f45-9708-019B960494DF}">
-                <a14:hiddenLine xmlns="" xmlns:a14="http://schemas.microsoft.com/office/drawing/2010/main" w="9525">
+                <a14:hiddenLine xmlns:a14="http://schemas.microsoft.com/office/drawing/2010/main" xmlns="" w="9525">
                   <a:solidFill>
                     <a:srgbClr val="000000"/>
                   </a:solidFill>
@@ -2035,7 +2036,7 @@
             </a:ln>
             <a:extLst>
               <a:ext uri="{91240B29-F687-4f45-9708-019B960494DF}">
-                <a14:hiddenLine xmlns="" xmlns:a14="http://schemas.microsoft.com/office/drawing/2010/main" w="9525">
+                <a14:hiddenLine xmlns:a14="http://schemas.microsoft.com/office/drawing/2010/main" xmlns="" w="9525">
                   <a:solidFill>
                     <a:srgbClr val="000000"/>
                   </a:solidFill>
@@ -2103,7 +2104,7 @@
             </a:ln>
             <a:extLst>
               <a:ext uri="{91240B29-F687-4f45-9708-019B960494DF}">
-                <a14:hiddenLine xmlns="" xmlns:a14="http://schemas.microsoft.com/office/drawing/2010/main" w="9525">
+                <a14:hiddenLine xmlns:a14="http://schemas.microsoft.com/office/drawing/2010/main" xmlns="" w="9525">
                   <a:solidFill>
                     <a:srgbClr val="000000"/>
                   </a:solidFill>
@@ -2193,7 +2194,7 @@
             </a:ln>
             <a:extLst>
               <a:ext uri="{91240B29-F687-4f45-9708-019B960494DF}">
-                <a14:hiddenLine xmlns="" xmlns:a14="http://schemas.microsoft.com/office/drawing/2010/main" w="9525">
+                <a14:hiddenLine xmlns:a14="http://schemas.microsoft.com/office/drawing/2010/main" xmlns="" w="9525">
                   <a:solidFill>
                     <a:srgbClr val="000000"/>
                   </a:solidFill>
@@ -2261,7 +2262,7 @@
             </a:ln>
             <a:extLst>
               <a:ext uri="{91240B29-F687-4f45-9708-019B960494DF}">
-                <a14:hiddenLine xmlns="" xmlns:a14="http://schemas.microsoft.com/office/drawing/2010/main" w="9525">
+                <a14:hiddenLine xmlns:a14="http://schemas.microsoft.com/office/drawing/2010/main" xmlns="" w="9525">
                   <a:solidFill>
                     <a:srgbClr val="000000"/>
                   </a:solidFill>
@@ -2351,7 +2352,7 @@
             </a:ln>
             <a:extLst>
               <a:ext uri="{91240B29-F687-4f45-9708-019B960494DF}">
-                <a14:hiddenLine xmlns="" xmlns:a14="http://schemas.microsoft.com/office/drawing/2010/main" w="9525">
+                <a14:hiddenLine xmlns:a14="http://schemas.microsoft.com/office/drawing/2010/main" xmlns="" w="9525">
                   <a:solidFill>
                     <a:srgbClr val="000000"/>
                   </a:solidFill>
@@ -2385,7 +2386,7 @@
             </a:ln>
             <a:extLst>
               <a:ext uri="{91240B29-F687-4f45-9708-019B960494DF}">
-                <a14:hiddenLine xmlns="" xmlns:a14="http://schemas.microsoft.com/office/drawing/2010/main" w="9525">
+                <a14:hiddenLine xmlns:a14="http://schemas.microsoft.com/office/drawing/2010/main" xmlns="" w="9525">
                   <a:solidFill>
                     <a:srgbClr val="000000"/>
                   </a:solidFill>
@@ -2475,7 +2476,7 @@
             </a:ln>
             <a:extLst>
               <a:ext uri="{91240B29-F687-4f45-9708-019B960494DF}">
-                <a14:hiddenLine xmlns="" xmlns:a14="http://schemas.microsoft.com/office/drawing/2010/main" w="9525">
+                <a14:hiddenLine xmlns:a14="http://schemas.microsoft.com/office/drawing/2010/main" xmlns="" w="9525">
                   <a:solidFill>
                     <a:srgbClr val="000000"/>
                   </a:solidFill>
@@ -2537,7 +2538,7 @@
             </a:ln>
             <a:extLst>
               <a:ext uri="{91240B29-F687-4f45-9708-019B960494DF}">
-                <a14:hiddenLine xmlns="" xmlns:a14="http://schemas.microsoft.com/office/drawing/2010/main" w="9525">
+                <a14:hiddenLine xmlns:a14="http://schemas.microsoft.com/office/drawing/2010/main" xmlns="" w="9525">
                   <a:solidFill>
                     <a:srgbClr val="000000"/>
                   </a:solidFill>
@@ -2599,7 +2600,7 @@
             </a:ln>
             <a:extLst>
               <a:ext uri="{91240B29-F687-4f45-9708-019B960494DF}">
-                <a14:hiddenLine xmlns="" xmlns:a14="http://schemas.microsoft.com/office/drawing/2010/main" w="9525">
+                <a14:hiddenLine xmlns:a14="http://schemas.microsoft.com/office/drawing/2010/main" xmlns="" w="9525">
                   <a:solidFill>
                     <a:srgbClr val="000000"/>
                   </a:solidFill>
@@ -2689,7 +2690,7 @@
             </a:ln>
             <a:extLst>
               <a:ext uri="{91240B29-F687-4f45-9708-019B960494DF}">
-                <a14:hiddenLine xmlns="" xmlns:a14="http://schemas.microsoft.com/office/drawing/2010/main" w="9525">
+                <a14:hiddenLine xmlns:a14="http://schemas.microsoft.com/office/drawing/2010/main" xmlns="" w="9525">
                   <a:solidFill>
                     <a:srgbClr val="000000"/>
                   </a:solidFill>
@@ -2757,7 +2758,7 @@
             </a:ln>
             <a:extLst>
               <a:ext uri="{91240B29-F687-4f45-9708-019B960494DF}">
-                <a14:hiddenLine xmlns="" xmlns:a14="http://schemas.microsoft.com/office/drawing/2010/main" w="9525">
+                <a14:hiddenLine xmlns:a14="http://schemas.microsoft.com/office/drawing/2010/main" xmlns="" w="9525">
                   <a:solidFill>
                     <a:srgbClr val="000000"/>
                   </a:solidFill>
@@ -2819,7 +2820,7 @@
             </a:ln>
             <a:extLst>
               <a:ext uri="{91240B29-F687-4f45-9708-019B960494DF}">
-                <a14:hiddenLine xmlns="" xmlns:a14="http://schemas.microsoft.com/office/drawing/2010/main" w="9525">
+                <a14:hiddenLine xmlns:a14="http://schemas.microsoft.com/office/drawing/2010/main" xmlns="" w="9525">
                   <a:solidFill>
                     <a:srgbClr val="000000"/>
                   </a:solidFill>
@@ -2909,7 +2910,7 @@
             </a:ln>
             <a:extLst>
               <a:ext uri="{91240B29-F687-4f45-9708-019B960494DF}">
-                <a14:hiddenLine xmlns="" xmlns:a14="http://schemas.microsoft.com/office/drawing/2010/main" w="9525">
+                <a14:hiddenLine xmlns:a14="http://schemas.microsoft.com/office/drawing/2010/main" xmlns="" w="9525">
                   <a:solidFill>
                     <a:srgbClr val="000000"/>
                   </a:solidFill>
@@ -2971,7 +2972,7 @@
             </a:ln>
             <a:extLst>
               <a:ext uri="{91240B29-F687-4f45-9708-019B960494DF}">
-                <a14:hiddenLine xmlns="" xmlns:a14="http://schemas.microsoft.com/office/drawing/2010/main" w="9525">
+                <a14:hiddenLine xmlns:a14="http://schemas.microsoft.com/office/drawing/2010/main" xmlns="" w="9525">
                   <a:solidFill>
                     <a:srgbClr val="000000"/>
                   </a:solidFill>
@@ -3061,7 +3062,7 @@
             </a:ln>
             <a:extLst>
               <a:ext uri="{91240B29-F687-4f45-9708-019B960494DF}">
-                <a14:hiddenLine xmlns="" xmlns:a14="http://schemas.microsoft.com/office/drawing/2010/main" w="9525">
+                <a14:hiddenLine xmlns:a14="http://schemas.microsoft.com/office/drawing/2010/main" xmlns="" w="9525">
                   <a:solidFill>
                     <a:srgbClr val="000000"/>
                   </a:solidFill>
@@ -3123,7 +3124,7 @@
             </a:ln>
             <a:extLst>
               <a:ext uri="{91240B29-F687-4f45-9708-019B960494DF}">
-                <a14:hiddenLine xmlns="" xmlns:a14="http://schemas.microsoft.com/office/drawing/2010/main" w="9525">
+                <a14:hiddenLine xmlns:a14="http://schemas.microsoft.com/office/drawing/2010/main" xmlns="" w="9525">
                   <a:solidFill>
                     <a:srgbClr val="000000"/>
                   </a:solidFill>
@@ -3213,7 +3214,7 @@
             </a:ln>
             <a:extLst>
               <a:ext uri="{91240B29-F687-4f45-9708-019B960494DF}">
-                <a14:hiddenLine xmlns="" xmlns:a14="http://schemas.microsoft.com/office/drawing/2010/main" w="9525">
+                <a14:hiddenLine xmlns:a14="http://schemas.microsoft.com/office/drawing/2010/main" xmlns="" w="9525">
                   <a:solidFill>
                     <a:srgbClr val="000000"/>
                   </a:solidFill>
@@ -3247,7 +3248,7 @@
             </a:ln>
             <a:extLst>
               <a:ext uri="{91240B29-F687-4f45-9708-019B960494DF}">
-                <a14:hiddenLine xmlns="" xmlns:a14="http://schemas.microsoft.com/office/drawing/2010/main" w="9525">
+                <a14:hiddenLine xmlns:a14="http://schemas.microsoft.com/office/drawing/2010/main" xmlns="" w="9525">
                   <a:solidFill>
                     <a:srgbClr val="000000"/>
                   </a:solidFill>
@@ -3312,7 +3313,7 @@
             </a:ln>
             <a:extLst>
               <a:ext uri="{91240B29-F687-4f45-9708-019B960494DF}">
-                <a14:hiddenLine xmlns="" xmlns:a14="http://schemas.microsoft.com/office/drawing/2010/main" w="9525">
+                <a14:hiddenLine xmlns:a14="http://schemas.microsoft.com/office/drawing/2010/main" xmlns="" w="9525">
                   <a:solidFill>
                     <a:srgbClr val="000000"/>
                   </a:solidFill>
@@ -3402,7 +3403,7 @@
             </a:ln>
             <a:extLst>
               <a:ext uri="{91240B29-F687-4f45-9708-019B960494DF}">
-                <a14:hiddenLine xmlns="" xmlns:a14="http://schemas.microsoft.com/office/drawing/2010/main" w="9525">
+                <a14:hiddenLine xmlns:a14="http://schemas.microsoft.com/office/drawing/2010/main" xmlns="" w="9525">
                   <a:solidFill>
                     <a:srgbClr val="000000"/>
                   </a:solidFill>
@@ -3464,7 +3465,7 @@
             </a:ln>
             <a:extLst>
               <a:ext uri="{91240B29-F687-4f45-9708-019B960494DF}">
-                <a14:hiddenLine xmlns="" xmlns:a14="http://schemas.microsoft.com/office/drawing/2010/main" w="9525">
+                <a14:hiddenLine xmlns:a14="http://schemas.microsoft.com/office/drawing/2010/main" xmlns="" w="9525">
                   <a:solidFill>
                     <a:srgbClr val="000000"/>
                   </a:solidFill>
@@ -3554,7 +3555,7 @@
             </a:ln>
             <a:extLst>
               <a:ext uri="{91240B29-F687-4f45-9708-019B960494DF}">
-                <a14:hiddenLine xmlns="" xmlns:a14="http://schemas.microsoft.com/office/drawing/2010/main" w="9525">
+                <a14:hiddenLine xmlns:a14="http://schemas.microsoft.com/office/drawing/2010/main" xmlns="" w="9525">
                   <a:solidFill>
                     <a:srgbClr val="000000"/>
                   </a:solidFill>
@@ -3644,7 +3645,7 @@
             </a:ln>
             <a:extLst>
               <a:ext uri="{91240B29-F687-4f45-9708-019B960494DF}">
-                <a14:hiddenLine xmlns="" xmlns:a14="http://schemas.microsoft.com/office/drawing/2010/main" w="9525">
+                <a14:hiddenLine xmlns:a14="http://schemas.microsoft.com/office/drawing/2010/main" xmlns="" w="9525">
                   <a:solidFill>
                     <a:srgbClr val="000000"/>
                   </a:solidFill>
@@ -3709,7 +3710,7 @@
             </a:ln>
             <a:extLst>
               <a:ext uri="{91240B29-F687-4f45-9708-019B960494DF}">
-                <a14:hiddenLine xmlns="" xmlns:a14="http://schemas.microsoft.com/office/drawing/2010/main" w="9525">
+                <a14:hiddenLine xmlns:a14="http://schemas.microsoft.com/office/drawing/2010/main" xmlns="" w="9525">
                   <a:solidFill>
                     <a:srgbClr val="000000"/>
                   </a:solidFill>
@@ -3771,7 +3772,7 @@
             </a:ln>
             <a:extLst>
               <a:ext uri="{91240B29-F687-4f45-9708-019B960494DF}">
-                <a14:hiddenLine xmlns="" xmlns:a14="http://schemas.microsoft.com/office/drawing/2010/main" w="9525">
+                <a14:hiddenLine xmlns:a14="http://schemas.microsoft.com/office/drawing/2010/main" xmlns="" w="9525">
                   <a:solidFill>
                     <a:srgbClr val="000000"/>
                   </a:solidFill>
@@ -3861,7 +3862,7 @@
             </a:ln>
             <a:extLst>
               <a:ext uri="{91240B29-F687-4f45-9708-019B960494DF}">
-                <a14:hiddenLine xmlns="" xmlns:a14="http://schemas.microsoft.com/office/drawing/2010/main" w="9525">
+                <a14:hiddenLine xmlns:a14="http://schemas.microsoft.com/office/drawing/2010/main" xmlns="" w="9525">
                   <a:solidFill>
                     <a:srgbClr val="000000"/>
                   </a:solidFill>
@@ -3951,7 +3952,7 @@
             </a:ln>
             <a:extLst>
               <a:ext uri="{91240B29-F687-4f45-9708-019B960494DF}">
-                <a14:hiddenLine xmlns="" xmlns:a14="http://schemas.microsoft.com/office/drawing/2010/main" w="9525">
+                <a14:hiddenLine xmlns:a14="http://schemas.microsoft.com/office/drawing/2010/main" xmlns="" w="9525">
                   <a:solidFill>
                     <a:srgbClr val="000000"/>
                   </a:solidFill>
@@ -4013,7 +4014,7 @@
             </a:ln>
             <a:extLst>
               <a:ext uri="{91240B29-F687-4f45-9708-019B960494DF}">
-                <a14:hiddenLine xmlns="" xmlns:a14="http://schemas.microsoft.com/office/drawing/2010/main" w="9525">
+                <a14:hiddenLine xmlns:a14="http://schemas.microsoft.com/office/drawing/2010/main" xmlns="" w="9525">
                   <a:solidFill>
                     <a:srgbClr val="000000"/>
                   </a:solidFill>
@@ -4133,7 +4134,7 @@
             </a:ln>
             <a:extLst>
               <a:ext uri="{91240B29-F687-4f45-9708-019B960494DF}">
-                <a14:hiddenLine xmlns="" xmlns:a14="http://schemas.microsoft.com/office/drawing/2010/main" w="9525">
+                <a14:hiddenLine xmlns:a14="http://schemas.microsoft.com/office/drawing/2010/main" xmlns="" w="9525">
                   <a:solidFill>
                     <a:srgbClr val="000000"/>
                   </a:solidFill>
@@ -4201,7 +4202,7 @@
             </a:ln>
             <a:extLst>
               <a:ext uri="{91240B29-F687-4f45-9708-019B960494DF}">
-                <a14:hiddenLine xmlns="" xmlns:a14="http://schemas.microsoft.com/office/drawing/2010/main" w="9525">
+                <a14:hiddenLine xmlns:a14="http://schemas.microsoft.com/office/drawing/2010/main" xmlns="" w="9525">
                   <a:solidFill>
                     <a:srgbClr val="000000"/>
                   </a:solidFill>
@@ -4291,7 +4292,7 @@
             </a:ln>
             <a:extLst>
               <a:ext uri="{91240B29-F687-4f45-9708-019B960494DF}">
-                <a14:hiddenLine xmlns="" xmlns:a14="http://schemas.microsoft.com/office/drawing/2010/main" w="9525">
+                <a14:hiddenLine xmlns:a14="http://schemas.microsoft.com/office/drawing/2010/main" xmlns="" w="9525">
                   <a:solidFill>
                     <a:srgbClr val="000000"/>
                   </a:solidFill>
@@ -9098,7 +9099,7 @@
           <a:noFill/>
           <a:extLst>
             <a:ext uri="{909E8E84-426E-40dd-AFC4-6F175D3DCCD1}">
-              <a14:hiddenFill xmlns="" xmlns:a14="http://schemas.microsoft.com/office/drawing/2010/main">
+              <a14:hiddenFill xmlns:a14="http://schemas.microsoft.com/office/drawing/2010/main" xmlns="">
                 <a:solidFill>
                   <a:srgbClr val="FFFFFF"/>
                 </a:solidFill>
@@ -9172,7 +9173,7 @@
               </a:ln>
               <a:extLst>
                 <a:ext uri="{91240B29-F687-4f45-9708-019B960494DF}">
-                  <a14:hiddenLine xmlns="" xmlns:a14="http://schemas.microsoft.com/office/drawing/2010/main" w="9525">
+                  <a14:hiddenLine xmlns:a14="http://schemas.microsoft.com/office/drawing/2010/main" xmlns="" w="9525">
                     <a:solidFill>
                       <a:srgbClr val="000000"/>
                     </a:solidFill>
@@ -9262,7 +9263,7 @@
               </a:ln>
               <a:extLst>
                 <a:ext uri="{91240B29-F687-4f45-9708-019B960494DF}">
-                  <a14:hiddenLine xmlns="" xmlns:a14="http://schemas.microsoft.com/office/drawing/2010/main" w="9525">
+                  <a14:hiddenLine xmlns:a14="http://schemas.microsoft.com/office/drawing/2010/main" xmlns="" w="9525">
                     <a:solidFill>
                       <a:srgbClr val="000000"/>
                     </a:solidFill>
@@ -9352,7 +9353,7 @@
               </a:ln>
               <a:extLst>
                 <a:ext uri="{91240B29-F687-4f45-9708-019B960494DF}">
-                  <a14:hiddenLine xmlns="" xmlns:a14="http://schemas.microsoft.com/office/drawing/2010/main" w="9525">
+                  <a14:hiddenLine xmlns:a14="http://schemas.microsoft.com/office/drawing/2010/main" xmlns="" w="9525">
                     <a:solidFill>
                       <a:srgbClr val="000000"/>
                     </a:solidFill>
@@ -9414,7 +9415,7 @@
               </a:ln>
               <a:extLst>
                 <a:ext uri="{91240B29-F687-4f45-9708-019B960494DF}">
-                  <a14:hiddenLine xmlns="" xmlns:a14="http://schemas.microsoft.com/office/drawing/2010/main" w="9525">
+                  <a14:hiddenLine xmlns:a14="http://schemas.microsoft.com/office/drawing/2010/main" xmlns="" w="9525">
                     <a:solidFill>
                       <a:srgbClr val="000000"/>
                     </a:solidFill>
@@ -9504,7 +9505,7 @@
               </a:ln>
               <a:extLst>
                 <a:ext uri="{91240B29-F687-4f45-9708-019B960494DF}">
-                  <a14:hiddenLine xmlns="" xmlns:a14="http://schemas.microsoft.com/office/drawing/2010/main" w="9525">
+                  <a14:hiddenLine xmlns:a14="http://schemas.microsoft.com/office/drawing/2010/main" xmlns="" w="9525">
                     <a:solidFill>
                       <a:srgbClr val="000000"/>
                     </a:solidFill>
@@ -9566,7 +9567,7 @@
               </a:ln>
               <a:extLst>
                 <a:ext uri="{91240B29-F687-4f45-9708-019B960494DF}">
-                  <a14:hiddenLine xmlns="" xmlns:a14="http://schemas.microsoft.com/office/drawing/2010/main" w="9525">
+                  <a14:hiddenLine xmlns:a14="http://schemas.microsoft.com/office/drawing/2010/main" xmlns="" w="9525">
                     <a:solidFill>
                       <a:srgbClr val="000000"/>
                     </a:solidFill>
@@ -9628,7 +9629,7 @@
               </a:ln>
               <a:extLst>
                 <a:ext uri="{91240B29-F687-4f45-9708-019B960494DF}">
-                  <a14:hiddenLine xmlns="" xmlns:a14="http://schemas.microsoft.com/office/drawing/2010/main" w="9525">
+                  <a14:hiddenLine xmlns:a14="http://schemas.microsoft.com/office/drawing/2010/main" xmlns="" w="9525">
                     <a:solidFill>
                       <a:srgbClr val="000000"/>
                     </a:solidFill>
@@ -9718,7 +9719,7 @@
               </a:ln>
               <a:extLst>
                 <a:ext uri="{91240B29-F687-4f45-9708-019B960494DF}">
-                  <a14:hiddenLine xmlns="" xmlns:a14="http://schemas.microsoft.com/office/drawing/2010/main" w="9525">
+                  <a14:hiddenLine xmlns:a14="http://schemas.microsoft.com/office/drawing/2010/main" xmlns="" w="9525">
                     <a:solidFill>
                       <a:srgbClr val="000000"/>
                     </a:solidFill>
@@ -9808,7 +9809,7 @@
               </a:ln>
               <a:extLst>
                 <a:ext uri="{91240B29-F687-4f45-9708-019B960494DF}">
-                  <a14:hiddenLine xmlns="" xmlns:a14="http://schemas.microsoft.com/office/drawing/2010/main" w="9525">
+                  <a14:hiddenLine xmlns:a14="http://schemas.microsoft.com/office/drawing/2010/main" xmlns="" w="9525">
                     <a:solidFill>
                       <a:srgbClr val="000000"/>
                     </a:solidFill>
@@ -9870,7 +9871,7 @@
               </a:ln>
               <a:extLst>
                 <a:ext uri="{91240B29-F687-4f45-9708-019B960494DF}">
-                  <a14:hiddenLine xmlns="" xmlns:a14="http://schemas.microsoft.com/office/drawing/2010/main" w="9525">
+                  <a14:hiddenLine xmlns:a14="http://schemas.microsoft.com/office/drawing/2010/main" xmlns="" w="9525">
                     <a:solidFill>
                       <a:srgbClr val="000000"/>
                     </a:solidFill>
@@ -9980,7 +9981,7 @@
               </a:ln>
               <a:extLst>
                 <a:ext uri="{91240B29-F687-4f45-9708-019B960494DF}">
-                  <a14:hiddenLine xmlns="" xmlns:a14="http://schemas.microsoft.com/office/drawing/2010/main" w="9525">
+                  <a14:hiddenLine xmlns:a14="http://schemas.microsoft.com/office/drawing/2010/main" xmlns="" w="9525">
                     <a:solidFill>
                       <a:srgbClr val="000000"/>
                     </a:solidFill>
@@ -10064,7 +10065,7 @@
               </a:ln>
               <a:extLst>
                 <a:ext uri="{91240B29-F687-4f45-9708-019B960494DF}">
-                  <a14:hiddenLine xmlns="" xmlns:a14="http://schemas.microsoft.com/office/drawing/2010/main" w="9525">
+                  <a14:hiddenLine xmlns:a14="http://schemas.microsoft.com/office/drawing/2010/main" xmlns="" w="9525">
                     <a:solidFill>
                       <a:srgbClr val="000000"/>
                     </a:solidFill>
@@ -10126,7 +10127,7 @@
               </a:ln>
               <a:extLst>
                 <a:ext uri="{91240B29-F687-4f45-9708-019B960494DF}">
-                  <a14:hiddenLine xmlns="" xmlns:a14="http://schemas.microsoft.com/office/drawing/2010/main" w="9525">
+                  <a14:hiddenLine xmlns:a14="http://schemas.microsoft.com/office/drawing/2010/main" xmlns="" w="9525">
                     <a:solidFill>
                       <a:srgbClr val="000000"/>
                     </a:solidFill>
@@ -10188,7 +10189,7 @@
               </a:ln>
               <a:extLst>
                 <a:ext uri="{91240B29-F687-4f45-9708-019B960494DF}">
-                  <a14:hiddenLine xmlns="" xmlns:a14="http://schemas.microsoft.com/office/drawing/2010/main" w="9525">
+                  <a14:hiddenLine xmlns:a14="http://schemas.microsoft.com/office/drawing/2010/main" xmlns="" w="9525">
                     <a:solidFill>
                       <a:srgbClr val="000000"/>
                     </a:solidFill>
@@ -10278,7 +10279,7 @@
               </a:ln>
               <a:extLst>
                 <a:ext uri="{91240B29-F687-4f45-9708-019B960494DF}">
-                  <a14:hiddenLine xmlns="" xmlns:a14="http://schemas.microsoft.com/office/drawing/2010/main" w="9525">
+                  <a14:hiddenLine xmlns:a14="http://schemas.microsoft.com/office/drawing/2010/main" xmlns="" w="9525">
                     <a:solidFill>
                       <a:srgbClr val="000000"/>
                     </a:solidFill>
@@ -10312,7 +10313,7 @@
               </a:ln>
               <a:extLst>
                 <a:ext uri="{91240B29-F687-4f45-9708-019B960494DF}">
-                  <a14:hiddenLine xmlns="" xmlns:a14="http://schemas.microsoft.com/office/drawing/2010/main" w="9525">
+                  <a14:hiddenLine xmlns:a14="http://schemas.microsoft.com/office/drawing/2010/main" xmlns="" w="9525">
                     <a:solidFill>
                       <a:srgbClr val="000000"/>
                     </a:solidFill>
@@ -10377,7 +10378,7 @@
               </a:ln>
               <a:extLst>
                 <a:ext uri="{91240B29-F687-4f45-9708-019B960494DF}">
-                  <a14:hiddenLine xmlns="" xmlns:a14="http://schemas.microsoft.com/office/drawing/2010/main" w="9525">
+                  <a14:hiddenLine xmlns:a14="http://schemas.microsoft.com/office/drawing/2010/main" xmlns="" w="9525">
                     <a:solidFill>
                       <a:srgbClr val="000000"/>
                     </a:solidFill>
@@ -10467,7 +10468,7 @@
               </a:ln>
               <a:extLst>
                 <a:ext uri="{91240B29-F687-4f45-9708-019B960494DF}">
-                  <a14:hiddenLine xmlns="" xmlns:a14="http://schemas.microsoft.com/office/drawing/2010/main" w="9525">
+                  <a14:hiddenLine xmlns:a14="http://schemas.microsoft.com/office/drawing/2010/main" xmlns="" w="9525">
                     <a:solidFill>
                       <a:srgbClr val="000000"/>
                     </a:solidFill>
@@ -10529,7 +10530,7 @@
               </a:ln>
               <a:extLst>
                 <a:ext uri="{91240B29-F687-4f45-9708-019B960494DF}">
-                  <a14:hiddenLine xmlns="" xmlns:a14="http://schemas.microsoft.com/office/drawing/2010/main" w="9525">
+                  <a14:hiddenLine xmlns:a14="http://schemas.microsoft.com/office/drawing/2010/main" xmlns="" w="9525">
                     <a:solidFill>
                       <a:srgbClr val="000000"/>
                     </a:solidFill>
@@ -10619,7 +10620,7 @@
               </a:ln>
               <a:extLst>
                 <a:ext uri="{91240B29-F687-4f45-9708-019B960494DF}">
-                  <a14:hiddenLine xmlns="" xmlns:a14="http://schemas.microsoft.com/office/drawing/2010/main" w="9525">
+                  <a14:hiddenLine xmlns:a14="http://schemas.microsoft.com/office/drawing/2010/main" xmlns="" w="9525">
                     <a:solidFill>
                       <a:srgbClr val="000000"/>
                     </a:solidFill>
@@ -10684,7 +10685,7 @@
               </a:ln>
               <a:extLst>
                 <a:ext uri="{91240B29-F687-4f45-9708-019B960494DF}">
-                  <a14:hiddenLine xmlns="" xmlns:a14="http://schemas.microsoft.com/office/drawing/2010/main" w="9525">
+                  <a14:hiddenLine xmlns:a14="http://schemas.microsoft.com/office/drawing/2010/main" xmlns="" w="9525">
                     <a:solidFill>
                       <a:srgbClr val="000000"/>
                     </a:solidFill>
@@ -10746,7 +10747,7 @@
               </a:ln>
               <a:extLst>
                 <a:ext uri="{91240B29-F687-4f45-9708-019B960494DF}">
-                  <a14:hiddenLine xmlns="" xmlns:a14="http://schemas.microsoft.com/office/drawing/2010/main" w="9525">
+                  <a14:hiddenLine xmlns:a14="http://schemas.microsoft.com/office/drawing/2010/main" xmlns="" w="9525">
                     <a:solidFill>
                       <a:srgbClr val="000000"/>
                     </a:solidFill>
@@ -10836,7 +10837,7 @@
               </a:ln>
               <a:extLst>
                 <a:ext uri="{91240B29-F687-4f45-9708-019B960494DF}">
-                  <a14:hiddenLine xmlns="" xmlns:a14="http://schemas.microsoft.com/office/drawing/2010/main" w="9525">
+                  <a14:hiddenLine xmlns:a14="http://schemas.microsoft.com/office/drawing/2010/main" xmlns="" w="9525">
                     <a:solidFill>
                       <a:srgbClr val="000000"/>
                     </a:solidFill>
@@ -10926,7 +10927,7 @@
               </a:ln>
               <a:extLst>
                 <a:ext uri="{91240B29-F687-4f45-9708-019B960494DF}">
-                  <a14:hiddenLine xmlns="" xmlns:a14="http://schemas.microsoft.com/office/drawing/2010/main" w="9525">
+                  <a14:hiddenLine xmlns:a14="http://schemas.microsoft.com/office/drawing/2010/main" xmlns="" w="9525">
                     <a:solidFill>
                       <a:srgbClr val="000000"/>
                     </a:solidFill>
@@ -10991,7 +10992,7 @@
               </a:ln>
               <a:extLst>
                 <a:ext uri="{91240B29-F687-4f45-9708-019B960494DF}">
-                  <a14:hiddenLine xmlns="" xmlns:a14="http://schemas.microsoft.com/office/drawing/2010/main" w="9525">
+                  <a14:hiddenLine xmlns:a14="http://schemas.microsoft.com/office/drawing/2010/main" xmlns="" w="9525">
                     <a:solidFill>
                       <a:srgbClr val="000000"/>
                     </a:solidFill>
@@ -11111,7 +11112,7 @@
               </a:ln>
               <a:extLst>
                 <a:ext uri="{91240B29-F687-4f45-9708-019B960494DF}">
-                  <a14:hiddenLine xmlns="" xmlns:a14="http://schemas.microsoft.com/office/drawing/2010/main" w="9525">
+                  <a14:hiddenLine xmlns:a14="http://schemas.microsoft.com/office/drawing/2010/main" xmlns="" w="9525">
                     <a:solidFill>
                       <a:srgbClr val="000000"/>
                     </a:solidFill>
@@ -11209,7 +11210,7 @@
               </a:ln>
               <a:extLst>
                 <a:ext uri="{91240B29-F687-4f45-9708-019B960494DF}">
-                  <a14:hiddenLine xmlns="" xmlns:a14="http://schemas.microsoft.com/office/drawing/2010/main" w="9525">
+                  <a14:hiddenLine xmlns:a14="http://schemas.microsoft.com/office/drawing/2010/main" xmlns="" w="9525">
                     <a:solidFill>
                       <a:srgbClr val="000000"/>
                     </a:solidFill>
@@ -11324,7 +11325,7 @@
               </a:ln>
               <a:extLst>
                 <a:ext uri="{91240B29-F687-4f45-9708-019B960494DF}">
-                  <a14:hiddenLine xmlns="" xmlns:a14="http://schemas.microsoft.com/office/drawing/2010/main" w="9525">
+                  <a14:hiddenLine xmlns:a14="http://schemas.microsoft.com/office/drawing/2010/main" xmlns="" w="9525">
                     <a:solidFill>
                       <a:srgbClr val="000000"/>
                     </a:solidFill>
@@ -11414,7 +11415,7 @@
               </a:ln>
               <a:extLst>
                 <a:ext uri="{91240B29-F687-4f45-9708-019B960494DF}">
-                  <a14:hiddenLine xmlns="" xmlns:a14="http://schemas.microsoft.com/office/drawing/2010/main" w="9525">
+                  <a14:hiddenLine xmlns:a14="http://schemas.microsoft.com/office/drawing/2010/main" xmlns="" w="9525">
                     <a:solidFill>
                       <a:srgbClr val="000000"/>
                     </a:solidFill>
@@ -11479,7 +11480,7 @@
               </a:ln>
               <a:extLst>
                 <a:ext uri="{91240B29-F687-4f45-9708-019B960494DF}">
-                  <a14:hiddenLine xmlns="" xmlns:a14="http://schemas.microsoft.com/office/drawing/2010/main" w="9525">
+                  <a14:hiddenLine xmlns:a14="http://schemas.microsoft.com/office/drawing/2010/main" xmlns="" w="9525">
                     <a:solidFill>
                       <a:srgbClr val="000000"/>
                     </a:solidFill>
@@ -11569,7 +11570,7 @@
               </a:ln>
               <a:extLst>
                 <a:ext uri="{91240B29-F687-4f45-9708-019B960494DF}">
-                  <a14:hiddenLine xmlns="" xmlns:a14="http://schemas.microsoft.com/office/drawing/2010/main" w="9525">
+                  <a14:hiddenLine xmlns:a14="http://schemas.microsoft.com/office/drawing/2010/main" xmlns="" w="9525">
                     <a:solidFill>
                       <a:srgbClr val="000000"/>
                     </a:solidFill>
@@ -11637,7 +11638,7 @@
               </a:ln>
               <a:extLst>
                 <a:ext uri="{91240B29-F687-4f45-9708-019B960494DF}">
-                  <a14:hiddenLine xmlns="" xmlns:a14="http://schemas.microsoft.com/office/drawing/2010/main" w="9525">
+                  <a14:hiddenLine xmlns:a14="http://schemas.microsoft.com/office/drawing/2010/main" xmlns="" w="9525">
                     <a:solidFill>
                       <a:srgbClr val="000000"/>
                     </a:solidFill>
@@ -11727,7 +11728,7 @@
               </a:ln>
               <a:extLst>
                 <a:ext uri="{91240B29-F687-4f45-9708-019B960494DF}">
-                  <a14:hiddenLine xmlns="" xmlns:a14="http://schemas.microsoft.com/office/drawing/2010/main" w="9525">
+                  <a14:hiddenLine xmlns:a14="http://schemas.microsoft.com/office/drawing/2010/main" xmlns="" w="9525">
                     <a:solidFill>
                       <a:srgbClr val="000000"/>
                     </a:solidFill>
@@ -11795,7 +11796,7 @@
               </a:ln>
               <a:extLst>
                 <a:ext uri="{91240B29-F687-4f45-9708-019B960494DF}">
-                  <a14:hiddenLine xmlns="" xmlns:a14="http://schemas.microsoft.com/office/drawing/2010/main" w="9525">
+                  <a14:hiddenLine xmlns:a14="http://schemas.microsoft.com/office/drawing/2010/main" xmlns="" w="9525">
                     <a:solidFill>
                       <a:srgbClr val="000000"/>
                     </a:solidFill>
@@ -11885,7 +11886,7 @@
               </a:ln>
               <a:extLst>
                 <a:ext uri="{91240B29-F687-4f45-9708-019B960494DF}">
-                  <a14:hiddenLine xmlns="" xmlns:a14="http://schemas.microsoft.com/office/drawing/2010/main" w="9525">
+                  <a14:hiddenLine xmlns:a14="http://schemas.microsoft.com/office/drawing/2010/main" xmlns="" w="9525">
                     <a:solidFill>
                       <a:srgbClr val="000000"/>
                     </a:solidFill>
@@ -11919,7 +11920,7 @@
               </a:ln>
               <a:extLst>
                 <a:ext uri="{91240B29-F687-4f45-9708-019B960494DF}">
-                  <a14:hiddenLine xmlns="" xmlns:a14="http://schemas.microsoft.com/office/drawing/2010/main" w="9525">
+                  <a14:hiddenLine xmlns:a14="http://schemas.microsoft.com/office/drawing/2010/main" xmlns="" w="9525">
                     <a:solidFill>
                       <a:srgbClr val="000000"/>
                     </a:solidFill>
@@ -14022,6 +14023,105 @@
           <a:chExt cx="0" cy="0"/>
         </a:xfrm>
       </p:grpSpPr>
+      <p:pic>
+        <p:nvPicPr>
+          <p:cNvPr id="1028" name="Picture 4" descr="261,679 Transition Images, Stock Photos &amp; Vectors | Shutterstock">
+            <a:extLst>
+              <a:ext uri="{FF2B5EF4-FFF2-40B4-BE49-F238E27FC236}">
+                <a16:creationId xmlns:a16="http://schemas.microsoft.com/office/drawing/2014/main" id="{2411B246-637D-46A5-A7CB-5672F7AA5A7D}"/>
+              </a:ext>
+            </a:extLst>
+          </p:cNvPr>
+          <p:cNvPicPr>
+            <a:picLocks noChangeAspect="1" noChangeArrowheads="1"/>
+          </p:cNvPicPr>
+          <p:nvPr/>
+        </p:nvPicPr>
+        <p:blipFill>
+          <a:blip r:embed="rId2">
+            <a:extLst>
+              <a:ext uri="{28A0092B-C50C-407E-A947-70E740481C1C}">
+                <a14:useLocalDpi xmlns:a14="http://schemas.microsoft.com/office/drawing/2010/main" val="0"/>
+              </a:ext>
+            </a:extLst>
+          </a:blip>
+          <a:srcRect/>
+          <a:stretch>
+            <a:fillRect/>
+          </a:stretch>
+        </p:blipFill>
+        <p:spPr bwMode="auto">
+          <a:xfrm>
+            <a:off x="3304300" y="1424703"/>
+            <a:ext cx="5583399" cy="4008594"/>
+          </a:xfrm>
+          <a:prstGeom prst="ellipse">
+            <a:avLst/>
+          </a:prstGeom>
+          <a:ln w="190500" cap="rnd">
+            <a:solidFill>
+              <a:srgbClr val="C8C6BD"/>
+            </a:solidFill>
+            <a:prstDash val="solid"/>
+          </a:ln>
+          <a:effectLst>
+            <a:outerShdw blurRad="127000" algn="bl" rotWithShape="0">
+              <a:srgbClr val="000000"/>
+            </a:outerShdw>
+          </a:effectLst>
+          <a:scene3d>
+            <a:camera prst="perspectiveFront" fov="5400000"/>
+            <a:lightRig rig="threePt" dir="t">
+              <a:rot lat="0" lon="0" rev="19200000"/>
+            </a:lightRig>
+          </a:scene3d>
+          <a:sp3d extrusionH="25400">
+            <a:bevelT w="304800" h="152400" prst="hardEdge"/>
+            <a:extrusionClr>
+              <a:srgbClr val="000000"/>
+            </a:extrusionClr>
+          </a:sp3d>
+          <a:extLst>
+            <a:ext uri="{909E8E84-426E-40DD-AFC4-6F175D3DCCD1}">
+              <a14:hiddenFill xmlns:a14="http://schemas.microsoft.com/office/drawing/2010/main">
+                <a:solidFill>
+                  <a:srgbClr val="FFFFFF"/>
+                </a:solidFill>
+              </a14:hiddenFill>
+            </a:ext>
+          </a:extLst>
+        </p:spPr>
+      </p:pic>
+    </p:spTree>
+    <p:extLst>
+      <p:ext uri="{BB962C8B-B14F-4D97-AF65-F5344CB8AC3E}">
+        <p14:creationId xmlns:p14="http://schemas.microsoft.com/office/powerpoint/2010/main" val="882806779"/>
+      </p:ext>
+    </p:extLst>
+  </p:cSld>
+  <p:clrMapOvr>
+    <a:masterClrMapping/>
+  </p:clrMapOvr>
+</p:sld>
+</file>
+
+<file path=ppt/slides/slide18.xml><?xml version="1.0" encoding="utf-8"?>
+<p:sld xmlns:a="http://schemas.openxmlformats.org/drawingml/2006/main" xmlns:r="http://schemas.openxmlformats.org/officeDocument/2006/relationships" xmlns:p="http://schemas.openxmlformats.org/presentationml/2006/main">
+  <p:cSld>
+    <p:spTree>
+      <p:nvGrpSpPr>
+        <p:cNvPr id="1" name=""/>
+        <p:cNvGrpSpPr/>
+        <p:nvPr/>
+      </p:nvGrpSpPr>
+      <p:grpSpPr>
+        <a:xfrm>
+          <a:off x="0" y="0"/>
+          <a:ext cx="0" cy="0"/>
+          <a:chOff x="0" y="0"/>
+          <a:chExt cx="0" cy="0"/>
+        </a:xfrm>
+      </p:grpSpPr>
       <p:sp>
         <p:nvSpPr>
           <p:cNvPr id="2" name="Title 1">
@@ -14133,7 +14233,7 @@
 </p:sld>
 </file>
 
-<file path=ppt/slides/slide18.xml><?xml version="1.0" encoding="utf-8"?>
+<file path=ppt/slides/slide19.xml><?xml version="1.0" encoding="utf-8"?>
 <p:sld xmlns:a="http://schemas.openxmlformats.org/drawingml/2006/main" xmlns:r="http://schemas.openxmlformats.org/officeDocument/2006/relationships" xmlns:p="http://schemas.openxmlformats.org/presentationml/2006/main">
   <p:cSld>
     <p:spTree>
@@ -14561,7 +14661,230 @@
 </p:sld>
 </file>
 
-<file path=ppt/slides/slide19.xml><?xml version="1.0" encoding="utf-8"?>
+<file path=ppt/slides/slide2.xml><?xml version="1.0" encoding="utf-8"?>
+<p:sld xmlns:a="http://schemas.openxmlformats.org/drawingml/2006/main" xmlns:r="http://schemas.openxmlformats.org/officeDocument/2006/relationships" xmlns:p="http://schemas.openxmlformats.org/presentationml/2006/main">
+  <p:cSld>
+    <p:spTree>
+      <p:nvGrpSpPr>
+        <p:cNvPr id="1" name=""/>
+        <p:cNvGrpSpPr/>
+        <p:nvPr/>
+      </p:nvGrpSpPr>
+      <p:grpSpPr>
+        <a:xfrm>
+          <a:off x="0" y="0"/>
+          <a:ext cx="0" cy="0"/>
+          <a:chOff x="0" y="0"/>
+          <a:chExt cx="0" cy="0"/>
+        </a:xfrm>
+      </p:grpSpPr>
+      <p:sp>
+        <p:nvSpPr>
+          <p:cNvPr id="7" name="Slide Number Placeholder 3"/>
+          <p:cNvSpPr>
+            <a:spLocks noGrp="1"/>
+          </p:cNvSpPr>
+          <p:nvPr>
+            <p:ph type="sldNum" sz="quarter" idx="4294967295"/>
+          </p:nvPr>
+        </p:nvSpPr>
+        <p:spPr>
+          <a:xfrm>
+            <a:off x="11568000" y="6525003"/>
+            <a:ext cx="428822" cy="196477"/>
+          </a:xfrm>
+          <a:prstGeom prst="rect">
+            <a:avLst/>
+          </a:prstGeom>
+        </p:spPr>
+        <p:txBody>
+          <a:bodyPr/>
+          <a:lstStyle/>
+          <a:p>
+            <a:pPr>
+              <a:defRPr/>
+            </a:pPr>
+            <a:fld id="{58452FF4-89E3-4D1B-9927-2DBDC00E58D7}" type="slidenum">
+              <a:rPr lang="en-US" smtClean="0"/>
+              <a:pPr>
+                <a:defRPr/>
+              </a:pPr>
+              <a:t>2</a:t>
+            </a:fld>
+            <a:endParaRPr lang="en-US" dirty="0"/>
+          </a:p>
+        </p:txBody>
+      </p:sp>
+      <p:sp>
+        <p:nvSpPr>
+          <p:cNvPr id="5" name="Content Placeholder 4"/>
+          <p:cNvSpPr>
+            <a:spLocks noGrp="1"/>
+          </p:cNvSpPr>
+          <p:nvPr>
+            <p:ph idx="1"/>
+          </p:nvPr>
+        </p:nvSpPr>
+        <p:spPr>
+          <a:xfrm>
+            <a:off x="1141413" y="1712549"/>
+            <a:ext cx="11696797" cy="5458202"/>
+          </a:xfrm>
+        </p:spPr>
+        <p:txBody>
+          <a:bodyPr>
+            <a:normAutofit/>
+          </a:bodyPr>
+          <a:lstStyle/>
+          <a:p>
+            <a:pPr>
+              <a:lnSpc>
+                <a:spcPct val="100000"/>
+              </a:lnSpc>
+            </a:pPr>
+            <a:r>
+              <a:rPr lang="en-US" dirty="0"/>
+              <a:t>The development process is different in each company </a:t>
+            </a:r>
+          </a:p>
+          <a:p>
+            <a:pPr>
+              <a:lnSpc>
+                <a:spcPct val="100000"/>
+              </a:lnSpc>
+            </a:pPr>
+            <a:r>
+              <a:rPr lang="en-US" dirty="0"/>
+              <a:t>But there is always a need to: </a:t>
+            </a:r>
+          </a:p>
+          <a:p>
+            <a:pPr lvl="1">
+              <a:lnSpc>
+                <a:spcPct val="100000"/>
+              </a:lnSpc>
+            </a:pPr>
+            <a:r>
+              <a:rPr lang="en-US" dirty="0"/>
+              <a:t>Understand business problem </a:t>
+            </a:r>
+          </a:p>
+          <a:p>
+            <a:pPr lvl="1">
+              <a:lnSpc>
+                <a:spcPct val="100000"/>
+              </a:lnSpc>
+            </a:pPr>
+            <a:r>
+              <a:rPr lang="en-US" dirty="0"/>
+              <a:t>Document non-technical business solution </a:t>
+            </a:r>
+          </a:p>
+          <a:p>
+            <a:pPr lvl="1">
+              <a:lnSpc>
+                <a:spcPct val="100000"/>
+              </a:lnSpc>
+            </a:pPr>
+            <a:r>
+              <a:rPr lang="en-US" dirty="0"/>
+              <a:t>Convert solution to technical architecture </a:t>
+            </a:r>
+          </a:p>
+          <a:p>
+            <a:pPr lvl="1">
+              <a:lnSpc>
+                <a:spcPct val="100000"/>
+              </a:lnSpc>
+            </a:pPr>
+            <a:r>
+              <a:rPr lang="en-US" dirty="0"/>
+              <a:t>Convert architecture to code </a:t>
+            </a:r>
+          </a:p>
+          <a:p>
+            <a:pPr lvl="1">
+              <a:lnSpc>
+                <a:spcPct val="100000"/>
+              </a:lnSpc>
+            </a:pPr>
+            <a:r>
+              <a:rPr lang="en-US" dirty="0"/>
+              <a:t>Manage developers </a:t>
+            </a:r>
+          </a:p>
+          <a:p>
+            <a:pPr lvl="1">
+              <a:lnSpc>
+                <a:spcPct val="100000"/>
+              </a:lnSpc>
+            </a:pPr>
+            <a:r>
+              <a:rPr lang="en-US" dirty="0"/>
+              <a:t>Test code </a:t>
+            </a:r>
+          </a:p>
+          <a:p>
+            <a:pPr lvl="1">
+              <a:lnSpc>
+                <a:spcPct val="100000"/>
+              </a:lnSpc>
+            </a:pPr>
+            <a:r>
+              <a:rPr lang="en-US" dirty="0"/>
+              <a:t>Deploy code</a:t>
+            </a:r>
+          </a:p>
+          <a:p>
+            <a:pPr>
+              <a:lnSpc>
+                <a:spcPct val="100000"/>
+              </a:lnSpc>
+            </a:pPr>
+            <a:r>
+              <a:rPr lang="en-US" dirty="0"/>
+              <a:t>Of course, in some companies these responsibilities are mixed</a:t>
+            </a:r>
+          </a:p>
+        </p:txBody>
+      </p:sp>
+      <p:sp>
+        <p:nvSpPr>
+          <p:cNvPr id="4" name="Title 3"/>
+          <p:cNvSpPr>
+            <a:spLocks noGrp="1"/>
+          </p:cNvSpPr>
+          <p:nvPr>
+            <p:ph type="title"/>
+          </p:nvPr>
+        </p:nvSpPr>
+        <p:spPr/>
+        <p:txBody>
+          <a:bodyPr/>
+          <a:lstStyle/>
+          <a:p>
+            <a:r>
+              <a:rPr lang="en-GB" dirty="0"/>
+              <a:t>Principles Of Software Development</a:t>
+            </a:r>
+            <a:endParaRPr lang="en-US" dirty="0"/>
+          </a:p>
+        </p:txBody>
+      </p:sp>
+    </p:spTree>
+    <p:extLst>
+      <p:ext uri="{BB962C8B-B14F-4D97-AF65-F5344CB8AC3E}">
+        <p14:creationId xmlns:p14="http://schemas.microsoft.com/office/powerpoint/2010/main" val="2245006873"/>
+      </p:ext>
+    </p:extLst>
+  </p:cSld>
+  <p:clrMapOvr>
+    <a:masterClrMapping/>
+  </p:clrMapOvr>
+</p:sld>
+</file>
+
+<file path=ppt/slides/slide20.xml><?xml version="1.0" encoding="utf-8"?>
 <p:sld xmlns:a="http://schemas.openxmlformats.org/drawingml/2006/main" xmlns:r="http://schemas.openxmlformats.org/officeDocument/2006/relationships" xmlns:p="http://schemas.openxmlformats.org/presentationml/2006/main">
   <p:cSld>
     <p:spTree>
@@ -14661,230 +14984,7 @@
 </p:sld>
 </file>
 
-<file path=ppt/slides/slide2.xml><?xml version="1.0" encoding="utf-8"?>
-<p:sld xmlns:a="http://schemas.openxmlformats.org/drawingml/2006/main" xmlns:r="http://schemas.openxmlformats.org/officeDocument/2006/relationships" xmlns:p="http://schemas.openxmlformats.org/presentationml/2006/main">
-  <p:cSld>
-    <p:spTree>
-      <p:nvGrpSpPr>
-        <p:cNvPr id="1" name=""/>
-        <p:cNvGrpSpPr/>
-        <p:nvPr/>
-      </p:nvGrpSpPr>
-      <p:grpSpPr>
-        <a:xfrm>
-          <a:off x="0" y="0"/>
-          <a:ext cx="0" cy="0"/>
-          <a:chOff x="0" y="0"/>
-          <a:chExt cx="0" cy="0"/>
-        </a:xfrm>
-      </p:grpSpPr>
-      <p:sp>
-        <p:nvSpPr>
-          <p:cNvPr id="7" name="Slide Number Placeholder 3"/>
-          <p:cNvSpPr>
-            <a:spLocks noGrp="1"/>
-          </p:cNvSpPr>
-          <p:nvPr>
-            <p:ph type="sldNum" sz="quarter" idx="4294967295"/>
-          </p:nvPr>
-        </p:nvSpPr>
-        <p:spPr>
-          <a:xfrm>
-            <a:off x="11568000" y="6525003"/>
-            <a:ext cx="428822" cy="196477"/>
-          </a:xfrm>
-          <a:prstGeom prst="rect">
-            <a:avLst/>
-          </a:prstGeom>
-        </p:spPr>
-        <p:txBody>
-          <a:bodyPr/>
-          <a:lstStyle/>
-          <a:p>
-            <a:pPr>
-              <a:defRPr/>
-            </a:pPr>
-            <a:fld id="{58452FF4-89E3-4D1B-9927-2DBDC00E58D7}" type="slidenum">
-              <a:rPr lang="en-US" smtClean="0"/>
-              <a:pPr>
-                <a:defRPr/>
-              </a:pPr>
-              <a:t>2</a:t>
-            </a:fld>
-            <a:endParaRPr lang="en-US" dirty="0"/>
-          </a:p>
-        </p:txBody>
-      </p:sp>
-      <p:sp>
-        <p:nvSpPr>
-          <p:cNvPr id="5" name="Content Placeholder 4"/>
-          <p:cNvSpPr>
-            <a:spLocks noGrp="1"/>
-          </p:cNvSpPr>
-          <p:nvPr>
-            <p:ph idx="1"/>
-          </p:nvPr>
-        </p:nvSpPr>
-        <p:spPr>
-          <a:xfrm>
-            <a:off x="1141413" y="1712549"/>
-            <a:ext cx="11696797" cy="5458202"/>
-          </a:xfrm>
-        </p:spPr>
-        <p:txBody>
-          <a:bodyPr>
-            <a:normAutofit/>
-          </a:bodyPr>
-          <a:lstStyle/>
-          <a:p>
-            <a:pPr>
-              <a:lnSpc>
-                <a:spcPct val="100000"/>
-              </a:lnSpc>
-            </a:pPr>
-            <a:r>
-              <a:rPr lang="en-US" dirty="0"/>
-              <a:t>The development process is different in each company </a:t>
-            </a:r>
-          </a:p>
-          <a:p>
-            <a:pPr>
-              <a:lnSpc>
-                <a:spcPct val="100000"/>
-              </a:lnSpc>
-            </a:pPr>
-            <a:r>
-              <a:rPr lang="en-US" dirty="0"/>
-              <a:t>But there is always a need to: </a:t>
-            </a:r>
-          </a:p>
-          <a:p>
-            <a:pPr lvl="1">
-              <a:lnSpc>
-                <a:spcPct val="100000"/>
-              </a:lnSpc>
-            </a:pPr>
-            <a:r>
-              <a:rPr lang="en-US" dirty="0"/>
-              <a:t>Understand business problem </a:t>
-            </a:r>
-          </a:p>
-          <a:p>
-            <a:pPr lvl="1">
-              <a:lnSpc>
-                <a:spcPct val="100000"/>
-              </a:lnSpc>
-            </a:pPr>
-            <a:r>
-              <a:rPr lang="en-US" dirty="0"/>
-              <a:t>Document non-technical business solution </a:t>
-            </a:r>
-          </a:p>
-          <a:p>
-            <a:pPr lvl="1">
-              <a:lnSpc>
-                <a:spcPct val="100000"/>
-              </a:lnSpc>
-            </a:pPr>
-            <a:r>
-              <a:rPr lang="en-US" dirty="0"/>
-              <a:t>Convert solution to technical architecture </a:t>
-            </a:r>
-          </a:p>
-          <a:p>
-            <a:pPr lvl="1">
-              <a:lnSpc>
-                <a:spcPct val="100000"/>
-              </a:lnSpc>
-            </a:pPr>
-            <a:r>
-              <a:rPr lang="en-US" dirty="0"/>
-              <a:t>Convert architecture to code </a:t>
-            </a:r>
-          </a:p>
-          <a:p>
-            <a:pPr lvl="1">
-              <a:lnSpc>
-                <a:spcPct val="100000"/>
-              </a:lnSpc>
-            </a:pPr>
-            <a:r>
-              <a:rPr lang="en-US" dirty="0"/>
-              <a:t>Manage developers </a:t>
-            </a:r>
-          </a:p>
-          <a:p>
-            <a:pPr lvl="1">
-              <a:lnSpc>
-                <a:spcPct val="100000"/>
-              </a:lnSpc>
-            </a:pPr>
-            <a:r>
-              <a:rPr lang="en-US" dirty="0"/>
-              <a:t>Test code </a:t>
-            </a:r>
-          </a:p>
-          <a:p>
-            <a:pPr lvl="1">
-              <a:lnSpc>
-                <a:spcPct val="100000"/>
-              </a:lnSpc>
-            </a:pPr>
-            <a:r>
-              <a:rPr lang="en-US" dirty="0"/>
-              <a:t>Deploy code</a:t>
-            </a:r>
-          </a:p>
-          <a:p>
-            <a:pPr>
-              <a:lnSpc>
-                <a:spcPct val="100000"/>
-              </a:lnSpc>
-            </a:pPr>
-            <a:r>
-              <a:rPr lang="en-US" dirty="0"/>
-              <a:t>Of course, in some companies these responsibilities are mixed</a:t>
-            </a:r>
-          </a:p>
-        </p:txBody>
-      </p:sp>
-      <p:sp>
-        <p:nvSpPr>
-          <p:cNvPr id="4" name="Title 3"/>
-          <p:cNvSpPr>
-            <a:spLocks noGrp="1"/>
-          </p:cNvSpPr>
-          <p:nvPr>
-            <p:ph type="title"/>
-          </p:nvPr>
-        </p:nvSpPr>
-        <p:spPr/>
-        <p:txBody>
-          <a:bodyPr/>
-          <a:lstStyle/>
-          <a:p>
-            <a:r>
-              <a:rPr lang="en-GB" dirty="0"/>
-              <a:t>Principles Of Software Development</a:t>
-            </a:r>
-            <a:endParaRPr lang="en-US" dirty="0"/>
-          </a:p>
-        </p:txBody>
-      </p:sp>
-    </p:spTree>
-    <p:extLst>
-      <p:ext uri="{BB962C8B-B14F-4D97-AF65-F5344CB8AC3E}">
-        <p14:creationId xmlns:p14="http://schemas.microsoft.com/office/powerpoint/2010/main" val="2245006873"/>
-      </p:ext>
-    </p:extLst>
-  </p:cSld>
-  <p:clrMapOvr>
-    <a:masterClrMapping/>
-  </p:clrMapOvr>
-</p:sld>
-</file>
-
-<file path=ppt/slides/slide20.xml><?xml version="1.0" encoding="utf-8"?>
+<file path=ppt/slides/slide21.xml><?xml version="1.0" encoding="utf-8"?>
 <p:sld xmlns:a="http://schemas.openxmlformats.org/drawingml/2006/main" xmlns:r="http://schemas.openxmlformats.org/officeDocument/2006/relationships" xmlns:p="http://schemas.openxmlformats.org/presentationml/2006/main">
   <p:cSld>
     <p:spTree>
@@ -15032,7 +15132,7 @@
               <a:pPr>
                 <a:defRPr/>
               </a:pPr>
-              <a:t>20</a:t>
+              <a:t>21</a:t>
             </a:fld>
             <a:endParaRPr lang="en-US" dirty="0"/>
           </a:p>
@@ -15285,7 +15385,7 @@
 </p:sld>
 </file>
 
-<file path=ppt/slides/slide21.xml><?xml version="1.0" encoding="utf-8"?>
+<file path=ppt/slides/slide22.xml><?xml version="1.0" encoding="utf-8"?>
 <p:sld xmlns:a="http://schemas.openxmlformats.org/drawingml/2006/main" xmlns:r="http://schemas.openxmlformats.org/officeDocument/2006/relationships" xmlns:p="http://schemas.openxmlformats.org/presentationml/2006/main">
   <p:cSld>
     <p:spTree>
@@ -15433,7 +15533,7 @@
               <a:pPr>
                 <a:defRPr/>
               </a:pPr>
-              <a:t>21</a:t>
+              <a:t>22</a:t>
             </a:fld>
             <a:endParaRPr lang="en-US" dirty="0"/>
           </a:p>
@@ -15681,7 +15781,7 @@
 </p:sld>
 </file>
 
-<file path=ppt/slides/slide22.xml><?xml version="1.0" encoding="utf-8"?>
+<file path=ppt/slides/slide23.xml><?xml version="1.0" encoding="utf-8"?>
 <p:sld xmlns:a="http://schemas.openxmlformats.org/drawingml/2006/main" xmlns:r="http://schemas.openxmlformats.org/officeDocument/2006/relationships" xmlns:p="http://schemas.openxmlformats.org/presentationml/2006/main">
   <p:cSld>
     <p:spTree>
@@ -16349,7 +16449,7 @@
 </p:sld>
 </file>
 
-<file path=ppt/slides/slide23.xml><?xml version="1.0" encoding="utf-8"?>
+<file path=ppt/slides/slide24.xml><?xml version="1.0" encoding="utf-8"?>
 <p:sld xmlns:a="http://schemas.openxmlformats.org/drawingml/2006/main" xmlns:r="http://schemas.openxmlformats.org/officeDocument/2006/relationships" xmlns:p="http://schemas.openxmlformats.org/presentationml/2006/main">
   <p:cSld>
     <p:spTree>
@@ -17297,7 +17397,7 @@
 </p:sld>
 </file>
 
-<file path=ppt/slides/slide24.xml><?xml version="1.0" encoding="utf-8"?>
+<file path=ppt/slides/slide25.xml><?xml version="1.0" encoding="utf-8"?>
 <p:sld xmlns:a="http://schemas.openxmlformats.org/drawingml/2006/main" xmlns:r="http://schemas.openxmlformats.org/officeDocument/2006/relationships" xmlns:p="http://schemas.openxmlformats.org/presentationml/2006/main">
   <p:cSld>
     <p:spTree>
@@ -17345,7 +17445,7 @@
               <a:pPr>
                 <a:defRPr/>
               </a:pPr>
-              <a:t>24</a:t>
+              <a:t>25</a:t>
             </a:fld>
             <a:endParaRPr lang="en-US" dirty="0"/>
           </a:p>
@@ -17521,7 +17621,7 @@
 </p:sld>
 </file>
 
-<file path=ppt/slides/slide25.xml><?xml version="1.0" encoding="utf-8"?>
+<file path=ppt/slides/slide26.xml><?xml version="1.0" encoding="utf-8"?>
 <p:sld xmlns:a="http://schemas.openxmlformats.org/drawingml/2006/main" xmlns:r="http://schemas.openxmlformats.org/officeDocument/2006/relationships" xmlns:p="http://schemas.openxmlformats.org/presentationml/2006/main">
   <p:cSld>
     <p:spTree>
@@ -17569,7 +17669,7 @@
               <a:pPr>
                 <a:defRPr/>
               </a:pPr>
-              <a:t>25</a:t>
+              <a:t>26</a:t>
             </a:fld>
             <a:endParaRPr lang="en-US" dirty="0"/>
           </a:p>
@@ -17801,7 +17901,7 @@
 </p:sld>
 </file>
 
-<file path=ppt/slides/slide26.xml><?xml version="1.0" encoding="utf-8"?>
+<file path=ppt/slides/slide27.xml><?xml version="1.0" encoding="utf-8"?>
 <p:sld xmlns:a="http://schemas.openxmlformats.org/drawingml/2006/main" xmlns:r="http://schemas.openxmlformats.org/officeDocument/2006/relationships" xmlns:p="http://schemas.openxmlformats.org/presentationml/2006/main">
   <p:cSld>
     <p:spTree>
@@ -17849,7 +17949,7 @@
               <a:pPr>
                 <a:defRPr/>
               </a:pPr>
-              <a:t>26</a:t>
+              <a:t>27</a:t>
             </a:fld>
             <a:endParaRPr lang="en-US" dirty="0"/>
           </a:p>
@@ -18037,7 +18137,7 @@
 </p:sld>
 </file>
 
-<file path=ppt/slides/slide27.xml><?xml version="1.0" encoding="utf-8"?>
+<file path=ppt/slides/slide28.xml><?xml version="1.0" encoding="utf-8"?>
 <p:sld xmlns:a="http://schemas.openxmlformats.org/drawingml/2006/main" xmlns:r="http://schemas.openxmlformats.org/officeDocument/2006/relationships" xmlns:p="http://schemas.openxmlformats.org/presentationml/2006/main">
   <p:cSld>
     <p:spTree>
@@ -18085,7 +18185,7 @@
               <a:pPr>
                 <a:defRPr/>
               </a:pPr>
-              <a:t>27</a:t>
+              <a:t>28</a:t>
             </a:fld>
             <a:endParaRPr lang="en-US" dirty="0"/>
           </a:p>
@@ -18261,7 +18361,7 @@
 </p:sld>
 </file>
 
-<file path=ppt/slides/slide28.xml><?xml version="1.0" encoding="utf-8"?>
+<file path=ppt/slides/slide29.xml><?xml version="1.0" encoding="utf-8"?>
 <p:sld xmlns:a="http://schemas.openxmlformats.org/drawingml/2006/main" xmlns:r="http://schemas.openxmlformats.org/officeDocument/2006/relationships" xmlns:p="http://schemas.openxmlformats.org/presentationml/2006/main">
   <p:cSld>
     <p:spTree>
@@ -18309,7 +18409,7 @@
               <a:pPr>
                 <a:defRPr/>
               </a:pPr>
-              <a:t>28</a:t>
+              <a:t>29</a:t>
             </a:fld>
             <a:endParaRPr lang="en-US" dirty="0"/>
           </a:p>
@@ -18487,208 +18587,6 @@
     <p:extLst>
       <p:ext uri="{BB962C8B-B14F-4D97-AF65-F5344CB8AC3E}">
         <p14:creationId xmlns:p14="http://schemas.microsoft.com/office/powerpoint/2010/main" val="652442687"/>
-      </p:ext>
-    </p:extLst>
-  </p:cSld>
-  <p:clrMapOvr>
-    <a:masterClrMapping/>
-  </p:clrMapOvr>
-</p:sld>
-</file>
-
-<file path=ppt/slides/slide29.xml><?xml version="1.0" encoding="utf-8"?>
-<p:sld xmlns:a="http://schemas.openxmlformats.org/drawingml/2006/main" xmlns:r="http://schemas.openxmlformats.org/officeDocument/2006/relationships" xmlns:p="http://schemas.openxmlformats.org/presentationml/2006/main">
-  <p:cSld>
-    <p:spTree>
-      <p:nvGrpSpPr>
-        <p:cNvPr id="1" name=""/>
-        <p:cNvGrpSpPr/>
-        <p:nvPr/>
-      </p:nvGrpSpPr>
-      <p:grpSpPr>
-        <a:xfrm>
-          <a:off x="0" y="0"/>
-          <a:ext cx="0" cy="0"/>
-          <a:chOff x="0" y="0"/>
-          <a:chExt cx="0" cy="0"/>
-        </a:xfrm>
-      </p:grpSpPr>
-      <p:sp>
-        <p:nvSpPr>
-          <p:cNvPr id="7" name="Slide Number Placeholder 3"/>
-          <p:cNvSpPr>
-            <a:spLocks noGrp="1"/>
-          </p:cNvSpPr>
-          <p:nvPr>
-            <p:ph type="sldNum" sz="quarter" idx="4294967295"/>
-          </p:nvPr>
-        </p:nvSpPr>
-        <p:spPr>
-          <a:xfrm>
-            <a:off x="11568000" y="6525003"/>
-            <a:ext cx="428822" cy="196477"/>
-          </a:xfrm>
-          <a:prstGeom prst="rect">
-            <a:avLst/>
-          </a:prstGeom>
-        </p:spPr>
-        <p:txBody>
-          <a:bodyPr/>
-          <a:lstStyle/>
-          <a:p>
-            <a:pPr>
-              <a:defRPr/>
-            </a:pPr>
-            <a:fld id="{58452FF4-89E3-4D1B-9927-2DBDC00E58D7}" type="slidenum">
-              <a:rPr lang="en-US" smtClean="0"/>
-              <a:pPr>
-                <a:defRPr/>
-              </a:pPr>
-              <a:t>29</a:t>
-            </a:fld>
-            <a:endParaRPr lang="en-US" dirty="0"/>
-          </a:p>
-        </p:txBody>
-      </p:sp>
-      <p:sp>
-        <p:nvSpPr>
-          <p:cNvPr id="5" name="Content Placeholder 4"/>
-          <p:cNvSpPr>
-            <a:spLocks noGrp="1"/>
-          </p:cNvSpPr>
-          <p:nvPr>
-            <p:ph idx="1"/>
-          </p:nvPr>
-        </p:nvSpPr>
-        <p:spPr>
-          <a:xfrm>
-            <a:off x="1141413" y="1712549"/>
-            <a:ext cx="11696797" cy="5458202"/>
-          </a:xfrm>
-        </p:spPr>
-        <p:txBody>
-          <a:bodyPr>
-            <a:normAutofit/>
-          </a:bodyPr>
-          <a:lstStyle/>
-          <a:p>
-            <a:pPr>
-              <a:lnSpc>
-                <a:spcPct val="100000"/>
-              </a:lnSpc>
-            </a:pPr>
-            <a:r>
-              <a:rPr lang="en-US" dirty="0"/>
-              <a:t>Best suited for:</a:t>
-            </a:r>
-          </a:p>
-          <a:p>
-            <a:pPr lvl="1">
-              <a:lnSpc>
-                <a:spcPct val="100000"/>
-              </a:lnSpc>
-            </a:pPr>
-            <a:r>
-              <a:rPr lang="en-US" dirty="0"/>
-              <a:t>Long-running processes </a:t>
-            </a:r>
-          </a:p>
-          <a:p>
-            <a:pPr>
-              <a:lnSpc>
-                <a:spcPct val="100000"/>
-              </a:lnSpc>
-            </a:pPr>
-            <a:r>
-              <a:rPr lang="en-US" dirty="0"/>
-              <a:t>No UI at all</a:t>
-            </a:r>
-          </a:p>
-          <a:p>
-            <a:pPr>
-              <a:lnSpc>
-                <a:spcPct val="100000"/>
-              </a:lnSpc>
-            </a:pPr>
-            <a:r>
-              <a:rPr lang="en-US" dirty="0"/>
-              <a:t>Managed by the OS service manager</a:t>
-            </a:r>
-          </a:p>
-        </p:txBody>
-      </p:sp>
-      <p:sp>
-        <p:nvSpPr>
-          <p:cNvPr id="4" name="Title 3"/>
-          <p:cNvSpPr>
-            <a:spLocks noGrp="1"/>
-          </p:cNvSpPr>
-          <p:nvPr>
-            <p:ph type="title"/>
-          </p:nvPr>
-        </p:nvSpPr>
-        <p:spPr/>
-        <p:txBody>
-          <a:bodyPr/>
-          <a:lstStyle/>
-          <a:p>
-            <a:pPr>
-              <a:lnSpc>
-                <a:spcPct val="100000"/>
-              </a:lnSpc>
-            </a:pPr>
-            <a:r>
-              <a:rPr lang="en-GB" dirty="0"/>
-              <a:t>Application Types – Service</a:t>
-            </a:r>
-            <a:endParaRPr lang="pt-BR" dirty="0"/>
-          </a:p>
-        </p:txBody>
-      </p:sp>
-      <p:pic>
-        <p:nvPicPr>
-          <p:cNvPr id="2" name="Picture 1">
-            <a:extLst>
-              <a:ext uri="{FF2B5EF4-FFF2-40B4-BE49-F238E27FC236}">
-                <a16:creationId xmlns:a16="http://schemas.microsoft.com/office/drawing/2014/main" id="{D77E312A-B140-44C7-8392-D36088E155FC}"/>
-              </a:ext>
-            </a:extLst>
-          </p:cNvPr>
-          <p:cNvPicPr>
-            <a:picLocks noChangeAspect="1"/>
-          </p:cNvPicPr>
-          <p:nvPr/>
-        </p:nvPicPr>
-        <p:blipFill>
-          <a:blip r:embed="rId2"/>
-          <a:stretch>
-            <a:fillRect/>
-          </a:stretch>
-        </p:blipFill>
-        <p:spPr>
-          <a:xfrm>
-            <a:off x="6416229" y="1712549"/>
-            <a:ext cx="4631181" cy="2132830"/>
-          </a:xfrm>
-          <a:prstGeom prst="rect">
-            <a:avLst/>
-          </a:prstGeom>
-          <a:ln>
-            <a:noFill/>
-          </a:ln>
-          <a:effectLst>
-            <a:outerShdw blurRad="190500" algn="tl" rotWithShape="0">
-              <a:srgbClr val="000000">
-                <a:alpha val="70000"/>
-              </a:srgbClr>
-            </a:outerShdw>
-          </a:effectLst>
-        </p:spPr>
-      </p:pic>
-    </p:spTree>
-    <p:extLst>
-      <p:ext uri="{BB962C8B-B14F-4D97-AF65-F5344CB8AC3E}">
-        <p14:creationId xmlns:p14="http://schemas.microsoft.com/office/powerpoint/2010/main" val="4236251640"/>
       </p:ext>
     </p:extLst>
   </p:cSld>
@@ -18908,6 +18806,208 @@
                 <a:spcPct val="100000"/>
               </a:lnSpc>
             </a:pPr>
+            <a:r>
+              <a:rPr lang="en-US" dirty="0"/>
+              <a:t>Best suited for:</a:t>
+            </a:r>
+          </a:p>
+          <a:p>
+            <a:pPr lvl="1">
+              <a:lnSpc>
+                <a:spcPct val="100000"/>
+              </a:lnSpc>
+            </a:pPr>
+            <a:r>
+              <a:rPr lang="en-US" dirty="0"/>
+              <a:t>Long-running processes </a:t>
+            </a:r>
+          </a:p>
+          <a:p>
+            <a:pPr>
+              <a:lnSpc>
+                <a:spcPct val="100000"/>
+              </a:lnSpc>
+            </a:pPr>
+            <a:r>
+              <a:rPr lang="en-US" dirty="0"/>
+              <a:t>No UI at all</a:t>
+            </a:r>
+          </a:p>
+          <a:p>
+            <a:pPr>
+              <a:lnSpc>
+                <a:spcPct val="100000"/>
+              </a:lnSpc>
+            </a:pPr>
+            <a:r>
+              <a:rPr lang="en-US" dirty="0"/>
+              <a:t>Managed by the OS service manager</a:t>
+            </a:r>
+          </a:p>
+        </p:txBody>
+      </p:sp>
+      <p:sp>
+        <p:nvSpPr>
+          <p:cNvPr id="4" name="Title 3"/>
+          <p:cNvSpPr>
+            <a:spLocks noGrp="1"/>
+          </p:cNvSpPr>
+          <p:nvPr>
+            <p:ph type="title"/>
+          </p:nvPr>
+        </p:nvSpPr>
+        <p:spPr/>
+        <p:txBody>
+          <a:bodyPr/>
+          <a:lstStyle/>
+          <a:p>
+            <a:pPr>
+              <a:lnSpc>
+                <a:spcPct val="100000"/>
+              </a:lnSpc>
+            </a:pPr>
+            <a:r>
+              <a:rPr lang="en-GB" dirty="0"/>
+              <a:t>Application Types – Service</a:t>
+            </a:r>
+            <a:endParaRPr lang="pt-BR" dirty="0"/>
+          </a:p>
+        </p:txBody>
+      </p:sp>
+      <p:pic>
+        <p:nvPicPr>
+          <p:cNvPr id="2" name="Picture 1">
+            <a:extLst>
+              <a:ext uri="{FF2B5EF4-FFF2-40B4-BE49-F238E27FC236}">
+                <a16:creationId xmlns:a16="http://schemas.microsoft.com/office/drawing/2014/main" id="{D77E312A-B140-44C7-8392-D36088E155FC}"/>
+              </a:ext>
+            </a:extLst>
+          </p:cNvPr>
+          <p:cNvPicPr>
+            <a:picLocks noChangeAspect="1"/>
+          </p:cNvPicPr>
+          <p:nvPr/>
+        </p:nvPicPr>
+        <p:blipFill>
+          <a:blip r:embed="rId2"/>
+          <a:stretch>
+            <a:fillRect/>
+          </a:stretch>
+        </p:blipFill>
+        <p:spPr>
+          <a:xfrm>
+            <a:off x="6416229" y="1712549"/>
+            <a:ext cx="4631181" cy="2132830"/>
+          </a:xfrm>
+          <a:prstGeom prst="rect">
+            <a:avLst/>
+          </a:prstGeom>
+          <a:ln>
+            <a:noFill/>
+          </a:ln>
+          <a:effectLst>
+            <a:outerShdw blurRad="190500" algn="tl" rotWithShape="0">
+              <a:srgbClr val="000000">
+                <a:alpha val="70000"/>
+              </a:srgbClr>
+            </a:outerShdw>
+          </a:effectLst>
+        </p:spPr>
+      </p:pic>
+    </p:spTree>
+    <p:extLst>
+      <p:ext uri="{BB962C8B-B14F-4D97-AF65-F5344CB8AC3E}">
+        <p14:creationId xmlns:p14="http://schemas.microsoft.com/office/powerpoint/2010/main" val="4236251640"/>
+      </p:ext>
+    </p:extLst>
+  </p:cSld>
+  <p:clrMapOvr>
+    <a:masterClrMapping/>
+  </p:clrMapOvr>
+</p:sld>
+</file>
+
+<file path=ppt/slides/slide31.xml><?xml version="1.0" encoding="utf-8"?>
+<p:sld xmlns:a="http://schemas.openxmlformats.org/drawingml/2006/main" xmlns:r="http://schemas.openxmlformats.org/officeDocument/2006/relationships" xmlns:p="http://schemas.openxmlformats.org/presentationml/2006/main">
+  <p:cSld>
+    <p:spTree>
+      <p:nvGrpSpPr>
+        <p:cNvPr id="1" name=""/>
+        <p:cNvGrpSpPr/>
+        <p:nvPr/>
+      </p:nvGrpSpPr>
+      <p:grpSpPr>
+        <a:xfrm>
+          <a:off x="0" y="0"/>
+          <a:ext cx="0" cy="0"/>
+          <a:chOff x="0" y="0"/>
+          <a:chExt cx="0" cy="0"/>
+        </a:xfrm>
+      </p:grpSpPr>
+      <p:sp>
+        <p:nvSpPr>
+          <p:cNvPr id="7" name="Slide Number Placeholder 3"/>
+          <p:cNvSpPr>
+            <a:spLocks noGrp="1"/>
+          </p:cNvSpPr>
+          <p:nvPr>
+            <p:ph type="sldNum" sz="quarter" idx="4294967295"/>
+          </p:nvPr>
+        </p:nvSpPr>
+        <p:spPr>
+          <a:xfrm>
+            <a:off x="11568000" y="6525003"/>
+            <a:ext cx="428822" cy="196477"/>
+          </a:xfrm>
+          <a:prstGeom prst="rect">
+            <a:avLst/>
+          </a:prstGeom>
+        </p:spPr>
+        <p:txBody>
+          <a:bodyPr/>
+          <a:lstStyle/>
+          <a:p>
+            <a:pPr>
+              <a:defRPr/>
+            </a:pPr>
+            <a:fld id="{58452FF4-89E3-4D1B-9927-2DBDC00E58D7}" type="slidenum">
+              <a:rPr lang="en-US" smtClean="0"/>
+              <a:pPr>
+                <a:defRPr/>
+              </a:pPr>
+              <a:t>31</a:t>
+            </a:fld>
+            <a:endParaRPr lang="en-US" dirty="0"/>
+          </a:p>
+        </p:txBody>
+      </p:sp>
+      <p:sp>
+        <p:nvSpPr>
+          <p:cNvPr id="5" name="Content Placeholder 4"/>
+          <p:cNvSpPr>
+            <a:spLocks noGrp="1"/>
+          </p:cNvSpPr>
+          <p:nvPr>
+            <p:ph idx="1"/>
+          </p:nvPr>
+        </p:nvSpPr>
+        <p:spPr>
+          <a:xfrm>
+            <a:off x="1141413" y="1712549"/>
+            <a:ext cx="11696797" cy="5458202"/>
+          </a:xfrm>
+        </p:spPr>
+        <p:txBody>
+          <a:bodyPr>
+            <a:normAutofit/>
+          </a:bodyPr>
+          <a:lstStyle/>
+          <a:p>
+            <a:pPr>
+              <a:lnSpc>
+                <a:spcPct val="100000"/>
+              </a:lnSpc>
+            </a:pPr>
             <a:endParaRPr lang="en-US" dirty="0"/>
           </a:p>
           <a:p>
@@ -19050,7 +19150,7 @@
 </p:sld>
 </file>
 
-<file path=ppt/slides/slide31.xml><?xml version="1.0" encoding="utf-8"?>
+<file path=ppt/slides/slide32.xml><?xml version="1.0" encoding="utf-8"?>
 <p:sld xmlns:a="http://schemas.openxmlformats.org/drawingml/2006/main" xmlns:r="http://schemas.openxmlformats.org/officeDocument/2006/relationships" xmlns:p="http://schemas.openxmlformats.org/presentationml/2006/main">
   <p:cSld>
     <p:spTree>
@@ -19098,7 +19198,7 @@
               <a:pPr>
                 <a:defRPr/>
               </a:pPr>
-              <a:t>31</a:t>
+              <a:t>32</a:t>
             </a:fld>
             <a:endParaRPr lang="en-US" dirty="0"/>
           </a:p>
@@ -19185,7 +19285,7 @@
 </p:sld>
 </file>
 
-<file path=ppt/slides/slide32.xml><?xml version="1.0" encoding="utf-8"?>
+<file path=ppt/slides/slide33.xml><?xml version="1.0" encoding="utf-8"?>
 <p:sld xmlns:a="http://schemas.openxmlformats.org/drawingml/2006/main" xmlns:r="http://schemas.openxmlformats.org/officeDocument/2006/relationships" xmlns:p="http://schemas.openxmlformats.org/presentationml/2006/main">
   <p:cSld>
     <p:spTree>
@@ -19262,7 +19362,7 @@
 </p:sld>
 </file>
 
-<file path=ppt/slides/slide33.xml><?xml version="1.0" encoding="utf-8"?>
+<file path=ppt/slides/slide34.xml><?xml version="1.0" encoding="utf-8"?>
 <p:sld xmlns:a="http://schemas.openxmlformats.org/drawingml/2006/main" xmlns:r="http://schemas.openxmlformats.org/officeDocument/2006/relationships" xmlns:p="http://schemas.openxmlformats.org/presentationml/2006/main">
   <p:cSld>
     <p:spTree>
@@ -20170,7 +20270,7 @@
 </p:sld>
 </file>
 
-<file path=ppt/slides/slide34.xml><?xml version="1.0" encoding="utf-8"?>
+<file path=ppt/slides/slide35.xml><?xml version="1.0" encoding="utf-8"?>
 <p:sld xmlns:a="http://schemas.openxmlformats.org/drawingml/2006/main" xmlns:r="http://schemas.openxmlformats.org/officeDocument/2006/relationships" xmlns:p="http://schemas.openxmlformats.org/presentationml/2006/main">
   <p:cSld>
     <p:spTree>
@@ -20230,7 +20330,7 @@
 </p:sld>
 </file>
 
-<file path=ppt/slides/slide35.xml><?xml version="1.0" encoding="utf-8"?>
+<file path=ppt/slides/slide36.xml><?xml version="1.0" encoding="utf-8"?>
 <p:sld xmlns:a="http://schemas.openxmlformats.org/drawingml/2006/main" xmlns:r="http://schemas.openxmlformats.org/officeDocument/2006/relationships" xmlns:p="http://schemas.openxmlformats.org/presentationml/2006/main">
   <p:cSld>
     <p:spTree>
@@ -20310,7 +20410,7 @@
 </p:sld>
 </file>
 
-<file path=ppt/slides/slide36.xml><?xml version="1.0" encoding="utf-8"?>
+<file path=ppt/slides/slide37.xml><?xml version="1.0" encoding="utf-8"?>
 <p:sld xmlns:a="http://schemas.openxmlformats.org/drawingml/2006/main" xmlns:r="http://schemas.openxmlformats.org/officeDocument/2006/relationships" xmlns:p="http://schemas.openxmlformats.org/presentationml/2006/main">
   <p:cSld>
     <p:spTree>
@@ -20358,7 +20458,7 @@
               <a:pPr>
                 <a:defRPr/>
               </a:pPr>
-              <a:t>36</a:t>
+              <a:t>37</a:t>
             </a:fld>
             <a:endParaRPr lang="en-US" dirty="0"/>
           </a:p>
@@ -20571,209 +20671,6 @@
 </p:sld>
 </file>
 
-<file path=ppt/slides/slide37.xml><?xml version="1.0" encoding="utf-8"?>
-<p:sld xmlns:a="http://schemas.openxmlformats.org/drawingml/2006/main" xmlns:r="http://schemas.openxmlformats.org/officeDocument/2006/relationships" xmlns:p="http://schemas.openxmlformats.org/presentationml/2006/main">
-  <p:cSld>
-    <p:spTree>
-      <p:nvGrpSpPr>
-        <p:cNvPr id="1" name=""/>
-        <p:cNvGrpSpPr/>
-        <p:nvPr/>
-      </p:nvGrpSpPr>
-      <p:grpSpPr>
-        <a:xfrm>
-          <a:off x="0" y="0"/>
-          <a:ext cx="0" cy="0"/>
-          <a:chOff x="0" y="0"/>
-          <a:chExt cx="0" cy="0"/>
-        </a:xfrm>
-      </p:grpSpPr>
-      <p:sp>
-        <p:nvSpPr>
-          <p:cNvPr id="7" name="Slide Number Placeholder 3"/>
-          <p:cNvSpPr>
-            <a:spLocks noGrp="1"/>
-          </p:cNvSpPr>
-          <p:nvPr>
-            <p:ph type="sldNum" sz="quarter" idx="4294967295"/>
-          </p:nvPr>
-        </p:nvSpPr>
-        <p:spPr>
-          <a:xfrm>
-            <a:off x="11568000" y="6525003"/>
-            <a:ext cx="428822" cy="196477"/>
-          </a:xfrm>
-          <a:prstGeom prst="rect">
-            <a:avLst/>
-          </a:prstGeom>
-        </p:spPr>
-        <p:txBody>
-          <a:bodyPr/>
-          <a:lstStyle/>
-          <a:p>
-            <a:pPr>
-              <a:defRPr/>
-            </a:pPr>
-            <a:fld id="{58452FF4-89E3-4D1B-9927-2DBDC00E58D7}" type="slidenum">
-              <a:rPr lang="en-US" smtClean="0"/>
-              <a:pPr>
-                <a:defRPr/>
-              </a:pPr>
-              <a:t>37</a:t>
-            </a:fld>
-            <a:endParaRPr lang="en-US" dirty="0"/>
-          </a:p>
-        </p:txBody>
-      </p:sp>
-      <p:sp>
-        <p:nvSpPr>
-          <p:cNvPr id="5" name="Content Placeholder 4"/>
-          <p:cNvSpPr>
-            <a:spLocks noGrp="1"/>
-          </p:cNvSpPr>
-          <p:nvPr>
-            <p:ph idx="1"/>
-          </p:nvPr>
-        </p:nvSpPr>
-        <p:spPr>
-          <a:xfrm>
-            <a:off x="1141413" y="1712549"/>
-            <a:ext cx="11696797" cy="5458202"/>
-          </a:xfrm>
-        </p:spPr>
-        <p:txBody>
-          <a:bodyPr>
-            <a:normAutofit/>
-          </a:bodyPr>
-          <a:lstStyle/>
-          <a:p>
-            <a:pPr>
-              <a:lnSpc>
-                <a:spcPct val="100000"/>
-              </a:lnSpc>
-            </a:pPr>
-            <a:r>
-              <a:rPr lang="en-US" dirty="0"/>
-              <a:t>Docker is lightweight, open, secure</a:t>
-            </a:r>
-          </a:p>
-          <a:p>
-            <a:pPr>
-              <a:lnSpc>
-                <a:spcPct val="100000"/>
-              </a:lnSpc>
-            </a:pPr>
-            <a:r>
-              <a:rPr lang="en-US" dirty="0"/>
-              <a:t>It simplifies building, shipping, and running applications</a:t>
-            </a:r>
-          </a:p>
-          <a:p>
-            <a:pPr lvl="1">
-              <a:lnSpc>
-                <a:spcPct val="100000"/>
-              </a:lnSpc>
-            </a:pPr>
-            <a:r>
-              <a:rPr lang="en-US" dirty="0"/>
-              <a:t>On different environments</a:t>
-            </a:r>
-          </a:p>
-          <a:p>
-            <a:pPr>
-              <a:lnSpc>
-                <a:spcPct val="100000"/>
-              </a:lnSpc>
-            </a:pPr>
-            <a:r>
-              <a:rPr lang="en-US" dirty="0"/>
-              <a:t>Runs natively on Linux or Windows servers</a:t>
-            </a:r>
-          </a:p>
-          <a:p>
-            <a:pPr>
-              <a:lnSpc>
-                <a:spcPct val="100000"/>
-              </a:lnSpc>
-            </a:pPr>
-            <a:r>
-              <a:rPr lang="en-US" dirty="0"/>
-              <a:t>Runs on Windows or Mac development machines</a:t>
-            </a:r>
-          </a:p>
-          <a:p>
-            <a:pPr>
-              <a:lnSpc>
-                <a:spcPct val="100000"/>
-              </a:lnSpc>
-            </a:pPr>
-            <a:r>
-              <a:rPr lang="en-US" dirty="0"/>
-              <a:t>Relies on "images" and "containers"</a:t>
-            </a:r>
-          </a:p>
-          <a:p>
-            <a:pPr>
-              <a:lnSpc>
-                <a:spcPct val="100000"/>
-              </a:lnSpc>
-            </a:pPr>
-            <a:r>
-              <a:rPr lang="en-US" dirty="0"/>
-              <a:t>The playground is a good starting point:</a:t>
-            </a:r>
-          </a:p>
-          <a:p>
-            <a:pPr lvl="1">
-              <a:lnSpc>
-                <a:spcPct val="100000"/>
-              </a:lnSpc>
-            </a:pPr>
-            <a:r>
-              <a:rPr lang="en-GB" dirty="0">
-                <a:hlinkClick r:id="rId2"/>
-              </a:rPr>
-              <a:t>https://www.docker.com/play-with-docker</a:t>
-            </a:r>
-            <a:endParaRPr lang="en-US" dirty="0"/>
-          </a:p>
-        </p:txBody>
-      </p:sp>
-      <p:sp>
-        <p:nvSpPr>
-          <p:cNvPr id="4" name="Title 3"/>
-          <p:cNvSpPr>
-            <a:spLocks noGrp="1"/>
-          </p:cNvSpPr>
-          <p:nvPr>
-            <p:ph type="title"/>
-          </p:nvPr>
-        </p:nvSpPr>
-        <p:spPr/>
-        <p:txBody>
-          <a:bodyPr/>
-          <a:lstStyle/>
-          <a:p>
-            <a:r>
-              <a:rPr lang="en-US" dirty="0"/>
-              <a:t>What is docker?</a:t>
-            </a:r>
-          </a:p>
-        </p:txBody>
-      </p:sp>
-    </p:spTree>
-    <p:extLst>
-      <p:ext uri="{BB962C8B-B14F-4D97-AF65-F5344CB8AC3E}">
-        <p14:creationId xmlns:p14="http://schemas.microsoft.com/office/powerpoint/2010/main" val="2315132730"/>
-      </p:ext>
-    </p:extLst>
-  </p:cSld>
-  <p:clrMapOvr>
-    <a:masterClrMapping/>
-  </p:clrMapOvr>
-</p:sld>
-</file>
-
 <file path=ppt/slides/slide38.xml><?xml version="1.0" encoding="utf-8"?>
 <p:sld xmlns:a="http://schemas.openxmlformats.org/drawingml/2006/main" xmlns:r="http://schemas.openxmlformats.org/officeDocument/2006/relationships" xmlns:p="http://schemas.openxmlformats.org/presentationml/2006/main">
   <p:cSld>
@@ -20857,7 +20754,18 @@
             </a:pPr>
             <a:r>
               <a:rPr lang="en-US" dirty="0"/>
-              <a:t>Image</a:t>
+              <a:t>Docker is lightweight, open, secure</a:t>
+            </a:r>
+          </a:p>
+          <a:p>
+            <a:pPr>
+              <a:lnSpc>
+                <a:spcPct val="100000"/>
+              </a:lnSpc>
+            </a:pPr>
+            <a:r>
+              <a:rPr lang="en-US" dirty="0"/>
+              <a:t>It simplifies building, shipping, and running applications</a:t>
             </a:r>
           </a:p>
           <a:p>
@@ -20868,7 +20776,51 @@
             </a:pPr>
             <a:r>
               <a:rPr lang="en-US" dirty="0"/>
-              <a:t>An image is just like a blueprint</a:t>
+              <a:t>On different environments</a:t>
+            </a:r>
+          </a:p>
+          <a:p>
+            <a:pPr>
+              <a:lnSpc>
+                <a:spcPct val="100000"/>
+              </a:lnSpc>
+            </a:pPr>
+            <a:r>
+              <a:rPr lang="en-US" dirty="0"/>
+              <a:t>Runs natively on Linux or Windows servers</a:t>
+            </a:r>
+          </a:p>
+          <a:p>
+            <a:pPr>
+              <a:lnSpc>
+                <a:spcPct val="100000"/>
+              </a:lnSpc>
+            </a:pPr>
+            <a:r>
+              <a:rPr lang="en-US" dirty="0"/>
+              <a:t>Runs on Windows or Mac development machines</a:t>
+            </a:r>
+          </a:p>
+          <a:p>
+            <a:pPr>
+              <a:lnSpc>
+                <a:spcPct val="100000"/>
+              </a:lnSpc>
+            </a:pPr>
+            <a:r>
+              <a:rPr lang="en-US" dirty="0"/>
+              <a:t>Relies on "images" and "containers"</a:t>
+            </a:r>
+          </a:p>
+          <a:p>
+            <a:pPr>
+              <a:lnSpc>
+                <a:spcPct val="100000"/>
+              </a:lnSpc>
+            </a:pPr>
+            <a:r>
+              <a:rPr lang="en-US" dirty="0"/>
+              <a:t>The playground is a good starting point:</a:t>
             </a:r>
           </a:p>
           <a:p>
@@ -20878,108 +20830,12 @@
               </a:lnSpc>
             </a:pPr>
             <a:r>
-              <a:rPr lang="en-US" dirty="0"/>
-              <a:t>A read-only template</a:t>
-            </a:r>
-          </a:p>
-          <a:p>
-            <a:pPr lvl="1">
-              <a:lnSpc>
-                <a:spcPct val="100000"/>
-              </a:lnSpc>
-            </a:pPr>
-            <a:r>
-              <a:rPr lang="en-US" dirty="0"/>
-              <a:t>Contains the building blocks of an application</a:t>
-            </a:r>
-          </a:p>
-          <a:p>
-            <a:pPr lvl="1">
-              <a:lnSpc>
-                <a:spcPct val="100000"/>
-              </a:lnSpc>
-            </a:pPr>
-            <a:r>
-              <a:rPr lang="en-US" dirty="0"/>
-              <a:t>Framework, dependencies and code are "described" here</a:t>
-            </a:r>
-          </a:p>
-          <a:p>
-            <a:pPr>
-              <a:lnSpc>
-                <a:spcPct val="100000"/>
-              </a:lnSpc>
-            </a:pPr>
-            <a:r>
-              <a:rPr lang="en-US" dirty="0"/>
-              <a:t>Container</a:t>
-            </a:r>
-          </a:p>
-          <a:p>
-            <a:pPr lvl="1">
-              <a:lnSpc>
-                <a:spcPct val="100000"/>
-              </a:lnSpc>
-            </a:pPr>
-            <a:r>
-              <a:rPr lang="en-US" dirty="0"/>
-              <a:t>Built from the image</a:t>
-            </a:r>
-          </a:p>
-          <a:p>
-            <a:pPr lvl="1">
-              <a:lnSpc>
-                <a:spcPct val="100000"/>
-              </a:lnSpc>
-            </a:pPr>
-            <a:r>
-              <a:rPr lang="en-US" dirty="0"/>
-              <a:t>It is the actual running environment for your application</a:t>
-            </a:r>
-          </a:p>
-          <a:p>
-            <a:pPr lvl="1">
-              <a:lnSpc>
-                <a:spcPct val="100000"/>
-              </a:lnSpc>
-            </a:pPr>
-            <a:r>
-              <a:rPr lang="en-US" dirty="0"/>
-              <a:t>Isolated and secured</a:t>
-            </a:r>
-          </a:p>
-          <a:p>
-            <a:pPr lvl="1">
-              <a:lnSpc>
-                <a:spcPct val="100000"/>
-              </a:lnSpc>
-            </a:pPr>
-            <a:r>
-              <a:rPr lang="en-US" dirty="0"/>
-              <a:t>It can be started, stopped, moved, and deleted</a:t>
-            </a:r>
-          </a:p>
-          <a:p>
-            <a:pPr lvl="1">
-              <a:lnSpc>
-                <a:spcPct val="100000"/>
-              </a:lnSpc>
-            </a:pPr>
-            <a:r>
-              <a:rPr lang="en-US" dirty="0"/>
-              <a:t>You create a container for your different application pieces</a:t>
-            </a:r>
-          </a:p>
-          <a:p>
-            <a:pPr lvl="2">
-              <a:lnSpc>
-                <a:spcPct val="100000"/>
-              </a:lnSpc>
-            </a:pPr>
-            <a:r>
-              <a:rPr lang="en-US" dirty="0"/>
-              <a:t>Database, Presentation, Caching, etc.</a:t>
-            </a:r>
+              <a:rPr lang="en-GB" dirty="0">
+                <a:hlinkClick r:id="rId2"/>
+              </a:rPr>
+              <a:t>https://www.docker.com/play-with-docker</a:t>
+            </a:r>
+            <a:endParaRPr lang="en-US" dirty="0"/>
           </a:p>
         </p:txBody>
       </p:sp>
@@ -21008,7 +20864,7 @@
     </p:spTree>
     <p:extLst>
       <p:ext uri="{BB962C8B-B14F-4D97-AF65-F5344CB8AC3E}">
-        <p14:creationId xmlns:p14="http://schemas.microsoft.com/office/powerpoint/2010/main" val="1280000100"/>
+        <p14:creationId xmlns:p14="http://schemas.microsoft.com/office/powerpoint/2010/main" val="2315132730"/>
       </p:ext>
     </p:extLst>
   </p:cSld>
@@ -21067,6 +20923,473 @@
                 <a:defRPr/>
               </a:pPr>
               <a:t>39</a:t>
+            </a:fld>
+            <a:endParaRPr lang="en-US" dirty="0"/>
+          </a:p>
+        </p:txBody>
+      </p:sp>
+      <p:sp>
+        <p:nvSpPr>
+          <p:cNvPr id="5" name="Content Placeholder 4"/>
+          <p:cNvSpPr>
+            <a:spLocks noGrp="1"/>
+          </p:cNvSpPr>
+          <p:nvPr>
+            <p:ph idx="1"/>
+          </p:nvPr>
+        </p:nvSpPr>
+        <p:spPr>
+          <a:xfrm>
+            <a:off x="1141413" y="1712549"/>
+            <a:ext cx="11696797" cy="5458202"/>
+          </a:xfrm>
+        </p:spPr>
+        <p:txBody>
+          <a:bodyPr>
+            <a:normAutofit/>
+          </a:bodyPr>
+          <a:lstStyle/>
+          <a:p>
+            <a:pPr>
+              <a:lnSpc>
+                <a:spcPct val="100000"/>
+              </a:lnSpc>
+            </a:pPr>
+            <a:r>
+              <a:rPr lang="en-US" dirty="0"/>
+              <a:t>Image</a:t>
+            </a:r>
+          </a:p>
+          <a:p>
+            <a:pPr lvl="1">
+              <a:lnSpc>
+                <a:spcPct val="100000"/>
+              </a:lnSpc>
+            </a:pPr>
+            <a:r>
+              <a:rPr lang="en-US" dirty="0"/>
+              <a:t>An image is just like a blueprint</a:t>
+            </a:r>
+          </a:p>
+          <a:p>
+            <a:pPr lvl="1">
+              <a:lnSpc>
+                <a:spcPct val="100000"/>
+              </a:lnSpc>
+            </a:pPr>
+            <a:r>
+              <a:rPr lang="en-US" dirty="0"/>
+              <a:t>A read-only template</a:t>
+            </a:r>
+          </a:p>
+          <a:p>
+            <a:pPr lvl="1">
+              <a:lnSpc>
+                <a:spcPct val="100000"/>
+              </a:lnSpc>
+            </a:pPr>
+            <a:r>
+              <a:rPr lang="en-US" dirty="0"/>
+              <a:t>Contains the building blocks of an application</a:t>
+            </a:r>
+          </a:p>
+          <a:p>
+            <a:pPr lvl="1">
+              <a:lnSpc>
+                <a:spcPct val="100000"/>
+              </a:lnSpc>
+            </a:pPr>
+            <a:r>
+              <a:rPr lang="en-US" dirty="0"/>
+              <a:t>Framework, dependencies and code are "described" here</a:t>
+            </a:r>
+          </a:p>
+          <a:p>
+            <a:pPr>
+              <a:lnSpc>
+                <a:spcPct val="100000"/>
+              </a:lnSpc>
+            </a:pPr>
+            <a:r>
+              <a:rPr lang="en-US" dirty="0"/>
+              <a:t>Container</a:t>
+            </a:r>
+          </a:p>
+          <a:p>
+            <a:pPr lvl="1">
+              <a:lnSpc>
+                <a:spcPct val="100000"/>
+              </a:lnSpc>
+            </a:pPr>
+            <a:r>
+              <a:rPr lang="en-US" dirty="0"/>
+              <a:t>Built from the image</a:t>
+            </a:r>
+          </a:p>
+          <a:p>
+            <a:pPr lvl="1">
+              <a:lnSpc>
+                <a:spcPct val="100000"/>
+              </a:lnSpc>
+            </a:pPr>
+            <a:r>
+              <a:rPr lang="en-US" dirty="0"/>
+              <a:t>It is the actual running environment for your application</a:t>
+            </a:r>
+          </a:p>
+          <a:p>
+            <a:pPr lvl="1">
+              <a:lnSpc>
+                <a:spcPct val="100000"/>
+              </a:lnSpc>
+            </a:pPr>
+            <a:r>
+              <a:rPr lang="en-US" dirty="0"/>
+              <a:t>Isolated and secured</a:t>
+            </a:r>
+          </a:p>
+          <a:p>
+            <a:pPr lvl="1">
+              <a:lnSpc>
+                <a:spcPct val="100000"/>
+              </a:lnSpc>
+            </a:pPr>
+            <a:r>
+              <a:rPr lang="en-US" dirty="0"/>
+              <a:t>It can be started, stopped, moved, and deleted</a:t>
+            </a:r>
+          </a:p>
+          <a:p>
+            <a:pPr lvl="1">
+              <a:lnSpc>
+                <a:spcPct val="100000"/>
+              </a:lnSpc>
+            </a:pPr>
+            <a:r>
+              <a:rPr lang="en-US" dirty="0"/>
+              <a:t>You create a container for your different application pieces</a:t>
+            </a:r>
+          </a:p>
+          <a:p>
+            <a:pPr lvl="2">
+              <a:lnSpc>
+                <a:spcPct val="100000"/>
+              </a:lnSpc>
+            </a:pPr>
+            <a:r>
+              <a:rPr lang="en-US" dirty="0"/>
+              <a:t>Database, Presentation, Caching, etc.</a:t>
+            </a:r>
+          </a:p>
+        </p:txBody>
+      </p:sp>
+      <p:sp>
+        <p:nvSpPr>
+          <p:cNvPr id="4" name="Title 3"/>
+          <p:cNvSpPr>
+            <a:spLocks noGrp="1"/>
+          </p:cNvSpPr>
+          <p:nvPr>
+            <p:ph type="title"/>
+          </p:nvPr>
+        </p:nvSpPr>
+        <p:spPr/>
+        <p:txBody>
+          <a:bodyPr/>
+          <a:lstStyle/>
+          <a:p>
+            <a:r>
+              <a:rPr lang="en-US" dirty="0"/>
+              <a:t>What is docker?</a:t>
+            </a:r>
+          </a:p>
+        </p:txBody>
+      </p:sp>
+    </p:spTree>
+    <p:extLst>
+      <p:ext uri="{BB962C8B-B14F-4D97-AF65-F5344CB8AC3E}">
+        <p14:creationId xmlns:p14="http://schemas.microsoft.com/office/powerpoint/2010/main" val="1280000100"/>
+      </p:ext>
+    </p:extLst>
+  </p:cSld>
+  <p:clrMapOvr>
+    <a:masterClrMapping/>
+  </p:clrMapOvr>
+</p:sld>
+</file>
+
+<file path=ppt/slides/slide4.xml><?xml version="1.0" encoding="utf-8"?>
+<p:sld xmlns:a="http://schemas.openxmlformats.org/drawingml/2006/main" xmlns:r="http://schemas.openxmlformats.org/officeDocument/2006/relationships" xmlns:p="http://schemas.openxmlformats.org/presentationml/2006/main">
+  <p:cSld>
+    <p:spTree>
+      <p:nvGrpSpPr>
+        <p:cNvPr id="1" name=""/>
+        <p:cNvGrpSpPr/>
+        <p:nvPr/>
+      </p:nvGrpSpPr>
+      <p:grpSpPr>
+        <a:xfrm>
+          <a:off x="0" y="0"/>
+          <a:ext cx="0" cy="0"/>
+          <a:chOff x="0" y="0"/>
+          <a:chExt cx="0" cy="0"/>
+        </a:xfrm>
+      </p:grpSpPr>
+      <p:sp>
+        <p:nvSpPr>
+          <p:cNvPr id="7" name="Slide Number Placeholder 3"/>
+          <p:cNvSpPr>
+            <a:spLocks noGrp="1"/>
+          </p:cNvSpPr>
+          <p:nvPr>
+            <p:ph type="sldNum" sz="quarter" idx="4294967295"/>
+          </p:nvPr>
+        </p:nvSpPr>
+        <p:spPr>
+          <a:xfrm>
+            <a:off x="11568000" y="6525003"/>
+            <a:ext cx="428822" cy="196477"/>
+          </a:xfrm>
+          <a:prstGeom prst="rect">
+            <a:avLst/>
+          </a:prstGeom>
+        </p:spPr>
+        <p:txBody>
+          <a:bodyPr/>
+          <a:lstStyle/>
+          <a:p>
+            <a:pPr>
+              <a:defRPr/>
+            </a:pPr>
+            <a:fld id="{58452FF4-89E3-4D1B-9927-2DBDC00E58D7}" type="slidenum">
+              <a:rPr lang="en-US" smtClean="0"/>
+              <a:pPr>
+                <a:defRPr/>
+              </a:pPr>
+              <a:t>4</a:t>
+            </a:fld>
+            <a:endParaRPr lang="en-US" dirty="0"/>
+          </a:p>
+        </p:txBody>
+      </p:sp>
+      <p:sp>
+        <p:nvSpPr>
+          <p:cNvPr id="5" name="Content Placeholder 4"/>
+          <p:cNvSpPr>
+            <a:spLocks noGrp="1"/>
+          </p:cNvSpPr>
+          <p:nvPr>
+            <p:ph idx="1"/>
+          </p:nvPr>
+        </p:nvSpPr>
+        <p:spPr>
+          <a:xfrm>
+            <a:off x="1141413" y="1712549"/>
+            <a:ext cx="11696797" cy="5458202"/>
+          </a:xfrm>
+        </p:spPr>
+        <p:txBody>
+          <a:bodyPr>
+            <a:normAutofit/>
+          </a:bodyPr>
+          <a:lstStyle/>
+          <a:p>
+            <a:pPr>
+              <a:lnSpc>
+                <a:spcPct val="100000"/>
+              </a:lnSpc>
+            </a:pPr>
+            <a:r>
+              <a:rPr lang="en-US" dirty="0"/>
+              <a:t>Understanding the Business</a:t>
+            </a:r>
+          </a:p>
+          <a:p>
+            <a:pPr lvl="1">
+              <a:lnSpc>
+                <a:spcPct val="100000"/>
+              </a:lnSpc>
+            </a:pPr>
+            <a:r>
+              <a:rPr lang="en-US" dirty="0"/>
+              <a:t>The more business understanding you have, the more useful you will be </a:t>
+            </a:r>
+          </a:p>
+          <a:p>
+            <a:pPr>
+              <a:lnSpc>
+                <a:spcPct val="100000"/>
+              </a:lnSpc>
+            </a:pPr>
+            <a:r>
+              <a:rPr lang="en-US" dirty="0"/>
+              <a:t>Cross-Domain Understanding </a:t>
+            </a:r>
+          </a:p>
+          <a:p>
+            <a:pPr lvl="1">
+              <a:lnSpc>
+                <a:spcPct val="100000"/>
+              </a:lnSpc>
+            </a:pPr>
+            <a:r>
+              <a:rPr lang="en-US" dirty="0"/>
+              <a:t>You know bits of the other roles in the team as well</a:t>
+            </a:r>
+          </a:p>
+          <a:p>
+            <a:pPr>
+              <a:lnSpc>
+                <a:spcPct val="100000"/>
+              </a:lnSpc>
+            </a:pPr>
+            <a:r>
+              <a:rPr lang="en-US" dirty="0"/>
+              <a:t>Multiple Perspectives </a:t>
+            </a:r>
+          </a:p>
+          <a:p>
+            <a:pPr lvl="1">
+              <a:lnSpc>
+                <a:spcPct val="100000"/>
+              </a:lnSpc>
+            </a:pPr>
+            <a:r>
+              <a:rPr lang="en-US" dirty="0"/>
+              <a:t>You need to see the problem from everyone's point of view</a:t>
+            </a:r>
+          </a:p>
+          <a:p>
+            <a:pPr>
+              <a:lnSpc>
+                <a:spcPct val="100000"/>
+              </a:lnSpc>
+            </a:pPr>
+            <a:r>
+              <a:rPr lang="en-US" dirty="0"/>
+              <a:t>People Skills </a:t>
+            </a:r>
+          </a:p>
+          <a:p>
+            <a:pPr lvl="1">
+              <a:lnSpc>
+                <a:spcPct val="100000"/>
+              </a:lnSpc>
+            </a:pPr>
+            <a:r>
+              <a:rPr lang="en-US" dirty="0"/>
+              <a:t>Just to make sure communication goes smoothly</a:t>
+            </a:r>
+          </a:p>
+          <a:p>
+            <a:pPr>
+              <a:lnSpc>
+                <a:spcPct val="100000"/>
+              </a:lnSpc>
+            </a:pPr>
+            <a:r>
+              <a:rPr lang="en-US" dirty="0"/>
+              <a:t>Lifelong Learning</a:t>
+            </a:r>
+          </a:p>
+          <a:p>
+            <a:pPr lvl="1">
+              <a:lnSpc>
+                <a:spcPct val="100000"/>
+              </a:lnSpc>
+            </a:pPr>
+            <a:r>
+              <a:rPr lang="en-US" dirty="0"/>
+              <a:t>IT is moving super fast; you need to stay relevant</a:t>
+            </a:r>
+          </a:p>
+        </p:txBody>
+      </p:sp>
+      <p:sp>
+        <p:nvSpPr>
+          <p:cNvPr id="4" name="Title 3"/>
+          <p:cNvSpPr>
+            <a:spLocks noGrp="1"/>
+          </p:cNvSpPr>
+          <p:nvPr>
+            <p:ph type="title"/>
+          </p:nvPr>
+        </p:nvSpPr>
+        <p:spPr/>
+        <p:txBody>
+          <a:bodyPr/>
+          <a:lstStyle/>
+          <a:p>
+            <a:r>
+              <a:rPr lang="en-GB" dirty="0"/>
+              <a:t>Required skills by everybody in the team</a:t>
+            </a:r>
+            <a:endParaRPr lang="en-US" dirty="0"/>
+          </a:p>
+        </p:txBody>
+      </p:sp>
+    </p:spTree>
+    <p:extLst>
+      <p:ext uri="{BB962C8B-B14F-4D97-AF65-F5344CB8AC3E}">
+        <p14:creationId xmlns:p14="http://schemas.microsoft.com/office/powerpoint/2010/main" val="553259725"/>
+      </p:ext>
+    </p:extLst>
+  </p:cSld>
+  <p:clrMapOvr>
+    <a:masterClrMapping/>
+  </p:clrMapOvr>
+</p:sld>
+</file>
+
+<file path=ppt/slides/slide40.xml><?xml version="1.0" encoding="utf-8"?>
+<p:sld xmlns:a="http://schemas.openxmlformats.org/drawingml/2006/main" xmlns:r="http://schemas.openxmlformats.org/officeDocument/2006/relationships" xmlns:p="http://schemas.openxmlformats.org/presentationml/2006/main">
+  <p:cSld>
+    <p:spTree>
+      <p:nvGrpSpPr>
+        <p:cNvPr id="1" name=""/>
+        <p:cNvGrpSpPr/>
+        <p:nvPr/>
+      </p:nvGrpSpPr>
+      <p:grpSpPr>
+        <a:xfrm>
+          <a:off x="0" y="0"/>
+          <a:ext cx="0" cy="0"/>
+          <a:chOff x="0" y="0"/>
+          <a:chExt cx="0" cy="0"/>
+        </a:xfrm>
+      </p:grpSpPr>
+      <p:sp>
+        <p:nvSpPr>
+          <p:cNvPr id="7" name="Slide Number Placeholder 3"/>
+          <p:cNvSpPr>
+            <a:spLocks noGrp="1"/>
+          </p:cNvSpPr>
+          <p:nvPr>
+            <p:ph type="sldNum" sz="quarter" idx="4294967295"/>
+          </p:nvPr>
+        </p:nvSpPr>
+        <p:spPr>
+          <a:xfrm>
+            <a:off x="11568000" y="6525003"/>
+            <a:ext cx="428822" cy="196477"/>
+          </a:xfrm>
+          <a:prstGeom prst="rect">
+            <a:avLst/>
+          </a:prstGeom>
+        </p:spPr>
+        <p:txBody>
+          <a:bodyPr/>
+          <a:lstStyle/>
+          <a:p>
+            <a:pPr>
+              <a:defRPr/>
+            </a:pPr>
+            <a:fld id="{58452FF4-89E3-4D1B-9927-2DBDC00E58D7}" type="slidenum">
+              <a:rPr lang="en-US" smtClean="0"/>
+              <a:pPr>
+                <a:defRPr/>
+              </a:pPr>
+              <a:t>40</a:t>
             </a:fld>
             <a:endParaRPr lang="en-US" dirty="0"/>
           </a:p>
@@ -21154,456 +21477,6 @@
 </p:sld>
 </file>
 
-<file path=ppt/slides/slide4.xml><?xml version="1.0" encoding="utf-8"?>
-<p:sld xmlns:a="http://schemas.openxmlformats.org/drawingml/2006/main" xmlns:r="http://schemas.openxmlformats.org/officeDocument/2006/relationships" xmlns:p="http://schemas.openxmlformats.org/presentationml/2006/main">
-  <p:cSld>
-    <p:spTree>
-      <p:nvGrpSpPr>
-        <p:cNvPr id="1" name=""/>
-        <p:cNvGrpSpPr/>
-        <p:nvPr/>
-      </p:nvGrpSpPr>
-      <p:grpSpPr>
-        <a:xfrm>
-          <a:off x="0" y="0"/>
-          <a:ext cx="0" cy="0"/>
-          <a:chOff x="0" y="0"/>
-          <a:chExt cx="0" cy="0"/>
-        </a:xfrm>
-      </p:grpSpPr>
-      <p:sp>
-        <p:nvSpPr>
-          <p:cNvPr id="7" name="Slide Number Placeholder 3"/>
-          <p:cNvSpPr>
-            <a:spLocks noGrp="1"/>
-          </p:cNvSpPr>
-          <p:nvPr>
-            <p:ph type="sldNum" sz="quarter" idx="4294967295"/>
-          </p:nvPr>
-        </p:nvSpPr>
-        <p:spPr>
-          <a:xfrm>
-            <a:off x="11568000" y="6525003"/>
-            <a:ext cx="428822" cy="196477"/>
-          </a:xfrm>
-          <a:prstGeom prst="rect">
-            <a:avLst/>
-          </a:prstGeom>
-        </p:spPr>
-        <p:txBody>
-          <a:bodyPr/>
-          <a:lstStyle/>
-          <a:p>
-            <a:pPr>
-              <a:defRPr/>
-            </a:pPr>
-            <a:fld id="{58452FF4-89E3-4D1B-9927-2DBDC00E58D7}" type="slidenum">
-              <a:rPr lang="en-US" smtClean="0"/>
-              <a:pPr>
-                <a:defRPr/>
-              </a:pPr>
-              <a:t>4</a:t>
-            </a:fld>
-            <a:endParaRPr lang="en-US" dirty="0"/>
-          </a:p>
-        </p:txBody>
-      </p:sp>
-      <p:sp>
-        <p:nvSpPr>
-          <p:cNvPr id="5" name="Content Placeholder 4"/>
-          <p:cNvSpPr>
-            <a:spLocks noGrp="1"/>
-          </p:cNvSpPr>
-          <p:nvPr>
-            <p:ph idx="1"/>
-          </p:nvPr>
-        </p:nvSpPr>
-        <p:spPr>
-          <a:xfrm>
-            <a:off x="1141413" y="1712549"/>
-            <a:ext cx="11696797" cy="5458202"/>
-          </a:xfrm>
-        </p:spPr>
-        <p:txBody>
-          <a:bodyPr>
-            <a:normAutofit/>
-          </a:bodyPr>
-          <a:lstStyle/>
-          <a:p>
-            <a:pPr>
-              <a:lnSpc>
-                <a:spcPct val="100000"/>
-              </a:lnSpc>
-            </a:pPr>
-            <a:r>
-              <a:rPr lang="en-US" dirty="0"/>
-              <a:t>Understanding the Business</a:t>
-            </a:r>
-          </a:p>
-          <a:p>
-            <a:pPr lvl="1">
-              <a:lnSpc>
-                <a:spcPct val="100000"/>
-              </a:lnSpc>
-            </a:pPr>
-            <a:r>
-              <a:rPr lang="en-US" dirty="0"/>
-              <a:t>The more business understanding you have, the more useful you will be </a:t>
-            </a:r>
-          </a:p>
-          <a:p>
-            <a:pPr>
-              <a:lnSpc>
-                <a:spcPct val="100000"/>
-              </a:lnSpc>
-            </a:pPr>
-            <a:r>
-              <a:rPr lang="en-US" dirty="0"/>
-              <a:t>Cross-Domain Understanding </a:t>
-            </a:r>
-          </a:p>
-          <a:p>
-            <a:pPr lvl="1">
-              <a:lnSpc>
-                <a:spcPct val="100000"/>
-              </a:lnSpc>
-            </a:pPr>
-            <a:r>
-              <a:rPr lang="en-US" dirty="0"/>
-              <a:t>You know bits of the other roles in the team as well</a:t>
-            </a:r>
-          </a:p>
-          <a:p>
-            <a:pPr>
-              <a:lnSpc>
-                <a:spcPct val="100000"/>
-              </a:lnSpc>
-            </a:pPr>
-            <a:r>
-              <a:rPr lang="en-US" dirty="0"/>
-              <a:t>Multiple Perspectives </a:t>
-            </a:r>
-          </a:p>
-          <a:p>
-            <a:pPr lvl="1">
-              <a:lnSpc>
-                <a:spcPct val="100000"/>
-              </a:lnSpc>
-            </a:pPr>
-            <a:r>
-              <a:rPr lang="en-US" dirty="0"/>
-              <a:t>You need to see the problem from everyone's point of view</a:t>
-            </a:r>
-          </a:p>
-          <a:p>
-            <a:pPr>
-              <a:lnSpc>
-                <a:spcPct val="100000"/>
-              </a:lnSpc>
-            </a:pPr>
-            <a:r>
-              <a:rPr lang="en-US" dirty="0"/>
-              <a:t>People Skills </a:t>
-            </a:r>
-          </a:p>
-          <a:p>
-            <a:pPr lvl="1">
-              <a:lnSpc>
-                <a:spcPct val="100000"/>
-              </a:lnSpc>
-            </a:pPr>
-            <a:r>
-              <a:rPr lang="en-US" dirty="0"/>
-              <a:t>Just to make sure communication goes smoothly</a:t>
-            </a:r>
-          </a:p>
-          <a:p>
-            <a:pPr>
-              <a:lnSpc>
-                <a:spcPct val="100000"/>
-              </a:lnSpc>
-            </a:pPr>
-            <a:r>
-              <a:rPr lang="en-US" dirty="0"/>
-              <a:t>Lifelong Learning</a:t>
-            </a:r>
-          </a:p>
-          <a:p>
-            <a:pPr lvl="1">
-              <a:lnSpc>
-                <a:spcPct val="100000"/>
-              </a:lnSpc>
-            </a:pPr>
-            <a:r>
-              <a:rPr lang="en-US" dirty="0"/>
-              <a:t>IT is moving super fast; you need to stay relevant</a:t>
-            </a:r>
-          </a:p>
-        </p:txBody>
-      </p:sp>
-      <p:sp>
-        <p:nvSpPr>
-          <p:cNvPr id="4" name="Title 3"/>
-          <p:cNvSpPr>
-            <a:spLocks noGrp="1"/>
-          </p:cNvSpPr>
-          <p:nvPr>
-            <p:ph type="title"/>
-          </p:nvPr>
-        </p:nvSpPr>
-        <p:spPr/>
-        <p:txBody>
-          <a:bodyPr/>
-          <a:lstStyle/>
-          <a:p>
-            <a:r>
-              <a:rPr lang="en-GB" dirty="0"/>
-              <a:t>Required skills by everybody in the team</a:t>
-            </a:r>
-            <a:endParaRPr lang="en-US" dirty="0"/>
-          </a:p>
-        </p:txBody>
-      </p:sp>
-    </p:spTree>
-    <p:extLst>
-      <p:ext uri="{BB962C8B-B14F-4D97-AF65-F5344CB8AC3E}">
-        <p14:creationId xmlns:p14="http://schemas.microsoft.com/office/powerpoint/2010/main" val="553259725"/>
-      </p:ext>
-    </p:extLst>
-  </p:cSld>
-  <p:clrMapOvr>
-    <a:masterClrMapping/>
-  </p:clrMapOvr>
-</p:sld>
-</file>
-
-<file path=ppt/slides/slide40.xml><?xml version="1.0" encoding="utf-8"?>
-<p:sld xmlns:a="http://schemas.openxmlformats.org/drawingml/2006/main" xmlns:r="http://schemas.openxmlformats.org/officeDocument/2006/relationships" xmlns:p="http://schemas.openxmlformats.org/presentationml/2006/main">
-  <p:cSld>
-    <p:spTree>
-      <p:nvGrpSpPr>
-        <p:cNvPr id="1" name=""/>
-        <p:cNvGrpSpPr/>
-        <p:nvPr/>
-      </p:nvGrpSpPr>
-      <p:grpSpPr>
-        <a:xfrm>
-          <a:off x="0" y="0"/>
-          <a:ext cx="0" cy="0"/>
-          <a:chOff x="0" y="0"/>
-          <a:chExt cx="0" cy="0"/>
-        </a:xfrm>
-      </p:grpSpPr>
-      <p:sp>
-        <p:nvSpPr>
-          <p:cNvPr id="7" name="Slide Number Placeholder 3"/>
-          <p:cNvSpPr>
-            <a:spLocks noGrp="1"/>
-          </p:cNvSpPr>
-          <p:nvPr>
-            <p:ph type="sldNum" sz="quarter" idx="4294967295"/>
-          </p:nvPr>
-        </p:nvSpPr>
-        <p:spPr>
-          <a:xfrm>
-            <a:off x="11568000" y="6525003"/>
-            <a:ext cx="428822" cy="196477"/>
-          </a:xfrm>
-          <a:prstGeom prst="rect">
-            <a:avLst/>
-          </a:prstGeom>
-        </p:spPr>
-        <p:txBody>
-          <a:bodyPr/>
-          <a:lstStyle/>
-          <a:p>
-            <a:pPr>
-              <a:defRPr/>
-            </a:pPr>
-            <a:fld id="{58452FF4-89E3-4D1B-9927-2DBDC00E58D7}" type="slidenum">
-              <a:rPr lang="en-US" smtClean="0"/>
-              <a:pPr>
-                <a:defRPr/>
-              </a:pPr>
-              <a:t>40</a:t>
-            </a:fld>
-            <a:endParaRPr lang="en-US" dirty="0"/>
-          </a:p>
-        </p:txBody>
-      </p:sp>
-      <p:sp>
-        <p:nvSpPr>
-          <p:cNvPr id="5" name="Content Placeholder 4"/>
-          <p:cNvSpPr>
-            <a:spLocks noGrp="1"/>
-          </p:cNvSpPr>
-          <p:nvPr>
-            <p:ph idx="1"/>
-          </p:nvPr>
-        </p:nvSpPr>
-        <p:spPr>
-          <a:xfrm>
-            <a:off x="1141413" y="1712549"/>
-            <a:ext cx="11696797" cy="5458202"/>
-          </a:xfrm>
-        </p:spPr>
-        <p:txBody>
-          <a:bodyPr>
-            <a:normAutofit/>
-          </a:bodyPr>
-          <a:lstStyle/>
-          <a:p>
-            <a:pPr>
-              <a:lnSpc>
-                <a:spcPct val="100000"/>
-              </a:lnSpc>
-            </a:pPr>
-            <a:r>
-              <a:rPr lang="en-US" dirty="0"/>
-              <a:t>Virtual Machines</a:t>
-            </a:r>
-          </a:p>
-          <a:p>
-            <a:pPr lvl="1">
-              <a:lnSpc>
-                <a:spcPct val="100000"/>
-              </a:lnSpc>
-            </a:pPr>
-            <a:r>
-              <a:rPr lang="en-US" dirty="0"/>
-              <a:t>Have a guest OS, which is heavier</a:t>
-            </a:r>
-          </a:p>
-          <a:p>
-            <a:pPr lvl="1">
-              <a:lnSpc>
-                <a:spcPct val="100000"/>
-              </a:lnSpc>
-            </a:pPr>
-            <a:r>
-              <a:rPr lang="en-US" dirty="0"/>
-              <a:t>Images are bigger in terms of size</a:t>
-            </a:r>
-          </a:p>
-          <a:p>
-            <a:pPr lvl="1">
-              <a:lnSpc>
-                <a:spcPct val="100000"/>
-              </a:lnSpc>
-            </a:pPr>
-            <a:r>
-              <a:rPr lang="en-US" dirty="0"/>
-              <a:t>Slower startup time</a:t>
-            </a:r>
-          </a:p>
-          <a:p>
-            <a:pPr lvl="1">
-              <a:lnSpc>
-                <a:spcPct val="100000"/>
-              </a:lnSpc>
-            </a:pPr>
-            <a:r>
-              <a:rPr lang="en-US" dirty="0"/>
-              <a:t>Everything is a copy of the host OS</a:t>
-            </a:r>
-          </a:p>
-          <a:p>
-            <a:pPr>
-              <a:lnSpc>
-                <a:spcPct val="100000"/>
-              </a:lnSpc>
-            </a:pPr>
-            <a:r>
-              <a:rPr lang="en-US" dirty="0"/>
-              <a:t> Docker</a:t>
-            </a:r>
-          </a:p>
-          <a:p>
-            <a:pPr lvl="1">
-              <a:lnSpc>
-                <a:spcPct val="100000"/>
-              </a:lnSpc>
-            </a:pPr>
-            <a:r>
-              <a:rPr lang="en-US" dirty="0"/>
-              <a:t>No guest OS, just a process</a:t>
-            </a:r>
-          </a:p>
-          <a:p>
-            <a:pPr lvl="1">
-              <a:lnSpc>
-                <a:spcPct val="100000"/>
-              </a:lnSpc>
-            </a:pPr>
-            <a:r>
-              <a:rPr lang="en-US" dirty="0"/>
-              <a:t>Images are small in terms of size</a:t>
-            </a:r>
-          </a:p>
-          <a:p>
-            <a:pPr lvl="1">
-              <a:lnSpc>
-                <a:spcPct val="100000"/>
-              </a:lnSpc>
-            </a:pPr>
-            <a:r>
-              <a:rPr lang="en-US" dirty="0"/>
-              <a:t>Fast startup time</a:t>
-            </a:r>
-          </a:p>
-          <a:p>
-            <a:pPr lvl="1">
-              <a:lnSpc>
-                <a:spcPct val="100000"/>
-              </a:lnSpc>
-            </a:pPr>
-            <a:endParaRPr lang="en-US" dirty="0"/>
-          </a:p>
-          <a:p>
-            <a:pPr lvl="1">
-              <a:lnSpc>
-                <a:spcPct val="100000"/>
-              </a:lnSpc>
-            </a:pPr>
-            <a:endParaRPr lang="en-US" dirty="0"/>
-          </a:p>
-        </p:txBody>
-      </p:sp>
-      <p:sp>
-        <p:nvSpPr>
-          <p:cNvPr id="4" name="Title 3"/>
-          <p:cNvSpPr>
-            <a:spLocks noGrp="1"/>
-          </p:cNvSpPr>
-          <p:nvPr>
-            <p:ph type="title"/>
-          </p:nvPr>
-        </p:nvSpPr>
-        <p:spPr/>
-        <p:txBody>
-          <a:bodyPr/>
-          <a:lstStyle/>
-          <a:p>
-            <a:r>
-              <a:rPr lang="en-US" dirty="0"/>
-              <a:t>Docker VS Virtual Machines</a:t>
-            </a:r>
-          </a:p>
-        </p:txBody>
-      </p:sp>
-    </p:spTree>
-    <p:extLst>
-      <p:ext uri="{BB962C8B-B14F-4D97-AF65-F5344CB8AC3E}">
-        <p14:creationId xmlns:p14="http://schemas.microsoft.com/office/powerpoint/2010/main" val="174063324"/>
-      </p:ext>
-    </p:extLst>
-  </p:cSld>
-  <p:clrMapOvr>
-    <a:masterClrMapping/>
-  </p:clrMapOvr>
-</p:sld>
-</file>
-
 <file path=ppt/slides/slide41.xml><?xml version="1.0" encoding="utf-8"?>
 <p:sld xmlns:a="http://schemas.openxmlformats.org/drawingml/2006/main" xmlns:r="http://schemas.openxmlformats.org/officeDocument/2006/relationships" xmlns:p="http://schemas.openxmlformats.org/presentationml/2006/main">
   <p:cSld>
@@ -21687,7 +21560,51 @@
             </a:pPr>
             <a:r>
               <a:rPr lang="en-US" dirty="0"/>
-              <a:t>Accelerating developer onboarding</a:t>
+              <a:t>Virtual Machines</a:t>
+            </a:r>
+          </a:p>
+          <a:p>
+            <a:pPr lvl="1">
+              <a:lnSpc>
+                <a:spcPct val="100000"/>
+              </a:lnSpc>
+            </a:pPr>
+            <a:r>
+              <a:rPr lang="en-US" dirty="0"/>
+              <a:t>Have a guest OS, which is heavier</a:t>
+            </a:r>
+          </a:p>
+          <a:p>
+            <a:pPr lvl="1">
+              <a:lnSpc>
+                <a:spcPct val="100000"/>
+              </a:lnSpc>
+            </a:pPr>
+            <a:r>
+              <a:rPr lang="en-US" dirty="0"/>
+              <a:t>Images are bigger in terms of size</a:t>
+            </a:r>
+          </a:p>
+          <a:p>
+            <a:pPr lvl="1">
+              <a:lnSpc>
+                <a:spcPct val="100000"/>
+              </a:lnSpc>
+            </a:pPr>
+            <a:r>
+              <a:rPr lang="en-US" dirty="0"/>
+              <a:t>Slower startup time</a:t>
+            </a:r>
+          </a:p>
+          <a:p>
+            <a:pPr lvl="1">
+              <a:lnSpc>
+                <a:spcPct val="100000"/>
+              </a:lnSpc>
+            </a:pPr>
+            <a:r>
+              <a:rPr lang="en-US" dirty="0"/>
+              <a:t>Everything is a copy of the host OS</a:t>
             </a:r>
           </a:p>
           <a:p>
@@ -21698,7 +21615,7 @@
             </a:pPr>
             <a:r>
               <a:rPr lang="en-US" dirty="0"/>
-              <a:t>Eliminate application conflicts</a:t>
+              <a:t> Docker</a:t>
             </a:r>
           </a:p>
           <a:p>
@@ -21709,18 +21626,7 @@
             </a:pPr>
             <a:r>
               <a:rPr lang="en-US" dirty="0"/>
-              <a:t>Isolated containers</a:t>
-            </a:r>
-          </a:p>
-          <a:p>
-            <a:pPr>
-              <a:lnSpc>
-                <a:spcPct val="100000"/>
-              </a:lnSpc>
-            </a:pPr>
-            <a:r>
-              <a:rPr lang="en-US" dirty="0"/>
-              <a:t>Environment consistency</a:t>
+              <a:t>No guest OS, just a process</a:t>
             </a:r>
           </a:p>
           <a:p>
@@ -21731,18 +21637,7 @@
             </a:pPr>
             <a:r>
               <a:rPr lang="en-US" dirty="0"/>
-              <a:t>If it runs on development environment, it should run on the staging/production </a:t>
-            </a:r>
-          </a:p>
-          <a:p>
-            <a:pPr>
-              <a:lnSpc>
-                <a:spcPct val="100000"/>
-              </a:lnSpc>
-            </a:pPr>
-            <a:r>
-              <a:rPr lang="en-US" dirty="0"/>
-              <a:t>Ship software faster</a:t>
+              <a:t>Images are small in terms of size</a:t>
             </a:r>
           </a:p>
           <a:p>
@@ -21753,8 +21648,16 @@
             </a:pPr>
             <a:r>
               <a:rPr lang="en-US" dirty="0"/>
-              <a:t>Updating and migrating software is very easy</a:t>
-            </a:r>
+              <a:t>Fast startup time</a:t>
+            </a:r>
+          </a:p>
+          <a:p>
+            <a:pPr lvl="1">
+              <a:lnSpc>
+                <a:spcPct val="100000"/>
+              </a:lnSpc>
+            </a:pPr>
+            <a:endParaRPr lang="en-US" dirty="0"/>
           </a:p>
           <a:p>
             <a:pPr lvl="1">
@@ -21781,14 +21684,9 @@
           <a:bodyPr/>
           <a:lstStyle/>
           <a:p>
-            <a:pPr>
-              <a:lnSpc>
-                <a:spcPct val="100000"/>
-              </a:lnSpc>
-            </a:pPr>
-            <a:r>
-              <a:rPr lang="en-US" dirty="0"/>
-              <a:t>Benefits for web developers</a:t>
+            <a:r>
+              <a:rPr lang="en-US" dirty="0"/>
+              <a:t>Docker VS Virtual Machines</a:t>
             </a:r>
           </a:p>
         </p:txBody>
@@ -21796,7 +21694,7 @@
     </p:spTree>
     <p:extLst>
       <p:ext uri="{BB962C8B-B14F-4D97-AF65-F5344CB8AC3E}">
-        <p14:creationId xmlns:p14="http://schemas.microsoft.com/office/powerpoint/2010/main" val="1025572233"/>
+        <p14:creationId xmlns:p14="http://schemas.microsoft.com/office/powerpoint/2010/main" val="174063324"/>
       </p:ext>
     </p:extLst>
   </p:cSld>
@@ -21889,7 +21787,18 @@
             </a:pPr>
             <a:r>
               <a:rPr lang="en-US" dirty="0"/>
-              <a:t>Docker Desktop</a:t>
+              <a:t>Accelerating developer onboarding</a:t>
+            </a:r>
+          </a:p>
+          <a:p>
+            <a:pPr>
+              <a:lnSpc>
+                <a:spcPct val="100000"/>
+              </a:lnSpc>
+            </a:pPr>
+            <a:r>
+              <a:rPr lang="en-US" dirty="0"/>
+              <a:t>Eliminate application conflicts</a:t>
             </a:r>
           </a:p>
           <a:p>
@@ -21900,7 +21809,18 @@
             </a:pPr>
             <a:r>
               <a:rPr lang="en-US" dirty="0"/>
-              <a:t>Runs on Windows or Mac development machines</a:t>
+              <a:t>Isolated containers</a:t>
+            </a:r>
+          </a:p>
+          <a:p>
+            <a:pPr>
+              <a:lnSpc>
+                <a:spcPct val="100000"/>
+              </a:lnSpc>
+            </a:pPr>
+            <a:r>
+              <a:rPr lang="en-US" dirty="0"/>
+              <a:t>Environment consistency</a:t>
             </a:r>
           </a:p>
           <a:p>
@@ -21911,7 +21831,18 @@
             </a:pPr>
             <a:r>
               <a:rPr lang="en-US" dirty="0"/>
-              <a:t>Includes Docker Engine, CLI and Kubernetes</a:t>
+              <a:t>If it runs on development environment, it should run on the staging/production </a:t>
+            </a:r>
+          </a:p>
+          <a:p>
+            <a:pPr>
+              <a:lnSpc>
+                <a:spcPct val="100000"/>
+              </a:lnSpc>
+            </a:pPr>
+            <a:r>
+              <a:rPr lang="en-US" dirty="0"/>
+              <a:t>Ship software faster</a:t>
             </a:r>
           </a:p>
           <a:p>
@@ -21921,107 +21852,9 @@
               </a:lnSpc>
             </a:pPr>
             <a:r>
-              <a:rPr lang="en-GB" dirty="0"/>
-              <a:t>Containerize and share any application</a:t>
-            </a:r>
-          </a:p>
-          <a:p>
-            <a:pPr lvl="1">
-              <a:lnSpc>
-                <a:spcPct val="100000"/>
-              </a:lnSpc>
-            </a:pPr>
-            <a:r>
-              <a:rPr lang="en-GB" dirty="0"/>
-              <a:t>Complete Docker development environment</a:t>
-            </a:r>
-          </a:p>
-          <a:p>
-            <a:pPr>
-              <a:lnSpc>
-                <a:spcPct val="100000"/>
-              </a:lnSpc>
-            </a:pPr>
-            <a:r>
-              <a:rPr lang="en-GB" dirty="0"/>
-              <a:t>On Windows</a:t>
-            </a:r>
-          </a:p>
-          <a:p>
-            <a:pPr lvl="1">
-              <a:lnSpc>
-                <a:spcPct val="100000"/>
-              </a:lnSpc>
-            </a:pPr>
-            <a:r>
-              <a:rPr lang="en-GB" dirty="0"/>
-              <a:t>Ability to switch between Linux and Windows Server environments</a:t>
-            </a:r>
-          </a:p>
-          <a:p>
-            <a:pPr lvl="1">
-              <a:lnSpc>
-                <a:spcPct val="100000"/>
-              </a:lnSpc>
-            </a:pPr>
-            <a:r>
-              <a:rPr lang="en-US" dirty="0"/>
-              <a:t>Supports Pro, Enterprise, and </a:t>
-            </a:r>
-            <a:r>
-              <a:rPr lang="en-GB" dirty="0"/>
-              <a:t>Education versions</a:t>
-            </a:r>
-          </a:p>
-          <a:p>
-            <a:pPr lvl="1">
-              <a:lnSpc>
-                <a:spcPct val="100000"/>
-              </a:lnSpc>
-            </a:pPr>
-            <a:r>
-              <a:rPr lang="en-GB" dirty="0"/>
-              <a:t>For Home – you can only run Linux containers through WSL 2</a:t>
-            </a:r>
-            <a:endParaRPr lang="en-US" dirty="0"/>
-          </a:p>
-          <a:p>
-            <a:pPr>
-              <a:lnSpc>
-                <a:spcPct val="100000"/>
-              </a:lnSpc>
-            </a:pPr>
-            <a:r>
-              <a:rPr lang="en-US" dirty="0"/>
-              <a:t>There are third-party solutions for Linux – </a:t>
-            </a:r>
-            <a:r>
-              <a:rPr lang="en-GB" dirty="0" err="1"/>
-              <a:t>DockStation</a:t>
-            </a:r>
-            <a:r>
-              <a:rPr lang="en-GB" dirty="0"/>
-              <a:t>, </a:t>
-            </a:r>
-            <a:br>
-              <a:rPr lang="en-GB" dirty="0"/>
-            </a:br>
-            <a:r>
-              <a:rPr lang="en-GB" dirty="0" err="1"/>
-              <a:t>CairoDock</a:t>
-            </a:r>
-            <a:r>
-              <a:rPr lang="en-GB" dirty="0"/>
-              <a:t>, and more…</a:t>
-            </a:r>
-          </a:p>
-          <a:p>
-            <a:pPr lvl="1">
-              <a:lnSpc>
-                <a:spcPct val="100000"/>
-              </a:lnSpc>
-            </a:pPr>
-            <a:endParaRPr lang="en-US" dirty="0"/>
+              <a:rPr lang="en-US" dirty="0"/>
+              <a:t>Updating and migrating software is very easy</a:t>
+            </a:r>
           </a:p>
           <a:p>
             <a:pPr lvl="1">
@@ -22048,9 +21881,14 @@
           <a:bodyPr/>
           <a:lstStyle/>
           <a:p>
-            <a:r>
-              <a:rPr lang="en-US" dirty="0"/>
-              <a:t>Docker Tools</a:t>
+            <a:pPr>
+              <a:lnSpc>
+                <a:spcPct val="100000"/>
+              </a:lnSpc>
+            </a:pPr>
+            <a:r>
+              <a:rPr lang="en-US" dirty="0"/>
+              <a:t>Benefits for web developers</a:t>
             </a:r>
           </a:p>
         </p:txBody>
@@ -22058,7 +21896,7 @@
     </p:spTree>
     <p:extLst>
       <p:ext uri="{BB962C8B-B14F-4D97-AF65-F5344CB8AC3E}">
-        <p14:creationId xmlns:p14="http://schemas.microsoft.com/office/powerpoint/2010/main" val="896969366"/>
+        <p14:creationId xmlns:p14="http://schemas.microsoft.com/office/powerpoint/2010/main" val="1025572233"/>
       </p:ext>
     </p:extLst>
   </p:cSld>
@@ -22151,7 +21989,7 @@
             </a:pPr>
             <a:r>
               <a:rPr lang="en-US" dirty="0"/>
-              <a:t>Docker Hub</a:t>
+              <a:t>Docker Desktop</a:t>
             </a:r>
           </a:p>
           <a:p>
@@ -22161,8 +21999,30 @@
               </a:lnSpc>
             </a:pPr>
             <a:r>
+              <a:rPr lang="en-US" dirty="0"/>
+              <a:t>Runs on Windows or Mac development machines</a:t>
+            </a:r>
+          </a:p>
+          <a:p>
+            <a:pPr lvl="1">
+              <a:lnSpc>
+                <a:spcPct val="100000"/>
+              </a:lnSpc>
+            </a:pPr>
+            <a:r>
+              <a:rPr lang="en-US" dirty="0"/>
+              <a:t>Includes Docker Engine, CLI and Kubernetes</a:t>
+            </a:r>
+          </a:p>
+          <a:p>
+            <a:pPr lvl="1">
+              <a:lnSpc>
+                <a:spcPct val="100000"/>
+              </a:lnSpc>
+            </a:pPr>
+            <a:r>
               <a:rPr lang="en-GB" dirty="0"/>
-              <a:t>Cloud-based application registry</a:t>
+              <a:t>Containerize and share any application</a:t>
             </a:r>
           </a:p>
           <a:p>
@@ -22173,7 +22033,18 @@
             </a:pPr>
             <a:r>
               <a:rPr lang="en-GB" dirty="0"/>
-              <a:t>Development team collaboration services</a:t>
+              <a:t>Complete Docker development environment</a:t>
+            </a:r>
+          </a:p>
+          <a:p>
+            <a:pPr>
+              <a:lnSpc>
+                <a:spcPct val="100000"/>
+              </a:lnSpc>
+            </a:pPr>
+            <a:r>
+              <a:rPr lang="en-GB" dirty="0"/>
+              <a:t>On Windows</a:t>
             </a:r>
           </a:p>
           <a:p>
@@ -22183,8 +22054,8 @@
               </a:lnSpc>
             </a:pPr>
             <a:r>
-              <a:rPr lang="en-US" dirty="0"/>
-              <a:t>Supports public and private repositories</a:t>
+              <a:rPr lang="en-GB" dirty="0"/>
+              <a:t>Ability to switch between Linux and Windows Server environments</a:t>
             </a:r>
           </a:p>
           <a:p>
@@ -22194,8 +22065,12 @@
               </a:lnSpc>
             </a:pPr>
             <a:r>
+              <a:rPr lang="en-US" dirty="0"/>
+              <a:t>Supports Pro, Enterprise, and </a:t>
+            </a:r>
+            <a:r>
               <a:rPr lang="en-GB" dirty="0"/>
-              <a:t>The world’s largest library of container images</a:t>
+              <a:t>Education versions</a:t>
             </a:r>
           </a:p>
           <a:p>
@@ -22206,22 +22081,46 @@
             </a:pPr>
             <a:r>
               <a:rPr lang="en-GB" dirty="0"/>
-              <a:t>Automated builds and webhooks</a:t>
+              <a:t>For Home – you can only run Linux containers through WSL 2</a:t>
             </a:r>
             <a:endParaRPr lang="en-US" dirty="0"/>
           </a:p>
           <a:p>
+            <a:pPr>
+              <a:lnSpc>
+                <a:spcPct val="100000"/>
+              </a:lnSpc>
+            </a:pPr>
+            <a:r>
+              <a:rPr lang="en-US" dirty="0"/>
+              <a:t>There are third-party solutions for Linux – </a:t>
+            </a:r>
+            <a:r>
+              <a:rPr lang="en-GB" dirty="0" err="1"/>
+              <a:t>DockStation</a:t>
+            </a:r>
+            <a:r>
+              <a:rPr lang="en-GB" dirty="0"/>
+              <a:t>, </a:t>
+            </a:r>
+            <a:br>
+              <a:rPr lang="en-GB" dirty="0"/>
+            </a:br>
+            <a:r>
+              <a:rPr lang="en-GB" dirty="0" err="1"/>
+              <a:t>CairoDock</a:t>
+            </a:r>
+            <a:r>
+              <a:rPr lang="en-GB" dirty="0"/>
+              <a:t>, and more…</a:t>
+            </a:r>
+          </a:p>
+          <a:p>
             <a:pPr lvl="1">
               <a:lnSpc>
                 <a:spcPct val="100000"/>
               </a:lnSpc>
             </a:pPr>
-            <a:r>
-              <a:rPr lang="en-GB" dirty="0">
-                <a:hlinkClick r:id="rId2"/>
-              </a:rPr>
-              <a:t>https://hub.docker.com/</a:t>
-            </a:r>
             <a:endParaRPr lang="en-US" dirty="0"/>
           </a:p>
           <a:p>
@@ -22259,6 +22158,207 @@
     </p:spTree>
     <p:extLst>
       <p:ext uri="{BB962C8B-B14F-4D97-AF65-F5344CB8AC3E}">
+        <p14:creationId xmlns:p14="http://schemas.microsoft.com/office/powerpoint/2010/main" val="896969366"/>
+      </p:ext>
+    </p:extLst>
+  </p:cSld>
+  <p:clrMapOvr>
+    <a:masterClrMapping/>
+  </p:clrMapOvr>
+</p:sld>
+</file>
+
+<file path=ppt/slides/slide44.xml><?xml version="1.0" encoding="utf-8"?>
+<p:sld xmlns:a="http://schemas.openxmlformats.org/drawingml/2006/main" xmlns:r="http://schemas.openxmlformats.org/officeDocument/2006/relationships" xmlns:p="http://schemas.openxmlformats.org/presentationml/2006/main">
+  <p:cSld>
+    <p:spTree>
+      <p:nvGrpSpPr>
+        <p:cNvPr id="1" name=""/>
+        <p:cNvGrpSpPr/>
+        <p:nvPr/>
+      </p:nvGrpSpPr>
+      <p:grpSpPr>
+        <a:xfrm>
+          <a:off x="0" y="0"/>
+          <a:ext cx="0" cy="0"/>
+          <a:chOff x="0" y="0"/>
+          <a:chExt cx="0" cy="0"/>
+        </a:xfrm>
+      </p:grpSpPr>
+      <p:sp>
+        <p:nvSpPr>
+          <p:cNvPr id="7" name="Slide Number Placeholder 3"/>
+          <p:cNvSpPr>
+            <a:spLocks noGrp="1"/>
+          </p:cNvSpPr>
+          <p:nvPr>
+            <p:ph type="sldNum" sz="quarter" idx="4294967295"/>
+          </p:nvPr>
+        </p:nvSpPr>
+        <p:spPr>
+          <a:xfrm>
+            <a:off x="11568000" y="6525003"/>
+            <a:ext cx="428822" cy="196477"/>
+          </a:xfrm>
+          <a:prstGeom prst="rect">
+            <a:avLst/>
+          </a:prstGeom>
+        </p:spPr>
+        <p:txBody>
+          <a:bodyPr/>
+          <a:lstStyle/>
+          <a:p>
+            <a:pPr>
+              <a:defRPr/>
+            </a:pPr>
+            <a:fld id="{58452FF4-89E3-4D1B-9927-2DBDC00E58D7}" type="slidenum">
+              <a:rPr lang="en-US" smtClean="0"/>
+              <a:pPr>
+                <a:defRPr/>
+              </a:pPr>
+              <a:t>44</a:t>
+            </a:fld>
+            <a:endParaRPr lang="en-US" dirty="0"/>
+          </a:p>
+        </p:txBody>
+      </p:sp>
+      <p:sp>
+        <p:nvSpPr>
+          <p:cNvPr id="5" name="Content Placeholder 4"/>
+          <p:cNvSpPr>
+            <a:spLocks noGrp="1"/>
+          </p:cNvSpPr>
+          <p:nvPr>
+            <p:ph idx="1"/>
+          </p:nvPr>
+        </p:nvSpPr>
+        <p:spPr>
+          <a:xfrm>
+            <a:off x="1141413" y="1712549"/>
+            <a:ext cx="11696797" cy="5458202"/>
+          </a:xfrm>
+        </p:spPr>
+        <p:txBody>
+          <a:bodyPr>
+            <a:normAutofit/>
+          </a:bodyPr>
+          <a:lstStyle/>
+          <a:p>
+            <a:pPr>
+              <a:lnSpc>
+                <a:spcPct val="100000"/>
+              </a:lnSpc>
+            </a:pPr>
+            <a:r>
+              <a:rPr lang="en-US" dirty="0"/>
+              <a:t>Docker Hub</a:t>
+            </a:r>
+          </a:p>
+          <a:p>
+            <a:pPr lvl="1">
+              <a:lnSpc>
+                <a:spcPct val="100000"/>
+              </a:lnSpc>
+            </a:pPr>
+            <a:r>
+              <a:rPr lang="en-GB" dirty="0"/>
+              <a:t>Cloud-based application registry</a:t>
+            </a:r>
+          </a:p>
+          <a:p>
+            <a:pPr lvl="1">
+              <a:lnSpc>
+                <a:spcPct val="100000"/>
+              </a:lnSpc>
+            </a:pPr>
+            <a:r>
+              <a:rPr lang="en-GB" dirty="0"/>
+              <a:t>Development team collaboration services</a:t>
+            </a:r>
+          </a:p>
+          <a:p>
+            <a:pPr lvl="1">
+              <a:lnSpc>
+                <a:spcPct val="100000"/>
+              </a:lnSpc>
+            </a:pPr>
+            <a:r>
+              <a:rPr lang="en-US" dirty="0"/>
+              <a:t>Supports public and private repositories</a:t>
+            </a:r>
+          </a:p>
+          <a:p>
+            <a:pPr lvl="1">
+              <a:lnSpc>
+                <a:spcPct val="100000"/>
+              </a:lnSpc>
+            </a:pPr>
+            <a:r>
+              <a:rPr lang="en-GB" dirty="0"/>
+              <a:t>The world’s largest library of container images</a:t>
+            </a:r>
+          </a:p>
+          <a:p>
+            <a:pPr lvl="1">
+              <a:lnSpc>
+                <a:spcPct val="100000"/>
+              </a:lnSpc>
+            </a:pPr>
+            <a:r>
+              <a:rPr lang="en-GB" dirty="0"/>
+              <a:t>Automated builds and webhooks</a:t>
+            </a:r>
+            <a:endParaRPr lang="en-US" dirty="0"/>
+          </a:p>
+          <a:p>
+            <a:pPr lvl="1">
+              <a:lnSpc>
+                <a:spcPct val="100000"/>
+              </a:lnSpc>
+            </a:pPr>
+            <a:r>
+              <a:rPr lang="en-GB" dirty="0">
+                <a:hlinkClick r:id="rId2"/>
+              </a:rPr>
+              <a:t>https://hub.docker.com/</a:t>
+            </a:r>
+            <a:endParaRPr lang="en-US" dirty="0"/>
+          </a:p>
+          <a:p>
+            <a:pPr lvl="1">
+              <a:lnSpc>
+                <a:spcPct val="100000"/>
+              </a:lnSpc>
+            </a:pPr>
+            <a:endParaRPr lang="en-US" dirty="0"/>
+          </a:p>
+        </p:txBody>
+      </p:sp>
+      <p:sp>
+        <p:nvSpPr>
+          <p:cNvPr id="4" name="Title 3"/>
+          <p:cNvSpPr>
+            <a:spLocks noGrp="1"/>
+          </p:cNvSpPr>
+          <p:nvPr>
+            <p:ph type="title"/>
+          </p:nvPr>
+        </p:nvSpPr>
+        <p:spPr/>
+        <p:txBody>
+          <a:bodyPr/>
+          <a:lstStyle/>
+          <a:p>
+            <a:r>
+              <a:rPr lang="en-US" dirty="0"/>
+              <a:t>Docker Tools</a:t>
+            </a:r>
+          </a:p>
+        </p:txBody>
+      </p:sp>
+    </p:spTree>
+    <p:extLst>
+      <p:ext uri="{BB962C8B-B14F-4D97-AF65-F5344CB8AC3E}">
         <p14:creationId xmlns:p14="http://schemas.microsoft.com/office/powerpoint/2010/main" val="349724400"/>
       </p:ext>
     </p:extLst>
@@ -22269,7 +22369,7 @@
 </p:sld>
 </file>
 
-<file path=ppt/slides/slide44.xml><?xml version="1.0" encoding="utf-8"?>
+<file path=ppt/slides/slide45.xml><?xml version="1.0" encoding="utf-8"?>
 <p:sld xmlns:a="http://schemas.openxmlformats.org/drawingml/2006/main" xmlns:r="http://schemas.openxmlformats.org/officeDocument/2006/relationships" xmlns:p="http://schemas.openxmlformats.org/presentationml/2006/main">
   <p:cSld>
     <p:spTree>

--- a/00. Lecture/basics_and_beyond.pptx
+++ b/00. Lecture/basics_and_beyond.pptx
@@ -22,34 +22,42 @@
     <p:sldId id="685" r:id="rId16"/>
     <p:sldId id="836" r:id="rId17"/>
     <p:sldId id="879" r:id="rId18"/>
-    <p:sldId id="256" r:id="rId19"/>
-    <p:sldId id="257" r:id="rId20"/>
-    <p:sldId id="258" r:id="rId21"/>
-    <p:sldId id="259" r:id="rId22"/>
-    <p:sldId id="260" r:id="rId23"/>
-    <p:sldId id="261" r:id="rId24"/>
-    <p:sldId id="262" r:id="rId25"/>
-    <p:sldId id="869" r:id="rId26"/>
-    <p:sldId id="870" r:id="rId27"/>
-    <p:sldId id="871" r:id="rId28"/>
-    <p:sldId id="872" r:id="rId29"/>
-    <p:sldId id="873" r:id="rId30"/>
-    <p:sldId id="874" r:id="rId31"/>
-    <p:sldId id="865" r:id="rId32"/>
-    <p:sldId id="876" r:id="rId33"/>
-    <p:sldId id="263" r:id="rId34"/>
-    <p:sldId id="264" r:id="rId35"/>
-    <p:sldId id="509" r:id="rId36"/>
-    <p:sldId id="315" r:id="rId37"/>
-    <p:sldId id="387" r:id="rId38"/>
-    <p:sldId id="459" r:id="rId39"/>
-    <p:sldId id="501" r:id="rId40"/>
-    <p:sldId id="502" r:id="rId41"/>
-    <p:sldId id="503" r:id="rId42"/>
-    <p:sldId id="504" r:id="rId43"/>
-    <p:sldId id="505" r:id="rId44"/>
-    <p:sldId id="508" r:id="rId45"/>
-    <p:sldId id="877" r:id="rId46"/>
+    <p:sldId id="531" r:id="rId19"/>
+    <p:sldId id="711" r:id="rId20"/>
+    <p:sldId id="712" r:id="rId21"/>
+    <p:sldId id="280" r:id="rId22"/>
+    <p:sldId id="514" r:id="rId23"/>
+    <p:sldId id="713" r:id="rId24"/>
+    <p:sldId id="714" r:id="rId25"/>
+    <p:sldId id="715" r:id="rId26"/>
+    <p:sldId id="256" r:id="rId27"/>
+    <p:sldId id="257" r:id="rId28"/>
+    <p:sldId id="258" r:id="rId29"/>
+    <p:sldId id="259" r:id="rId30"/>
+    <p:sldId id="260" r:id="rId31"/>
+    <p:sldId id="261" r:id="rId32"/>
+    <p:sldId id="262" r:id="rId33"/>
+    <p:sldId id="869" r:id="rId34"/>
+    <p:sldId id="870" r:id="rId35"/>
+    <p:sldId id="871" r:id="rId36"/>
+    <p:sldId id="872" r:id="rId37"/>
+    <p:sldId id="873" r:id="rId38"/>
+    <p:sldId id="874" r:id="rId39"/>
+    <p:sldId id="865" r:id="rId40"/>
+    <p:sldId id="876" r:id="rId41"/>
+    <p:sldId id="263" r:id="rId42"/>
+    <p:sldId id="264" r:id="rId43"/>
+    <p:sldId id="509" r:id="rId44"/>
+    <p:sldId id="315" r:id="rId45"/>
+    <p:sldId id="387" r:id="rId46"/>
+    <p:sldId id="459" r:id="rId47"/>
+    <p:sldId id="501" r:id="rId48"/>
+    <p:sldId id="502" r:id="rId49"/>
+    <p:sldId id="503" r:id="rId50"/>
+    <p:sldId id="504" r:id="rId51"/>
+    <p:sldId id="505" r:id="rId52"/>
+    <p:sldId id="508" r:id="rId53"/>
+    <p:sldId id="877" r:id="rId54"/>
   </p:sldIdLst>
   <p:sldSz cx="12192000" cy="6858000"/>
   <p:notesSz cx="6858000" cy="9144000"/>
@@ -206,7 +214,7 @@
           <a:noFill/>
           <a:extLst>
             <a:ext uri="{909E8E84-426E-40dd-AFC4-6F175D3DCCD1}">
-              <a14:hiddenFill xmlns:a14="http://schemas.microsoft.com/office/drawing/2010/main" xmlns="">
+              <a14:hiddenFill xmlns="" xmlns:a14="http://schemas.microsoft.com/office/drawing/2010/main">
                 <a:solidFill>
                   <a:srgbClr val="FFFFFF"/>
                 </a:solidFill>
@@ -266,7 +274,7 @@
             </a:ln>
             <a:extLst>
               <a:ext uri="{91240B29-F687-4f45-9708-019B960494DF}">
-                <a14:hiddenLine xmlns:a14="http://schemas.microsoft.com/office/drawing/2010/main" xmlns="" w="9525">
+                <a14:hiddenLine xmlns="" xmlns:a14="http://schemas.microsoft.com/office/drawing/2010/main" w="9525">
                   <a:solidFill>
                     <a:srgbClr val="000000"/>
                   </a:solidFill>
@@ -356,7 +364,7 @@
             </a:ln>
             <a:extLst>
               <a:ext uri="{91240B29-F687-4f45-9708-019B960494DF}">
-                <a14:hiddenLine xmlns:a14="http://schemas.microsoft.com/office/drawing/2010/main" xmlns="" w="9525">
+                <a14:hiddenLine xmlns="" xmlns:a14="http://schemas.microsoft.com/office/drawing/2010/main" w="9525">
                   <a:solidFill>
                     <a:srgbClr val="000000"/>
                   </a:solidFill>
@@ -446,7 +454,7 @@
             </a:ln>
             <a:extLst>
               <a:ext uri="{91240B29-F687-4f45-9708-019B960494DF}">
-                <a14:hiddenLine xmlns:a14="http://schemas.microsoft.com/office/drawing/2010/main" xmlns="" w="9525">
+                <a14:hiddenLine xmlns="" xmlns:a14="http://schemas.microsoft.com/office/drawing/2010/main" w="9525">
                   <a:solidFill>
                     <a:srgbClr val="000000"/>
                   </a:solidFill>
@@ -480,7 +488,7 @@
             </a:ln>
             <a:extLst>
               <a:ext uri="{91240B29-F687-4f45-9708-019B960494DF}">
-                <a14:hiddenLine xmlns:a14="http://schemas.microsoft.com/office/drawing/2010/main" xmlns="" w="9525">
+                <a14:hiddenLine xmlns="" xmlns:a14="http://schemas.microsoft.com/office/drawing/2010/main" w="9525">
                   <a:solidFill>
                     <a:srgbClr val="000000"/>
                   </a:solidFill>
@@ -570,7 +578,7 @@
             </a:ln>
             <a:extLst>
               <a:ext uri="{91240B29-F687-4f45-9708-019B960494DF}">
-                <a14:hiddenLine xmlns:a14="http://schemas.microsoft.com/office/drawing/2010/main" xmlns="" w="9525">
+                <a14:hiddenLine xmlns="" xmlns:a14="http://schemas.microsoft.com/office/drawing/2010/main" w="9525">
                   <a:solidFill>
                     <a:srgbClr val="000000"/>
                   </a:solidFill>
@@ -632,7 +640,7 @@
             </a:ln>
             <a:extLst>
               <a:ext uri="{91240B29-F687-4f45-9708-019B960494DF}">
-                <a14:hiddenLine xmlns:a14="http://schemas.microsoft.com/office/drawing/2010/main" xmlns="" w="9525">
+                <a14:hiddenLine xmlns="" xmlns:a14="http://schemas.microsoft.com/office/drawing/2010/main" w="9525">
                   <a:solidFill>
                     <a:srgbClr val="000000"/>
                   </a:solidFill>
@@ -694,7 +702,7 @@
             </a:ln>
             <a:extLst>
               <a:ext uri="{91240B29-F687-4f45-9708-019B960494DF}">
-                <a14:hiddenLine xmlns:a14="http://schemas.microsoft.com/office/drawing/2010/main" xmlns="" w="9525">
+                <a14:hiddenLine xmlns="" xmlns:a14="http://schemas.microsoft.com/office/drawing/2010/main" w="9525">
                   <a:solidFill>
                     <a:srgbClr val="000000"/>
                   </a:solidFill>
@@ -784,7 +792,7 @@
             </a:ln>
             <a:extLst>
               <a:ext uri="{91240B29-F687-4f45-9708-019B960494DF}">
-                <a14:hiddenLine xmlns:a14="http://schemas.microsoft.com/office/drawing/2010/main" xmlns="" w="9525">
+                <a14:hiddenLine xmlns="" xmlns:a14="http://schemas.microsoft.com/office/drawing/2010/main" w="9525">
                   <a:solidFill>
                     <a:srgbClr val="000000"/>
                   </a:solidFill>
@@ -846,7 +854,7 @@
             </a:ln>
             <a:extLst>
               <a:ext uri="{91240B29-F687-4f45-9708-019B960494DF}">
-                <a14:hiddenLine xmlns:a14="http://schemas.microsoft.com/office/drawing/2010/main" xmlns="" w="9525">
+                <a14:hiddenLine xmlns="" xmlns:a14="http://schemas.microsoft.com/office/drawing/2010/main" w="9525">
                   <a:solidFill>
                     <a:srgbClr val="000000"/>
                   </a:solidFill>
@@ -908,7 +916,7 @@
             </a:ln>
             <a:extLst>
               <a:ext uri="{91240B29-F687-4f45-9708-019B960494DF}">
-                <a14:hiddenLine xmlns:a14="http://schemas.microsoft.com/office/drawing/2010/main" xmlns="" w="9525">
+                <a14:hiddenLine xmlns="" xmlns:a14="http://schemas.microsoft.com/office/drawing/2010/main" w="9525">
                   <a:solidFill>
                     <a:srgbClr val="000000"/>
                   </a:solidFill>
@@ -998,7 +1006,7 @@
             </a:ln>
             <a:extLst>
               <a:ext uri="{91240B29-F687-4f45-9708-019B960494DF}">
-                <a14:hiddenLine xmlns:a14="http://schemas.microsoft.com/office/drawing/2010/main" xmlns="" w="9525">
+                <a14:hiddenLine xmlns="" xmlns:a14="http://schemas.microsoft.com/office/drawing/2010/main" w="9525">
                   <a:solidFill>
                     <a:srgbClr val="000000"/>
                   </a:solidFill>
@@ -1088,7 +1096,7 @@
             </a:ln>
             <a:extLst>
               <a:ext uri="{91240B29-F687-4f45-9708-019B960494DF}">
-                <a14:hiddenLine xmlns:a14="http://schemas.microsoft.com/office/drawing/2010/main" xmlns="" w="9525">
+                <a14:hiddenLine xmlns="" xmlns:a14="http://schemas.microsoft.com/office/drawing/2010/main" w="9525">
                   <a:solidFill>
                     <a:srgbClr val="000000"/>
                   </a:solidFill>
@@ -1150,7 +1158,7 @@
             </a:ln>
             <a:extLst>
               <a:ext uri="{91240B29-F687-4f45-9708-019B960494DF}">
-                <a14:hiddenLine xmlns:a14="http://schemas.microsoft.com/office/drawing/2010/main" xmlns="" w="9525">
+                <a14:hiddenLine xmlns="" xmlns:a14="http://schemas.microsoft.com/office/drawing/2010/main" w="9525">
                   <a:solidFill>
                     <a:srgbClr val="000000"/>
                   </a:solidFill>
@@ -1260,7 +1268,7 @@
             </a:ln>
             <a:extLst>
               <a:ext uri="{91240B29-F687-4f45-9708-019B960494DF}">
-                <a14:hiddenLine xmlns:a14="http://schemas.microsoft.com/office/drawing/2010/main" xmlns="" w="9525">
+                <a14:hiddenLine xmlns="" xmlns:a14="http://schemas.microsoft.com/office/drawing/2010/main" w="9525">
                   <a:solidFill>
                     <a:srgbClr val="000000"/>
                   </a:solidFill>
@@ -1322,7 +1330,7 @@
             </a:ln>
             <a:extLst>
               <a:ext uri="{91240B29-F687-4f45-9708-019B960494DF}">
-                <a14:hiddenLine xmlns:a14="http://schemas.microsoft.com/office/drawing/2010/main" xmlns="" w="9525">
+                <a14:hiddenLine xmlns="" xmlns:a14="http://schemas.microsoft.com/office/drawing/2010/main" w="9525">
                   <a:solidFill>
                     <a:srgbClr val="000000"/>
                   </a:solidFill>
@@ -1412,7 +1420,7 @@
             </a:ln>
             <a:extLst>
               <a:ext uri="{91240B29-F687-4f45-9708-019B960494DF}">
-                <a14:hiddenLine xmlns:a14="http://schemas.microsoft.com/office/drawing/2010/main" xmlns="" w="9525">
+                <a14:hiddenLine xmlns="" xmlns:a14="http://schemas.microsoft.com/office/drawing/2010/main" w="9525">
                   <a:solidFill>
                     <a:srgbClr val="000000"/>
                   </a:solidFill>
@@ -1502,7 +1510,7 @@
             </a:ln>
             <a:extLst>
               <a:ext uri="{91240B29-F687-4f45-9708-019B960494DF}">
-                <a14:hiddenLine xmlns:a14="http://schemas.microsoft.com/office/drawing/2010/main" xmlns="" w="9525">
+                <a14:hiddenLine xmlns="" xmlns:a14="http://schemas.microsoft.com/office/drawing/2010/main" w="9525">
                   <a:solidFill>
                     <a:srgbClr val="000000"/>
                   </a:solidFill>
@@ -1564,7 +1572,7 @@
             </a:ln>
             <a:extLst>
               <a:ext uri="{91240B29-F687-4f45-9708-019B960494DF}">
-                <a14:hiddenLine xmlns:a14="http://schemas.microsoft.com/office/drawing/2010/main" xmlns="" w="9525">
+                <a14:hiddenLine xmlns="" xmlns:a14="http://schemas.microsoft.com/office/drawing/2010/main" w="9525">
                   <a:solidFill>
                     <a:srgbClr val="000000"/>
                   </a:solidFill>
@@ -1654,7 +1662,7 @@
             </a:ln>
             <a:extLst>
               <a:ext uri="{91240B29-F687-4f45-9708-019B960494DF}">
-                <a14:hiddenLine xmlns:a14="http://schemas.microsoft.com/office/drawing/2010/main" xmlns="" w="9525">
+                <a14:hiddenLine xmlns="" xmlns:a14="http://schemas.microsoft.com/office/drawing/2010/main" w="9525">
                   <a:solidFill>
                     <a:srgbClr val="000000"/>
                   </a:solidFill>
@@ -1744,7 +1752,7 @@
             </a:ln>
             <a:extLst>
               <a:ext uri="{91240B29-F687-4f45-9708-019B960494DF}">
-                <a14:hiddenLine xmlns:a14="http://schemas.microsoft.com/office/drawing/2010/main" xmlns="" w="9525">
+                <a14:hiddenLine xmlns="" xmlns:a14="http://schemas.microsoft.com/office/drawing/2010/main" w="9525">
                   <a:solidFill>
                     <a:srgbClr val="000000"/>
                   </a:solidFill>
@@ -1800,7 +1808,7 @@
             </a:ln>
             <a:extLst>
               <a:ext uri="{91240B29-F687-4f45-9708-019B960494DF}">
-                <a14:hiddenLine xmlns:a14="http://schemas.microsoft.com/office/drawing/2010/main" xmlns="" w="9525">
+                <a14:hiddenLine xmlns="" xmlns:a14="http://schemas.microsoft.com/office/drawing/2010/main" w="9525">
                   <a:solidFill>
                     <a:srgbClr val="000000"/>
                   </a:solidFill>
@@ -1890,7 +1898,7 @@
             </a:ln>
             <a:extLst>
               <a:ext uri="{91240B29-F687-4f45-9708-019B960494DF}">
-                <a14:hiddenLine xmlns:a14="http://schemas.microsoft.com/office/drawing/2010/main" xmlns="" w="9525">
+                <a14:hiddenLine xmlns="" xmlns:a14="http://schemas.microsoft.com/office/drawing/2010/main" w="9525">
                   <a:solidFill>
                     <a:srgbClr val="000000"/>
                   </a:solidFill>
@@ -1946,7 +1954,7 @@
             </a:ln>
             <a:extLst>
               <a:ext uri="{91240B29-F687-4f45-9708-019B960494DF}">
-                <a14:hiddenLine xmlns:a14="http://schemas.microsoft.com/office/drawing/2010/main" xmlns="" w="9525">
+                <a14:hiddenLine xmlns="" xmlns:a14="http://schemas.microsoft.com/office/drawing/2010/main" w="9525">
                   <a:solidFill>
                     <a:srgbClr val="000000"/>
                   </a:solidFill>
@@ -2036,7 +2044,7 @@
             </a:ln>
             <a:extLst>
               <a:ext uri="{91240B29-F687-4f45-9708-019B960494DF}">
-                <a14:hiddenLine xmlns:a14="http://schemas.microsoft.com/office/drawing/2010/main" xmlns="" w="9525">
+                <a14:hiddenLine xmlns="" xmlns:a14="http://schemas.microsoft.com/office/drawing/2010/main" w="9525">
                   <a:solidFill>
                     <a:srgbClr val="000000"/>
                   </a:solidFill>
@@ -2104,7 +2112,7 @@
             </a:ln>
             <a:extLst>
               <a:ext uri="{91240B29-F687-4f45-9708-019B960494DF}">
-                <a14:hiddenLine xmlns:a14="http://schemas.microsoft.com/office/drawing/2010/main" xmlns="" w="9525">
+                <a14:hiddenLine xmlns="" xmlns:a14="http://schemas.microsoft.com/office/drawing/2010/main" w="9525">
                   <a:solidFill>
                     <a:srgbClr val="000000"/>
                   </a:solidFill>
@@ -2194,7 +2202,7 @@
             </a:ln>
             <a:extLst>
               <a:ext uri="{91240B29-F687-4f45-9708-019B960494DF}">
-                <a14:hiddenLine xmlns:a14="http://schemas.microsoft.com/office/drawing/2010/main" xmlns="" w="9525">
+                <a14:hiddenLine xmlns="" xmlns:a14="http://schemas.microsoft.com/office/drawing/2010/main" w="9525">
                   <a:solidFill>
                     <a:srgbClr val="000000"/>
                   </a:solidFill>
@@ -2262,7 +2270,7 @@
             </a:ln>
             <a:extLst>
               <a:ext uri="{91240B29-F687-4f45-9708-019B960494DF}">
-                <a14:hiddenLine xmlns:a14="http://schemas.microsoft.com/office/drawing/2010/main" xmlns="" w="9525">
+                <a14:hiddenLine xmlns="" xmlns:a14="http://schemas.microsoft.com/office/drawing/2010/main" w="9525">
                   <a:solidFill>
                     <a:srgbClr val="000000"/>
                   </a:solidFill>
@@ -2352,7 +2360,7 @@
             </a:ln>
             <a:extLst>
               <a:ext uri="{91240B29-F687-4f45-9708-019B960494DF}">
-                <a14:hiddenLine xmlns:a14="http://schemas.microsoft.com/office/drawing/2010/main" xmlns="" w="9525">
+                <a14:hiddenLine xmlns="" xmlns:a14="http://schemas.microsoft.com/office/drawing/2010/main" w="9525">
                   <a:solidFill>
                     <a:srgbClr val="000000"/>
                   </a:solidFill>
@@ -2386,7 +2394,7 @@
             </a:ln>
             <a:extLst>
               <a:ext uri="{91240B29-F687-4f45-9708-019B960494DF}">
-                <a14:hiddenLine xmlns:a14="http://schemas.microsoft.com/office/drawing/2010/main" xmlns="" w="9525">
+                <a14:hiddenLine xmlns="" xmlns:a14="http://schemas.microsoft.com/office/drawing/2010/main" w="9525">
                   <a:solidFill>
                     <a:srgbClr val="000000"/>
                   </a:solidFill>
@@ -2476,7 +2484,7 @@
             </a:ln>
             <a:extLst>
               <a:ext uri="{91240B29-F687-4f45-9708-019B960494DF}">
-                <a14:hiddenLine xmlns:a14="http://schemas.microsoft.com/office/drawing/2010/main" xmlns="" w="9525">
+                <a14:hiddenLine xmlns="" xmlns:a14="http://schemas.microsoft.com/office/drawing/2010/main" w="9525">
                   <a:solidFill>
                     <a:srgbClr val="000000"/>
                   </a:solidFill>
@@ -2538,7 +2546,7 @@
             </a:ln>
             <a:extLst>
               <a:ext uri="{91240B29-F687-4f45-9708-019B960494DF}">
-                <a14:hiddenLine xmlns:a14="http://schemas.microsoft.com/office/drawing/2010/main" xmlns="" w="9525">
+                <a14:hiddenLine xmlns="" xmlns:a14="http://schemas.microsoft.com/office/drawing/2010/main" w="9525">
                   <a:solidFill>
                     <a:srgbClr val="000000"/>
                   </a:solidFill>
@@ -2600,7 +2608,7 @@
             </a:ln>
             <a:extLst>
               <a:ext uri="{91240B29-F687-4f45-9708-019B960494DF}">
-                <a14:hiddenLine xmlns:a14="http://schemas.microsoft.com/office/drawing/2010/main" xmlns="" w="9525">
+                <a14:hiddenLine xmlns="" xmlns:a14="http://schemas.microsoft.com/office/drawing/2010/main" w="9525">
                   <a:solidFill>
                     <a:srgbClr val="000000"/>
                   </a:solidFill>
@@ -2690,7 +2698,7 @@
             </a:ln>
             <a:extLst>
               <a:ext uri="{91240B29-F687-4f45-9708-019B960494DF}">
-                <a14:hiddenLine xmlns:a14="http://schemas.microsoft.com/office/drawing/2010/main" xmlns="" w="9525">
+                <a14:hiddenLine xmlns="" xmlns:a14="http://schemas.microsoft.com/office/drawing/2010/main" w="9525">
                   <a:solidFill>
                     <a:srgbClr val="000000"/>
                   </a:solidFill>
@@ -2758,7 +2766,7 @@
             </a:ln>
             <a:extLst>
               <a:ext uri="{91240B29-F687-4f45-9708-019B960494DF}">
-                <a14:hiddenLine xmlns:a14="http://schemas.microsoft.com/office/drawing/2010/main" xmlns="" w="9525">
+                <a14:hiddenLine xmlns="" xmlns:a14="http://schemas.microsoft.com/office/drawing/2010/main" w="9525">
                   <a:solidFill>
                     <a:srgbClr val="000000"/>
                   </a:solidFill>
@@ -2820,7 +2828,7 @@
             </a:ln>
             <a:extLst>
               <a:ext uri="{91240B29-F687-4f45-9708-019B960494DF}">
-                <a14:hiddenLine xmlns:a14="http://schemas.microsoft.com/office/drawing/2010/main" xmlns="" w="9525">
+                <a14:hiddenLine xmlns="" xmlns:a14="http://schemas.microsoft.com/office/drawing/2010/main" w="9525">
                   <a:solidFill>
                     <a:srgbClr val="000000"/>
                   </a:solidFill>
@@ -2910,7 +2918,7 @@
             </a:ln>
             <a:extLst>
               <a:ext uri="{91240B29-F687-4f45-9708-019B960494DF}">
-                <a14:hiddenLine xmlns:a14="http://schemas.microsoft.com/office/drawing/2010/main" xmlns="" w="9525">
+                <a14:hiddenLine xmlns="" xmlns:a14="http://schemas.microsoft.com/office/drawing/2010/main" w="9525">
                   <a:solidFill>
                     <a:srgbClr val="000000"/>
                   </a:solidFill>
@@ -2972,7 +2980,7 @@
             </a:ln>
             <a:extLst>
               <a:ext uri="{91240B29-F687-4f45-9708-019B960494DF}">
-                <a14:hiddenLine xmlns:a14="http://schemas.microsoft.com/office/drawing/2010/main" xmlns="" w="9525">
+                <a14:hiddenLine xmlns="" xmlns:a14="http://schemas.microsoft.com/office/drawing/2010/main" w="9525">
                   <a:solidFill>
                     <a:srgbClr val="000000"/>
                   </a:solidFill>
@@ -3062,7 +3070,7 @@
             </a:ln>
             <a:extLst>
               <a:ext uri="{91240B29-F687-4f45-9708-019B960494DF}">
-                <a14:hiddenLine xmlns:a14="http://schemas.microsoft.com/office/drawing/2010/main" xmlns="" w="9525">
+                <a14:hiddenLine xmlns="" xmlns:a14="http://schemas.microsoft.com/office/drawing/2010/main" w="9525">
                   <a:solidFill>
                     <a:srgbClr val="000000"/>
                   </a:solidFill>
@@ -3124,7 +3132,7 @@
             </a:ln>
             <a:extLst>
               <a:ext uri="{91240B29-F687-4f45-9708-019B960494DF}">
-                <a14:hiddenLine xmlns:a14="http://schemas.microsoft.com/office/drawing/2010/main" xmlns="" w="9525">
+                <a14:hiddenLine xmlns="" xmlns:a14="http://schemas.microsoft.com/office/drawing/2010/main" w="9525">
                   <a:solidFill>
                     <a:srgbClr val="000000"/>
                   </a:solidFill>
@@ -3214,7 +3222,7 @@
             </a:ln>
             <a:extLst>
               <a:ext uri="{91240B29-F687-4f45-9708-019B960494DF}">
-                <a14:hiddenLine xmlns:a14="http://schemas.microsoft.com/office/drawing/2010/main" xmlns="" w="9525">
+                <a14:hiddenLine xmlns="" xmlns:a14="http://schemas.microsoft.com/office/drawing/2010/main" w="9525">
                   <a:solidFill>
                     <a:srgbClr val="000000"/>
                   </a:solidFill>
@@ -3248,7 +3256,7 @@
             </a:ln>
             <a:extLst>
               <a:ext uri="{91240B29-F687-4f45-9708-019B960494DF}">
-                <a14:hiddenLine xmlns:a14="http://schemas.microsoft.com/office/drawing/2010/main" xmlns="" w="9525">
+                <a14:hiddenLine xmlns="" xmlns:a14="http://schemas.microsoft.com/office/drawing/2010/main" w="9525">
                   <a:solidFill>
                     <a:srgbClr val="000000"/>
                   </a:solidFill>
@@ -3313,7 +3321,7 @@
             </a:ln>
             <a:extLst>
               <a:ext uri="{91240B29-F687-4f45-9708-019B960494DF}">
-                <a14:hiddenLine xmlns:a14="http://schemas.microsoft.com/office/drawing/2010/main" xmlns="" w="9525">
+                <a14:hiddenLine xmlns="" xmlns:a14="http://schemas.microsoft.com/office/drawing/2010/main" w="9525">
                   <a:solidFill>
                     <a:srgbClr val="000000"/>
                   </a:solidFill>
@@ -3403,7 +3411,7 @@
             </a:ln>
             <a:extLst>
               <a:ext uri="{91240B29-F687-4f45-9708-019B960494DF}">
-                <a14:hiddenLine xmlns:a14="http://schemas.microsoft.com/office/drawing/2010/main" xmlns="" w="9525">
+                <a14:hiddenLine xmlns="" xmlns:a14="http://schemas.microsoft.com/office/drawing/2010/main" w="9525">
                   <a:solidFill>
                     <a:srgbClr val="000000"/>
                   </a:solidFill>
@@ -3465,7 +3473,7 @@
             </a:ln>
             <a:extLst>
               <a:ext uri="{91240B29-F687-4f45-9708-019B960494DF}">
-                <a14:hiddenLine xmlns:a14="http://schemas.microsoft.com/office/drawing/2010/main" xmlns="" w="9525">
+                <a14:hiddenLine xmlns="" xmlns:a14="http://schemas.microsoft.com/office/drawing/2010/main" w="9525">
                   <a:solidFill>
                     <a:srgbClr val="000000"/>
                   </a:solidFill>
@@ -3555,7 +3563,7 @@
             </a:ln>
             <a:extLst>
               <a:ext uri="{91240B29-F687-4f45-9708-019B960494DF}">
-                <a14:hiddenLine xmlns:a14="http://schemas.microsoft.com/office/drawing/2010/main" xmlns="" w="9525">
+                <a14:hiddenLine xmlns="" xmlns:a14="http://schemas.microsoft.com/office/drawing/2010/main" w="9525">
                   <a:solidFill>
                     <a:srgbClr val="000000"/>
                   </a:solidFill>
@@ -3645,7 +3653,7 @@
             </a:ln>
             <a:extLst>
               <a:ext uri="{91240B29-F687-4f45-9708-019B960494DF}">
-                <a14:hiddenLine xmlns:a14="http://schemas.microsoft.com/office/drawing/2010/main" xmlns="" w="9525">
+                <a14:hiddenLine xmlns="" xmlns:a14="http://schemas.microsoft.com/office/drawing/2010/main" w="9525">
                   <a:solidFill>
                     <a:srgbClr val="000000"/>
                   </a:solidFill>
@@ -3710,7 +3718,7 @@
             </a:ln>
             <a:extLst>
               <a:ext uri="{91240B29-F687-4f45-9708-019B960494DF}">
-                <a14:hiddenLine xmlns:a14="http://schemas.microsoft.com/office/drawing/2010/main" xmlns="" w="9525">
+                <a14:hiddenLine xmlns="" xmlns:a14="http://schemas.microsoft.com/office/drawing/2010/main" w="9525">
                   <a:solidFill>
                     <a:srgbClr val="000000"/>
                   </a:solidFill>
@@ -3772,7 +3780,7 @@
             </a:ln>
             <a:extLst>
               <a:ext uri="{91240B29-F687-4f45-9708-019B960494DF}">
-                <a14:hiddenLine xmlns:a14="http://schemas.microsoft.com/office/drawing/2010/main" xmlns="" w="9525">
+                <a14:hiddenLine xmlns="" xmlns:a14="http://schemas.microsoft.com/office/drawing/2010/main" w="9525">
                   <a:solidFill>
                     <a:srgbClr val="000000"/>
                   </a:solidFill>
@@ -3862,7 +3870,7 @@
             </a:ln>
             <a:extLst>
               <a:ext uri="{91240B29-F687-4f45-9708-019B960494DF}">
-                <a14:hiddenLine xmlns:a14="http://schemas.microsoft.com/office/drawing/2010/main" xmlns="" w="9525">
+                <a14:hiddenLine xmlns="" xmlns:a14="http://schemas.microsoft.com/office/drawing/2010/main" w="9525">
                   <a:solidFill>
                     <a:srgbClr val="000000"/>
                   </a:solidFill>
@@ -3952,7 +3960,7 @@
             </a:ln>
             <a:extLst>
               <a:ext uri="{91240B29-F687-4f45-9708-019B960494DF}">
-                <a14:hiddenLine xmlns:a14="http://schemas.microsoft.com/office/drawing/2010/main" xmlns="" w="9525">
+                <a14:hiddenLine xmlns="" xmlns:a14="http://schemas.microsoft.com/office/drawing/2010/main" w="9525">
                   <a:solidFill>
                     <a:srgbClr val="000000"/>
                   </a:solidFill>
@@ -4014,7 +4022,7 @@
             </a:ln>
             <a:extLst>
               <a:ext uri="{91240B29-F687-4f45-9708-019B960494DF}">
-                <a14:hiddenLine xmlns:a14="http://schemas.microsoft.com/office/drawing/2010/main" xmlns="" w="9525">
+                <a14:hiddenLine xmlns="" xmlns:a14="http://schemas.microsoft.com/office/drawing/2010/main" w="9525">
                   <a:solidFill>
                     <a:srgbClr val="000000"/>
                   </a:solidFill>
@@ -4134,7 +4142,7 @@
             </a:ln>
             <a:extLst>
               <a:ext uri="{91240B29-F687-4f45-9708-019B960494DF}">
-                <a14:hiddenLine xmlns:a14="http://schemas.microsoft.com/office/drawing/2010/main" xmlns="" w="9525">
+                <a14:hiddenLine xmlns="" xmlns:a14="http://schemas.microsoft.com/office/drawing/2010/main" w="9525">
                   <a:solidFill>
                     <a:srgbClr val="000000"/>
                   </a:solidFill>
@@ -4202,7 +4210,7 @@
             </a:ln>
             <a:extLst>
               <a:ext uri="{91240B29-F687-4f45-9708-019B960494DF}">
-                <a14:hiddenLine xmlns:a14="http://schemas.microsoft.com/office/drawing/2010/main" xmlns="" w="9525">
+                <a14:hiddenLine xmlns="" xmlns:a14="http://schemas.microsoft.com/office/drawing/2010/main" w="9525">
                   <a:solidFill>
                     <a:srgbClr val="000000"/>
                   </a:solidFill>
@@ -4292,7 +4300,7 @@
             </a:ln>
             <a:extLst>
               <a:ext uri="{91240B29-F687-4f45-9708-019B960494DF}">
-                <a14:hiddenLine xmlns:a14="http://schemas.microsoft.com/office/drawing/2010/main" xmlns="" w="9525">
+                <a14:hiddenLine xmlns="" xmlns:a14="http://schemas.microsoft.com/office/drawing/2010/main" w="9525">
                   <a:solidFill>
                     <a:srgbClr val="000000"/>
                   </a:solidFill>
@@ -4432,7 +4440,7 @@
           <a:p>
             <a:fld id="{8637FE78-371E-4905-91BC-AD0CC6760D84}" type="datetimeFigureOut">
               <a:rPr lang="en-US" smtClean="0"/>
-              <a:t>3/13/2023</a:t>
+              <a:t>3/15/2023</a:t>
             </a:fld>
             <a:endParaRPr lang="en-US"/>
           </a:p>
@@ -4699,7 +4707,7 @@
           <a:p>
             <a:fld id="{8637FE78-371E-4905-91BC-AD0CC6760D84}" type="datetimeFigureOut">
               <a:rPr lang="en-US" smtClean="0"/>
-              <a:t>3/13/2023</a:t>
+              <a:t>3/15/2023</a:t>
             </a:fld>
             <a:endParaRPr lang="en-US"/>
           </a:p>
@@ -4895,7 +4903,7 @@
           <a:p>
             <a:fld id="{8637FE78-371E-4905-91BC-AD0CC6760D84}" type="datetimeFigureOut">
               <a:rPr lang="en-US" smtClean="0"/>
-              <a:t>3/13/2023</a:t>
+              <a:t>3/15/2023</a:t>
             </a:fld>
             <a:endParaRPr lang="en-US"/>
           </a:p>
@@ -5158,7 +5166,7 @@
           <a:p>
             <a:fld id="{8637FE78-371E-4905-91BC-AD0CC6760D84}" type="datetimeFigureOut">
               <a:rPr lang="en-US" smtClean="0"/>
-              <a:t>3/13/2023</a:t>
+              <a:t>3/15/2023</a:t>
             </a:fld>
             <a:endParaRPr lang="en-US"/>
           </a:p>
@@ -5592,7 +5600,7 @@
           <a:p>
             <a:fld id="{8637FE78-371E-4905-91BC-AD0CC6760D84}" type="datetimeFigureOut">
               <a:rPr lang="en-US" smtClean="0"/>
-              <a:t>3/13/2023</a:t>
+              <a:t>3/15/2023</a:t>
             </a:fld>
             <a:endParaRPr lang="en-US"/>
           </a:p>
@@ -6138,7 +6146,7 @@
           <a:p>
             <a:fld id="{8637FE78-371E-4905-91BC-AD0CC6760D84}" type="datetimeFigureOut">
               <a:rPr lang="en-US" smtClean="0"/>
-              <a:t>3/13/2023</a:t>
+              <a:t>3/15/2023</a:t>
             </a:fld>
             <a:endParaRPr lang="en-US"/>
           </a:p>
@@ -6858,7 +6866,7 @@
           <a:p>
             <a:fld id="{8637FE78-371E-4905-91BC-AD0CC6760D84}" type="datetimeFigureOut">
               <a:rPr lang="en-US" smtClean="0"/>
-              <a:t>3/13/2023</a:t>
+              <a:t>3/15/2023</a:t>
             </a:fld>
             <a:endParaRPr lang="en-US"/>
           </a:p>
@@ -7028,7 +7036,7 @@
           <a:p>
             <a:fld id="{8637FE78-371E-4905-91BC-AD0CC6760D84}" type="datetimeFigureOut">
               <a:rPr lang="en-US" smtClean="0"/>
-              <a:t>3/13/2023</a:t>
+              <a:t>3/15/2023</a:t>
             </a:fld>
             <a:endParaRPr lang="en-US"/>
           </a:p>
@@ -7208,7 +7216,7 @@
           <a:p>
             <a:fld id="{8637FE78-371E-4905-91BC-AD0CC6760D84}" type="datetimeFigureOut">
               <a:rPr lang="en-US" smtClean="0"/>
-              <a:t>3/13/2023</a:t>
+              <a:t>3/15/2023</a:t>
             </a:fld>
             <a:endParaRPr lang="en-US"/>
           </a:p>
@@ -7378,7 +7386,7 @@
           <a:p>
             <a:fld id="{8637FE78-371E-4905-91BC-AD0CC6760D84}" type="datetimeFigureOut">
               <a:rPr lang="en-US" smtClean="0"/>
-              <a:t>3/13/2023</a:t>
+              <a:t>3/15/2023</a:t>
             </a:fld>
             <a:endParaRPr lang="en-US"/>
           </a:p>
@@ -7628,7 +7636,7 @@
           <a:p>
             <a:fld id="{8637FE78-371E-4905-91BC-AD0CC6760D84}" type="datetimeFigureOut">
               <a:rPr lang="en-US" smtClean="0"/>
-              <a:t>3/13/2023</a:t>
+              <a:t>3/15/2023</a:t>
             </a:fld>
             <a:endParaRPr lang="en-US"/>
           </a:p>
@@ -7860,7 +7868,7 @@
           <a:p>
             <a:fld id="{8637FE78-371E-4905-91BC-AD0CC6760D84}" type="datetimeFigureOut">
               <a:rPr lang="en-US" smtClean="0"/>
-              <a:t>3/13/2023</a:t>
+              <a:t>3/15/2023</a:t>
             </a:fld>
             <a:endParaRPr lang="en-US"/>
           </a:p>
@@ -8241,7 +8249,7 @@
           <a:p>
             <a:fld id="{8637FE78-371E-4905-91BC-AD0CC6760D84}" type="datetimeFigureOut">
               <a:rPr lang="en-US" smtClean="0"/>
-              <a:t>3/13/2023</a:t>
+              <a:t>3/15/2023</a:t>
             </a:fld>
             <a:endParaRPr lang="en-US"/>
           </a:p>
@@ -8359,7 +8367,7 @@
           <a:p>
             <a:fld id="{8637FE78-371E-4905-91BC-AD0CC6760D84}" type="datetimeFigureOut">
               <a:rPr lang="en-US" smtClean="0"/>
-              <a:t>3/13/2023</a:t>
+              <a:t>3/15/2023</a:t>
             </a:fld>
             <a:endParaRPr lang="en-US"/>
           </a:p>
@@ -8454,7 +8462,7 @@
           <a:p>
             <a:fld id="{8637FE78-371E-4905-91BC-AD0CC6760D84}" type="datetimeFigureOut">
               <a:rPr lang="en-US" smtClean="0"/>
-              <a:t>3/13/2023</a:t>
+              <a:t>3/15/2023</a:t>
             </a:fld>
             <a:endParaRPr lang="en-US"/>
           </a:p>
@@ -8703,7 +8711,7 @@
           <a:p>
             <a:fld id="{8637FE78-371E-4905-91BC-AD0CC6760D84}" type="datetimeFigureOut">
               <a:rPr lang="en-US" smtClean="0"/>
-              <a:t>3/13/2023</a:t>
+              <a:t>3/15/2023</a:t>
             </a:fld>
             <a:endParaRPr lang="en-US"/>
           </a:p>
@@ -8983,7 +8991,7 @@
           <a:p>
             <a:fld id="{8637FE78-371E-4905-91BC-AD0CC6760D84}" type="datetimeFigureOut">
               <a:rPr lang="en-US" smtClean="0"/>
-              <a:t>3/13/2023</a:t>
+              <a:t>3/15/2023</a:t>
             </a:fld>
             <a:endParaRPr lang="en-US"/>
           </a:p>
@@ -9099,7 +9107,7 @@
           <a:noFill/>
           <a:extLst>
             <a:ext uri="{909E8E84-426E-40dd-AFC4-6F175D3DCCD1}">
-              <a14:hiddenFill xmlns:a14="http://schemas.microsoft.com/office/drawing/2010/main" xmlns="">
+              <a14:hiddenFill xmlns="" xmlns:a14="http://schemas.microsoft.com/office/drawing/2010/main">
                 <a:solidFill>
                   <a:srgbClr val="FFFFFF"/>
                 </a:solidFill>
@@ -9173,7 +9181,7 @@
               </a:ln>
               <a:extLst>
                 <a:ext uri="{91240B29-F687-4f45-9708-019B960494DF}">
-                  <a14:hiddenLine xmlns:a14="http://schemas.microsoft.com/office/drawing/2010/main" xmlns="" w="9525">
+                  <a14:hiddenLine xmlns="" xmlns:a14="http://schemas.microsoft.com/office/drawing/2010/main" w="9525">
                     <a:solidFill>
                       <a:srgbClr val="000000"/>
                     </a:solidFill>
@@ -9263,7 +9271,7 @@
               </a:ln>
               <a:extLst>
                 <a:ext uri="{91240B29-F687-4f45-9708-019B960494DF}">
-                  <a14:hiddenLine xmlns:a14="http://schemas.microsoft.com/office/drawing/2010/main" xmlns="" w="9525">
+                  <a14:hiddenLine xmlns="" xmlns:a14="http://schemas.microsoft.com/office/drawing/2010/main" w="9525">
                     <a:solidFill>
                       <a:srgbClr val="000000"/>
                     </a:solidFill>
@@ -9353,7 +9361,7 @@
               </a:ln>
               <a:extLst>
                 <a:ext uri="{91240B29-F687-4f45-9708-019B960494DF}">
-                  <a14:hiddenLine xmlns:a14="http://schemas.microsoft.com/office/drawing/2010/main" xmlns="" w="9525">
+                  <a14:hiddenLine xmlns="" xmlns:a14="http://schemas.microsoft.com/office/drawing/2010/main" w="9525">
                     <a:solidFill>
                       <a:srgbClr val="000000"/>
                     </a:solidFill>
@@ -9415,7 +9423,7 @@
               </a:ln>
               <a:extLst>
                 <a:ext uri="{91240B29-F687-4f45-9708-019B960494DF}">
-                  <a14:hiddenLine xmlns:a14="http://schemas.microsoft.com/office/drawing/2010/main" xmlns="" w="9525">
+                  <a14:hiddenLine xmlns="" xmlns:a14="http://schemas.microsoft.com/office/drawing/2010/main" w="9525">
                     <a:solidFill>
                       <a:srgbClr val="000000"/>
                     </a:solidFill>
@@ -9505,7 +9513,7 @@
               </a:ln>
               <a:extLst>
                 <a:ext uri="{91240B29-F687-4f45-9708-019B960494DF}">
-                  <a14:hiddenLine xmlns:a14="http://schemas.microsoft.com/office/drawing/2010/main" xmlns="" w="9525">
+                  <a14:hiddenLine xmlns="" xmlns:a14="http://schemas.microsoft.com/office/drawing/2010/main" w="9525">
                     <a:solidFill>
                       <a:srgbClr val="000000"/>
                     </a:solidFill>
@@ -9567,7 +9575,7 @@
               </a:ln>
               <a:extLst>
                 <a:ext uri="{91240B29-F687-4f45-9708-019B960494DF}">
-                  <a14:hiddenLine xmlns:a14="http://schemas.microsoft.com/office/drawing/2010/main" xmlns="" w="9525">
+                  <a14:hiddenLine xmlns="" xmlns:a14="http://schemas.microsoft.com/office/drawing/2010/main" w="9525">
                     <a:solidFill>
                       <a:srgbClr val="000000"/>
                     </a:solidFill>
@@ -9629,7 +9637,7 @@
               </a:ln>
               <a:extLst>
                 <a:ext uri="{91240B29-F687-4f45-9708-019B960494DF}">
-                  <a14:hiddenLine xmlns:a14="http://schemas.microsoft.com/office/drawing/2010/main" xmlns="" w="9525">
+                  <a14:hiddenLine xmlns="" xmlns:a14="http://schemas.microsoft.com/office/drawing/2010/main" w="9525">
                     <a:solidFill>
                       <a:srgbClr val="000000"/>
                     </a:solidFill>
@@ -9719,7 +9727,7 @@
               </a:ln>
               <a:extLst>
                 <a:ext uri="{91240B29-F687-4f45-9708-019B960494DF}">
-                  <a14:hiddenLine xmlns:a14="http://schemas.microsoft.com/office/drawing/2010/main" xmlns="" w="9525">
+                  <a14:hiddenLine xmlns="" xmlns:a14="http://schemas.microsoft.com/office/drawing/2010/main" w="9525">
                     <a:solidFill>
                       <a:srgbClr val="000000"/>
                     </a:solidFill>
@@ -9809,7 +9817,7 @@
               </a:ln>
               <a:extLst>
                 <a:ext uri="{91240B29-F687-4f45-9708-019B960494DF}">
-                  <a14:hiddenLine xmlns:a14="http://schemas.microsoft.com/office/drawing/2010/main" xmlns="" w="9525">
+                  <a14:hiddenLine xmlns="" xmlns:a14="http://schemas.microsoft.com/office/drawing/2010/main" w="9525">
                     <a:solidFill>
                       <a:srgbClr val="000000"/>
                     </a:solidFill>
@@ -9871,7 +9879,7 @@
               </a:ln>
               <a:extLst>
                 <a:ext uri="{91240B29-F687-4f45-9708-019B960494DF}">
-                  <a14:hiddenLine xmlns:a14="http://schemas.microsoft.com/office/drawing/2010/main" xmlns="" w="9525">
+                  <a14:hiddenLine xmlns="" xmlns:a14="http://schemas.microsoft.com/office/drawing/2010/main" w="9525">
                     <a:solidFill>
                       <a:srgbClr val="000000"/>
                     </a:solidFill>
@@ -9981,7 +9989,7 @@
               </a:ln>
               <a:extLst>
                 <a:ext uri="{91240B29-F687-4f45-9708-019B960494DF}">
-                  <a14:hiddenLine xmlns:a14="http://schemas.microsoft.com/office/drawing/2010/main" xmlns="" w="9525">
+                  <a14:hiddenLine xmlns="" xmlns:a14="http://schemas.microsoft.com/office/drawing/2010/main" w="9525">
                     <a:solidFill>
                       <a:srgbClr val="000000"/>
                     </a:solidFill>
@@ -10065,7 +10073,7 @@
               </a:ln>
               <a:extLst>
                 <a:ext uri="{91240B29-F687-4f45-9708-019B960494DF}">
-                  <a14:hiddenLine xmlns:a14="http://schemas.microsoft.com/office/drawing/2010/main" xmlns="" w="9525">
+                  <a14:hiddenLine xmlns="" xmlns:a14="http://schemas.microsoft.com/office/drawing/2010/main" w="9525">
                     <a:solidFill>
                       <a:srgbClr val="000000"/>
                     </a:solidFill>
@@ -10127,7 +10135,7 @@
               </a:ln>
               <a:extLst>
                 <a:ext uri="{91240B29-F687-4f45-9708-019B960494DF}">
-                  <a14:hiddenLine xmlns:a14="http://schemas.microsoft.com/office/drawing/2010/main" xmlns="" w="9525">
+                  <a14:hiddenLine xmlns="" xmlns:a14="http://schemas.microsoft.com/office/drawing/2010/main" w="9525">
                     <a:solidFill>
                       <a:srgbClr val="000000"/>
                     </a:solidFill>
@@ -10189,7 +10197,7 @@
               </a:ln>
               <a:extLst>
                 <a:ext uri="{91240B29-F687-4f45-9708-019B960494DF}">
-                  <a14:hiddenLine xmlns:a14="http://schemas.microsoft.com/office/drawing/2010/main" xmlns="" w="9525">
+                  <a14:hiddenLine xmlns="" xmlns:a14="http://schemas.microsoft.com/office/drawing/2010/main" w="9525">
                     <a:solidFill>
                       <a:srgbClr val="000000"/>
                     </a:solidFill>
@@ -10279,7 +10287,7 @@
               </a:ln>
               <a:extLst>
                 <a:ext uri="{91240B29-F687-4f45-9708-019B960494DF}">
-                  <a14:hiddenLine xmlns:a14="http://schemas.microsoft.com/office/drawing/2010/main" xmlns="" w="9525">
+                  <a14:hiddenLine xmlns="" xmlns:a14="http://schemas.microsoft.com/office/drawing/2010/main" w="9525">
                     <a:solidFill>
                       <a:srgbClr val="000000"/>
                     </a:solidFill>
@@ -10313,7 +10321,7 @@
               </a:ln>
               <a:extLst>
                 <a:ext uri="{91240B29-F687-4f45-9708-019B960494DF}">
-                  <a14:hiddenLine xmlns:a14="http://schemas.microsoft.com/office/drawing/2010/main" xmlns="" w="9525">
+                  <a14:hiddenLine xmlns="" xmlns:a14="http://schemas.microsoft.com/office/drawing/2010/main" w="9525">
                     <a:solidFill>
                       <a:srgbClr val="000000"/>
                     </a:solidFill>
@@ -10378,7 +10386,7 @@
               </a:ln>
               <a:extLst>
                 <a:ext uri="{91240B29-F687-4f45-9708-019B960494DF}">
-                  <a14:hiddenLine xmlns:a14="http://schemas.microsoft.com/office/drawing/2010/main" xmlns="" w="9525">
+                  <a14:hiddenLine xmlns="" xmlns:a14="http://schemas.microsoft.com/office/drawing/2010/main" w="9525">
                     <a:solidFill>
                       <a:srgbClr val="000000"/>
                     </a:solidFill>
@@ -10468,7 +10476,7 @@
               </a:ln>
               <a:extLst>
                 <a:ext uri="{91240B29-F687-4f45-9708-019B960494DF}">
-                  <a14:hiddenLine xmlns:a14="http://schemas.microsoft.com/office/drawing/2010/main" xmlns="" w="9525">
+                  <a14:hiddenLine xmlns="" xmlns:a14="http://schemas.microsoft.com/office/drawing/2010/main" w="9525">
                     <a:solidFill>
                       <a:srgbClr val="000000"/>
                     </a:solidFill>
@@ -10530,7 +10538,7 @@
               </a:ln>
               <a:extLst>
                 <a:ext uri="{91240B29-F687-4f45-9708-019B960494DF}">
-                  <a14:hiddenLine xmlns:a14="http://schemas.microsoft.com/office/drawing/2010/main" xmlns="" w="9525">
+                  <a14:hiddenLine xmlns="" xmlns:a14="http://schemas.microsoft.com/office/drawing/2010/main" w="9525">
                     <a:solidFill>
                       <a:srgbClr val="000000"/>
                     </a:solidFill>
@@ -10620,7 +10628,7 @@
               </a:ln>
               <a:extLst>
                 <a:ext uri="{91240B29-F687-4f45-9708-019B960494DF}">
-                  <a14:hiddenLine xmlns:a14="http://schemas.microsoft.com/office/drawing/2010/main" xmlns="" w="9525">
+                  <a14:hiddenLine xmlns="" xmlns:a14="http://schemas.microsoft.com/office/drawing/2010/main" w="9525">
                     <a:solidFill>
                       <a:srgbClr val="000000"/>
                     </a:solidFill>
@@ -10685,7 +10693,7 @@
               </a:ln>
               <a:extLst>
                 <a:ext uri="{91240B29-F687-4f45-9708-019B960494DF}">
-                  <a14:hiddenLine xmlns:a14="http://schemas.microsoft.com/office/drawing/2010/main" xmlns="" w="9525">
+                  <a14:hiddenLine xmlns="" xmlns:a14="http://schemas.microsoft.com/office/drawing/2010/main" w="9525">
                     <a:solidFill>
                       <a:srgbClr val="000000"/>
                     </a:solidFill>
@@ -10747,7 +10755,7 @@
               </a:ln>
               <a:extLst>
                 <a:ext uri="{91240B29-F687-4f45-9708-019B960494DF}">
-                  <a14:hiddenLine xmlns:a14="http://schemas.microsoft.com/office/drawing/2010/main" xmlns="" w="9525">
+                  <a14:hiddenLine xmlns="" xmlns:a14="http://schemas.microsoft.com/office/drawing/2010/main" w="9525">
                     <a:solidFill>
                       <a:srgbClr val="000000"/>
                     </a:solidFill>
@@ -10837,7 +10845,7 @@
               </a:ln>
               <a:extLst>
                 <a:ext uri="{91240B29-F687-4f45-9708-019B960494DF}">
-                  <a14:hiddenLine xmlns:a14="http://schemas.microsoft.com/office/drawing/2010/main" xmlns="" w="9525">
+                  <a14:hiddenLine xmlns="" xmlns:a14="http://schemas.microsoft.com/office/drawing/2010/main" w="9525">
                     <a:solidFill>
                       <a:srgbClr val="000000"/>
                     </a:solidFill>
@@ -10927,7 +10935,7 @@
               </a:ln>
               <a:extLst>
                 <a:ext uri="{91240B29-F687-4f45-9708-019B960494DF}">
-                  <a14:hiddenLine xmlns:a14="http://schemas.microsoft.com/office/drawing/2010/main" xmlns="" w="9525">
+                  <a14:hiddenLine xmlns="" xmlns:a14="http://schemas.microsoft.com/office/drawing/2010/main" w="9525">
                     <a:solidFill>
                       <a:srgbClr val="000000"/>
                     </a:solidFill>
@@ -10992,7 +11000,7 @@
               </a:ln>
               <a:extLst>
                 <a:ext uri="{91240B29-F687-4f45-9708-019B960494DF}">
-                  <a14:hiddenLine xmlns:a14="http://schemas.microsoft.com/office/drawing/2010/main" xmlns="" w="9525">
+                  <a14:hiddenLine xmlns="" xmlns:a14="http://schemas.microsoft.com/office/drawing/2010/main" w="9525">
                     <a:solidFill>
                       <a:srgbClr val="000000"/>
                     </a:solidFill>
@@ -11112,7 +11120,7 @@
               </a:ln>
               <a:extLst>
                 <a:ext uri="{91240B29-F687-4f45-9708-019B960494DF}">
-                  <a14:hiddenLine xmlns:a14="http://schemas.microsoft.com/office/drawing/2010/main" xmlns="" w="9525">
+                  <a14:hiddenLine xmlns="" xmlns:a14="http://schemas.microsoft.com/office/drawing/2010/main" w="9525">
                     <a:solidFill>
                       <a:srgbClr val="000000"/>
                     </a:solidFill>
@@ -11210,7 +11218,7 @@
               </a:ln>
               <a:extLst>
                 <a:ext uri="{91240B29-F687-4f45-9708-019B960494DF}">
-                  <a14:hiddenLine xmlns:a14="http://schemas.microsoft.com/office/drawing/2010/main" xmlns="" w="9525">
+                  <a14:hiddenLine xmlns="" xmlns:a14="http://schemas.microsoft.com/office/drawing/2010/main" w="9525">
                     <a:solidFill>
                       <a:srgbClr val="000000"/>
                     </a:solidFill>
@@ -11325,7 +11333,7 @@
               </a:ln>
               <a:extLst>
                 <a:ext uri="{91240B29-F687-4f45-9708-019B960494DF}">
-                  <a14:hiddenLine xmlns:a14="http://schemas.microsoft.com/office/drawing/2010/main" xmlns="" w="9525">
+                  <a14:hiddenLine xmlns="" xmlns:a14="http://schemas.microsoft.com/office/drawing/2010/main" w="9525">
                     <a:solidFill>
                       <a:srgbClr val="000000"/>
                     </a:solidFill>
@@ -11415,7 +11423,7 @@
               </a:ln>
               <a:extLst>
                 <a:ext uri="{91240B29-F687-4f45-9708-019B960494DF}">
-                  <a14:hiddenLine xmlns:a14="http://schemas.microsoft.com/office/drawing/2010/main" xmlns="" w="9525">
+                  <a14:hiddenLine xmlns="" xmlns:a14="http://schemas.microsoft.com/office/drawing/2010/main" w="9525">
                     <a:solidFill>
                       <a:srgbClr val="000000"/>
                     </a:solidFill>
@@ -11480,7 +11488,7 @@
               </a:ln>
               <a:extLst>
                 <a:ext uri="{91240B29-F687-4f45-9708-019B960494DF}">
-                  <a14:hiddenLine xmlns:a14="http://schemas.microsoft.com/office/drawing/2010/main" xmlns="" w="9525">
+                  <a14:hiddenLine xmlns="" xmlns:a14="http://schemas.microsoft.com/office/drawing/2010/main" w="9525">
                     <a:solidFill>
                       <a:srgbClr val="000000"/>
                     </a:solidFill>
@@ -11570,7 +11578,7 @@
               </a:ln>
               <a:extLst>
                 <a:ext uri="{91240B29-F687-4f45-9708-019B960494DF}">
-                  <a14:hiddenLine xmlns:a14="http://schemas.microsoft.com/office/drawing/2010/main" xmlns="" w="9525">
+                  <a14:hiddenLine xmlns="" xmlns:a14="http://schemas.microsoft.com/office/drawing/2010/main" w="9525">
                     <a:solidFill>
                       <a:srgbClr val="000000"/>
                     </a:solidFill>
@@ -11638,7 +11646,7 @@
               </a:ln>
               <a:extLst>
                 <a:ext uri="{91240B29-F687-4f45-9708-019B960494DF}">
-                  <a14:hiddenLine xmlns:a14="http://schemas.microsoft.com/office/drawing/2010/main" xmlns="" w="9525">
+                  <a14:hiddenLine xmlns="" xmlns:a14="http://schemas.microsoft.com/office/drawing/2010/main" w="9525">
                     <a:solidFill>
                       <a:srgbClr val="000000"/>
                     </a:solidFill>
@@ -11728,7 +11736,7 @@
               </a:ln>
               <a:extLst>
                 <a:ext uri="{91240B29-F687-4f45-9708-019B960494DF}">
-                  <a14:hiddenLine xmlns:a14="http://schemas.microsoft.com/office/drawing/2010/main" xmlns="" w="9525">
+                  <a14:hiddenLine xmlns="" xmlns:a14="http://schemas.microsoft.com/office/drawing/2010/main" w="9525">
                     <a:solidFill>
                       <a:srgbClr val="000000"/>
                     </a:solidFill>
@@ -11796,7 +11804,7 @@
               </a:ln>
               <a:extLst>
                 <a:ext uri="{91240B29-F687-4f45-9708-019B960494DF}">
-                  <a14:hiddenLine xmlns:a14="http://schemas.microsoft.com/office/drawing/2010/main" xmlns="" w="9525">
+                  <a14:hiddenLine xmlns="" xmlns:a14="http://schemas.microsoft.com/office/drawing/2010/main" w="9525">
                     <a:solidFill>
                       <a:srgbClr val="000000"/>
                     </a:solidFill>
@@ -11886,7 +11894,7 @@
               </a:ln>
               <a:extLst>
                 <a:ext uri="{91240B29-F687-4f45-9708-019B960494DF}">
-                  <a14:hiddenLine xmlns:a14="http://schemas.microsoft.com/office/drawing/2010/main" xmlns="" w="9525">
+                  <a14:hiddenLine xmlns="" xmlns:a14="http://schemas.microsoft.com/office/drawing/2010/main" w="9525">
                     <a:solidFill>
                       <a:srgbClr val="000000"/>
                     </a:solidFill>
@@ -11920,7 +11928,7 @@
               </a:ln>
               <a:extLst>
                 <a:ext uri="{91240B29-F687-4f45-9708-019B960494DF}">
-                  <a14:hiddenLine xmlns:a14="http://schemas.microsoft.com/office/drawing/2010/main" xmlns="" w="9525">
+                  <a14:hiddenLine xmlns="" xmlns:a14="http://schemas.microsoft.com/office/drawing/2010/main" w="9525">
                     <a:solidFill>
                       <a:srgbClr val="000000"/>
                     </a:solidFill>
@@ -12060,7 +12068,7 @@
           <a:p>
             <a:fld id="{8637FE78-371E-4905-91BC-AD0CC6760D84}" type="datetimeFigureOut">
               <a:rPr lang="en-US" smtClean="0"/>
-              <a:t>3/13/2023</a:t>
+              <a:t>3/15/2023</a:t>
             </a:fld>
             <a:endParaRPr lang="en-US"/>
           </a:p>
@@ -14124,6 +14132,2040 @@
       </p:grpSpPr>
       <p:sp>
         <p:nvSpPr>
+          <p:cNvPr id="7" name="Slide Number Placeholder 3"/>
+          <p:cNvSpPr>
+            <a:spLocks noGrp="1"/>
+          </p:cNvSpPr>
+          <p:nvPr>
+            <p:ph type="sldNum" sz="quarter" idx="4294967295"/>
+          </p:nvPr>
+        </p:nvSpPr>
+        <p:spPr>
+          <a:xfrm>
+            <a:off x="11568000" y="6525003"/>
+            <a:ext cx="428822" cy="196477"/>
+          </a:xfrm>
+          <a:prstGeom prst="rect">
+            <a:avLst/>
+          </a:prstGeom>
+        </p:spPr>
+        <p:txBody>
+          <a:bodyPr/>
+          <a:lstStyle/>
+          <a:p>
+            <a:pPr>
+              <a:defRPr/>
+            </a:pPr>
+            <a:fld id="{58452FF4-89E3-4D1B-9927-2DBDC00E58D7}" type="slidenum">
+              <a:rPr lang="en-US" smtClean="0"/>
+              <a:pPr>
+                <a:defRPr/>
+              </a:pPr>
+              <a:t>18</a:t>
+            </a:fld>
+            <a:endParaRPr lang="en-US" dirty="0"/>
+          </a:p>
+        </p:txBody>
+      </p:sp>
+      <p:sp>
+        <p:nvSpPr>
+          <p:cNvPr id="5" name="Content Placeholder 4"/>
+          <p:cNvSpPr>
+            <a:spLocks noGrp="1"/>
+          </p:cNvSpPr>
+          <p:nvPr>
+            <p:ph idx="1"/>
+          </p:nvPr>
+        </p:nvSpPr>
+        <p:spPr>
+          <a:xfrm>
+            <a:off x="1141413" y="1712549"/>
+            <a:ext cx="11696797" cy="5458202"/>
+          </a:xfrm>
+        </p:spPr>
+        <p:txBody>
+          <a:bodyPr>
+            <a:normAutofit/>
+          </a:bodyPr>
+          <a:lstStyle/>
+          <a:p>
+            <a:pPr>
+              <a:lnSpc>
+                <a:spcPct val="100000"/>
+              </a:lnSpc>
+            </a:pPr>
+            <a:r>
+              <a:rPr lang="en-US" dirty="0"/>
+              <a:t>Structured solution to address all common software attributes:</a:t>
+            </a:r>
+          </a:p>
+          <a:p>
+            <a:pPr lvl="1">
+              <a:lnSpc>
+                <a:spcPct val="100000"/>
+              </a:lnSpc>
+            </a:pPr>
+            <a:r>
+              <a:rPr lang="en-US" dirty="0"/>
+              <a:t>Meets all the requirements</a:t>
+            </a:r>
+          </a:p>
+          <a:p>
+            <a:pPr lvl="1">
+              <a:lnSpc>
+                <a:spcPct val="100000"/>
+              </a:lnSpc>
+            </a:pPr>
+            <a:r>
+              <a:rPr lang="en-US" dirty="0"/>
+              <a:t>Performance optimized</a:t>
+            </a:r>
+          </a:p>
+          <a:p>
+            <a:pPr lvl="1">
+              <a:lnSpc>
+                <a:spcPct val="100000"/>
+              </a:lnSpc>
+            </a:pPr>
+            <a:r>
+              <a:rPr lang="en-US" dirty="0"/>
+              <a:t>Security in check</a:t>
+            </a:r>
+          </a:p>
+          <a:p>
+            <a:pPr lvl="1">
+              <a:lnSpc>
+                <a:spcPct val="100000"/>
+              </a:lnSpc>
+            </a:pPr>
+            <a:r>
+              <a:rPr lang="en-US" dirty="0"/>
+              <a:t>Manageability for developers</a:t>
+            </a:r>
+          </a:p>
+          <a:p>
+            <a:pPr lvl="1">
+              <a:lnSpc>
+                <a:spcPct val="100000"/>
+              </a:lnSpc>
+            </a:pPr>
+            <a:r>
+              <a:rPr lang="en-US" dirty="0"/>
+              <a:t>Scalability for business growth</a:t>
+            </a:r>
+          </a:p>
+          <a:p>
+            <a:pPr lvl="1">
+              <a:lnSpc>
+                <a:spcPct val="100000"/>
+              </a:lnSpc>
+            </a:pPr>
+            <a:r>
+              <a:rPr lang="en-US" dirty="0"/>
+              <a:t>Accessibility for easier user experience</a:t>
+            </a:r>
+          </a:p>
+          <a:p>
+            <a:pPr>
+              <a:lnSpc>
+                <a:spcPct val="100000"/>
+              </a:lnSpc>
+            </a:pPr>
+            <a:r>
+              <a:rPr lang="en-US" dirty="0"/>
+              <a:t>Major requirements:</a:t>
+            </a:r>
+          </a:p>
+          <a:p>
+            <a:pPr lvl="1">
+              <a:lnSpc>
+                <a:spcPct val="100000"/>
+              </a:lnSpc>
+            </a:pPr>
+            <a:r>
+              <a:rPr lang="en-US" dirty="0"/>
+              <a:t>User requirements – the way end-users interact with the system</a:t>
+            </a:r>
+          </a:p>
+          <a:p>
+            <a:pPr lvl="1">
+              <a:lnSpc>
+                <a:spcPct val="100000"/>
+              </a:lnSpc>
+            </a:pPr>
+            <a:r>
+              <a:rPr lang="en-US" dirty="0"/>
+              <a:t>Business requirements – cheaper, faster, better than competitors</a:t>
+            </a:r>
+          </a:p>
+          <a:p>
+            <a:pPr lvl="1">
+              <a:lnSpc>
+                <a:spcPct val="100000"/>
+              </a:lnSpc>
+            </a:pPr>
+            <a:r>
+              <a:rPr lang="en-US" dirty="0"/>
+              <a:t>IT system requirements – infrastructure requirements</a:t>
+            </a:r>
+          </a:p>
+          <a:p>
+            <a:pPr lvl="1">
+              <a:lnSpc>
+                <a:spcPct val="100000"/>
+              </a:lnSpc>
+            </a:pPr>
+            <a:endParaRPr lang="en-US" dirty="0"/>
+          </a:p>
+          <a:p>
+            <a:pPr>
+              <a:lnSpc>
+                <a:spcPct val="100000"/>
+              </a:lnSpc>
+            </a:pPr>
+            <a:endParaRPr lang="en-US" dirty="0"/>
+          </a:p>
+          <a:p>
+            <a:pPr>
+              <a:lnSpc>
+                <a:spcPct val="100000"/>
+              </a:lnSpc>
+            </a:pPr>
+            <a:endParaRPr lang="en-US" dirty="0"/>
+          </a:p>
+        </p:txBody>
+      </p:sp>
+      <p:sp>
+        <p:nvSpPr>
+          <p:cNvPr id="4" name="Title 3"/>
+          <p:cNvSpPr>
+            <a:spLocks noGrp="1"/>
+          </p:cNvSpPr>
+          <p:nvPr>
+            <p:ph type="title"/>
+          </p:nvPr>
+        </p:nvSpPr>
+        <p:spPr/>
+        <p:txBody>
+          <a:bodyPr/>
+          <a:lstStyle/>
+          <a:p>
+            <a:r>
+              <a:rPr lang="en-US" dirty="0"/>
+              <a:t>Software architecture</a:t>
+            </a:r>
+          </a:p>
+        </p:txBody>
+      </p:sp>
+    </p:spTree>
+    <p:extLst>
+      <p:ext uri="{BB962C8B-B14F-4D97-AF65-F5344CB8AC3E}">
+        <p14:creationId xmlns:p14="http://schemas.microsoft.com/office/powerpoint/2010/main" val="1182973204"/>
+      </p:ext>
+    </p:extLst>
+  </p:cSld>
+  <p:clrMapOvr>
+    <a:masterClrMapping/>
+  </p:clrMapOvr>
+</p:sld>
+</file>
+
+<file path=ppt/slides/slide19.xml><?xml version="1.0" encoding="utf-8"?>
+<p:sld xmlns:a="http://schemas.openxmlformats.org/drawingml/2006/main" xmlns:r="http://schemas.openxmlformats.org/officeDocument/2006/relationships" xmlns:p="http://schemas.openxmlformats.org/presentationml/2006/main">
+  <p:cSld>
+    <p:spTree>
+      <p:nvGrpSpPr>
+        <p:cNvPr id="1" name=""/>
+        <p:cNvGrpSpPr/>
+        <p:nvPr/>
+      </p:nvGrpSpPr>
+      <p:grpSpPr>
+        <a:xfrm>
+          <a:off x="0" y="0"/>
+          <a:ext cx="0" cy="0"/>
+          <a:chOff x="0" y="0"/>
+          <a:chExt cx="0" cy="0"/>
+        </a:xfrm>
+      </p:grpSpPr>
+      <p:sp>
+        <p:nvSpPr>
+          <p:cNvPr id="7" name="Slide Number Placeholder 3"/>
+          <p:cNvSpPr>
+            <a:spLocks noGrp="1"/>
+          </p:cNvSpPr>
+          <p:nvPr>
+            <p:ph type="sldNum" sz="quarter" idx="4294967295"/>
+          </p:nvPr>
+        </p:nvSpPr>
+        <p:spPr>
+          <a:xfrm>
+            <a:off x="11568000" y="6525003"/>
+            <a:ext cx="428822" cy="196477"/>
+          </a:xfrm>
+          <a:prstGeom prst="rect">
+            <a:avLst/>
+          </a:prstGeom>
+        </p:spPr>
+        <p:txBody>
+          <a:bodyPr/>
+          <a:lstStyle/>
+          <a:p>
+            <a:pPr>
+              <a:defRPr/>
+            </a:pPr>
+            <a:fld id="{58452FF4-89E3-4D1B-9927-2DBDC00E58D7}" type="slidenum">
+              <a:rPr lang="en-US" smtClean="0"/>
+              <a:pPr>
+                <a:defRPr/>
+              </a:pPr>
+              <a:t>19</a:t>
+            </a:fld>
+            <a:endParaRPr lang="en-US" dirty="0"/>
+          </a:p>
+        </p:txBody>
+      </p:sp>
+      <p:sp>
+        <p:nvSpPr>
+          <p:cNvPr id="5" name="Content Placeholder 4"/>
+          <p:cNvSpPr>
+            <a:spLocks noGrp="1"/>
+          </p:cNvSpPr>
+          <p:nvPr>
+            <p:ph idx="1"/>
+          </p:nvPr>
+        </p:nvSpPr>
+        <p:spPr>
+          <a:xfrm>
+            <a:off x="1141413" y="1712549"/>
+            <a:ext cx="11696797" cy="5458202"/>
+          </a:xfrm>
+        </p:spPr>
+        <p:txBody>
+          <a:bodyPr>
+            <a:normAutofit/>
+          </a:bodyPr>
+          <a:lstStyle/>
+          <a:p>
+            <a:pPr>
+              <a:lnSpc>
+                <a:spcPct val="100000"/>
+              </a:lnSpc>
+            </a:pPr>
+            <a:r>
+              <a:rPr lang="en-US" dirty="0"/>
+              <a:t>The structural elements and interfaces composing the system </a:t>
+            </a:r>
+          </a:p>
+          <a:p>
+            <a:pPr lvl="1">
+              <a:lnSpc>
+                <a:spcPct val="100000"/>
+              </a:lnSpc>
+            </a:pPr>
+            <a:r>
+              <a:rPr lang="en-US" dirty="0"/>
+              <a:t>Objects – the low-level building blocks of the system</a:t>
+            </a:r>
+          </a:p>
+          <a:p>
+            <a:pPr>
+              <a:lnSpc>
+                <a:spcPct val="100000"/>
+              </a:lnSpc>
+            </a:pPr>
+            <a:r>
+              <a:rPr lang="en-US" dirty="0"/>
+              <a:t>How these elements behave in collaboration </a:t>
+            </a:r>
+          </a:p>
+          <a:p>
+            <a:pPr lvl="1">
+              <a:lnSpc>
+                <a:spcPct val="100000"/>
+              </a:lnSpc>
+            </a:pPr>
+            <a:r>
+              <a:rPr lang="en-US" dirty="0"/>
+              <a:t>How communication is done in the architecture</a:t>
+            </a:r>
+          </a:p>
+          <a:p>
+            <a:pPr>
+              <a:lnSpc>
+                <a:spcPct val="100000"/>
+              </a:lnSpc>
+            </a:pPr>
+            <a:r>
+              <a:rPr lang="en-US" dirty="0"/>
+              <a:t>The composition of elements into larger subsystems </a:t>
+            </a:r>
+          </a:p>
+          <a:p>
+            <a:pPr lvl="1">
+              <a:lnSpc>
+                <a:spcPct val="100000"/>
+              </a:lnSpc>
+            </a:pPr>
+            <a:r>
+              <a:rPr lang="en-US" dirty="0"/>
+              <a:t>How the elements are mapped to trees or graphs – the high-level data structure</a:t>
+            </a:r>
+          </a:p>
+          <a:p>
+            <a:pPr>
+              <a:lnSpc>
+                <a:spcPct val="100000"/>
+              </a:lnSpc>
+            </a:pPr>
+            <a:r>
+              <a:rPr lang="en-US" dirty="0"/>
+              <a:t>The architectural style that guides this composition</a:t>
+            </a:r>
+          </a:p>
+          <a:p>
+            <a:pPr>
+              <a:lnSpc>
+                <a:spcPct val="100000"/>
+              </a:lnSpc>
+            </a:pPr>
+            <a:endParaRPr lang="en-US" dirty="0"/>
+          </a:p>
+          <a:p>
+            <a:pPr>
+              <a:lnSpc>
+                <a:spcPct val="100000"/>
+              </a:lnSpc>
+            </a:pPr>
+            <a:endParaRPr lang="en-US" dirty="0"/>
+          </a:p>
+        </p:txBody>
+      </p:sp>
+      <p:sp>
+        <p:nvSpPr>
+          <p:cNvPr id="4" name="Title 3"/>
+          <p:cNvSpPr>
+            <a:spLocks noGrp="1"/>
+          </p:cNvSpPr>
+          <p:nvPr>
+            <p:ph type="title"/>
+          </p:nvPr>
+        </p:nvSpPr>
+        <p:spPr/>
+        <p:txBody>
+          <a:bodyPr/>
+          <a:lstStyle/>
+          <a:p>
+            <a:r>
+              <a:rPr lang="en-US" dirty="0"/>
+              <a:t>What composes an architecture?</a:t>
+            </a:r>
+          </a:p>
+        </p:txBody>
+      </p:sp>
+    </p:spTree>
+    <p:extLst>
+      <p:ext uri="{BB962C8B-B14F-4D97-AF65-F5344CB8AC3E}">
+        <p14:creationId xmlns:p14="http://schemas.microsoft.com/office/powerpoint/2010/main" val="2056914842"/>
+      </p:ext>
+    </p:extLst>
+  </p:cSld>
+  <p:clrMapOvr>
+    <a:masterClrMapping/>
+  </p:clrMapOvr>
+</p:sld>
+</file>
+
+<file path=ppt/slides/slide2.xml><?xml version="1.0" encoding="utf-8"?>
+<p:sld xmlns:a="http://schemas.openxmlformats.org/drawingml/2006/main" xmlns:r="http://schemas.openxmlformats.org/officeDocument/2006/relationships" xmlns:p="http://schemas.openxmlformats.org/presentationml/2006/main">
+  <p:cSld>
+    <p:spTree>
+      <p:nvGrpSpPr>
+        <p:cNvPr id="1" name=""/>
+        <p:cNvGrpSpPr/>
+        <p:nvPr/>
+      </p:nvGrpSpPr>
+      <p:grpSpPr>
+        <a:xfrm>
+          <a:off x="0" y="0"/>
+          <a:ext cx="0" cy="0"/>
+          <a:chOff x="0" y="0"/>
+          <a:chExt cx="0" cy="0"/>
+        </a:xfrm>
+      </p:grpSpPr>
+      <p:sp>
+        <p:nvSpPr>
+          <p:cNvPr id="7" name="Slide Number Placeholder 3"/>
+          <p:cNvSpPr>
+            <a:spLocks noGrp="1"/>
+          </p:cNvSpPr>
+          <p:nvPr>
+            <p:ph type="sldNum" sz="quarter" idx="4294967295"/>
+          </p:nvPr>
+        </p:nvSpPr>
+        <p:spPr>
+          <a:xfrm>
+            <a:off x="11568000" y="6525003"/>
+            <a:ext cx="428822" cy="196477"/>
+          </a:xfrm>
+          <a:prstGeom prst="rect">
+            <a:avLst/>
+          </a:prstGeom>
+        </p:spPr>
+        <p:txBody>
+          <a:bodyPr/>
+          <a:lstStyle/>
+          <a:p>
+            <a:pPr>
+              <a:defRPr/>
+            </a:pPr>
+            <a:fld id="{58452FF4-89E3-4D1B-9927-2DBDC00E58D7}" type="slidenum">
+              <a:rPr lang="en-US" smtClean="0"/>
+              <a:pPr>
+                <a:defRPr/>
+              </a:pPr>
+              <a:t>2</a:t>
+            </a:fld>
+            <a:endParaRPr lang="en-US" dirty="0"/>
+          </a:p>
+        </p:txBody>
+      </p:sp>
+      <p:sp>
+        <p:nvSpPr>
+          <p:cNvPr id="5" name="Content Placeholder 4"/>
+          <p:cNvSpPr>
+            <a:spLocks noGrp="1"/>
+          </p:cNvSpPr>
+          <p:nvPr>
+            <p:ph idx="1"/>
+          </p:nvPr>
+        </p:nvSpPr>
+        <p:spPr>
+          <a:xfrm>
+            <a:off x="1141413" y="1712549"/>
+            <a:ext cx="11696797" cy="5458202"/>
+          </a:xfrm>
+        </p:spPr>
+        <p:txBody>
+          <a:bodyPr>
+            <a:normAutofit/>
+          </a:bodyPr>
+          <a:lstStyle/>
+          <a:p>
+            <a:pPr>
+              <a:lnSpc>
+                <a:spcPct val="100000"/>
+              </a:lnSpc>
+            </a:pPr>
+            <a:r>
+              <a:rPr lang="en-US" dirty="0"/>
+              <a:t>The development process is different in each company </a:t>
+            </a:r>
+          </a:p>
+          <a:p>
+            <a:pPr>
+              <a:lnSpc>
+                <a:spcPct val="100000"/>
+              </a:lnSpc>
+            </a:pPr>
+            <a:r>
+              <a:rPr lang="en-US" dirty="0"/>
+              <a:t>But there is always a need to: </a:t>
+            </a:r>
+          </a:p>
+          <a:p>
+            <a:pPr lvl="1">
+              <a:lnSpc>
+                <a:spcPct val="100000"/>
+              </a:lnSpc>
+            </a:pPr>
+            <a:r>
+              <a:rPr lang="en-US" dirty="0"/>
+              <a:t>Understand business problem </a:t>
+            </a:r>
+          </a:p>
+          <a:p>
+            <a:pPr lvl="1">
+              <a:lnSpc>
+                <a:spcPct val="100000"/>
+              </a:lnSpc>
+            </a:pPr>
+            <a:r>
+              <a:rPr lang="en-US" dirty="0"/>
+              <a:t>Document non-technical business solution </a:t>
+            </a:r>
+          </a:p>
+          <a:p>
+            <a:pPr lvl="1">
+              <a:lnSpc>
+                <a:spcPct val="100000"/>
+              </a:lnSpc>
+            </a:pPr>
+            <a:r>
+              <a:rPr lang="en-US" dirty="0"/>
+              <a:t>Convert solution to technical architecture </a:t>
+            </a:r>
+          </a:p>
+          <a:p>
+            <a:pPr lvl="1">
+              <a:lnSpc>
+                <a:spcPct val="100000"/>
+              </a:lnSpc>
+            </a:pPr>
+            <a:r>
+              <a:rPr lang="en-US" dirty="0"/>
+              <a:t>Convert architecture to code </a:t>
+            </a:r>
+          </a:p>
+          <a:p>
+            <a:pPr lvl="1">
+              <a:lnSpc>
+                <a:spcPct val="100000"/>
+              </a:lnSpc>
+            </a:pPr>
+            <a:r>
+              <a:rPr lang="en-US" dirty="0"/>
+              <a:t>Manage developers </a:t>
+            </a:r>
+          </a:p>
+          <a:p>
+            <a:pPr lvl="1">
+              <a:lnSpc>
+                <a:spcPct val="100000"/>
+              </a:lnSpc>
+            </a:pPr>
+            <a:r>
+              <a:rPr lang="en-US" dirty="0"/>
+              <a:t>Test code </a:t>
+            </a:r>
+          </a:p>
+          <a:p>
+            <a:pPr lvl="1">
+              <a:lnSpc>
+                <a:spcPct val="100000"/>
+              </a:lnSpc>
+            </a:pPr>
+            <a:r>
+              <a:rPr lang="en-US" dirty="0"/>
+              <a:t>Deploy code</a:t>
+            </a:r>
+          </a:p>
+          <a:p>
+            <a:pPr>
+              <a:lnSpc>
+                <a:spcPct val="100000"/>
+              </a:lnSpc>
+            </a:pPr>
+            <a:r>
+              <a:rPr lang="en-US" dirty="0"/>
+              <a:t>Of course, in some companies these responsibilities are mixed</a:t>
+            </a:r>
+          </a:p>
+        </p:txBody>
+      </p:sp>
+      <p:sp>
+        <p:nvSpPr>
+          <p:cNvPr id="4" name="Title 3"/>
+          <p:cNvSpPr>
+            <a:spLocks noGrp="1"/>
+          </p:cNvSpPr>
+          <p:nvPr>
+            <p:ph type="title"/>
+          </p:nvPr>
+        </p:nvSpPr>
+        <p:spPr/>
+        <p:txBody>
+          <a:bodyPr/>
+          <a:lstStyle/>
+          <a:p>
+            <a:r>
+              <a:rPr lang="en-GB" dirty="0"/>
+              <a:t>Principles Of Software Development</a:t>
+            </a:r>
+            <a:endParaRPr lang="en-US" dirty="0"/>
+          </a:p>
+        </p:txBody>
+      </p:sp>
+    </p:spTree>
+    <p:extLst>
+      <p:ext uri="{BB962C8B-B14F-4D97-AF65-F5344CB8AC3E}">
+        <p14:creationId xmlns:p14="http://schemas.microsoft.com/office/powerpoint/2010/main" val="2245006873"/>
+      </p:ext>
+    </p:extLst>
+  </p:cSld>
+  <p:clrMapOvr>
+    <a:masterClrMapping/>
+  </p:clrMapOvr>
+</p:sld>
+</file>
+
+<file path=ppt/slides/slide20.xml><?xml version="1.0" encoding="utf-8"?>
+<p:sld xmlns:a="http://schemas.openxmlformats.org/drawingml/2006/main" xmlns:r="http://schemas.openxmlformats.org/officeDocument/2006/relationships" xmlns:p="http://schemas.openxmlformats.org/presentationml/2006/main">
+  <p:cSld>
+    <p:spTree>
+      <p:nvGrpSpPr>
+        <p:cNvPr id="1" name=""/>
+        <p:cNvGrpSpPr/>
+        <p:nvPr/>
+      </p:nvGrpSpPr>
+      <p:grpSpPr>
+        <a:xfrm>
+          <a:off x="0" y="0"/>
+          <a:ext cx="0" cy="0"/>
+          <a:chOff x="0" y="0"/>
+          <a:chExt cx="0" cy="0"/>
+        </a:xfrm>
+      </p:grpSpPr>
+      <p:sp>
+        <p:nvSpPr>
+          <p:cNvPr id="7" name="Slide Number Placeholder 3"/>
+          <p:cNvSpPr>
+            <a:spLocks noGrp="1"/>
+          </p:cNvSpPr>
+          <p:nvPr>
+            <p:ph type="sldNum" sz="quarter" idx="4294967295"/>
+          </p:nvPr>
+        </p:nvSpPr>
+        <p:spPr>
+          <a:xfrm>
+            <a:off x="11568000" y="6525003"/>
+            <a:ext cx="428822" cy="196477"/>
+          </a:xfrm>
+          <a:prstGeom prst="rect">
+            <a:avLst/>
+          </a:prstGeom>
+        </p:spPr>
+        <p:txBody>
+          <a:bodyPr/>
+          <a:lstStyle/>
+          <a:p>
+            <a:pPr>
+              <a:defRPr/>
+            </a:pPr>
+            <a:fld id="{58452FF4-89E3-4D1B-9927-2DBDC00E58D7}" type="slidenum">
+              <a:rPr lang="en-US" smtClean="0"/>
+              <a:pPr>
+                <a:defRPr/>
+              </a:pPr>
+              <a:t>20</a:t>
+            </a:fld>
+            <a:endParaRPr lang="en-US" dirty="0"/>
+          </a:p>
+        </p:txBody>
+      </p:sp>
+      <p:sp>
+        <p:nvSpPr>
+          <p:cNvPr id="5" name="Content Placeholder 4"/>
+          <p:cNvSpPr>
+            <a:spLocks noGrp="1"/>
+          </p:cNvSpPr>
+          <p:nvPr>
+            <p:ph idx="1"/>
+          </p:nvPr>
+        </p:nvSpPr>
+        <p:spPr>
+          <a:xfrm>
+            <a:off x="1141413" y="1712549"/>
+            <a:ext cx="11696797" cy="5458202"/>
+          </a:xfrm>
+        </p:spPr>
+        <p:txBody>
+          <a:bodyPr>
+            <a:normAutofit/>
+          </a:bodyPr>
+          <a:lstStyle/>
+          <a:p>
+            <a:pPr>
+              <a:lnSpc>
+                <a:spcPct val="100000"/>
+              </a:lnSpc>
+            </a:pPr>
+            <a:r>
+              <a:rPr lang="en-US" dirty="0"/>
+              <a:t>Additionally, our design should cover:</a:t>
+            </a:r>
+          </a:p>
+          <a:p>
+            <a:pPr lvl="1">
+              <a:lnSpc>
+                <a:spcPct val="100000"/>
+              </a:lnSpc>
+            </a:pPr>
+            <a:r>
+              <a:rPr lang="en-GB" dirty="0"/>
+              <a:t>Functionality</a:t>
+            </a:r>
+            <a:endParaRPr lang="en-US" dirty="0"/>
+          </a:p>
+          <a:p>
+            <a:pPr lvl="1">
+              <a:lnSpc>
+                <a:spcPct val="100000"/>
+              </a:lnSpc>
+            </a:pPr>
+            <a:r>
+              <a:rPr lang="en-GB" dirty="0"/>
+              <a:t>Usability</a:t>
+            </a:r>
+            <a:endParaRPr lang="en-US" dirty="0"/>
+          </a:p>
+          <a:p>
+            <a:pPr lvl="1">
+              <a:lnSpc>
+                <a:spcPct val="100000"/>
+              </a:lnSpc>
+            </a:pPr>
+            <a:r>
+              <a:rPr lang="en-GB" dirty="0"/>
+              <a:t>Resilience</a:t>
+            </a:r>
+            <a:endParaRPr lang="en-US" dirty="0"/>
+          </a:p>
+          <a:p>
+            <a:pPr lvl="1">
+              <a:lnSpc>
+                <a:spcPct val="100000"/>
+              </a:lnSpc>
+            </a:pPr>
+            <a:r>
+              <a:rPr lang="en-GB" dirty="0"/>
+              <a:t>Performance</a:t>
+            </a:r>
+          </a:p>
+          <a:p>
+            <a:pPr lvl="1">
+              <a:lnSpc>
+                <a:spcPct val="100000"/>
+              </a:lnSpc>
+            </a:pPr>
+            <a:r>
+              <a:rPr lang="en-GB" dirty="0"/>
+              <a:t>Economic and technology constraints</a:t>
+            </a:r>
+            <a:endParaRPr lang="en-US" dirty="0"/>
+          </a:p>
+          <a:p>
+            <a:pPr lvl="1">
+              <a:lnSpc>
+                <a:spcPct val="100000"/>
+              </a:lnSpc>
+            </a:pPr>
+            <a:r>
+              <a:rPr lang="en-GB" dirty="0"/>
+              <a:t>Trade-offs and aesthetic concerns</a:t>
+            </a:r>
+          </a:p>
+          <a:p>
+            <a:pPr>
+              <a:lnSpc>
+                <a:spcPct val="100000"/>
+              </a:lnSpc>
+            </a:pPr>
+            <a:r>
+              <a:rPr lang="en-GB" dirty="0"/>
+              <a:t>The goal is to:</a:t>
+            </a:r>
+          </a:p>
+          <a:p>
+            <a:pPr lvl="1">
+              <a:lnSpc>
+                <a:spcPct val="100000"/>
+              </a:lnSpc>
+            </a:pPr>
+            <a:r>
+              <a:rPr lang="en-US" dirty="0"/>
+              <a:t>Document high-level structure </a:t>
+            </a:r>
+          </a:p>
+          <a:p>
+            <a:pPr lvl="1">
+              <a:lnSpc>
+                <a:spcPct val="100000"/>
+              </a:lnSpc>
+            </a:pPr>
+            <a:r>
+              <a:rPr lang="en-US" dirty="0"/>
+              <a:t>Do not go into implementation details </a:t>
+            </a:r>
+          </a:p>
+          <a:p>
+            <a:pPr lvl="1">
+              <a:lnSpc>
+                <a:spcPct val="100000"/>
+              </a:lnSpc>
+            </a:pPr>
+            <a:r>
+              <a:rPr lang="en-US" dirty="0"/>
+              <a:t>Minimize complexity </a:t>
+            </a:r>
+          </a:p>
+          <a:p>
+            <a:pPr lvl="1">
+              <a:lnSpc>
+                <a:spcPct val="100000"/>
+              </a:lnSpc>
+            </a:pPr>
+            <a:r>
+              <a:rPr lang="en-US" dirty="0"/>
+              <a:t>Address all requirements </a:t>
+            </a:r>
+          </a:p>
+          <a:p>
+            <a:pPr lvl="1">
+              <a:lnSpc>
+                <a:spcPct val="100000"/>
+              </a:lnSpc>
+            </a:pPr>
+            <a:r>
+              <a:rPr lang="en-US" dirty="0"/>
+              <a:t>Be compatible with all use cases and scenarios</a:t>
+            </a:r>
+          </a:p>
+          <a:p>
+            <a:pPr>
+              <a:lnSpc>
+                <a:spcPct val="100000"/>
+              </a:lnSpc>
+            </a:pPr>
+            <a:endParaRPr lang="en-US" dirty="0"/>
+          </a:p>
+          <a:p>
+            <a:pPr>
+              <a:lnSpc>
+                <a:spcPct val="100000"/>
+              </a:lnSpc>
+            </a:pPr>
+            <a:endParaRPr lang="en-US" dirty="0"/>
+          </a:p>
+        </p:txBody>
+      </p:sp>
+      <p:sp>
+        <p:nvSpPr>
+          <p:cNvPr id="4" name="Title 3"/>
+          <p:cNvSpPr>
+            <a:spLocks noGrp="1"/>
+          </p:cNvSpPr>
+          <p:nvPr>
+            <p:ph type="title"/>
+          </p:nvPr>
+        </p:nvSpPr>
+        <p:spPr/>
+        <p:txBody>
+          <a:bodyPr/>
+          <a:lstStyle/>
+          <a:p>
+            <a:r>
+              <a:rPr lang="en-US" dirty="0"/>
+              <a:t>What composes an architecture?</a:t>
+            </a:r>
+          </a:p>
+        </p:txBody>
+      </p:sp>
+    </p:spTree>
+    <p:extLst>
+      <p:ext uri="{BB962C8B-B14F-4D97-AF65-F5344CB8AC3E}">
+        <p14:creationId xmlns:p14="http://schemas.microsoft.com/office/powerpoint/2010/main" val="4172464853"/>
+      </p:ext>
+    </p:extLst>
+  </p:cSld>
+  <p:clrMapOvr>
+    <a:masterClrMapping/>
+  </p:clrMapOvr>
+</p:sld>
+</file>
+
+<file path=ppt/slides/slide21.xml><?xml version="1.0" encoding="utf-8"?>
+<p:sld xmlns:a="http://schemas.openxmlformats.org/drawingml/2006/main" xmlns:r="http://schemas.openxmlformats.org/officeDocument/2006/relationships" xmlns:p="http://schemas.openxmlformats.org/presentationml/2006/main">
+  <p:cSld>
+    <p:spTree>
+      <p:nvGrpSpPr>
+        <p:cNvPr id="1" name=""/>
+        <p:cNvGrpSpPr/>
+        <p:nvPr/>
+      </p:nvGrpSpPr>
+      <p:grpSpPr>
+        <a:xfrm>
+          <a:off x="0" y="0"/>
+          <a:ext cx="0" cy="0"/>
+          <a:chOff x="0" y="0"/>
+          <a:chExt cx="0" cy="0"/>
+        </a:xfrm>
+      </p:grpSpPr>
+      <p:sp>
+        <p:nvSpPr>
+          <p:cNvPr id="7" name="Slide Number Placeholder 3"/>
+          <p:cNvSpPr>
+            <a:spLocks noGrp="1"/>
+          </p:cNvSpPr>
+          <p:nvPr>
+            <p:ph type="sldNum" sz="quarter" idx="4294967295"/>
+          </p:nvPr>
+        </p:nvSpPr>
+        <p:spPr>
+          <a:xfrm>
+            <a:off x="11568000" y="6525003"/>
+            <a:ext cx="428822" cy="196477"/>
+          </a:xfrm>
+          <a:prstGeom prst="rect">
+            <a:avLst/>
+          </a:prstGeom>
+        </p:spPr>
+        <p:txBody>
+          <a:bodyPr/>
+          <a:lstStyle/>
+          <a:p>
+            <a:pPr>
+              <a:defRPr/>
+            </a:pPr>
+            <a:fld id="{58452FF4-89E3-4D1B-9927-2DBDC00E58D7}" type="slidenum">
+              <a:rPr lang="en-US" smtClean="0"/>
+              <a:pPr>
+                <a:defRPr/>
+              </a:pPr>
+              <a:t>21</a:t>
+            </a:fld>
+            <a:endParaRPr lang="en-US" dirty="0"/>
+          </a:p>
+        </p:txBody>
+      </p:sp>
+      <p:sp>
+        <p:nvSpPr>
+          <p:cNvPr id="5" name="Content Placeholder 4"/>
+          <p:cNvSpPr>
+            <a:spLocks noGrp="1"/>
+          </p:cNvSpPr>
+          <p:nvPr>
+            <p:ph idx="1"/>
+          </p:nvPr>
+        </p:nvSpPr>
+        <p:spPr>
+          <a:xfrm>
+            <a:off x="1141413" y="1843177"/>
+            <a:ext cx="11696797" cy="5458202"/>
+          </a:xfrm>
+        </p:spPr>
+        <p:txBody>
+          <a:bodyPr>
+            <a:normAutofit fontScale="92500" lnSpcReduction="20000"/>
+          </a:bodyPr>
+          <a:lstStyle/>
+          <a:p>
+            <a:r>
+              <a:rPr lang="en-US" dirty="0"/>
+              <a:t>Separation of Concerns</a:t>
+            </a:r>
+          </a:p>
+          <a:p>
+            <a:pPr>
+              <a:lnSpc>
+                <a:spcPct val="100000"/>
+              </a:lnSpc>
+            </a:pPr>
+            <a:r>
+              <a:rPr lang="en-US" dirty="0"/>
+              <a:t>Encapsulation</a:t>
+            </a:r>
+          </a:p>
+          <a:p>
+            <a:r>
+              <a:rPr lang="en-US" dirty="0"/>
+              <a:t>Dependency Inversion</a:t>
+            </a:r>
+          </a:p>
+          <a:p>
+            <a:r>
+              <a:rPr lang="en-US" dirty="0"/>
+              <a:t>Explicit Components</a:t>
+            </a:r>
+          </a:p>
+          <a:p>
+            <a:r>
+              <a:rPr lang="en-US" dirty="0"/>
+              <a:t>Single Responsibility</a:t>
+            </a:r>
+          </a:p>
+          <a:p>
+            <a:r>
+              <a:rPr lang="en-US" dirty="0"/>
+              <a:t>Don’t Repeat Yourself </a:t>
+            </a:r>
+          </a:p>
+          <a:p>
+            <a:r>
+              <a:rPr lang="en-US" dirty="0"/>
+              <a:t>Persistence &amp; Infrastructure Ignorance</a:t>
+            </a:r>
+          </a:p>
+          <a:p>
+            <a:r>
+              <a:rPr lang="en-US" dirty="0"/>
+              <a:t>Presentation Ignorance</a:t>
+            </a:r>
+          </a:p>
+          <a:p>
+            <a:r>
+              <a:rPr lang="en-US" dirty="0"/>
+              <a:t>Bounded Contexts</a:t>
+            </a:r>
+          </a:p>
+          <a:p>
+            <a:r>
+              <a:rPr lang="en-US" dirty="0"/>
+              <a:t>Testability</a:t>
+            </a:r>
+            <a:br>
+              <a:rPr lang="en-US" dirty="0"/>
+            </a:br>
+            <a:br>
+              <a:rPr lang="en-US" dirty="0"/>
+            </a:br>
+            <a:endParaRPr lang="en-US" dirty="0"/>
+          </a:p>
+          <a:p>
+            <a:pPr>
+              <a:lnSpc>
+                <a:spcPct val="100000"/>
+              </a:lnSpc>
+            </a:pPr>
+            <a:endParaRPr lang="en-US" dirty="0"/>
+          </a:p>
+          <a:p>
+            <a:pPr>
+              <a:lnSpc>
+                <a:spcPct val="100000"/>
+              </a:lnSpc>
+            </a:pPr>
+            <a:endParaRPr lang="en-US" dirty="0"/>
+          </a:p>
+        </p:txBody>
+      </p:sp>
+      <p:sp>
+        <p:nvSpPr>
+          <p:cNvPr id="4" name="Title 3"/>
+          <p:cNvSpPr>
+            <a:spLocks noGrp="1"/>
+          </p:cNvSpPr>
+          <p:nvPr>
+            <p:ph type="title"/>
+          </p:nvPr>
+        </p:nvSpPr>
+        <p:spPr/>
+        <p:txBody>
+          <a:bodyPr/>
+          <a:lstStyle/>
+          <a:p>
+            <a:r>
+              <a:rPr lang="en-US" dirty="0"/>
+              <a:t>Our architecture needs</a:t>
+            </a:r>
+          </a:p>
+        </p:txBody>
+      </p:sp>
+      <p:pic>
+        <p:nvPicPr>
+          <p:cNvPr id="1026" name="Picture 2">
+            <a:extLst>
+              <a:ext uri="{FF2B5EF4-FFF2-40B4-BE49-F238E27FC236}">
+                <a16:creationId xmlns:a16="http://schemas.microsoft.com/office/drawing/2014/main" id="{10DE6182-0F58-429E-A0D9-AA70D8424F77}"/>
+              </a:ext>
+            </a:extLst>
+          </p:cNvPr>
+          <p:cNvPicPr>
+            <a:picLocks noChangeAspect="1" noChangeArrowheads="1"/>
+          </p:cNvPicPr>
+          <p:nvPr/>
+        </p:nvPicPr>
+        <p:blipFill>
+          <a:blip r:embed="rId2">
+            <a:extLst>
+              <a:ext uri="{28A0092B-C50C-407E-A947-70E740481C1C}">
+                <a14:useLocalDpi xmlns:a14="http://schemas.microsoft.com/office/drawing/2010/main" val="0"/>
+              </a:ext>
+            </a:extLst>
+          </a:blip>
+          <a:srcRect/>
+          <a:stretch>
+            <a:fillRect/>
+          </a:stretch>
+        </p:blipFill>
+        <p:spPr bwMode="auto">
+          <a:xfrm>
+            <a:off x="5324605" y="2097088"/>
+            <a:ext cx="5823717" cy="3605877"/>
+          </a:xfrm>
+          <a:prstGeom prst="rect">
+            <a:avLst/>
+          </a:prstGeom>
+          <a:noFill/>
+          <a:extLst>
+            <a:ext uri="{909E8E84-426E-40DD-AFC4-6F175D3DCCD1}">
+              <a14:hiddenFill xmlns:a14="http://schemas.microsoft.com/office/drawing/2010/main">
+                <a:solidFill>
+                  <a:srgbClr val="FFFFFF"/>
+                </a:solidFill>
+              </a14:hiddenFill>
+            </a:ext>
+          </a:extLst>
+        </p:spPr>
+      </p:pic>
+    </p:spTree>
+    <p:extLst>
+      <p:ext uri="{BB962C8B-B14F-4D97-AF65-F5344CB8AC3E}">
+        <p14:creationId xmlns:p14="http://schemas.microsoft.com/office/powerpoint/2010/main" val="1575725338"/>
+      </p:ext>
+    </p:extLst>
+  </p:cSld>
+  <p:clrMapOvr>
+    <a:masterClrMapping/>
+  </p:clrMapOvr>
+</p:sld>
+</file>
+
+<file path=ppt/slides/slide22.xml><?xml version="1.0" encoding="utf-8"?>
+<p:sld xmlns:a="http://schemas.openxmlformats.org/drawingml/2006/main" xmlns:r="http://schemas.openxmlformats.org/officeDocument/2006/relationships" xmlns:p="http://schemas.openxmlformats.org/presentationml/2006/main">
+  <p:cSld>
+    <p:spTree>
+      <p:nvGrpSpPr>
+        <p:cNvPr id="1" name=""/>
+        <p:cNvGrpSpPr/>
+        <p:nvPr/>
+      </p:nvGrpSpPr>
+      <p:grpSpPr>
+        <a:xfrm>
+          <a:off x="0" y="0"/>
+          <a:ext cx="0" cy="0"/>
+          <a:chOff x="0" y="0"/>
+          <a:chExt cx="0" cy="0"/>
+        </a:xfrm>
+      </p:grpSpPr>
+      <p:sp>
+        <p:nvSpPr>
+          <p:cNvPr id="7" name="Slide Number Placeholder 3"/>
+          <p:cNvSpPr>
+            <a:spLocks noGrp="1"/>
+          </p:cNvSpPr>
+          <p:nvPr>
+            <p:ph type="sldNum" sz="quarter" idx="4294967295"/>
+          </p:nvPr>
+        </p:nvSpPr>
+        <p:spPr>
+          <a:xfrm>
+            <a:off x="11568000" y="6525003"/>
+            <a:ext cx="428822" cy="196477"/>
+          </a:xfrm>
+          <a:prstGeom prst="rect">
+            <a:avLst/>
+          </a:prstGeom>
+        </p:spPr>
+        <p:txBody>
+          <a:bodyPr/>
+          <a:lstStyle/>
+          <a:p>
+            <a:pPr>
+              <a:defRPr/>
+            </a:pPr>
+            <a:fld id="{58452FF4-89E3-4D1B-9927-2DBDC00E58D7}" type="slidenum">
+              <a:rPr lang="en-US" smtClean="0"/>
+              <a:pPr>
+                <a:defRPr/>
+              </a:pPr>
+              <a:t>22</a:t>
+            </a:fld>
+            <a:endParaRPr lang="en-US" dirty="0"/>
+          </a:p>
+        </p:txBody>
+      </p:sp>
+      <p:sp>
+        <p:nvSpPr>
+          <p:cNvPr id="5" name="Content Placeholder 4"/>
+          <p:cNvSpPr>
+            <a:spLocks noGrp="1"/>
+          </p:cNvSpPr>
+          <p:nvPr>
+            <p:ph idx="1"/>
+          </p:nvPr>
+        </p:nvSpPr>
+        <p:spPr>
+          <a:xfrm>
+            <a:off x="1141413" y="1843177"/>
+            <a:ext cx="11696797" cy="5458202"/>
+          </a:xfrm>
+        </p:spPr>
+        <p:txBody>
+          <a:bodyPr>
+            <a:normAutofit/>
+          </a:bodyPr>
+          <a:lstStyle/>
+          <a:p>
+            <a:r>
+              <a:rPr lang="en-US" dirty="0"/>
+              <a:t>Layers:</a:t>
+            </a:r>
+          </a:p>
+          <a:p>
+            <a:pPr lvl="1"/>
+            <a:r>
+              <a:rPr lang="en-US" dirty="0"/>
+              <a:t>System, Sub-systems, Layers, Components, Classes, Data and Methods</a:t>
+            </a:r>
+          </a:p>
+          <a:p>
+            <a:r>
+              <a:rPr lang="en-US" dirty="0"/>
+              <a:t>Bad Architecture:</a:t>
+            </a:r>
+          </a:p>
+          <a:p>
+            <a:pPr lvl="1"/>
+            <a:r>
+              <a:rPr lang="en-US" dirty="0"/>
+              <a:t>Complex, Incoherent, Brittle, Untestable, Unmaintainable </a:t>
+            </a:r>
+          </a:p>
+          <a:p>
+            <a:r>
+              <a:rPr lang="en-US" dirty="0"/>
+              <a:t>Good Architecture:</a:t>
+            </a:r>
+          </a:p>
+          <a:p>
+            <a:pPr lvl="1"/>
+            <a:r>
+              <a:rPr lang="en-US" dirty="0"/>
+              <a:t>Simple, Understandable, Flexible, Testable, Maintainable</a:t>
+            </a:r>
+            <a:br>
+              <a:rPr lang="en-US" dirty="0"/>
+            </a:br>
+            <a:br>
+              <a:rPr lang="en-US" dirty="0"/>
+            </a:br>
+            <a:endParaRPr lang="en-US" dirty="0"/>
+          </a:p>
+          <a:p>
+            <a:pPr>
+              <a:lnSpc>
+                <a:spcPct val="100000"/>
+              </a:lnSpc>
+            </a:pPr>
+            <a:endParaRPr lang="en-US" dirty="0"/>
+          </a:p>
+          <a:p>
+            <a:pPr>
+              <a:lnSpc>
+                <a:spcPct val="100000"/>
+              </a:lnSpc>
+            </a:pPr>
+            <a:endParaRPr lang="en-US" dirty="0"/>
+          </a:p>
+        </p:txBody>
+      </p:sp>
+      <p:sp>
+        <p:nvSpPr>
+          <p:cNvPr id="4" name="Title 3"/>
+          <p:cNvSpPr>
+            <a:spLocks noGrp="1"/>
+          </p:cNvSpPr>
+          <p:nvPr>
+            <p:ph type="title"/>
+          </p:nvPr>
+        </p:nvSpPr>
+        <p:spPr/>
+        <p:txBody>
+          <a:bodyPr/>
+          <a:lstStyle/>
+          <a:p>
+            <a:r>
+              <a:rPr lang="en-US" dirty="0"/>
+              <a:t>Architecture abstraction</a:t>
+            </a:r>
+          </a:p>
+        </p:txBody>
+      </p:sp>
+    </p:spTree>
+    <p:extLst>
+      <p:ext uri="{BB962C8B-B14F-4D97-AF65-F5344CB8AC3E}">
+        <p14:creationId xmlns:p14="http://schemas.microsoft.com/office/powerpoint/2010/main" val="2338824641"/>
+      </p:ext>
+    </p:extLst>
+  </p:cSld>
+  <p:clrMapOvr>
+    <a:masterClrMapping/>
+  </p:clrMapOvr>
+</p:sld>
+</file>
+
+<file path=ppt/slides/slide23.xml><?xml version="1.0" encoding="utf-8"?>
+<p:sld xmlns:a="http://schemas.openxmlformats.org/drawingml/2006/main" xmlns:r="http://schemas.openxmlformats.org/officeDocument/2006/relationships" xmlns:p="http://schemas.openxmlformats.org/presentationml/2006/main">
+  <p:cSld>
+    <p:spTree>
+      <p:nvGrpSpPr>
+        <p:cNvPr id="1" name=""/>
+        <p:cNvGrpSpPr/>
+        <p:nvPr/>
+      </p:nvGrpSpPr>
+      <p:grpSpPr>
+        <a:xfrm>
+          <a:off x="0" y="0"/>
+          <a:ext cx="0" cy="0"/>
+          <a:chOff x="0" y="0"/>
+          <a:chExt cx="0" cy="0"/>
+        </a:xfrm>
+      </p:grpSpPr>
+      <p:sp>
+        <p:nvSpPr>
+          <p:cNvPr id="7" name="Slide Number Placeholder 3"/>
+          <p:cNvSpPr>
+            <a:spLocks noGrp="1"/>
+          </p:cNvSpPr>
+          <p:nvPr>
+            <p:ph type="sldNum" sz="quarter" idx="4294967295"/>
+          </p:nvPr>
+        </p:nvSpPr>
+        <p:spPr>
+          <a:xfrm>
+            <a:off x="11568000" y="6525003"/>
+            <a:ext cx="428822" cy="196477"/>
+          </a:xfrm>
+          <a:prstGeom prst="rect">
+            <a:avLst/>
+          </a:prstGeom>
+        </p:spPr>
+        <p:txBody>
+          <a:bodyPr/>
+          <a:lstStyle/>
+          <a:p>
+            <a:pPr>
+              <a:defRPr/>
+            </a:pPr>
+            <a:fld id="{58452FF4-89E3-4D1B-9927-2DBDC00E58D7}" type="slidenum">
+              <a:rPr lang="en-US" smtClean="0"/>
+              <a:pPr>
+                <a:defRPr/>
+              </a:pPr>
+              <a:t>23</a:t>
+            </a:fld>
+            <a:endParaRPr lang="en-US" dirty="0"/>
+          </a:p>
+        </p:txBody>
+      </p:sp>
+      <p:sp>
+        <p:nvSpPr>
+          <p:cNvPr id="5" name="Content Placeholder 4"/>
+          <p:cNvSpPr>
+            <a:spLocks noGrp="1"/>
+          </p:cNvSpPr>
+          <p:nvPr>
+            <p:ph idx="1"/>
+          </p:nvPr>
+        </p:nvSpPr>
+        <p:spPr>
+          <a:xfrm>
+            <a:off x="1141413" y="1712549"/>
+            <a:ext cx="11696797" cy="5458202"/>
+          </a:xfrm>
+        </p:spPr>
+        <p:txBody>
+          <a:bodyPr>
+            <a:normAutofit/>
+          </a:bodyPr>
+          <a:lstStyle/>
+          <a:p>
+            <a:pPr>
+              <a:lnSpc>
+                <a:spcPct val="100000"/>
+              </a:lnSpc>
+            </a:pPr>
+            <a:r>
+              <a:rPr lang="en-US" dirty="0"/>
+              <a:t>Build to change instead of building to last </a:t>
+            </a:r>
+          </a:p>
+          <a:p>
+            <a:pPr lvl="1">
+              <a:lnSpc>
+                <a:spcPct val="100000"/>
+              </a:lnSpc>
+            </a:pPr>
+            <a:r>
+              <a:rPr lang="en-US" dirty="0"/>
+              <a:t>You are going to change your solution multiple times</a:t>
+            </a:r>
+          </a:p>
+          <a:p>
+            <a:pPr lvl="1">
+              <a:lnSpc>
+                <a:spcPct val="100000"/>
+              </a:lnSpc>
+            </a:pPr>
+            <a:r>
+              <a:rPr lang="en-US" dirty="0"/>
+              <a:t>Create around modularity and flexibility</a:t>
+            </a:r>
+          </a:p>
+          <a:p>
+            <a:pPr>
+              <a:lnSpc>
+                <a:spcPct val="100000"/>
+              </a:lnSpc>
+            </a:pPr>
+            <a:r>
+              <a:rPr lang="en-US" dirty="0"/>
+              <a:t>Use models, but only to analyze and reduce risk </a:t>
+            </a:r>
+          </a:p>
+          <a:p>
+            <a:pPr lvl="1">
+              <a:lnSpc>
+                <a:spcPct val="100000"/>
+              </a:lnSpc>
+            </a:pPr>
+            <a:r>
+              <a:rPr lang="en-US" dirty="0"/>
+              <a:t>The models should be more abstract, otherwise you are taking the role of a developer</a:t>
+            </a:r>
+          </a:p>
+          <a:p>
+            <a:pPr>
+              <a:lnSpc>
+                <a:spcPct val="100000"/>
+              </a:lnSpc>
+            </a:pPr>
+            <a:r>
+              <a:rPr lang="en-US" dirty="0"/>
+              <a:t>Use visualizations to communicate and collaborate </a:t>
+            </a:r>
+          </a:p>
+          <a:p>
+            <a:pPr lvl="1">
+              <a:lnSpc>
+                <a:spcPct val="100000"/>
+              </a:lnSpc>
+            </a:pPr>
+            <a:r>
+              <a:rPr lang="en-US" dirty="0"/>
+              <a:t>Your architecture is going to be a large diagram</a:t>
+            </a:r>
+          </a:p>
+          <a:p>
+            <a:pPr>
+              <a:lnSpc>
+                <a:spcPct val="100000"/>
+              </a:lnSpc>
+            </a:pPr>
+            <a:r>
+              <a:rPr lang="en-US" dirty="0"/>
+              <a:t>Identify and research critical points of failure</a:t>
+            </a:r>
+          </a:p>
+          <a:p>
+            <a:pPr lvl="1">
+              <a:lnSpc>
+                <a:spcPct val="100000"/>
+              </a:lnSpc>
+            </a:pPr>
+            <a:r>
+              <a:rPr lang="en-US" dirty="0"/>
+              <a:t>Put in work in research in everything advanced</a:t>
+            </a:r>
+          </a:p>
+          <a:p>
+            <a:pPr lvl="1">
+              <a:lnSpc>
+                <a:spcPct val="100000"/>
+              </a:lnSpc>
+            </a:pPr>
+            <a:r>
+              <a:rPr lang="en-US" dirty="0"/>
+              <a:t>Security, scalability, resiliency </a:t>
+            </a:r>
+          </a:p>
+        </p:txBody>
+      </p:sp>
+      <p:sp>
+        <p:nvSpPr>
+          <p:cNvPr id="4" name="Title 3"/>
+          <p:cNvSpPr>
+            <a:spLocks noGrp="1"/>
+          </p:cNvSpPr>
+          <p:nvPr>
+            <p:ph type="title"/>
+          </p:nvPr>
+        </p:nvSpPr>
+        <p:spPr/>
+        <p:txBody>
+          <a:bodyPr/>
+          <a:lstStyle/>
+          <a:p>
+            <a:r>
+              <a:rPr lang="en-GB" dirty="0"/>
+              <a:t>Software Architecture Design Tips</a:t>
+            </a:r>
+            <a:endParaRPr lang="en-US" dirty="0"/>
+          </a:p>
+        </p:txBody>
+      </p:sp>
+    </p:spTree>
+    <p:extLst>
+      <p:ext uri="{BB962C8B-B14F-4D97-AF65-F5344CB8AC3E}">
+        <p14:creationId xmlns:p14="http://schemas.microsoft.com/office/powerpoint/2010/main" val="3977624694"/>
+      </p:ext>
+    </p:extLst>
+  </p:cSld>
+  <p:clrMapOvr>
+    <a:masterClrMapping/>
+  </p:clrMapOvr>
+</p:sld>
+</file>
+
+<file path=ppt/slides/slide24.xml><?xml version="1.0" encoding="utf-8"?>
+<p:sld xmlns:a="http://schemas.openxmlformats.org/drawingml/2006/main" xmlns:r="http://schemas.openxmlformats.org/officeDocument/2006/relationships" xmlns:p="http://schemas.openxmlformats.org/presentationml/2006/main">
+  <p:cSld>
+    <p:spTree>
+      <p:nvGrpSpPr>
+        <p:cNvPr id="1" name=""/>
+        <p:cNvGrpSpPr/>
+        <p:nvPr/>
+      </p:nvGrpSpPr>
+      <p:grpSpPr>
+        <a:xfrm>
+          <a:off x="0" y="0"/>
+          <a:ext cx="0" cy="0"/>
+          <a:chOff x="0" y="0"/>
+          <a:chExt cx="0" cy="0"/>
+        </a:xfrm>
+      </p:grpSpPr>
+      <p:sp>
+        <p:nvSpPr>
+          <p:cNvPr id="7" name="Slide Number Placeholder 3"/>
+          <p:cNvSpPr>
+            <a:spLocks noGrp="1"/>
+          </p:cNvSpPr>
+          <p:nvPr>
+            <p:ph type="sldNum" sz="quarter" idx="4294967295"/>
+          </p:nvPr>
+        </p:nvSpPr>
+        <p:spPr>
+          <a:xfrm>
+            <a:off x="11568000" y="6525003"/>
+            <a:ext cx="428822" cy="196477"/>
+          </a:xfrm>
+          <a:prstGeom prst="rect">
+            <a:avLst/>
+          </a:prstGeom>
+        </p:spPr>
+        <p:txBody>
+          <a:bodyPr/>
+          <a:lstStyle/>
+          <a:p>
+            <a:pPr>
+              <a:defRPr/>
+            </a:pPr>
+            <a:fld id="{58452FF4-89E3-4D1B-9927-2DBDC00E58D7}" type="slidenum">
+              <a:rPr lang="en-US" smtClean="0"/>
+              <a:pPr>
+                <a:defRPr/>
+              </a:pPr>
+              <a:t>24</a:t>
+            </a:fld>
+            <a:endParaRPr lang="en-US" dirty="0"/>
+          </a:p>
+        </p:txBody>
+      </p:sp>
+      <p:sp>
+        <p:nvSpPr>
+          <p:cNvPr id="5" name="Content Placeholder 4"/>
+          <p:cNvSpPr>
+            <a:spLocks noGrp="1"/>
+          </p:cNvSpPr>
+          <p:nvPr>
+            <p:ph idx="1"/>
+          </p:nvPr>
+        </p:nvSpPr>
+        <p:spPr>
+          <a:xfrm>
+            <a:off x="1141413" y="1712549"/>
+            <a:ext cx="11696797" cy="5458202"/>
+          </a:xfrm>
+        </p:spPr>
+        <p:txBody>
+          <a:bodyPr>
+            <a:normAutofit/>
+          </a:bodyPr>
+          <a:lstStyle/>
+          <a:p>
+            <a:pPr>
+              <a:lnSpc>
+                <a:spcPct val="100000"/>
+              </a:lnSpc>
+            </a:pPr>
+            <a:r>
+              <a:rPr lang="en-US" dirty="0"/>
+              <a:t>The goal of a software architect is to minimize complexity</a:t>
+            </a:r>
+          </a:p>
+          <a:p>
+            <a:pPr>
+              <a:lnSpc>
+                <a:spcPct val="100000"/>
+              </a:lnSpc>
+            </a:pPr>
+            <a:r>
+              <a:rPr lang="en-US" dirty="0"/>
+              <a:t>This can be accomplished by separating the design into different areas of concern</a:t>
+            </a:r>
+            <a:endParaRPr lang="bg-BG" dirty="0"/>
+          </a:p>
+          <a:p>
+            <a:pPr>
+              <a:lnSpc>
+                <a:spcPct val="100000"/>
+              </a:lnSpc>
+            </a:pPr>
+            <a:r>
+              <a:rPr lang="en-US" dirty="0"/>
+              <a:t>Also known as modules (or components)</a:t>
+            </a:r>
+          </a:p>
+        </p:txBody>
+      </p:sp>
+      <p:sp>
+        <p:nvSpPr>
+          <p:cNvPr id="4" name="Title 3"/>
+          <p:cNvSpPr>
+            <a:spLocks noGrp="1"/>
+          </p:cNvSpPr>
+          <p:nvPr>
+            <p:ph type="title"/>
+          </p:nvPr>
+        </p:nvSpPr>
+        <p:spPr/>
+        <p:txBody>
+          <a:bodyPr/>
+          <a:lstStyle/>
+          <a:p>
+            <a:r>
+              <a:rPr lang="en-US" dirty="0"/>
+              <a:t>Areas Of Software Architectures</a:t>
+            </a:r>
+          </a:p>
+        </p:txBody>
+      </p:sp>
+      <p:pic>
+        <p:nvPicPr>
+          <p:cNvPr id="3" name="Picture 2">
+            <a:extLst>
+              <a:ext uri="{FF2B5EF4-FFF2-40B4-BE49-F238E27FC236}">
+                <a16:creationId xmlns:a16="http://schemas.microsoft.com/office/drawing/2014/main" id="{D75C7A74-CEAF-41FA-A8E2-E94317C017D2}"/>
+              </a:ext>
+            </a:extLst>
+          </p:cNvPr>
+          <p:cNvPicPr>
+            <a:picLocks noChangeAspect="1"/>
+          </p:cNvPicPr>
+          <p:nvPr/>
+        </p:nvPicPr>
+        <p:blipFill>
+          <a:blip r:embed="rId2"/>
+          <a:stretch>
+            <a:fillRect/>
+          </a:stretch>
+        </p:blipFill>
+        <p:spPr>
+          <a:xfrm>
+            <a:off x="3646576" y="3347357"/>
+            <a:ext cx="4182669" cy="3101892"/>
+          </a:xfrm>
+          <a:prstGeom prst="rect">
+            <a:avLst/>
+          </a:prstGeom>
+          <a:ln>
+            <a:noFill/>
+          </a:ln>
+          <a:effectLst>
+            <a:outerShdw blurRad="190500" algn="tl" rotWithShape="0">
+              <a:srgbClr val="000000">
+                <a:alpha val="70000"/>
+              </a:srgbClr>
+            </a:outerShdw>
+          </a:effectLst>
+        </p:spPr>
+      </p:pic>
+    </p:spTree>
+    <p:extLst>
+      <p:ext uri="{BB962C8B-B14F-4D97-AF65-F5344CB8AC3E}">
+        <p14:creationId xmlns:p14="http://schemas.microsoft.com/office/powerpoint/2010/main" val="2365095841"/>
+      </p:ext>
+    </p:extLst>
+  </p:cSld>
+  <p:clrMapOvr>
+    <a:masterClrMapping/>
+  </p:clrMapOvr>
+</p:sld>
+</file>
+
+<file path=ppt/slides/slide25.xml><?xml version="1.0" encoding="utf-8"?>
+<p:sld xmlns:a="http://schemas.openxmlformats.org/drawingml/2006/main" xmlns:r="http://schemas.openxmlformats.org/officeDocument/2006/relationships" xmlns:p="http://schemas.openxmlformats.org/presentationml/2006/main">
+  <p:cSld>
+    <p:spTree>
+      <p:nvGrpSpPr>
+        <p:cNvPr id="1" name=""/>
+        <p:cNvGrpSpPr/>
+        <p:nvPr/>
+      </p:nvGrpSpPr>
+      <p:grpSpPr>
+        <a:xfrm>
+          <a:off x="0" y="0"/>
+          <a:ext cx="0" cy="0"/>
+          <a:chOff x="0" y="0"/>
+          <a:chExt cx="0" cy="0"/>
+        </a:xfrm>
+      </p:grpSpPr>
+      <p:sp>
+        <p:nvSpPr>
+          <p:cNvPr id="7" name="Slide Number Placeholder 3"/>
+          <p:cNvSpPr>
+            <a:spLocks noGrp="1"/>
+          </p:cNvSpPr>
+          <p:nvPr>
+            <p:ph type="sldNum" sz="quarter" idx="4294967295"/>
+          </p:nvPr>
+        </p:nvSpPr>
+        <p:spPr>
+          <a:xfrm>
+            <a:off x="11568000" y="6525003"/>
+            <a:ext cx="428822" cy="196477"/>
+          </a:xfrm>
+          <a:prstGeom prst="rect">
+            <a:avLst/>
+          </a:prstGeom>
+        </p:spPr>
+        <p:txBody>
+          <a:bodyPr/>
+          <a:lstStyle/>
+          <a:p>
+            <a:pPr>
+              <a:defRPr/>
+            </a:pPr>
+            <a:fld id="{58452FF4-89E3-4D1B-9927-2DBDC00E58D7}" type="slidenum">
+              <a:rPr lang="en-US" smtClean="0"/>
+              <a:pPr>
+                <a:defRPr/>
+              </a:pPr>
+              <a:t>25</a:t>
+            </a:fld>
+            <a:endParaRPr lang="en-US" dirty="0"/>
+          </a:p>
+        </p:txBody>
+      </p:sp>
+      <p:sp>
+        <p:nvSpPr>
+          <p:cNvPr id="5" name="Content Placeholder 4"/>
+          <p:cNvSpPr>
+            <a:spLocks noGrp="1"/>
+          </p:cNvSpPr>
+          <p:nvPr>
+            <p:ph idx="1"/>
+          </p:nvPr>
+        </p:nvSpPr>
+        <p:spPr>
+          <a:xfrm>
+            <a:off x="1141413" y="1712549"/>
+            <a:ext cx="11696797" cy="5458202"/>
+          </a:xfrm>
+        </p:spPr>
+        <p:txBody>
+          <a:bodyPr>
+            <a:normAutofit/>
+          </a:bodyPr>
+          <a:lstStyle/>
+          <a:p>
+            <a:pPr>
+              <a:lnSpc>
+                <a:spcPct val="100000"/>
+              </a:lnSpc>
+            </a:pPr>
+            <a:r>
+              <a:rPr lang="en-US" dirty="0"/>
+              <a:t>Separation of concerns </a:t>
+            </a:r>
+          </a:p>
+          <a:p>
+            <a:pPr lvl="1">
+              <a:lnSpc>
+                <a:spcPct val="100000"/>
+              </a:lnSpc>
+            </a:pPr>
+            <a:r>
+              <a:rPr lang="en-US" dirty="0"/>
+              <a:t>Each object and module should be in its own concern and context</a:t>
+            </a:r>
+          </a:p>
+          <a:p>
+            <a:pPr>
+              <a:lnSpc>
+                <a:spcPct val="100000"/>
+              </a:lnSpc>
+            </a:pPr>
+            <a:r>
+              <a:rPr lang="en-US" dirty="0"/>
+              <a:t>Single responsibility principle </a:t>
+            </a:r>
+          </a:p>
+          <a:p>
+            <a:pPr lvl="1">
+              <a:lnSpc>
+                <a:spcPct val="100000"/>
+              </a:lnSpc>
+            </a:pPr>
+            <a:r>
+              <a:rPr lang="en-US" dirty="0"/>
+              <a:t>Elements in our design must have a single purpose</a:t>
+            </a:r>
+          </a:p>
+          <a:p>
+            <a:pPr>
+              <a:lnSpc>
+                <a:spcPct val="100000"/>
+              </a:lnSpc>
+            </a:pPr>
+            <a:r>
+              <a:rPr lang="en-US" dirty="0"/>
+              <a:t>Principle of least knowledge </a:t>
+            </a:r>
+          </a:p>
+          <a:p>
+            <a:pPr lvl="1">
+              <a:lnSpc>
+                <a:spcPct val="100000"/>
+              </a:lnSpc>
+            </a:pPr>
+            <a:r>
+              <a:rPr lang="en-US" dirty="0"/>
+              <a:t>Components do not know about the internals of other components</a:t>
+            </a:r>
+          </a:p>
+          <a:p>
+            <a:pPr lvl="1">
+              <a:lnSpc>
+                <a:spcPct val="100000"/>
+              </a:lnSpc>
+            </a:pPr>
+            <a:r>
+              <a:rPr lang="en-US" dirty="0"/>
+              <a:t>Done through interfaces</a:t>
+            </a:r>
+          </a:p>
+          <a:p>
+            <a:pPr>
+              <a:lnSpc>
+                <a:spcPct val="100000"/>
+              </a:lnSpc>
+            </a:pPr>
+            <a:r>
+              <a:rPr lang="en-US" dirty="0"/>
+              <a:t>Don’t repeat yourself </a:t>
+            </a:r>
+          </a:p>
+          <a:p>
+            <a:pPr lvl="1">
+              <a:lnSpc>
+                <a:spcPct val="100000"/>
+              </a:lnSpc>
+            </a:pPr>
+            <a:r>
+              <a:rPr lang="en-US" dirty="0"/>
+              <a:t>Don't have multiple components with the same purpose</a:t>
+            </a:r>
+          </a:p>
+          <a:p>
+            <a:pPr>
+              <a:lnSpc>
+                <a:spcPct val="100000"/>
+              </a:lnSpc>
+            </a:pPr>
+            <a:r>
+              <a:rPr lang="en-US" dirty="0"/>
+              <a:t>Minimize upfront design</a:t>
+            </a:r>
+          </a:p>
+          <a:p>
+            <a:pPr lvl="1">
+              <a:lnSpc>
+                <a:spcPct val="100000"/>
+              </a:lnSpc>
+            </a:pPr>
+            <a:r>
+              <a:rPr lang="en-US" dirty="0"/>
+              <a:t>Try to design the minimum architecture so that developers can work</a:t>
+            </a:r>
+          </a:p>
+          <a:p>
+            <a:pPr lvl="1">
+              <a:lnSpc>
+                <a:spcPct val="100000"/>
+              </a:lnSpc>
+            </a:pPr>
+            <a:r>
+              <a:rPr lang="en-US" dirty="0"/>
+              <a:t>You will polish the next sections later</a:t>
+            </a:r>
+          </a:p>
+        </p:txBody>
+      </p:sp>
+      <p:sp>
+        <p:nvSpPr>
+          <p:cNvPr id="4" name="Title 3"/>
+          <p:cNvSpPr>
+            <a:spLocks noGrp="1"/>
+          </p:cNvSpPr>
+          <p:nvPr>
+            <p:ph type="title"/>
+          </p:nvPr>
+        </p:nvSpPr>
+        <p:spPr/>
+        <p:txBody>
+          <a:bodyPr/>
+          <a:lstStyle/>
+          <a:p>
+            <a:r>
+              <a:rPr lang="en-US" dirty="0"/>
+              <a:t>Key Principles Of Software Architectures</a:t>
+            </a:r>
+          </a:p>
+        </p:txBody>
+      </p:sp>
+    </p:spTree>
+    <p:extLst>
+      <p:ext uri="{BB962C8B-B14F-4D97-AF65-F5344CB8AC3E}">
+        <p14:creationId xmlns:p14="http://schemas.microsoft.com/office/powerpoint/2010/main" val="876470459"/>
+      </p:ext>
+    </p:extLst>
+  </p:cSld>
+  <p:clrMapOvr>
+    <a:masterClrMapping/>
+  </p:clrMapOvr>
+</p:sld>
+</file>
+
+<file path=ppt/slides/slide26.xml><?xml version="1.0" encoding="utf-8"?>
+<p:sld xmlns:a="http://schemas.openxmlformats.org/drawingml/2006/main" xmlns:r="http://schemas.openxmlformats.org/officeDocument/2006/relationships" xmlns:p="http://schemas.openxmlformats.org/presentationml/2006/main">
+  <p:cSld>
+    <p:spTree>
+      <p:nvGrpSpPr>
+        <p:cNvPr id="1" name=""/>
+        <p:cNvGrpSpPr/>
+        <p:nvPr/>
+      </p:nvGrpSpPr>
+      <p:grpSpPr>
+        <a:xfrm>
+          <a:off x="0" y="0"/>
+          <a:ext cx="0" cy="0"/>
+          <a:chOff x="0" y="0"/>
+          <a:chExt cx="0" cy="0"/>
+        </a:xfrm>
+      </p:grpSpPr>
+      <p:sp>
+        <p:nvSpPr>
           <p:cNvPr id="2" name="Title 1">
             <a:extLst>
               <a:ext uri="{FF2B5EF4-FFF2-40B4-BE49-F238E27FC236}">
@@ -14233,7 +16275,7 @@
 </p:sld>
 </file>
 
-<file path=ppt/slides/slide19.xml><?xml version="1.0" encoding="utf-8"?>
+<file path=ppt/slides/slide27.xml><?xml version="1.0" encoding="utf-8"?>
 <p:sld xmlns:a="http://schemas.openxmlformats.org/drawingml/2006/main" xmlns:r="http://schemas.openxmlformats.org/officeDocument/2006/relationships" xmlns:p="http://schemas.openxmlformats.org/presentationml/2006/main">
   <p:cSld>
     <p:spTree>
@@ -14661,230 +16703,7 @@
 </p:sld>
 </file>
 
-<file path=ppt/slides/slide2.xml><?xml version="1.0" encoding="utf-8"?>
-<p:sld xmlns:a="http://schemas.openxmlformats.org/drawingml/2006/main" xmlns:r="http://schemas.openxmlformats.org/officeDocument/2006/relationships" xmlns:p="http://schemas.openxmlformats.org/presentationml/2006/main">
-  <p:cSld>
-    <p:spTree>
-      <p:nvGrpSpPr>
-        <p:cNvPr id="1" name=""/>
-        <p:cNvGrpSpPr/>
-        <p:nvPr/>
-      </p:nvGrpSpPr>
-      <p:grpSpPr>
-        <a:xfrm>
-          <a:off x="0" y="0"/>
-          <a:ext cx="0" cy="0"/>
-          <a:chOff x="0" y="0"/>
-          <a:chExt cx="0" cy="0"/>
-        </a:xfrm>
-      </p:grpSpPr>
-      <p:sp>
-        <p:nvSpPr>
-          <p:cNvPr id="7" name="Slide Number Placeholder 3"/>
-          <p:cNvSpPr>
-            <a:spLocks noGrp="1"/>
-          </p:cNvSpPr>
-          <p:nvPr>
-            <p:ph type="sldNum" sz="quarter" idx="4294967295"/>
-          </p:nvPr>
-        </p:nvSpPr>
-        <p:spPr>
-          <a:xfrm>
-            <a:off x="11568000" y="6525003"/>
-            <a:ext cx="428822" cy="196477"/>
-          </a:xfrm>
-          <a:prstGeom prst="rect">
-            <a:avLst/>
-          </a:prstGeom>
-        </p:spPr>
-        <p:txBody>
-          <a:bodyPr/>
-          <a:lstStyle/>
-          <a:p>
-            <a:pPr>
-              <a:defRPr/>
-            </a:pPr>
-            <a:fld id="{58452FF4-89E3-4D1B-9927-2DBDC00E58D7}" type="slidenum">
-              <a:rPr lang="en-US" smtClean="0"/>
-              <a:pPr>
-                <a:defRPr/>
-              </a:pPr>
-              <a:t>2</a:t>
-            </a:fld>
-            <a:endParaRPr lang="en-US" dirty="0"/>
-          </a:p>
-        </p:txBody>
-      </p:sp>
-      <p:sp>
-        <p:nvSpPr>
-          <p:cNvPr id="5" name="Content Placeholder 4"/>
-          <p:cNvSpPr>
-            <a:spLocks noGrp="1"/>
-          </p:cNvSpPr>
-          <p:nvPr>
-            <p:ph idx="1"/>
-          </p:nvPr>
-        </p:nvSpPr>
-        <p:spPr>
-          <a:xfrm>
-            <a:off x="1141413" y="1712549"/>
-            <a:ext cx="11696797" cy="5458202"/>
-          </a:xfrm>
-        </p:spPr>
-        <p:txBody>
-          <a:bodyPr>
-            <a:normAutofit/>
-          </a:bodyPr>
-          <a:lstStyle/>
-          <a:p>
-            <a:pPr>
-              <a:lnSpc>
-                <a:spcPct val="100000"/>
-              </a:lnSpc>
-            </a:pPr>
-            <a:r>
-              <a:rPr lang="en-US" dirty="0"/>
-              <a:t>The development process is different in each company </a:t>
-            </a:r>
-          </a:p>
-          <a:p>
-            <a:pPr>
-              <a:lnSpc>
-                <a:spcPct val="100000"/>
-              </a:lnSpc>
-            </a:pPr>
-            <a:r>
-              <a:rPr lang="en-US" dirty="0"/>
-              <a:t>But there is always a need to: </a:t>
-            </a:r>
-          </a:p>
-          <a:p>
-            <a:pPr lvl="1">
-              <a:lnSpc>
-                <a:spcPct val="100000"/>
-              </a:lnSpc>
-            </a:pPr>
-            <a:r>
-              <a:rPr lang="en-US" dirty="0"/>
-              <a:t>Understand business problem </a:t>
-            </a:r>
-          </a:p>
-          <a:p>
-            <a:pPr lvl="1">
-              <a:lnSpc>
-                <a:spcPct val="100000"/>
-              </a:lnSpc>
-            </a:pPr>
-            <a:r>
-              <a:rPr lang="en-US" dirty="0"/>
-              <a:t>Document non-technical business solution </a:t>
-            </a:r>
-          </a:p>
-          <a:p>
-            <a:pPr lvl="1">
-              <a:lnSpc>
-                <a:spcPct val="100000"/>
-              </a:lnSpc>
-            </a:pPr>
-            <a:r>
-              <a:rPr lang="en-US" dirty="0"/>
-              <a:t>Convert solution to technical architecture </a:t>
-            </a:r>
-          </a:p>
-          <a:p>
-            <a:pPr lvl="1">
-              <a:lnSpc>
-                <a:spcPct val="100000"/>
-              </a:lnSpc>
-            </a:pPr>
-            <a:r>
-              <a:rPr lang="en-US" dirty="0"/>
-              <a:t>Convert architecture to code </a:t>
-            </a:r>
-          </a:p>
-          <a:p>
-            <a:pPr lvl="1">
-              <a:lnSpc>
-                <a:spcPct val="100000"/>
-              </a:lnSpc>
-            </a:pPr>
-            <a:r>
-              <a:rPr lang="en-US" dirty="0"/>
-              <a:t>Manage developers </a:t>
-            </a:r>
-          </a:p>
-          <a:p>
-            <a:pPr lvl="1">
-              <a:lnSpc>
-                <a:spcPct val="100000"/>
-              </a:lnSpc>
-            </a:pPr>
-            <a:r>
-              <a:rPr lang="en-US" dirty="0"/>
-              <a:t>Test code </a:t>
-            </a:r>
-          </a:p>
-          <a:p>
-            <a:pPr lvl="1">
-              <a:lnSpc>
-                <a:spcPct val="100000"/>
-              </a:lnSpc>
-            </a:pPr>
-            <a:r>
-              <a:rPr lang="en-US" dirty="0"/>
-              <a:t>Deploy code</a:t>
-            </a:r>
-          </a:p>
-          <a:p>
-            <a:pPr>
-              <a:lnSpc>
-                <a:spcPct val="100000"/>
-              </a:lnSpc>
-            </a:pPr>
-            <a:r>
-              <a:rPr lang="en-US" dirty="0"/>
-              <a:t>Of course, in some companies these responsibilities are mixed</a:t>
-            </a:r>
-          </a:p>
-        </p:txBody>
-      </p:sp>
-      <p:sp>
-        <p:nvSpPr>
-          <p:cNvPr id="4" name="Title 3"/>
-          <p:cNvSpPr>
-            <a:spLocks noGrp="1"/>
-          </p:cNvSpPr>
-          <p:nvPr>
-            <p:ph type="title"/>
-          </p:nvPr>
-        </p:nvSpPr>
-        <p:spPr/>
-        <p:txBody>
-          <a:bodyPr/>
-          <a:lstStyle/>
-          <a:p>
-            <a:r>
-              <a:rPr lang="en-GB" dirty="0"/>
-              <a:t>Principles Of Software Development</a:t>
-            </a:r>
-            <a:endParaRPr lang="en-US" dirty="0"/>
-          </a:p>
-        </p:txBody>
-      </p:sp>
-    </p:spTree>
-    <p:extLst>
-      <p:ext uri="{BB962C8B-B14F-4D97-AF65-F5344CB8AC3E}">
-        <p14:creationId xmlns:p14="http://schemas.microsoft.com/office/powerpoint/2010/main" val="2245006873"/>
-      </p:ext>
-    </p:extLst>
-  </p:cSld>
-  <p:clrMapOvr>
-    <a:masterClrMapping/>
-  </p:clrMapOvr>
-</p:sld>
-</file>
-
-<file path=ppt/slides/slide20.xml><?xml version="1.0" encoding="utf-8"?>
+<file path=ppt/slides/slide28.xml><?xml version="1.0" encoding="utf-8"?>
 <p:sld xmlns:a="http://schemas.openxmlformats.org/drawingml/2006/main" xmlns:r="http://schemas.openxmlformats.org/officeDocument/2006/relationships" xmlns:p="http://schemas.openxmlformats.org/presentationml/2006/main">
   <p:cSld>
     <p:spTree>
@@ -14984,7 +16803,7 @@
 </p:sld>
 </file>
 
-<file path=ppt/slides/slide21.xml><?xml version="1.0" encoding="utf-8"?>
+<file path=ppt/slides/slide29.xml><?xml version="1.0" encoding="utf-8"?>
 <p:sld xmlns:a="http://schemas.openxmlformats.org/drawingml/2006/main" xmlns:r="http://schemas.openxmlformats.org/officeDocument/2006/relationships" xmlns:p="http://schemas.openxmlformats.org/presentationml/2006/main">
   <p:cSld>
     <p:spTree>
@@ -15132,7 +16951,7 @@
               <a:pPr>
                 <a:defRPr/>
               </a:pPr>
-              <a:t>21</a:t>
+              <a:t>29</a:t>
             </a:fld>
             <a:endParaRPr lang="en-US" dirty="0"/>
           </a:p>
@@ -15385,7 +17204,136 @@
 </p:sld>
 </file>
 
-<file path=ppt/slides/slide22.xml><?xml version="1.0" encoding="utf-8"?>
+<file path=ppt/slides/slide3.xml><?xml version="1.0" encoding="utf-8"?>
+<p:sld xmlns:a="http://schemas.openxmlformats.org/drawingml/2006/main" xmlns:r="http://schemas.openxmlformats.org/officeDocument/2006/relationships" xmlns:p="http://schemas.openxmlformats.org/presentationml/2006/main">
+  <p:cSld>
+    <p:spTree>
+      <p:nvGrpSpPr>
+        <p:cNvPr id="1" name=""/>
+        <p:cNvGrpSpPr/>
+        <p:nvPr/>
+      </p:nvGrpSpPr>
+      <p:grpSpPr>
+        <a:xfrm>
+          <a:off x="0" y="0"/>
+          <a:ext cx="0" cy="0"/>
+          <a:chOff x="0" y="0"/>
+          <a:chExt cx="0" cy="0"/>
+        </a:xfrm>
+      </p:grpSpPr>
+      <p:sp>
+        <p:nvSpPr>
+          <p:cNvPr id="7" name="Slide Number Placeholder 3"/>
+          <p:cNvSpPr>
+            <a:spLocks noGrp="1"/>
+          </p:cNvSpPr>
+          <p:nvPr>
+            <p:ph type="sldNum" sz="quarter" idx="4294967295"/>
+          </p:nvPr>
+        </p:nvSpPr>
+        <p:spPr>
+          <a:xfrm>
+            <a:off x="11568000" y="6525003"/>
+            <a:ext cx="428822" cy="196477"/>
+          </a:xfrm>
+          <a:prstGeom prst="rect">
+            <a:avLst/>
+          </a:prstGeom>
+        </p:spPr>
+        <p:txBody>
+          <a:bodyPr/>
+          <a:lstStyle/>
+          <a:p>
+            <a:pPr>
+              <a:defRPr/>
+            </a:pPr>
+            <a:fld id="{58452FF4-89E3-4D1B-9927-2DBDC00E58D7}" type="slidenum">
+              <a:rPr lang="en-US" smtClean="0"/>
+              <a:pPr>
+                <a:defRPr/>
+              </a:pPr>
+              <a:t>3</a:t>
+            </a:fld>
+            <a:endParaRPr lang="en-US" dirty="0"/>
+          </a:p>
+        </p:txBody>
+      </p:sp>
+      <p:sp>
+        <p:nvSpPr>
+          <p:cNvPr id="4" name="Title 3"/>
+          <p:cNvSpPr>
+            <a:spLocks noGrp="1"/>
+          </p:cNvSpPr>
+          <p:nvPr>
+            <p:ph type="title"/>
+          </p:nvPr>
+        </p:nvSpPr>
+        <p:spPr/>
+        <p:txBody>
+          <a:bodyPr/>
+          <a:lstStyle/>
+          <a:p>
+            <a:r>
+              <a:rPr lang="en-US" dirty="0"/>
+              <a:t>main Roles In Software Development</a:t>
+            </a:r>
+          </a:p>
+        </p:txBody>
+      </p:sp>
+      <p:pic>
+        <p:nvPicPr>
+          <p:cNvPr id="6" name="Picture 5">
+            <a:extLst>
+              <a:ext uri="{FF2B5EF4-FFF2-40B4-BE49-F238E27FC236}">
+                <a16:creationId xmlns:a16="http://schemas.microsoft.com/office/drawing/2014/main" id="{8239FE3B-7EFF-4999-B985-1BC2CDC5BEF1}"/>
+              </a:ext>
+            </a:extLst>
+          </p:cNvPr>
+          <p:cNvPicPr>
+            <a:picLocks noChangeAspect="1"/>
+          </p:cNvPicPr>
+          <p:nvPr/>
+        </p:nvPicPr>
+        <p:blipFill>
+          <a:blip r:embed="rId2"/>
+          <a:stretch>
+            <a:fillRect/>
+          </a:stretch>
+        </p:blipFill>
+        <p:spPr>
+          <a:xfrm>
+            <a:off x="1881300" y="2239609"/>
+            <a:ext cx="8426224" cy="3544533"/>
+          </a:xfrm>
+          <a:prstGeom prst="rect">
+            <a:avLst/>
+          </a:prstGeom>
+          <a:ln>
+            <a:noFill/>
+          </a:ln>
+          <a:effectLst>
+            <a:outerShdw blurRad="190500" algn="tl" rotWithShape="0">
+              <a:srgbClr val="000000">
+                <a:alpha val="70000"/>
+              </a:srgbClr>
+            </a:outerShdw>
+          </a:effectLst>
+        </p:spPr>
+      </p:pic>
+    </p:spTree>
+    <p:extLst>
+      <p:ext uri="{BB962C8B-B14F-4D97-AF65-F5344CB8AC3E}">
+        <p14:creationId xmlns:p14="http://schemas.microsoft.com/office/powerpoint/2010/main" val="2864058139"/>
+      </p:ext>
+    </p:extLst>
+  </p:cSld>
+  <p:clrMapOvr>
+    <a:masterClrMapping/>
+  </p:clrMapOvr>
+</p:sld>
+</file>
+
+<file path=ppt/slides/slide30.xml><?xml version="1.0" encoding="utf-8"?>
 <p:sld xmlns:a="http://schemas.openxmlformats.org/drawingml/2006/main" xmlns:r="http://schemas.openxmlformats.org/officeDocument/2006/relationships" xmlns:p="http://schemas.openxmlformats.org/presentationml/2006/main">
   <p:cSld>
     <p:spTree>
@@ -15533,7 +17481,7 @@
               <a:pPr>
                 <a:defRPr/>
               </a:pPr>
-              <a:t>22</a:t>
+              <a:t>30</a:t>
             </a:fld>
             <a:endParaRPr lang="en-US" dirty="0"/>
           </a:p>
@@ -15781,7 +17729,7 @@
 </p:sld>
 </file>
 
-<file path=ppt/slides/slide23.xml><?xml version="1.0" encoding="utf-8"?>
+<file path=ppt/slides/slide31.xml><?xml version="1.0" encoding="utf-8"?>
 <p:sld xmlns:a="http://schemas.openxmlformats.org/drawingml/2006/main" xmlns:r="http://schemas.openxmlformats.org/officeDocument/2006/relationships" xmlns:p="http://schemas.openxmlformats.org/presentationml/2006/main">
   <p:cSld>
     <p:spTree>
@@ -16449,7 +18397,7 @@
 </p:sld>
 </file>
 
-<file path=ppt/slides/slide24.xml><?xml version="1.0" encoding="utf-8"?>
+<file path=ppt/slides/slide32.xml><?xml version="1.0" encoding="utf-8"?>
 <p:sld xmlns:a="http://schemas.openxmlformats.org/drawingml/2006/main" xmlns:r="http://schemas.openxmlformats.org/officeDocument/2006/relationships" xmlns:p="http://schemas.openxmlformats.org/presentationml/2006/main">
   <p:cSld>
     <p:spTree>
@@ -17397,7 +19345,7 @@
 </p:sld>
 </file>
 
-<file path=ppt/slides/slide25.xml><?xml version="1.0" encoding="utf-8"?>
+<file path=ppt/slides/slide33.xml><?xml version="1.0" encoding="utf-8"?>
 <p:sld xmlns:a="http://schemas.openxmlformats.org/drawingml/2006/main" xmlns:r="http://schemas.openxmlformats.org/officeDocument/2006/relationships" xmlns:p="http://schemas.openxmlformats.org/presentationml/2006/main">
   <p:cSld>
     <p:spTree>
@@ -17445,7 +19393,7 @@
               <a:pPr>
                 <a:defRPr/>
               </a:pPr>
-              <a:t>25</a:t>
+              <a:t>33</a:t>
             </a:fld>
             <a:endParaRPr lang="en-US" dirty="0"/>
           </a:p>
@@ -17621,7 +19569,7 @@
 </p:sld>
 </file>
 
-<file path=ppt/slides/slide26.xml><?xml version="1.0" encoding="utf-8"?>
+<file path=ppt/slides/slide34.xml><?xml version="1.0" encoding="utf-8"?>
 <p:sld xmlns:a="http://schemas.openxmlformats.org/drawingml/2006/main" xmlns:r="http://schemas.openxmlformats.org/officeDocument/2006/relationships" xmlns:p="http://schemas.openxmlformats.org/presentationml/2006/main">
   <p:cSld>
     <p:spTree>
@@ -17669,7 +19617,7 @@
               <a:pPr>
                 <a:defRPr/>
               </a:pPr>
-              <a:t>26</a:t>
+              <a:t>34</a:t>
             </a:fld>
             <a:endParaRPr lang="en-US" dirty="0"/>
           </a:p>
@@ -17901,7 +19849,7 @@
 </p:sld>
 </file>
 
-<file path=ppt/slides/slide27.xml><?xml version="1.0" encoding="utf-8"?>
+<file path=ppt/slides/slide35.xml><?xml version="1.0" encoding="utf-8"?>
 <p:sld xmlns:a="http://schemas.openxmlformats.org/drawingml/2006/main" xmlns:r="http://schemas.openxmlformats.org/officeDocument/2006/relationships" xmlns:p="http://schemas.openxmlformats.org/presentationml/2006/main">
   <p:cSld>
     <p:spTree>
@@ -17949,7 +19897,7 @@
               <a:pPr>
                 <a:defRPr/>
               </a:pPr>
-              <a:t>27</a:t>
+              <a:t>35</a:t>
             </a:fld>
             <a:endParaRPr lang="en-US" dirty="0"/>
           </a:p>
@@ -18137,7 +20085,7 @@
 </p:sld>
 </file>
 
-<file path=ppt/slides/slide28.xml><?xml version="1.0" encoding="utf-8"?>
+<file path=ppt/slides/slide36.xml><?xml version="1.0" encoding="utf-8"?>
 <p:sld xmlns:a="http://schemas.openxmlformats.org/drawingml/2006/main" xmlns:r="http://schemas.openxmlformats.org/officeDocument/2006/relationships" xmlns:p="http://schemas.openxmlformats.org/presentationml/2006/main">
   <p:cSld>
     <p:spTree>
@@ -18185,7 +20133,7 @@
               <a:pPr>
                 <a:defRPr/>
               </a:pPr>
-              <a:t>28</a:t>
+              <a:t>36</a:t>
             </a:fld>
             <a:endParaRPr lang="en-US" dirty="0"/>
           </a:p>
@@ -18361,7 +20309,7 @@
 </p:sld>
 </file>
 
-<file path=ppt/slides/slide29.xml><?xml version="1.0" encoding="utf-8"?>
+<file path=ppt/slides/slide37.xml><?xml version="1.0" encoding="utf-8"?>
 <p:sld xmlns:a="http://schemas.openxmlformats.org/drawingml/2006/main" xmlns:r="http://schemas.openxmlformats.org/officeDocument/2006/relationships" xmlns:p="http://schemas.openxmlformats.org/presentationml/2006/main">
   <p:cSld>
     <p:spTree>
@@ -18409,7 +20357,7 @@
               <a:pPr>
                 <a:defRPr/>
               </a:pPr>
-              <a:t>29</a:t>
+              <a:t>37</a:t>
             </a:fld>
             <a:endParaRPr lang="en-US" dirty="0"/>
           </a:p>
@@ -18596,7 +20544,7 @@
 </p:sld>
 </file>
 
-<file path=ppt/slides/slide3.xml><?xml version="1.0" encoding="utf-8"?>
+<file path=ppt/slides/slide38.xml><?xml version="1.0" encoding="utf-8"?>
 <p:sld xmlns:a="http://schemas.openxmlformats.org/drawingml/2006/main" xmlns:r="http://schemas.openxmlformats.org/officeDocument/2006/relationships" xmlns:p="http://schemas.openxmlformats.org/presentationml/2006/main">
   <p:cSld>
     <p:spTree>
@@ -18644,136 +20592,7 @@
               <a:pPr>
                 <a:defRPr/>
               </a:pPr>
-              <a:t>3</a:t>
-            </a:fld>
-            <a:endParaRPr lang="en-US" dirty="0"/>
-          </a:p>
-        </p:txBody>
-      </p:sp>
-      <p:sp>
-        <p:nvSpPr>
-          <p:cNvPr id="4" name="Title 3"/>
-          <p:cNvSpPr>
-            <a:spLocks noGrp="1"/>
-          </p:cNvSpPr>
-          <p:nvPr>
-            <p:ph type="title"/>
-          </p:nvPr>
-        </p:nvSpPr>
-        <p:spPr/>
-        <p:txBody>
-          <a:bodyPr/>
-          <a:lstStyle/>
-          <a:p>
-            <a:r>
-              <a:rPr lang="en-US" dirty="0"/>
-              <a:t>main Roles In Software Development</a:t>
-            </a:r>
-          </a:p>
-        </p:txBody>
-      </p:sp>
-      <p:pic>
-        <p:nvPicPr>
-          <p:cNvPr id="6" name="Picture 5">
-            <a:extLst>
-              <a:ext uri="{FF2B5EF4-FFF2-40B4-BE49-F238E27FC236}">
-                <a16:creationId xmlns:a16="http://schemas.microsoft.com/office/drawing/2014/main" id="{8239FE3B-7EFF-4999-B985-1BC2CDC5BEF1}"/>
-              </a:ext>
-            </a:extLst>
-          </p:cNvPr>
-          <p:cNvPicPr>
-            <a:picLocks noChangeAspect="1"/>
-          </p:cNvPicPr>
-          <p:nvPr/>
-        </p:nvPicPr>
-        <p:blipFill>
-          <a:blip r:embed="rId2"/>
-          <a:stretch>
-            <a:fillRect/>
-          </a:stretch>
-        </p:blipFill>
-        <p:spPr>
-          <a:xfrm>
-            <a:off x="1881300" y="2239609"/>
-            <a:ext cx="8426224" cy="3544533"/>
-          </a:xfrm>
-          <a:prstGeom prst="rect">
-            <a:avLst/>
-          </a:prstGeom>
-          <a:ln>
-            <a:noFill/>
-          </a:ln>
-          <a:effectLst>
-            <a:outerShdw blurRad="190500" algn="tl" rotWithShape="0">
-              <a:srgbClr val="000000">
-                <a:alpha val="70000"/>
-              </a:srgbClr>
-            </a:outerShdw>
-          </a:effectLst>
-        </p:spPr>
-      </p:pic>
-    </p:spTree>
-    <p:extLst>
-      <p:ext uri="{BB962C8B-B14F-4D97-AF65-F5344CB8AC3E}">
-        <p14:creationId xmlns:p14="http://schemas.microsoft.com/office/powerpoint/2010/main" val="2864058139"/>
-      </p:ext>
-    </p:extLst>
-  </p:cSld>
-  <p:clrMapOvr>
-    <a:masterClrMapping/>
-  </p:clrMapOvr>
-</p:sld>
-</file>
-
-<file path=ppt/slides/slide30.xml><?xml version="1.0" encoding="utf-8"?>
-<p:sld xmlns:a="http://schemas.openxmlformats.org/drawingml/2006/main" xmlns:r="http://schemas.openxmlformats.org/officeDocument/2006/relationships" xmlns:p="http://schemas.openxmlformats.org/presentationml/2006/main">
-  <p:cSld>
-    <p:spTree>
-      <p:nvGrpSpPr>
-        <p:cNvPr id="1" name=""/>
-        <p:cNvGrpSpPr/>
-        <p:nvPr/>
-      </p:nvGrpSpPr>
-      <p:grpSpPr>
-        <a:xfrm>
-          <a:off x="0" y="0"/>
-          <a:ext cx="0" cy="0"/>
-          <a:chOff x="0" y="0"/>
-          <a:chExt cx="0" cy="0"/>
-        </a:xfrm>
-      </p:grpSpPr>
-      <p:sp>
-        <p:nvSpPr>
-          <p:cNvPr id="7" name="Slide Number Placeholder 3"/>
-          <p:cNvSpPr>
-            <a:spLocks noGrp="1"/>
-          </p:cNvSpPr>
-          <p:nvPr>
-            <p:ph type="sldNum" sz="quarter" idx="4294967295"/>
-          </p:nvPr>
-        </p:nvSpPr>
-        <p:spPr>
-          <a:xfrm>
-            <a:off x="11568000" y="6525003"/>
-            <a:ext cx="428822" cy="196477"/>
-          </a:xfrm>
-          <a:prstGeom prst="rect">
-            <a:avLst/>
-          </a:prstGeom>
-        </p:spPr>
-        <p:txBody>
-          <a:bodyPr/>
-          <a:lstStyle/>
-          <a:p>
-            <a:pPr>
-              <a:defRPr/>
-            </a:pPr>
-            <a:fld id="{58452FF4-89E3-4D1B-9927-2DBDC00E58D7}" type="slidenum">
-              <a:rPr lang="en-US" smtClean="0"/>
-              <a:pPr>
-                <a:defRPr/>
-              </a:pPr>
-              <a:t>30</a:t>
+              <a:t>38</a:t>
             </a:fld>
             <a:endParaRPr lang="en-US" dirty="0"/>
           </a:p>
@@ -18927,7 +20746,7 @@
 </p:sld>
 </file>
 
-<file path=ppt/slides/slide31.xml><?xml version="1.0" encoding="utf-8"?>
+<file path=ppt/slides/slide39.xml><?xml version="1.0" encoding="utf-8"?>
 <p:sld xmlns:a="http://schemas.openxmlformats.org/drawingml/2006/main" xmlns:r="http://schemas.openxmlformats.org/officeDocument/2006/relationships" xmlns:p="http://schemas.openxmlformats.org/presentationml/2006/main">
   <p:cSld>
     <p:spTree>
@@ -18975,7 +20794,7 @@
               <a:pPr>
                 <a:defRPr/>
               </a:pPr>
-              <a:t>31</a:t>
+              <a:t>39</a:t>
             </a:fld>
             <a:endParaRPr lang="en-US" dirty="0"/>
           </a:p>
@@ -19150,7 +20969,7 @@
 </p:sld>
 </file>
 
-<file path=ppt/slides/slide32.xml><?xml version="1.0" encoding="utf-8"?>
+<file path=ppt/slides/slide4.xml><?xml version="1.0" encoding="utf-8"?>
 <p:sld xmlns:a="http://schemas.openxmlformats.org/drawingml/2006/main" xmlns:r="http://schemas.openxmlformats.org/officeDocument/2006/relationships" xmlns:p="http://schemas.openxmlformats.org/presentationml/2006/main">
   <p:cSld>
     <p:spTree>
@@ -19198,7 +21017,230 @@
               <a:pPr>
                 <a:defRPr/>
               </a:pPr>
-              <a:t>32</a:t>
+              <a:t>4</a:t>
+            </a:fld>
+            <a:endParaRPr lang="en-US" dirty="0"/>
+          </a:p>
+        </p:txBody>
+      </p:sp>
+      <p:sp>
+        <p:nvSpPr>
+          <p:cNvPr id="5" name="Content Placeholder 4"/>
+          <p:cNvSpPr>
+            <a:spLocks noGrp="1"/>
+          </p:cNvSpPr>
+          <p:nvPr>
+            <p:ph idx="1"/>
+          </p:nvPr>
+        </p:nvSpPr>
+        <p:spPr>
+          <a:xfrm>
+            <a:off x="1141413" y="1712549"/>
+            <a:ext cx="11696797" cy="5458202"/>
+          </a:xfrm>
+        </p:spPr>
+        <p:txBody>
+          <a:bodyPr>
+            <a:normAutofit/>
+          </a:bodyPr>
+          <a:lstStyle/>
+          <a:p>
+            <a:pPr>
+              <a:lnSpc>
+                <a:spcPct val="100000"/>
+              </a:lnSpc>
+            </a:pPr>
+            <a:r>
+              <a:rPr lang="en-US" dirty="0"/>
+              <a:t>Understanding the Business</a:t>
+            </a:r>
+          </a:p>
+          <a:p>
+            <a:pPr lvl="1">
+              <a:lnSpc>
+                <a:spcPct val="100000"/>
+              </a:lnSpc>
+            </a:pPr>
+            <a:r>
+              <a:rPr lang="en-US" dirty="0"/>
+              <a:t>The more business understanding you have, the more useful you will be </a:t>
+            </a:r>
+          </a:p>
+          <a:p>
+            <a:pPr>
+              <a:lnSpc>
+                <a:spcPct val="100000"/>
+              </a:lnSpc>
+            </a:pPr>
+            <a:r>
+              <a:rPr lang="en-US" dirty="0"/>
+              <a:t>Cross-Domain Understanding </a:t>
+            </a:r>
+          </a:p>
+          <a:p>
+            <a:pPr lvl="1">
+              <a:lnSpc>
+                <a:spcPct val="100000"/>
+              </a:lnSpc>
+            </a:pPr>
+            <a:r>
+              <a:rPr lang="en-US" dirty="0"/>
+              <a:t>You know bits of the other roles in the team as well</a:t>
+            </a:r>
+          </a:p>
+          <a:p>
+            <a:pPr>
+              <a:lnSpc>
+                <a:spcPct val="100000"/>
+              </a:lnSpc>
+            </a:pPr>
+            <a:r>
+              <a:rPr lang="en-US" dirty="0"/>
+              <a:t>Multiple Perspectives </a:t>
+            </a:r>
+          </a:p>
+          <a:p>
+            <a:pPr lvl="1">
+              <a:lnSpc>
+                <a:spcPct val="100000"/>
+              </a:lnSpc>
+            </a:pPr>
+            <a:r>
+              <a:rPr lang="en-US" dirty="0"/>
+              <a:t>You need to see the problem from everyone's point of view</a:t>
+            </a:r>
+          </a:p>
+          <a:p>
+            <a:pPr>
+              <a:lnSpc>
+                <a:spcPct val="100000"/>
+              </a:lnSpc>
+            </a:pPr>
+            <a:r>
+              <a:rPr lang="en-US" dirty="0"/>
+              <a:t>People Skills </a:t>
+            </a:r>
+          </a:p>
+          <a:p>
+            <a:pPr lvl="1">
+              <a:lnSpc>
+                <a:spcPct val="100000"/>
+              </a:lnSpc>
+            </a:pPr>
+            <a:r>
+              <a:rPr lang="en-US" dirty="0"/>
+              <a:t>Just to make sure communication goes smoothly</a:t>
+            </a:r>
+          </a:p>
+          <a:p>
+            <a:pPr>
+              <a:lnSpc>
+                <a:spcPct val="100000"/>
+              </a:lnSpc>
+            </a:pPr>
+            <a:r>
+              <a:rPr lang="en-US" dirty="0"/>
+              <a:t>Lifelong Learning</a:t>
+            </a:r>
+          </a:p>
+          <a:p>
+            <a:pPr lvl="1">
+              <a:lnSpc>
+                <a:spcPct val="100000"/>
+              </a:lnSpc>
+            </a:pPr>
+            <a:r>
+              <a:rPr lang="en-US" dirty="0"/>
+              <a:t>IT is moving super fast; you need to stay relevant</a:t>
+            </a:r>
+          </a:p>
+        </p:txBody>
+      </p:sp>
+      <p:sp>
+        <p:nvSpPr>
+          <p:cNvPr id="4" name="Title 3"/>
+          <p:cNvSpPr>
+            <a:spLocks noGrp="1"/>
+          </p:cNvSpPr>
+          <p:nvPr>
+            <p:ph type="title"/>
+          </p:nvPr>
+        </p:nvSpPr>
+        <p:spPr/>
+        <p:txBody>
+          <a:bodyPr/>
+          <a:lstStyle/>
+          <a:p>
+            <a:r>
+              <a:rPr lang="en-GB" dirty="0"/>
+              <a:t>Required skills by everybody in the team</a:t>
+            </a:r>
+            <a:endParaRPr lang="en-US" dirty="0"/>
+          </a:p>
+        </p:txBody>
+      </p:sp>
+    </p:spTree>
+    <p:extLst>
+      <p:ext uri="{BB962C8B-B14F-4D97-AF65-F5344CB8AC3E}">
+        <p14:creationId xmlns:p14="http://schemas.microsoft.com/office/powerpoint/2010/main" val="553259725"/>
+      </p:ext>
+    </p:extLst>
+  </p:cSld>
+  <p:clrMapOvr>
+    <a:masterClrMapping/>
+  </p:clrMapOvr>
+</p:sld>
+</file>
+
+<file path=ppt/slides/slide40.xml><?xml version="1.0" encoding="utf-8"?>
+<p:sld xmlns:a="http://schemas.openxmlformats.org/drawingml/2006/main" xmlns:r="http://schemas.openxmlformats.org/officeDocument/2006/relationships" xmlns:p="http://schemas.openxmlformats.org/presentationml/2006/main">
+  <p:cSld>
+    <p:spTree>
+      <p:nvGrpSpPr>
+        <p:cNvPr id="1" name=""/>
+        <p:cNvGrpSpPr/>
+        <p:nvPr/>
+      </p:nvGrpSpPr>
+      <p:grpSpPr>
+        <a:xfrm>
+          <a:off x="0" y="0"/>
+          <a:ext cx="0" cy="0"/>
+          <a:chOff x="0" y="0"/>
+          <a:chExt cx="0" cy="0"/>
+        </a:xfrm>
+      </p:grpSpPr>
+      <p:sp>
+        <p:nvSpPr>
+          <p:cNvPr id="7" name="Slide Number Placeholder 3"/>
+          <p:cNvSpPr>
+            <a:spLocks noGrp="1"/>
+          </p:cNvSpPr>
+          <p:nvPr>
+            <p:ph type="sldNum" sz="quarter" idx="4294967295"/>
+          </p:nvPr>
+        </p:nvSpPr>
+        <p:spPr>
+          <a:xfrm>
+            <a:off x="11568000" y="6525003"/>
+            <a:ext cx="428822" cy="196477"/>
+          </a:xfrm>
+          <a:prstGeom prst="rect">
+            <a:avLst/>
+          </a:prstGeom>
+        </p:spPr>
+        <p:txBody>
+          <a:bodyPr/>
+          <a:lstStyle/>
+          <a:p>
+            <a:pPr>
+              <a:defRPr/>
+            </a:pPr>
+            <a:fld id="{58452FF4-89E3-4D1B-9927-2DBDC00E58D7}" type="slidenum">
+              <a:rPr lang="en-US" smtClean="0"/>
+              <a:pPr>
+                <a:defRPr/>
+              </a:pPr>
+              <a:t>40</a:t>
             </a:fld>
             <a:endParaRPr lang="en-US" dirty="0"/>
           </a:p>
@@ -19285,7 +21327,7 @@
 </p:sld>
 </file>
 
-<file path=ppt/slides/slide33.xml><?xml version="1.0" encoding="utf-8"?>
+<file path=ppt/slides/slide41.xml><?xml version="1.0" encoding="utf-8"?>
 <p:sld xmlns:a="http://schemas.openxmlformats.org/drawingml/2006/main" xmlns:r="http://schemas.openxmlformats.org/officeDocument/2006/relationships" xmlns:p="http://schemas.openxmlformats.org/presentationml/2006/main">
   <p:cSld>
     <p:spTree>
@@ -19362,7 +21404,7 @@
 </p:sld>
 </file>
 
-<file path=ppt/slides/slide34.xml><?xml version="1.0" encoding="utf-8"?>
+<file path=ppt/slides/slide42.xml><?xml version="1.0" encoding="utf-8"?>
 <p:sld xmlns:a="http://schemas.openxmlformats.org/drawingml/2006/main" xmlns:r="http://schemas.openxmlformats.org/officeDocument/2006/relationships" xmlns:p="http://schemas.openxmlformats.org/presentationml/2006/main">
   <p:cSld>
     <p:spTree>
@@ -20270,7 +22312,7 @@
 </p:sld>
 </file>
 
-<file path=ppt/slides/slide35.xml><?xml version="1.0" encoding="utf-8"?>
+<file path=ppt/slides/slide43.xml><?xml version="1.0" encoding="utf-8"?>
 <p:sld xmlns:a="http://schemas.openxmlformats.org/drawingml/2006/main" xmlns:r="http://schemas.openxmlformats.org/officeDocument/2006/relationships" xmlns:p="http://schemas.openxmlformats.org/presentationml/2006/main">
   <p:cSld>
     <p:spTree>
@@ -20330,7 +22372,7 @@
 </p:sld>
 </file>
 
-<file path=ppt/slides/slide36.xml><?xml version="1.0" encoding="utf-8"?>
+<file path=ppt/slides/slide44.xml><?xml version="1.0" encoding="utf-8"?>
 <p:sld xmlns:a="http://schemas.openxmlformats.org/drawingml/2006/main" xmlns:r="http://schemas.openxmlformats.org/officeDocument/2006/relationships" xmlns:p="http://schemas.openxmlformats.org/presentationml/2006/main">
   <p:cSld>
     <p:spTree>
@@ -20410,7 +22452,7 @@
 </p:sld>
 </file>
 
-<file path=ppt/slides/slide37.xml><?xml version="1.0" encoding="utf-8"?>
+<file path=ppt/slides/slide45.xml><?xml version="1.0" encoding="utf-8"?>
 <p:sld xmlns:a="http://schemas.openxmlformats.org/drawingml/2006/main" xmlns:r="http://schemas.openxmlformats.org/officeDocument/2006/relationships" xmlns:p="http://schemas.openxmlformats.org/presentationml/2006/main">
   <p:cSld>
     <p:spTree>
@@ -20458,7 +22500,7 @@
               <a:pPr>
                 <a:defRPr/>
               </a:pPr>
-              <a:t>37</a:t>
+              <a:t>45</a:t>
             </a:fld>
             <a:endParaRPr lang="en-US" dirty="0"/>
           </a:p>
@@ -20671,7 +22713,7 @@
 </p:sld>
 </file>
 
-<file path=ppt/slides/slide38.xml><?xml version="1.0" encoding="utf-8"?>
+<file path=ppt/slides/slide46.xml><?xml version="1.0" encoding="utf-8"?>
 <p:sld xmlns:a="http://schemas.openxmlformats.org/drawingml/2006/main" xmlns:r="http://schemas.openxmlformats.org/officeDocument/2006/relationships" xmlns:p="http://schemas.openxmlformats.org/presentationml/2006/main">
   <p:cSld>
     <p:spTree>
@@ -20719,7 +22761,7 @@
               <a:pPr>
                 <a:defRPr/>
               </a:pPr>
-              <a:t>38</a:t>
+              <a:t>46</a:t>
             </a:fld>
             <a:endParaRPr lang="en-US" dirty="0"/>
           </a:p>
@@ -20874,7 +22916,7 @@
 </p:sld>
 </file>
 
-<file path=ppt/slides/slide39.xml><?xml version="1.0" encoding="utf-8"?>
+<file path=ppt/slides/slide47.xml><?xml version="1.0" encoding="utf-8"?>
 <p:sld xmlns:a="http://schemas.openxmlformats.org/drawingml/2006/main" xmlns:r="http://schemas.openxmlformats.org/officeDocument/2006/relationships" xmlns:p="http://schemas.openxmlformats.org/presentationml/2006/main">
   <p:cSld>
     <p:spTree>
@@ -20922,7 +22964,7 @@
               <a:pPr>
                 <a:defRPr/>
               </a:pPr>
-              <a:t>39</a:t>
+              <a:t>47</a:t>
             </a:fld>
             <a:endParaRPr lang="en-US" dirty="0"/>
           </a:p>
@@ -21118,7 +23160,7 @@
 </p:sld>
 </file>
 
-<file path=ppt/slides/slide4.xml><?xml version="1.0" encoding="utf-8"?>
+<file path=ppt/slides/slide48.xml><?xml version="1.0" encoding="utf-8"?>
 <p:sld xmlns:a="http://schemas.openxmlformats.org/drawingml/2006/main" xmlns:r="http://schemas.openxmlformats.org/officeDocument/2006/relationships" xmlns:p="http://schemas.openxmlformats.org/presentationml/2006/main">
   <p:cSld>
     <p:spTree>
@@ -21166,230 +23208,7 @@
               <a:pPr>
                 <a:defRPr/>
               </a:pPr>
-              <a:t>4</a:t>
-            </a:fld>
-            <a:endParaRPr lang="en-US" dirty="0"/>
-          </a:p>
-        </p:txBody>
-      </p:sp>
-      <p:sp>
-        <p:nvSpPr>
-          <p:cNvPr id="5" name="Content Placeholder 4"/>
-          <p:cNvSpPr>
-            <a:spLocks noGrp="1"/>
-          </p:cNvSpPr>
-          <p:nvPr>
-            <p:ph idx="1"/>
-          </p:nvPr>
-        </p:nvSpPr>
-        <p:spPr>
-          <a:xfrm>
-            <a:off x="1141413" y="1712549"/>
-            <a:ext cx="11696797" cy="5458202"/>
-          </a:xfrm>
-        </p:spPr>
-        <p:txBody>
-          <a:bodyPr>
-            <a:normAutofit/>
-          </a:bodyPr>
-          <a:lstStyle/>
-          <a:p>
-            <a:pPr>
-              <a:lnSpc>
-                <a:spcPct val="100000"/>
-              </a:lnSpc>
-            </a:pPr>
-            <a:r>
-              <a:rPr lang="en-US" dirty="0"/>
-              <a:t>Understanding the Business</a:t>
-            </a:r>
-          </a:p>
-          <a:p>
-            <a:pPr lvl="1">
-              <a:lnSpc>
-                <a:spcPct val="100000"/>
-              </a:lnSpc>
-            </a:pPr>
-            <a:r>
-              <a:rPr lang="en-US" dirty="0"/>
-              <a:t>The more business understanding you have, the more useful you will be </a:t>
-            </a:r>
-          </a:p>
-          <a:p>
-            <a:pPr>
-              <a:lnSpc>
-                <a:spcPct val="100000"/>
-              </a:lnSpc>
-            </a:pPr>
-            <a:r>
-              <a:rPr lang="en-US" dirty="0"/>
-              <a:t>Cross-Domain Understanding </a:t>
-            </a:r>
-          </a:p>
-          <a:p>
-            <a:pPr lvl="1">
-              <a:lnSpc>
-                <a:spcPct val="100000"/>
-              </a:lnSpc>
-            </a:pPr>
-            <a:r>
-              <a:rPr lang="en-US" dirty="0"/>
-              <a:t>You know bits of the other roles in the team as well</a:t>
-            </a:r>
-          </a:p>
-          <a:p>
-            <a:pPr>
-              <a:lnSpc>
-                <a:spcPct val="100000"/>
-              </a:lnSpc>
-            </a:pPr>
-            <a:r>
-              <a:rPr lang="en-US" dirty="0"/>
-              <a:t>Multiple Perspectives </a:t>
-            </a:r>
-          </a:p>
-          <a:p>
-            <a:pPr lvl="1">
-              <a:lnSpc>
-                <a:spcPct val="100000"/>
-              </a:lnSpc>
-            </a:pPr>
-            <a:r>
-              <a:rPr lang="en-US" dirty="0"/>
-              <a:t>You need to see the problem from everyone's point of view</a:t>
-            </a:r>
-          </a:p>
-          <a:p>
-            <a:pPr>
-              <a:lnSpc>
-                <a:spcPct val="100000"/>
-              </a:lnSpc>
-            </a:pPr>
-            <a:r>
-              <a:rPr lang="en-US" dirty="0"/>
-              <a:t>People Skills </a:t>
-            </a:r>
-          </a:p>
-          <a:p>
-            <a:pPr lvl="1">
-              <a:lnSpc>
-                <a:spcPct val="100000"/>
-              </a:lnSpc>
-            </a:pPr>
-            <a:r>
-              <a:rPr lang="en-US" dirty="0"/>
-              <a:t>Just to make sure communication goes smoothly</a:t>
-            </a:r>
-          </a:p>
-          <a:p>
-            <a:pPr>
-              <a:lnSpc>
-                <a:spcPct val="100000"/>
-              </a:lnSpc>
-            </a:pPr>
-            <a:r>
-              <a:rPr lang="en-US" dirty="0"/>
-              <a:t>Lifelong Learning</a:t>
-            </a:r>
-          </a:p>
-          <a:p>
-            <a:pPr lvl="1">
-              <a:lnSpc>
-                <a:spcPct val="100000"/>
-              </a:lnSpc>
-            </a:pPr>
-            <a:r>
-              <a:rPr lang="en-US" dirty="0"/>
-              <a:t>IT is moving super fast; you need to stay relevant</a:t>
-            </a:r>
-          </a:p>
-        </p:txBody>
-      </p:sp>
-      <p:sp>
-        <p:nvSpPr>
-          <p:cNvPr id="4" name="Title 3"/>
-          <p:cNvSpPr>
-            <a:spLocks noGrp="1"/>
-          </p:cNvSpPr>
-          <p:nvPr>
-            <p:ph type="title"/>
-          </p:nvPr>
-        </p:nvSpPr>
-        <p:spPr/>
-        <p:txBody>
-          <a:bodyPr/>
-          <a:lstStyle/>
-          <a:p>
-            <a:r>
-              <a:rPr lang="en-GB" dirty="0"/>
-              <a:t>Required skills by everybody in the team</a:t>
-            </a:r>
-            <a:endParaRPr lang="en-US" dirty="0"/>
-          </a:p>
-        </p:txBody>
-      </p:sp>
-    </p:spTree>
-    <p:extLst>
-      <p:ext uri="{BB962C8B-B14F-4D97-AF65-F5344CB8AC3E}">
-        <p14:creationId xmlns:p14="http://schemas.microsoft.com/office/powerpoint/2010/main" val="553259725"/>
-      </p:ext>
-    </p:extLst>
-  </p:cSld>
-  <p:clrMapOvr>
-    <a:masterClrMapping/>
-  </p:clrMapOvr>
-</p:sld>
-</file>
-
-<file path=ppt/slides/slide40.xml><?xml version="1.0" encoding="utf-8"?>
-<p:sld xmlns:a="http://schemas.openxmlformats.org/drawingml/2006/main" xmlns:r="http://schemas.openxmlformats.org/officeDocument/2006/relationships" xmlns:p="http://schemas.openxmlformats.org/presentationml/2006/main">
-  <p:cSld>
-    <p:spTree>
-      <p:nvGrpSpPr>
-        <p:cNvPr id="1" name=""/>
-        <p:cNvGrpSpPr/>
-        <p:nvPr/>
-      </p:nvGrpSpPr>
-      <p:grpSpPr>
-        <a:xfrm>
-          <a:off x="0" y="0"/>
-          <a:ext cx="0" cy="0"/>
-          <a:chOff x="0" y="0"/>
-          <a:chExt cx="0" cy="0"/>
-        </a:xfrm>
-      </p:grpSpPr>
-      <p:sp>
-        <p:nvSpPr>
-          <p:cNvPr id="7" name="Slide Number Placeholder 3"/>
-          <p:cNvSpPr>
-            <a:spLocks noGrp="1"/>
-          </p:cNvSpPr>
-          <p:nvPr>
-            <p:ph type="sldNum" sz="quarter" idx="4294967295"/>
-          </p:nvPr>
-        </p:nvSpPr>
-        <p:spPr>
-          <a:xfrm>
-            <a:off x="11568000" y="6525003"/>
-            <a:ext cx="428822" cy="196477"/>
-          </a:xfrm>
-          <a:prstGeom prst="rect">
-            <a:avLst/>
-          </a:prstGeom>
-        </p:spPr>
-        <p:txBody>
-          <a:bodyPr/>
-          <a:lstStyle/>
-          <a:p>
-            <a:pPr>
-              <a:defRPr/>
-            </a:pPr>
-            <a:fld id="{58452FF4-89E3-4D1B-9927-2DBDC00E58D7}" type="slidenum">
-              <a:rPr lang="en-US" smtClean="0"/>
-              <a:pPr>
-                <a:defRPr/>
-              </a:pPr>
-              <a:t>40</a:t>
+              <a:t>48</a:t>
             </a:fld>
             <a:endParaRPr lang="en-US" dirty="0"/>
           </a:p>
@@ -21477,7 +23296,7 @@
 </p:sld>
 </file>
 
-<file path=ppt/slides/slide41.xml><?xml version="1.0" encoding="utf-8"?>
+<file path=ppt/slides/slide49.xml><?xml version="1.0" encoding="utf-8"?>
 <p:sld xmlns:a="http://schemas.openxmlformats.org/drawingml/2006/main" xmlns:r="http://schemas.openxmlformats.org/officeDocument/2006/relationships" xmlns:p="http://schemas.openxmlformats.org/presentationml/2006/main">
   <p:cSld>
     <p:spTree>
@@ -21525,7 +23344,7 @@
               <a:pPr>
                 <a:defRPr/>
               </a:pPr>
-              <a:t>41</a:t>
+              <a:t>49</a:t>
             </a:fld>
             <a:endParaRPr lang="en-US" dirty="0"/>
           </a:p>
@@ -21695,735 +23514,6 @@
     <p:extLst>
       <p:ext uri="{BB962C8B-B14F-4D97-AF65-F5344CB8AC3E}">
         <p14:creationId xmlns:p14="http://schemas.microsoft.com/office/powerpoint/2010/main" val="174063324"/>
-      </p:ext>
-    </p:extLst>
-  </p:cSld>
-  <p:clrMapOvr>
-    <a:masterClrMapping/>
-  </p:clrMapOvr>
-</p:sld>
-</file>
-
-<file path=ppt/slides/slide42.xml><?xml version="1.0" encoding="utf-8"?>
-<p:sld xmlns:a="http://schemas.openxmlformats.org/drawingml/2006/main" xmlns:r="http://schemas.openxmlformats.org/officeDocument/2006/relationships" xmlns:p="http://schemas.openxmlformats.org/presentationml/2006/main">
-  <p:cSld>
-    <p:spTree>
-      <p:nvGrpSpPr>
-        <p:cNvPr id="1" name=""/>
-        <p:cNvGrpSpPr/>
-        <p:nvPr/>
-      </p:nvGrpSpPr>
-      <p:grpSpPr>
-        <a:xfrm>
-          <a:off x="0" y="0"/>
-          <a:ext cx="0" cy="0"/>
-          <a:chOff x="0" y="0"/>
-          <a:chExt cx="0" cy="0"/>
-        </a:xfrm>
-      </p:grpSpPr>
-      <p:sp>
-        <p:nvSpPr>
-          <p:cNvPr id="7" name="Slide Number Placeholder 3"/>
-          <p:cNvSpPr>
-            <a:spLocks noGrp="1"/>
-          </p:cNvSpPr>
-          <p:nvPr>
-            <p:ph type="sldNum" sz="quarter" idx="4294967295"/>
-          </p:nvPr>
-        </p:nvSpPr>
-        <p:spPr>
-          <a:xfrm>
-            <a:off x="11568000" y="6525003"/>
-            <a:ext cx="428822" cy="196477"/>
-          </a:xfrm>
-          <a:prstGeom prst="rect">
-            <a:avLst/>
-          </a:prstGeom>
-        </p:spPr>
-        <p:txBody>
-          <a:bodyPr/>
-          <a:lstStyle/>
-          <a:p>
-            <a:pPr>
-              <a:defRPr/>
-            </a:pPr>
-            <a:fld id="{58452FF4-89E3-4D1B-9927-2DBDC00E58D7}" type="slidenum">
-              <a:rPr lang="en-US" smtClean="0"/>
-              <a:pPr>
-                <a:defRPr/>
-              </a:pPr>
-              <a:t>42</a:t>
-            </a:fld>
-            <a:endParaRPr lang="en-US" dirty="0"/>
-          </a:p>
-        </p:txBody>
-      </p:sp>
-      <p:sp>
-        <p:nvSpPr>
-          <p:cNvPr id="5" name="Content Placeholder 4"/>
-          <p:cNvSpPr>
-            <a:spLocks noGrp="1"/>
-          </p:cNvSpPr>
-          <p:nvPr>
-            <p:ph idx="1"/>
-          </p:nvPr>
-        </p:nvSpPr>
-        <p:spPr>
-          <a:xfrm>
-            <a:off x="1141413" y="1712549"/>
-            <a:ext cx="11696797" cy="5458202"/>
-          </a:xfrm>
-        </p:spPr>
-        <p:txBody>
-          <a:bodyPr>
-            <a:normAutofit/>
-          </a:bodyPr>
-          <a:lstStyle/>
-          <a:p>
-            <a:pPr>
-              <a:lnSpc>
-                <a:spcPct val="100000"/>
-              </a:lnSpc>
-            </a:pPr>
-            <a:r>
-              <a:rPr lang="en-US" dirty="0"/>
-              <a:t>Accelerating developer onboarding</a:t>
-            </a:r>
-          </a:p>
-          <a:p>
-            <a:pPr>
-              <a:lnSpc>
-                <a:spcPct val="100000"/>
-              </a:lnSpc>
-            </a:pPr>
-            <a:r>
-              <a:rPr lang="en-US" dirty="0"/>
-              <a:t>Eliminate application conflicts</a:t>
-            </a:r>
-          </a:p>
-          <a:p>
-            <a:pPr lvl="1">
-              <a:lnSpc>
-                <a:spcPct val="100000"/>
-              </a:lnSpc>
-            </a:pPr>
-            <a:r>
-              <a:rPr lang="en-US" dirty="0"/>
-              <a:t>Isolated containers</a:t>
-            </a:r>
-          </a:p>
-          <a:p>
-            <a:pPr>
-              <a:lnSpc>
-                <a:spcPct val="100000"/>
-              </a:lnSpc>
-            </a:pPr>
-            <a:r>
-              <a:rPr lang="en-US" dirty="0"/>
-              <a:t>Environment consistency</a:t>
-            </a:r>
-          </a:p>
-          <a:p>
-            <a:pPr lvl="1">
-              <a:lnSpc>
-                <a:spcPct val="100000"/>
-              </a:lnSpc>
-            </a:pPr>
-            <a:r>
-              <a:rPr lang="en-US" dirty="0"/>
-              <a:t>If it runs on development environment, it should run on the staging/production </a:t>
-            </a:r>
-          </a:p>
-          <a:p>
-            <a:pPr>
-              <a:lnSpc>
-                <a:spcPct val="100000"/>
-              </a:lnSpc>
-            </a:pPr>
-            <a:r>
-              <a:rPr lang="en-US" dirty="0"/>
-              <a:t>Ship software faster</a:t>
-            </a:r>
-          </a:p>
-          <a:p>
-            <a:pPr lvl="1">
-              <a:lnSpc>
-                <a:spcPct val="100000"/>
-              </a:lnSpc>
-            </a:pPr>
-            <a:r>
-              <a:rPr lang="en-US" dirty="0"/>
-              <a:t>Updating and migrating software is very easy</a:t>
-            </a:r>
-          </a:p>
-          <a:p>
-            <a:pPr lvl="1">
-              <a:lnSpc>
-                <a:spcPct val="100000"/>
-              </a:lnSpc>
-            </a:pPr>
-            <a:endParaRPr lang="en-US" dirty="0"/>
-          </a:p>
-        </p:txBody>
-      </p:sp>
-      <p:sp>
-        <p:nvSpPr>
-          <p:cNvPr id="4" name="Title 3"/>
-          <p:cNvSpPr>
-            <a:spLocks noGrp="1"/>
-          </p:cNvSpPr>
-          <p:nvPr>
-            <p:ph type="title"/>
-          </p:nvPr>
-        </p:nvSpPr>
-        <p:spPr/>
-        <p:txBody>
-          <a:bodyPr/>
-          <a:lstStyle/>
-          <a:p>
-            <a:pPr>
-              <a:lnSpc>
-                <a:spcPct val="100000"/>
-              </a:lnSpc>
-            </a:pPr>
-            <a:r>
-              <a:rPr lang="en-US" dirty="0"/>
-              <a:t>Benefits for web developers</a:t>
-            </a:r>
-          </a:p>
-        </p:txBody>
-      </p:sp>
-    </p:spTree>
-    <p:extLst>
-      <p:ext uri="{BB962C8B-B14F-4D97-AF65-F5344CB8AC3E}">
-        <p14:creationId xmlns:p14="http://schemas.microsoft.com/office/powerpoint/2010/main" val="1025572233"/>
-      </p:ext>
-    </p:extLst>
-  </p:cSld>
-  <p:clrMapOvr>
-    <a:masterClrMapping/>
-  </p:clrMapOvr>
-</p:sld>
-</file>
-
-<file path=ppt/slides/slide43.xml><?xml version="1.0" encoding="utf-8"?>
-<p:sld xmlns:a="http://schemas.openxmlformats.org/drawingml/2006/main" xmlns:r="http://schemas.openxmlformats.org/officeDocument/2006/relationships" xmlns:p="http://schemas.openxmlformats.org/presentationml/2006/main">
-  <p:cSld>
-    <p:spTree>
-      <p:nvGrpSpPr>
-        <p:cNvPr id="1" name=""/>
-        <p:cNvGrpSpPr/>
-        <p:nvPr/>
-      </p:nvGrpSpPr>
-      <p:grpSpPr>
-        <a:xfrm>
-          <a:off x="0" y="0"/>
-          <a:ext cx="0" cy="0"/>
-          <a:chOff x="0" y="0"/>
-          <a:chExt cx="0" cy="0"/>
-        </a:xfrm>
-      </p:grpSpPr>
-      <p:sp>
-        <p:nvSpPr>
-          <p:cNvPr id="7" name="Slide Number Placeholder 3"/>
-          <p:cNvSpPr>
-            <a:spLocks noGrp="1"/>
-          </p:cNvSpPr>
-          <p:nvPr>
-            <p:ph type="sldNum" sz="quarter" idx="4294967295"/>
-          </p:nvPr>
-        </p:nvSpPr>
-        <p:spPr>
-          <a:xfrm>
-            <a:off x="11568000" y="6525003"/>
-            <a:ext cx="428822" cy="196477"/>
-          </a:xfrm>
-          <a:prstGeom prst="rect">
-            <a:avLst/>
-          </a:prstGeom>
-        </p:spPr>
-        <p:txBody>
-          <a:bodyPr/>
-          <a:lstStyle/>
-          <a:p>
-            <a:pPr>
-              <a:defRPr/>
-            </a:pPr>
-            <a:fld id="{58452FF4-89E3-4D1B-9927-2DBDC00E58D7}" type="slidenum">
-              <a:rPr lang="en-US" smtClean="0"/>
-              <a:pPr>
-                <a:defRPr/>
-              </a:pPr>
-              <a:t>43</a:t>
-            </a:fld>
-            <a:endParaRPr lang="en-US" dirty="0"/>
-          </a:p>
-        </p:txBody>
-      </p:sp>
-      <p:sp>
-        <p:nvSpPr>
-          <p:cNvPr id="5" name="Content Placeholder 4"/>
-          <p:cNvSpPr>
-            <a:spLocks noGrp="1"/>
-          </p:cNvSpPr>
-          <p:nvPr>
-            <p:ph idx="1"/>
-          </p:nvPr>
-        </p:nvSpPr>
-        <p:spPr>
-          <a:xfrm>
-            <a:off x="1141413" y="1712549"/>
-            <a:ext cx="11696797" cy="5458202"/>
-          </a:xfrm>
-        </p:spPr>
-        <p:txBody>
-          <a:bodyPr>
-            <a:normAutofit/>
-          </a:bodyPr>
-          <a:lstStyle/>
-          <a:p>
-            <a:pPr>
-              <a:lnSpc>
-                <a:spcPct val="100000"/>
-              </a:lnSpc>
-            </a:pPr>
-            <a:r>
-              <a:rPr lang="en-US" dirty="0"/>
-              <a:t>Docker Desktop</a:t>
-            </a:r>
-          </a:p>
-          <a:p>
-            <a:pPr lvl="1">
-              <a:lnSpc>
-                <a:spcPct val="100000"/>
-              </a:lnSpc>
-            </a:pPr>
-            <a:r>
-              <a:rPr lang="en-US" dirty="0"/>
-              <a:t>Runs on Windows or Mac development machines</a:t>
-            </a:r>
-          </a:p>
-          <a:p>
-            <a:pPr lvl="1">
-              <a:lnSpc>
-                <a:spcPct val="100000"/>
-              </a:lnSpc>
-            </a:pPr>
-            <a:r>
-              <a:rPr lang="en-US" dirty="0"/>
-              <a:t>Includes Docker Engine, CLI and Kubernetes</a:t>
-            </a:r>
-          </a:p>
-          <a:p>
-            <a:pPr lvl="1">
-              <a:lnSpc>
-                <a:spcPct val="100000"/>
-              </a:lnSpc>
-            </a:pPr>
-            <a:r>
-              <a:rPr lang="en-GB" dirty="0"/>
-              <a:t>Containerize and share any application</a:t>
-            </a:r>
-          </a:p>
-          <a:p>
-            <a:pPr lvl="1">
-              <a:lnSpc>
-                <a:spcPct val="100000"/>
-              </a:lnSpc>
-            </a:pPr>
-            <a:r>
-              <a:rPr lang="en-GB" dirty="0"/>
-              <a:t>Complete Docker development environment</a:t>
-            </a:r>
-          </a:p>
-          <a:p>
-            <a:pPr>
-              <a:lnSpc>
-                <a:spcPct val="100000"/>
-              </a:lnSpc>
-            </a:pPr>
-            <a:r>
-              <a:rPr lang="en-GB" dirty="0"/>
-              <a:t>On Windows</a:t>
-            </a:r>
-          </a:p>
-          <a:p>
-            <a:pPr lvl="1">
-              <a:lnSpc>
-                <a:spcPct val="100000"/>
-              </a:lnSpc>
-            </a:pPr>
-            <a:r>
-              <a:rPr lang="en-GB" dirty="0"/>
-              <a:t>Ability to switch between Linux and Windows Server environments</a:t>
-            </a:r>
-          </a:p>
-          <a:p>
-            <a:pPr lvl="1">
-              <a:lnSpc>
-                <a:spcPct val="100000"/>
-              </a:lnSpc>
-            </a:pPr>
-            <a:r>
-              <a:rPr lang="en-US" dirty="0"/>
-              <a:t>Supports Pro, Enterprise, and </a:t>
-            </a:r>
-            <a:r>
-              <a:rPr lang="en-GB" dirty="0"/>
-              <a:t>Education versions</a:t>
-            </a:r>
-          </a:p>
-          <a:p>
-            <a:pPr lvl="1">
-              <a:lnSpc>
-                <a:spcPct val="100000"/>
-              </a:lnSpc>
-            </a:pPr>
-            <a:r>
-              <a:rPr lang="en-GB" dirty="0"/>
-              <a:t>For Home – you can only run Linux containers through WSL 2</a:t>
-            </a:r>
-            <a:endParaRPr lang="en-US" dirty="0"/>
-          </a:p>
-          <a:p>
-            <a:pPr>
-              <a:lnSpc>
-                <a:spcPct val="100000"/>
-              </a:lnSpc>
-            </a:pPr>
-            <a:r>
-              <a:rPr lang="en-US" dirty="0"/>
-              <a:t>There are third-party solutions for Linux – </a:t>
-            </a:r>
-            <a:r>
-              <a:rPr lang="en-GB" dirty="0" err="1"/>
-              <a:t>DockStation</a:t>
-            </a:r>
-            <a:r>
-              <a:rPr lang="en-GB" dirty="0"/>
-              <a:t>, </a:t>
-            </a:r>
-            <a:br>
-              <a:rPr lang="en-GB" dirty="0"/>
-            </a:br>
-            <a:r>
-              <a:rPr lang="en-GB" dirty="0" err="1"/>
-              <a:t>CairoDock</a:t>
-            </a:r>
-            <a:r>
-              <a:rPr lang="en-GB" dirty="0"/>
-              <a:t>, and more…</a:t>
-            </a:r>
-          </a:p>
-          <a:p>
-            <a:pPr lvl="1">
-              <a:lnSpc>
-                <a:spcPct val="100000"/>
-              </a:lnSpc>
-            </a:pPr>
-            <a:endParaRPr lang="en-US" dirty="0"/>
-          </a:p>
-          <a:p>
-            <a:pPr lvl="1">
-              <a:lnSpc>
-                <a:spcPct val="100000"/>
-              </a:lnSpc>
-            </a:pPr>
-            <a:endParaRPr lang="en-US" dirty="0"/>
-          </a:p>
-        </p:txBody>
-      </p:sp>
-      <p:sp>
-        <p:nvSpPr>
-          <p:cNvPr id="4" name="Title 3"/>
-          <p:cNvSpPr>
-            <a:spLocks noGrp="1"/>
-          </p:cNvSpPr>
-          <p:nvPr>
-            <p:ph type="title"/>
-          </p:nvPr>
-        </p:nvSpPr>
-        <p:spPr/>
-        <p:txBody>
-          <a:bodyPr/>
-          <a:lstStyle/>
-          <a:p>
-            <a:r>
-              <a:rPr lang="en-US" dirty="0"/>
-              <a:t>Docker Tools</a:t>
-            </a:r>
-          </a:p>
-        </p:txBody>
-      </p:sp>
-    </p:spTree>
-    <p:extLst>
-      <p:ext uri="{BB962C8B-B14F-4D97-AF65-F5344CB8AC3E}">
-        <p14:creationId xmlns:p14="http://schemas.microsoft.com/office/powerpoint/2010/main" val="896969366"/>
-      </p:ext>
-    </p:extLst>
-  </p:cSld>
-  <p:clrMapOvr>
-    <a:masterClrMapping/>
-  </p:clrMapOvr>
-</p:sld>
-</file>
-
-<file path=ppt/slides/slide44.xml><?xml version="1.0" encoding="utf-8"?>
-<p:sld xmlns:a="http://schemas.openxmlformats.org/drawingml/2006/main" xmlns:r="http://schemas.openxmlformats.org/officeDocument/2006/relationships" xmlns:p="http://schemas.openxmlformats.org/presentationml/2006/main">
-  <p:cSld>
-    <p:spTree>
-      <p:nvGrpSpPr>
-        <p:cNvPr id="1" name=""/>
-        <p:cNvGrpSpPr/>
-        <p:nvPr/>
-      </p:nvGrpSpPr>
-      <p:grpSpPr>
-        <a:xfrm>
-          <a:off x="0" y="0"/>
-          <a:ext cx="0" cy="0"/>
-          <a:chOff x="0" y="0"/>
-          <a:chExt cx="0" cy="0"/>
-        </a:xfrm>
-      </p:grpSpPr>
-      <p:sp>
-        <p:nvSpPr>
-          <p:cNvPr id="7" name="Slide Number Placeholder 3"/>
-          <p:cNvSpPr>
-            <a:spLocks noGrp="1"/>
-          </p:cNvSpPr>
-          <p:nvPr>
-            <p:ph type="sldNum" sz="quarter" idx="4294967295"/>
-          </p:nvPr>
-        </p:nvSpPr>
-        <p:spPr>
-          <a:xfrm>
-            <a:off x="11568000" y="6525003"/>
-            <a:ext cx="428822" cy="196477"/>
-          </a:xfrm>
-          <a:prstGeom prst="rect">
-            <a:avLst/>
-          </a:prstGeom>
-        </p:spPr>
-        <p:txBody>
-          <a:bodyPr/>
-          <a:lstStyle/>
-          <a:p>
-            <a:pPr>
-              <a:defRPr/>
-            </a:pPr>
-            <a:fld id="{58452FF4-89E3-4D1B-9927-2DBDC00E58D7}" type="slidenum">
-              <a:rPr lang="en-US" smtClean="0"/>
-              <a:pPr>
-                <a:defRPr/>
-              </a:pPr>
-              <a:t>44</a:t>
-            </a:fld>
-            <a:endParaRPr lang="en-US" dirty="0"/>
-          </a:p>
-        </p:txBody>
-      </p:sp>
-      <p:sp>
-        <p:nvSpPr>
-          <p:cNvPr id="5" name="Content Placeholder 4"/>
-          <p:cNvSpPr>
-            <a:spLocks noGrp="1"/>
-          </p:cNvSpPr>
-          <p:nvPr>
-            <p:ph idx="1"/>
-          </p:nvPr>
-        </p:nvSpPr>
-        <p:spPr>
-          <a:xfrm>
-            <a:off x="1141413" y="1712549"/>
-            <a:ext cx="11696797" cy="5458202"/>
-          </a:xfrm>
-        </p:spPr>
-        <p:txBody>
-          <a:bodyPr>
-            <a:normAutofit/>
-          </a:bodyPr>
-          <a:lstStyle/>
-          <a:p>
-            <a:pPr>
-              <a:lnSpc>
-                <a:spcPct val="100000"/>
-              </a:lnSpc>
-            </a:pPr>
-            <a:r>
-              <a:rPr lang="en-US" dirty="0"/>
-              <a:t>Docker Hub</a:t>
-            </a:r>
-          </a:p>
-          <a:p>
-            <a:pPr lvl="1">
-              <a:lnSpc>
-                <a:spcPct val="100000"/>
-              </a:lnSpc>
-            </a:pPr>
-            <a:r>
-              <a:rPr lang="en-GB" dirty="0"/>
-              <a:t>Cloud-based application registry</a:t>
-            </a:r>
-          </a:p>
-          <a:p>
-            <a:pPr lvl="1">
-              <a:lnSpc>
-                <a:spcPct val="100000"/>
-              </a:lnSpc>
-            </a:pPr>
-            <a:r>
-              <a:rPr lang="en-GB" dirty="0"/>
-              <a:t>Development team collaboration services</a:t>
-            </a:r>
-          </a:p>
-          <a:p>
-            <a:pPr lvl="1">
-              <a:lnSpc>
-                <a:spcPct val="100000"/>
-              </a:lnSpc>
-            </a:pPr>
-            <a:r>
-              <a:rPr lang="en-US" dirty="0"/>
-              <a:t>Supports public and private repositories</a:t>
-            </a:r>
-          </a:p>
-          <a:p>
-            <a:pPr lvl="1">
-              <a:lnSpc>
-                <a:spcPct val="100000"/>
-              </a:lnSpc>
-            </a:pPr>
-            <a:r>
-              <a:rPr lang="en-GB" dirty="0"/>
-              <a:t>The world’s largest library of container images</a:t>
-            </a:r>
-          </a:p>
-          <a:p>
-            <a:pPr lvl="1">
-              <a:lnSpc>
-                <a:spcPct val="100000"/>
-              </a:lnSpc>
-            </a:pPr>
-            <a:r>
-              <a:rPr lang="en-GB" dirty="0"/>
-              <a:t>Automated builds and webhooks</a:t>
-            </a:r>
-            <a:endParaRPr lang="en-US" dirty="0"/>
-          </a:p>
-          <a:p>
-            <a:pPr lvl="1">
-              <a:lnSpc>
-                <a:spcPct val="100000"/>
-              </a:lnSpc>
-            </a:pPr>
-            <a:r>
-              <a:rPr lang="en-GB" dirty="0">
-                <a:hlinkClick r:id="rId2"/>
-              </a:rPr>
-              <a:t>https://hub.docker.com/</a:t>
-            </a:r>
-            <a:endParaRPr lang="en-US" dirty="0"/>
-          </a:p>
-          <a:p>
-            <a:pPr lvl="1">
-              <a:lnSpc>
-                <a:spcPct val="100000"/>
-              </a:lnSpc>
-            </a:pPr>
-            <a:endParaRPr lang="en-US" dirty="0"/>
-          </a:p>
-        </p:txBody>
-      </p:sp>
-      <p:sp>
-        <p:nvSpPr>
-          <p:cNvPr id="4" name="Title 3"/>
-          <p:cNvSpPr>
-            <a:spLocks noGrp="1"/>
-          </p:cNvSpPr>
-          <p:nvPr>
-            <p:ph type="title"/>
-          </p:nvPr>
-        </p:nvSpPr>
-        <p:spPr/>
-        <p:txBody>
-          <a:bodyPr/>
-          <a:lstStyle/>
-          <a:p>
-            <a:r>
-              <a:rPr lang="en-US" dirty="0"/>
-              <a:t>Docker Tools</a:t>
-            </a:r>
-          </a:p>
-        </p:txBody>
-      </p:sp>
-    </p:spTree>
-    <p:extLst>
-      <p:ext uri="{BB962C8B-B14F-4D97-AF65-F5344CB8AC3E}">
-        <p14:creationId xmlns:p14="http://schemas.microsoft.com/office/powerpoint/2010/main" val="349724400"/>
-      </p:ext>
-    </p:extLst>
-  </p:cSld>
-  <p:clrMapOvr>
-    <a:masterClrMapping/>
-  </p:clrMapOvr>
-</p:sld>
-</file>
-
-<file path=ppt/slides/slide45.xml><?xml version="1.0" encoding="utf-8"?>
-<p:sld xmlns:a="http://schemas.openxmlformats.org/drawingml/2006/main" xmlns:r="http://schemas.openxmlformats.org/officeDocument/2006/relationships" xmlns:p="http://schemas.openxmlformats.org/presentationml/2006/main">
-  <p:cSld>
-    <p:spTree>
-      <p:nvGrpSpPr>
-        <p:cNvPr id="1" name=""/>
-        <p:cNvGrpSpPr/>
-        <p:nvPr/>
-      </p:nvGrpSpPr>
-      <p:grpSpPr>
-        <a:xfrm>
-          <a:off x="0" y="0"/>
-          <a:ext cx="0" cy="0"/>
-          <a:chOff x="0" y="0"/>
-          <a:chExt cx="0" cy="0"/>
-        </a:xfrm>
-      </p:grpSpPr>
-      <p:sp>
-        <p:nvSpPr>
-          <p:cNvPr id="2" name="Title 1">
-            <a:extLst>
-              <a:ext uri="{FF2B5EF4-FFF2-40B4-BE49-F238E27FC236}">
-                <a16:creationId xmlns:a16="http://schemas.microsoft.com/office/drawing/2014/main" id="{7A42BBFD-626F-48D8-83BF-F9703EBD89DD}"/>
-              </a:ext>
-            </a:extLst>
-          </p:cNvPr>
-          <p:cNvSpPr>
-            <a:spLocks noGrp="1"/>
-          </p:cNvSpPr>
-          <p:nvPr>
-            <p:ph type="title"/>
-          </p:nvPr>
-        </p:nvSpPr>
-        <p:spPr>
-          <a:xfrm>
-            <a:off x="1143001" y="2624872"/>
-            <a:ext cx="9905998" cy="1478570"/>
-          </a:xfrm>
-        </p:spPr>
-        <p:txBody>
-          <a:bodyPr/>
-          <a:lstStyle/>
-          <a:p>
-            <a:pPr algn="ctr"/>
-            <a:r>
-              <a:rPr lang="en-US" dirty="0"/>
-              <a:t>DEMO</a:t>
-            </a:r>
-          </a:p>
-        </p:txBody>
-      </p:sp>
-    </p:spTree>
-    <p:extLst>
-      <p:ext uri="{BB962C8B-B14F-4D97-AF65-F5344CB8AC3E}">
-        <p14:creationId xmlns:p14="http://schemas.microsoft.com/office/powerpoint/2010/main" val="1004536119"/>
       </p:ext>
     </p:extLst>
   </p:cSld>
@@ -22635,6 +23725,735 @@
     <p:extLst>
       <p:ext uri="{BB962C8B-B14F-4D97-AF65-F5344CB8AC3E}">
         <p14:creationId xmlns:p14="http://schemas.microsoft.com/office/powerpoint/2010/main" val="8423203"/>
+      </p:ext>
+    </p:extLst>
+  </p:cSld>
+  <p:clrMapOvr>
+    <a:masterClrMapping/>
+  </p:clrMapOvr>
+</p:sld>
+</file>
+
+<file path=ppt/slides/slide50.xml><?xml version="1.0" encoding="utf-8"?>
+<p:sld xmlns:a="http://schemas.openxmlformats.org/drawingml/2006/main" xmlns:r="http://schemas.openxmlformats.org/officeDocument/2006/relationships" xmlns:p="http://schemas.openxmlformats.org/presentationml/2006/main">
+  <p:cSld>
+    <p:spTree>
+      <p:nvGrpSpPr>
+        <p:cNvPr id="1" name=""/>
+        <p:cNvGrpSpPr/>
+        <p:nvPr/>
+      </p:nvGrpSpPr>
+      <p:grpSpPr>
+        <a:xfrm>
+          <a:off x="0" y="0"/>
+          <a:ext cx="0" cy="0"/>
+          <a:chOff x="0" y="0"/>
+          <a:chExt cx="0" cy="0"/>
+        </a:xfrm>
+      </p:grpSpPr>
+      <p:sp>
+        <p:nvSpPr>
+          <p:cNvPr id="7" name="Slide Number Placeholder 3"/>
+          <p:cNvSpPr>
+            <a:spLocks noGrp="1"/>
+          </p:cNvSpPr>
+          <p:nvPr>
+            <p:ph type="sldNum" sz="quarter" idx="4294967295"/>
+          </p:nvPr>
+        </p:nvSpPr>
+        <p:spPr>
+          <a:xfrm>
+            <a:off x="11568000" y="6525003"/>
+            <a:ext cx="428822" cy="196477"/>
+          </a:xfrm>
+          <a:prstGeom prst="rect">
+            <a:avLst/>
+          </a:prstGeom>
+        </p:spPr>
+        <p:txBody>
+          <a:bodyPr/>
+          <a:lstStyle/>
+          <a:p>
+            <a:pPr>
+              <a:defRPr/>
+            </a:pPr>
+            <a:fld id="{58452FF4-89E3-4D1B-9927-2DBDC00E58D7}" type="slidenum">
+              <a:rPr lang="en-US" smtClean="0"/>
+              <a:pPr>
+                <a:defRPr/>
+              </a:pPr>
+              <a:t>50</a:t>
+            </a:fld>
+            <a:endParaRPr lang="en-US" dirty="0"/>
+          </a:p>
+        </p:txBody>
+      </p:sp>
+      <p:sp>
+        <p:nvSpPr>
+          <p:cNvPr id="5" name="Content Placeholder 4"/>
+          <p:cNvSpPr>
+            <a:spLocks noGrp="1"/>
+          </p:cNvSpPr>
+          <p:nvPr>
+            <p:ph idx="1"/>
+          </p:nvPr>
+        </p:nvSpPr>
+        <p:spPr>
+          <a:xfrm>
+            <a:off x="1141413" y="1712549"/>
+            <a:ext cx="11696797" cy="5458202"/>
+          </a:xfrm>
+        </p:spPr>
+        <p:txBody>
+          <a:bodyPr>
+            <a:normAutofit/>
+          </a:bodyPr>
+          <a:lstStyle/>
+          <a:p>
+            <a:pPr>
+              <a:lnSpc>
+                <a:spcPct val="100000"/>
+              </a:lnSpc>
+            </a:pPr>
+            <a:r>
+              <a:rPr lang="en-US" dirty="0"/>
+              <a:t>Accelerating developer onboarding</a:t>
+            </a:r>
+          </a:p>
+          <a:p>
+            <a:pPr>
+              <a:lnSpc>
+                <a:spcPct val="100000"/>
+              </a:lnSpc>
+            </a:pPr>
+            <a:r>
+              <a:rPr lang="en-US" dirty="0"/>
+              <a:t>Eliminate application conflicts</a:t>
+            </a:r>
+          </a:p>
+          <a:p>
+            <a:pPr lvl="1">
+              <a:lnSpc>
+                <a:spcPct val="100000"/>
+              </a:lnSpc>
+            </a:pPr>
+            <a:r>
+              <a:rPr lang="en-US" dirty="0"/>
+              <a:t>Isolated containers</a:t>
+            </a:r>
+          </a:p>
+          <a:p>
+            <a:pPr>
+              <a:lnSpc>
+                <a:spcPct val="100000"/>
+              </a:lnSpc>
+            </a:pPr>
+            <a:r>
+              <a:rPr lang="en-US" dirty="0"/>
+              <a:t>Environment consistency</a:t>
+            </a:r>
+          </a:p>
+          <a:p>
+            <a:pPr lvl="1">
+              <a:lnSpc>
+                <a:spcPct val="100000"/>
+              </a:lnSpc>
+            </a:pPr>
+            <a:r>
+              <a:rPr lang="en-US" dirty="0"/>
+              <a:t>If it runs on development environment, it should run on the staging/production </a:t>
+            </a:r>
+          </a:p>
+          <a:p>
+            <a:pPr>
+              <a:lnSpc>
+                <a:spcPct val="100000"/>
+              </a:lnSpc>
+            </a:pPr>
+            <a:r>
+              <a:rPr lang="en-US" dirty="0"/>
+              <a:t>Ship software faster</a:t>
+            </a:r>
+          </a:p>
+          <a:p>
+            <a:pPr lvl="1">
+              <a:lnSpc>
+                <a:spcPct val="100000"/>
+              </a:lnSpc>
+            </a:pPr>
+            <a:r>
+              <a:rPr lang="en-US" dirty="0"/>
+              <a:t>Updating and migrating software is very easy</a:t>
+            </a:r>
+          </a:p>
+          <a:p>
+            <a:pPr lvl="1">
+              <a:lnSpc>
+                <a:spcPct val="100000"/>
+              </a:lnSpc>
+            </a:pPr>
+            <a:endParaRPr lang="en-US" dirty="0"/>
+          </a:p>
+        </p:txBody>
+      </p:sp>
+      <p:sp>
+        <p:nvSpPr>
+          <p:cNvPr id="4" name="Title 3"/>
+          <p:cNvSpPr>
+            <a:spLocks noGrp="1"/>
+          </p:cNvSpPr>
+          <p:nvPr>
+            <p:ph type="title"/>
+          </p:nvPr>
+        </p:nvSpPr>
+        <p:spPr/>
+        <p:txBody>
+          <a:bodyPr/>
+          <a:lstStyle/>
+          <a:p>
+            <a:pPr>
+              <a:lnSpc>
+                <a:spcPct val="100000"/>
+              </a:lnSpc>
+            </a:pPr>
+            <a:r>
+              <a:rPr lang="en-US" dirty="0"/>
+              <a:t>Benefits for web developers</a:t>
+            </a:r>
+          </a:p>
+        </p:txBody>
+      </p:sp>
+    </p:spTree>
+    <p:extLst>
+      <p:ext uri="{BB962C8B-B14F-4D97-AF65-F5344CB8AC3E}">
+        <p14:creationId xmlns:p14="http://schemas.microsoft.com/office/powerpoint/2010/main" val="1025572233"/>
+      </p:ext>
+    </p:extLst>
+  </p:cSld>
+  <p:clrMapOvr>
+    <a:masterClrMapping/>
+  </p:clrMapOvr>
+</p:sld>
+</file>
+
+<file path=ppt/slides/slide51.xml><?xml version="1.0" encoding="utf-8"?>
+<p:sld xmlns:a="http://schemas.openxmlformats.org/drawingml/2006/main" xmlns:r="http://schemas.openxmlformats.org/officeDocument/2006/relationships" xmlns:p="http://schemas.openxmlformats.org/presentationml/2006/main">
+  <p:cSld>
+    <p:spTree>
+      <p:nvGrpSpPr>
+        <p:cNvPr id="1" name=""/>
+        <p:cNvGrpSpPr/>
+        <p:nvPr/>
+      </p:nvGrpSpPr>
+      <p:grpSpPr>
+        <a:xfrm>
+          <a:off x="0" y="0"/>
+          <a:ext cx="0" cy="0"/>
+          <a:chOff x="0" y="0"/>
+          <a:chExt cx="0" cy="0"/>
+        </a:xfrm>
+      </p:grpSpPr>
+      <p:sp>
+        <p:nvSpPr>
+          <p:cNvPr id="7" name="Slide Number Placeholder 3"/>
+          <p:cNvSpPr>
+            <a:spLocks noGrp="1"/>
+          </p:cNvSpPr>
+          <p:nvPr>
+            <p:ph type="sldNum" sz="quarter" idx="4294967295"/>
+          </p:nvPr>
+        </p:nvSpPr>
+        <p:spPr>
+          <a:xfrm>
+            <a:off x="11568000" y="6525003"/>
+            <a:ext cx="428822" cy="196477"/>
+          </a:xfrm>
+          <a:prstGeom prst="rect">
+            <a:avLst/>
+          </a:prstGeom>
+        </p:spPr>
+        <p:txBody>
+          <a:bodyPr/>
+          <a:lstStyle/>
+          <a:p>
+            <a:pPr>
+              <a:defRPr/>
+            </a:pPr>
+            <a:fld id="{58452FF4-89E3-4D1B-9927-2DBDC00E58D7}" type="slidenum">
+              <a:rPr lang="en-US" smtClean="0"/>
+              <a:pPr>
+                <a:defRPr/>
+              </a:pPr>
+              <a:t>51</a:t>
+            </a:fld>
+            <a:endParaRPr lang="en-US" dirty="0"/>
+          </a:p>
+        </p:txBody>
+      </p:sp>
+      <p:sp>
+        <p:nvSpPr>
+          <p:cNvPr id="5" name="Content Placeholder 4"/>
+          <p:cNvSpPr>
+            <a:spLocks noGrp="1"/>
+          </p:cNvSpPr>
+          <p:nvPr>
+            <p:ph idx="1"/>
+          </p:nvPr>
+        </p:nvSpPr>
+        <p:spPr>
+          <a:xfrm>
+            <a:off x="1141413" y="1712549"/>
+            <a:ext cx="11696797" cy="5458202"/>
+          </a:xfrm>
+        </p:spPr>
+        <p:txBody>
+          <a:bodyPr>
+            <a:normAutofit/>
+          </a:bodyPr>
+          <a:lstStyle/>
+          <a:p>
+            <a:pPr>
+              <a:lnSpc>
+                <a:spcPct val="100000"/>
+              </a:lnSpc>
+            </a:pPr>
+            <a:r>
+              <a:rPr lang="en-US" dirty="0"/>
+              <a:t>Docker Desktop</a:t>
+            </a:r>
+          </a:p>
+          <a:p>
+            <a:pPr lvl="1">
+              <a:lnSpc>
+                <a:spcPct val="100000"/>
+              </a:lnSpc>
+            </a:pPr>
+            <a:r>
+              <a:rPr lang="en-US" dirty="0"/>
+              <a:t>Runs on Windows or Mac development machines</a:t>
+            </a:r>
+          </a:p>
+          <a:p>
+            <a:pPr lvl="1">
+              <a:lnSpc>
+                <a:spcPct val="100000"/>
+              </a:lnSpc>
+            </a:pPr>
+            <a:r>
+              <a:rPr lang="en-US" dirty="0"/>
+              <a:t>Includes Docker Engine, CLI and Kubernetes</a:t>
+            </a:r>
+          </a:p>
+          <a:p>
+            <a:pPr lvl="1">
+              <a:lnSpc>
+                <a:spcPct val="100000"/>
+              </a:lnSpc>
+            </a:pPr>
+            <a:r>
+              <a:rPr lang="en-GB" dirty="0"/>
+              <a:t>Containerize and share any application</a:t>
+            </a:r>
+          </a:p>
+          <a:p>
+            <a:pPr lvl="1">
+              <a:lnSpc>
+                <a:spcPct val="100000"/>
+              </a:lnSpc>
+            </a:pPr>
+            <a:r>
+              <a:rPr lang="en-GB" dirty="0"/>
+              <a:t>Complete Docker development environment</a:t>
+            </a:r>
+          </a:p>
+          <a:p>
+            <a:pPr>
+              <a:lnSpc>
+                <a:spcPct val="100000"/>
+              </a:lnSpc>
+            </a:pPr>
+            <a:r>
+              <a:rPr lang="en-GB" dirty="0"/>
+              <a:t>On Windows</a:t>
+            </a:r>
+          </a:p>
+          <a:p>
+            <a:pPr lvl="1">
+              <a:lnSpc>
+                <a:spcPct val="100000"/>
+              </a:lnSpc>
+            </a:pPr>
+            <a:r>
+              <a:rPr lang="en-GB" dirty="0"/>
+              <a:t>Ability to switch between Linux and Windows Server environments</a:t>
+            </a:r>
+          </a:p>
+          <a:p>
+            <a:pPr lvl="1">
+              <a:lnSpc>
+                <a:spcPct val="100000"/>
+              </a:lnSpc>
+            </a:pPr>
+            <a:r>
+              <a:rPr lang="en-US" dirty="0"/>
+              <a:t>Supports Pro, Enterprise, and </a:t>
+            </a:r>
+            <a:r>
+              <a:rPr lang="en-GB" dirty="0"/>
+              <a:t>Education versions</a:t>
+            </a:r>
+          </a:p>
+          <a:p>
+            <a:pPr lvl="1">
+              <a:lnSpc>
+                <a:spcPct val="100000"/>
+              </a:lnSpc>
+            </a:pPr>
+            <a:r>
+              <a:rPr lang="en-GB" dirty="0"/>
+              <a:t>For Home – you can only run Linux containers through WSL 2</a:t>
+            </a:r>
+            <a:endParaRPr lang="en-US" dirty="0"/>
+          </a:p>
+          <a:p>
+            <a:pPr>
+              <a:lnSpc>
+                <a:spcPct val="100000"/>
+              </a:lnSpc>
+            </a:pPr>
+            <a:r>
+              <a:rPr lang="en-US" dirty="0"/>
+              <a:t>There are third-party solutions for Linux – </a:t>
+            </a:r>
+            <a:r>
+              <a:rPr lang="en-GB" dirty="0" err="1"/>
+              <a:t>DockStation</a:t>
+            </a:r>
+            <a:r>
+              <a:rPr lang="en-GB" dirty="0"/>
+              <a:t>, </a:t>
+            </a:r>
+            <a:br>
+              <a:rPr lang="en-GB" dirty="0"/>
+            </a:br>
+            <a:r>
+              <a:rPr lang="en-GB" dirty="0" err="1"/>
+              <a:t>CairoDock</a:t>
+            </a:r>
+            <a:r>
+              <a:rPr lang="en-GB" dirty="0"/>
+              <a:t>, and more…</a:t>
+            </a:r>
+          </a:p>
+          <a:p>
+            <a:pPr lvl="1">
+              <a:lnSpc>
+                <a:spcPct val="100000"/>
+              </a:lnSpc>
+            </a:pPr>
+            <a:endParaRPr lang="en-US" dirty="0"/>
+          </a:p>
+          <a:p>
+            <a:pPr lvl="1">
+              <a:lnSpc>
+                <a:spcPct val="100000"/>
+              </a:lnSpc>
+            </a:pPr>
+            <a:endParaRPr lang="en-US" dirty="0"/>
+          </a:p>
+        </p:txBody>
+      </p:sp>
+      <p:sp>
+        <p:nvSpPr>
+          <p:cNvPr id="4" name="Title 3"/>
+          <p:cNvSpPr>
+            <a:spLocks noGrp="1"/>
+          </p:cNvSpPr>
+          <p:nvPr>
+            <p:ph type="title"/>
+          </p:nvPr>
+        </p:nvSpPr>
+        <p:spPr/>
+        <p:txBody>
+          <a:bodyPr/>
+          <a:lstStyle/>
+          <a:p>
+            <a:r>
+              <a:rPr lang="en-US" dirty="0"/>
+              <a:t>Docker Tools</a:t>
+            </a:r>
+          </a:p>
+        </p:txBody>
+      </p:sp>
+    </p:spTree>
+    <p:extLst>
+      <p:ext uri="{BB962C8B-B14F-4D97-AF65-F5344CB8AC3E}">
+        <p14:creationId xmlns:p14="http://schemas.microsoft.com/office/powerpoint/2010/main" val="896969366"/>
+      </p:ext>
+    </p:extLst>
+  </p:cSld>
+  <p:clrMapOvr>
+    <a:masterClrMapping/>
+  </p:clrMapOvr>
+</p:sld>
+</file>
+
+<file path=ppt/slides/slide52.xml><?xml version="1.0" encoding="utf-8"?>
+<p:sld xmlns:a="http://schemas.openxmlformats.org/drawingml/2006/main" xmlns:r="http://schemas.openxmlformats.org/officeDocument/2006/relationships" xmlns:p="http://schemas.openxmlformats.org/presentationml/2006/main">
+  <p:cSld>
+    <p:spTree>
+      <p:nvGrpSpPr>
+        <p:cNvPr id="1" name=""/>
+        <p:cNvGrpSpPr/>
+        <p:nvPr/>
+      </p:nvGrpSpPr>
+      <p:grpSpPr>
+        <a:xfrm>
+          <a:off x="0" y="0"/>
+          <a:ext cx="0" cy="0"/>
+          <a:chOff x="0" y="0"/>
+          <a:chExt cx="0" cy="0"/>
+        </a:xfrm>
+      </p:grpSpPr>
+      <p:sp>
+        <p:nvSpPr>
+          <p:cNvPr id="7" name="Slide Number Placeholder 3"/>
+          <p:cNvSpPr>
+            <a:spLocks noGrp="1"/>
+          </p:cNvSpPr>
+          <p:nvPr>
+            <p:ph type="sldNum" sz="quarter" idx="4294967295"/>
+          </p:nvPr>
+        </p:nvSpPr>
+        <p:spPr>
+          <a:xfrm>
+            <a:off x="11568000" y="6525003"/>
+            <a:ext cx="428822" cy="196477"/>
+          </a:xfrm>
+          <a:prstGeom prst="rect">
+            <a:avLst/>
+          </a:prstGeom>
+        </p:spPr>
+        <p:txBody>
+          <a:bodyPr/>
+          <a:lstStyle/>
+          <a:p>
+            <a:pPr>
+              <a:defRPr/>
+            </a:pPr>
+            <a:fld id="{58452FF4-89E3-4D1B-9927-2DBDC00E58D7}" type="slidenum">
+              <a:rPr lang="en-US" smtClean="0"/>
+              <a:pPr>
+                <a:defRPr/>
+              </a:pPr>
+              <a:t>52</a:t>
+            </a:fld>
+            <a:endParaRPr lang="en-US" dirty="0"/>
+          </a:p>
+        </p:txBody>
+      </p:sp>
+      <p:sp>
+        <p:nvSpPr>
+          <p:cNvPr id="5" name="Content Placeholder 4"/>
+          <p:cNvSpPr>
+            <a:spLocks noGrp="1"/>
+          </p:cNvSpPr>
+          <p:nvPr>
+            <p:ph idx="1"/>
+          </p:nvPr>
+        </p:nvSpPr>
+        <p:spPr>
+          <a:xfrm>
+            <a:off x="1141413" y="1712549"/>
+            <a:ext cx="11696797" cy="5458202"/>
+          </a:xfrm>
+        </p:spPr>
+        <p:txBody>
+          <a:bodyPr>
+            <a:normAutofit/>
+          </a:bodyPr>
+          <a:lstStyle/>
+          <a:p>
+            <a:pPr>
+              <a:lnSpc>
+                <a:spcPct val="100000"/>
+              </a:lnSpc>
+            </a:pPr>
+            <a:r>
+              <a:rPr lang="en-US" dirty="0"/>
+              <a:t>Docker Hub</a:t>
+            </a:r>
+          </a:p>
+          <a:p>
+            <a:pPr lvl="1">
+              <a:lnSpc>
+                <a:spcPct val="100000"/>
+              </a:lnSpc>
+            </a:pPr>
+            <a:r>
+              <a:rPr lang="en-GB" dirty="0"/>
+              <a:t>Cloud-based application registry</a:t>
+            </a:r>
+          </a:p>
+          <a:p>
+            <a:pPr lvl="1">
+              <a:lnSpc>
+                <a:spcPct val="100000"/>
+              </a:lnSpc>
+            </a:pPr>
+            <a:r>
+              <a:rPr lang="en-GB" dirty="0"/>
+              <a:t>Development team collaboration services</a:t>
+            </a:r>
+          </a:p>
+          <a:p>
+            <a:pPr lvl="1">
+              <a:lnSpc>
+                <a:spcPct val="100000"/>
+              </a:lnSpc>
+            </a:pPr>
+            <a:r>
+              <a:rPr lang="en-US" dirty="0"/>
+              <a:t>Supports public and private repositories</a:t>
+            </a:r>
+          </a:p>
+          <a:p>
+            <a:pPr lvl="1">
+              <a:lnSpc>
+                <a:spcPct val="100000"/>
+              </a:lnSpc>
+            </a:pPr>
+            <a:r>
+              <a:rPr lang="en-GB" dirty="0"/>
+              <a:t>The world’s largest library of container images</a:t>
+            </a:r>
+          </a:p>
+          <a:p>
+            <a:pPr lvl="1">
+              <a:lnSpc>
+                <a:spcPct val="100000"/>
+              </a:lnSpc>
+            </a:pPr>
+            <a:r>
+              <a:rPr lang="en-GB" dirty="0"/>
+              <a:t>Automated builds and webhooks</a:t>
+            </a:r>
+            <a:endParaRPr lang="en-US" dirty="0"/>
+          </a:p>
+          <a:p>
+            <a:pPr lvl="1">
+              <a:lnSpc>
+                <a:spcPct val="100000"/>
+              </a:lnSpc>
+            </a:pPr>
+            <a:r>
+              <a:rPr lang="en-GB" dirty="0">
+                <a:hlinkClick r:id="rId2"/>
+              </a:rPr>
+              <a:t>https://hub.docker.com/</a:t>
+            </a:r>
+            <a:endParaRPr lang="en-US" dirty="0"/>
+          </a:p>
+          <a:p>
+            <a:pPr lvl="1">
+              <a:lnSpc>
+                <a:spcPct val="100000"/>
+              </a:lnSpc>
+            </a:pPr>
+            <a:endParaRPr lang="en-US" dirty="0"/>
+          </a:p>
+        </p:txBody>
+      </p:sp>
+      <p:sp>
+        <p:nvSpPr>
+          <p:cNvPr id="4" name="Title 3"/>
+          <p:cNvSpPr>
+            <a:spLocks noGrp="1"/>
+          </p:cNvSpPr>
+          <p:nvPr>
+            <p:ph type="title"/>
+          </p:nvPr>
+        </p:nvSpPr>
+        <p:spPr/>
+        <p:txBody>
+          <a:bodyPr/>
+          <a:lstStyle/>
+          <a:p>
+            <a:r>
+              <a:rPr lang="en-US" dirty="0"/>
+              <a:t>Docker Tools</a:t>
+            </a:r>
+          </a:p>
+        </p:txBody>
+      </p:sp>
+    </p:spTree>
+    <p:extLst>
+      <p:ext uri="{BB962C8B-B14F-4D97-AF65-F5344CB8AC3E}">
+        <p14:creationId xmlns:p14="http://schemas.microsoft.com/office/powerpoint/2010/main" val="349724400"/>
+      </p:ext>
+    </p:extLst>
+  </p:cSld>
+  <p:clrMapOvr>
+    <a:masterClrMapping/>
+  </p:clrMapOvr>
+</p:sld>
+</file>
+
+<file path=ppt/slides/slide53.xml><?xml version="1.0" encoding="utf-8"?>
+<p:sld xmlns:a="http://schemas.openxmlformats.org/drawingml/2006/main" xmlns:r="http://schemas.openxmlformats.org/officeDocument/2006/relationships" xmlns:p="http://schemas.openxmlformats.org/presentationml/2006/main">
+  <p:cSld>
+    <p:spTree>
+      <p:nvGrpSpPr>
+        <p:cNvPr id="1" name=""/>
+        <p:cNvGrpSpPr/>
+        <p:nvPr/>
+      </p:nvGrpSpPr>
+      <p:grpSpPr>
+        <a:xfrm>
+          <a:off x="0" y="0"/>
+          <a:ext cx="0" cy="0"/>
+          <a:chOff x="0" y="0"/>
+          <a:chExt cx="0" cy="0"/>
+        </a:xfrm>
+      </p:grpSpPr>
+      <p:sp>
+        <p:nvSpPr>
+          <p:cNvPr id="2" name="Title 1">
+            <a:extLst>
+              <a:ext uri="{FF2B5EF4-FFF2-40B4-BE49-F238E27FC236}">
+                <a16:creationId xmlns:a16="http://schemas.microsoft.com/office/drawing/2014/main" id="{7A42BBFD-626F-48D8-83BF-F9703EBD89DD}"/>
+              </a:ext>
+            </a:extLst>
+          </p:cNvPr>
+          <p:cNvSpPr>
+            <a:spLocks noGrp="1"/>
+          </p:cNvSpPr>
+          <p:nvPr>
+            <p:ph type="title"/>
+          </p:nvPr>
+        </p:nvSpPr>
+        <p:spPr>
+          <a:xfrm>
+            <a:off x="1143001" y="2624872"/>
+            <a:ext cx="9905998" cy="1478570"/>
+          </a:xfrm>
+        </p:spPr>
+        <p:txBody>
+          <a:bodyPr/>
+          <a:lstStyle/>
+          <a:p>
+            <a:pPr algn="ctr"/>
+            <a:r>
+              <a:rPr lang="en-US" dirty="0"/>
+              <a:t>DEMO</a:t>
+            </a:r>
+          </a:p>
+        </p:txBody>
+      </p:sp>
+    </p:spTree>
+    <p:extLst>
+      <p:ext uri="{BB962C8B-B14F-4D97-AF65-F5344CB8AC3E}">
+        <p14:creationId xmlns:p14="http://schemas.microsoft.com/office/powerpoint/2010/main" val="1004536119"/>
       </p:ext>
     </p:extLst>
   </p:cSld>

--- a/00. Lecture/basics_and_beyond.pptx
+++ b/00. Lecture/basics_and_beyond.pptx
@@ -33,31 +33,31 @@
     <p:sldId id="505" r:id="rId27"/>
     <p:sldId id="508" r:id="rId28"/>
     <p:sldId id="877" r:id="rId29"/>
-    <p:sldId id="878" r:id="rId30"/>
-    <p:sldId id="530" r:id="rId31"/>
-    <p:sldId id="674" r:id="rId32"/>
-    <p:sldId id="675" r:id="rId33"/>
-    <p:sldId id="676" r:id="rId34"/>
-    <p:sldId id="677" r:id="rId35"/>
-    <p:sldId id="680" r:id="rId36"/>
-    <p:sldId id="678" r:id="rId37"/>
-    <p:sldId id="679" r:id="rId38"/>
-    <p:sldId id="681" r:id="rId39"/>
-    <p:sldId id="682" r:id="rId40"/>
-    <p:sldId id="683" r:id="rId41"/>
-    <p:sldId id="684" r:id="rId42"/>
-    <p:sldId id="834" r:id="rId43"/>
-    <p:sldId id="685" r:id="rId44"/>
-    <p:sldId id="836" r:id="rId45"/>
-    <p:sldId id="879" r:id="rId46"/>
-    <p:sldId id="531" r:id="rId47"/>
-    <p:sldId id="711" r:id="rId48"/>
-    <p:sldId id="712" r:id="rId49"/>
-    <p:sldId id="280" r:id="rId50"/>
-    <p:sldId id="514" r:id="rId51"/>
-    <p:sldId id="713" r:id="rId52"/>
-    <p:sldId id="714" r:id="rId53"/>
-    <p:sldId id="715" r:id="rId54"/>
+    <p:sldId id="879" r:id="rId30"/>
+    <p:sldId id="531" r:id="rId31"/>
+    <p:sldId id="711" r:id="rId32"/>
+    <p:sldId id="712" r:id="rId33"/>
+    <p:sldId id="280" r:id="rId34"/>
+    <p:sldId id="514" r:id="rId35"/>
+    <p:sldId id="713" r:id="rId36"/>
+    <p:sldId id="714" r:id="rId37"/>
+    <p:sldId id="715" r:id="rId38"/>
+    <p:sldId id="878" r:id="rId39"/>
+    <p:sldId id="530" r:id="rId40"/>
+    <p:sldId id="674" r:id="rId41"/>
+    <p:sldId id="675" r:id="rId42"/>
+    <p:sldId id="676" r:id="rId43"/>
+    <p:sldId id="677" r:id="rId44"/>
+    <p:sldId id="680" r:id="rId45"/>
+    <p:sldId id="678" r:id="rId46"/>
+    <p:sldId id="679" r:id="rId47"/>
+    <p:sldId id="681" r:id="rId48"/>
+    <p:sldId id="682" r:id="rId49"/>
+    <p:sldId id="683" r:id="rId50"/>
+    <p:sldId id="684" r:id="rId51"/>
+    <p:sldId id="834" r:id="rId52"/>
+    <p:sldId id="685" r:id="rId53"/>
+    <p:sldId id="836" r:id="rId54"/>
   </p:sldIdLst>
   <p:sldSz cx="12192000" cy="6858000"/>
   <p:notesSz cx="6858000" cy="9144000"/>
@@ -214,7 +214,7 @@
           <a:noFill/>
           <a:extLst>
             <a:ext uri="{909E8E84-426E-40dd-AFC4-6F175D3DCCD1}">
-              <a14:hiddenFill xmlns:a14="http://schemas.microsoft.com/office/drawing/2010/main" xmlns="">
+              <a14:hiddenFill xmlns="" xmlns:a14="http://schemas.microsoft.com/office/drawing/2010/main">
                 <a:solidFill>
                   <a:srgbClr val="FFFFFF"/>
                 </a:solidFill>
@@ -274,7 +274,7 @@
             </a:ln>
             <a:extLst>
               <a:ext uri="{91240B29-F687-4f45-9708-019B960494DF}">
-                <a14:hiddenLine xmlns:a14="http://schemas.microsoft.com/office/drawing/2010/main" xmlns="" w="9525">
+                <a14:hiddenLine xmlns="" xmlns:a14="http://schemas.microsoft.com/office/drawing/2010/main" w="9525">
                   <a:solidFill>
                     <a:srgbClr val="000000"/>
                   </a:solidFill>
@@ -364,7 +364,7 @@
             </a:ln>
             <a:extLst>
               <a:ext uri="{91240B29-F687-4f45-9708-019B960494DF}">
-                <a14:hiddenLine xmlns:a14="http://schemas.microsoft.com/office/drawing/2010/main" xmlns="" w="9525">
+                <a14:hiddenLine xmlns="" xmlns:a14="http://schemas.microsoft.com/office/drawing/2010/main" w="9525">
                   <a:solidFill>
                     <a:srgbClr val="000000"/>
                   </a:solidFill>
@@ -454,7 +454,7 @@
             </a:ln>
             <a:extLst>
               <a:ext uri="{91240B29-F687-4f45-9708-019B960494DF}">
-                <a14:hiddenLine xmlns:a14="http://schemas.microsoft.com/office/drawing/2010/main" xmlns="" w="9525">
+                <a14:hiddenLine xmlns="" xmlns:a14="http://schemas.microsoft.com/office/drawing/2010/main" w="9525">
                   <a:solidFill>
                     <a:srgbClr val="000000"/>
                   </a:solidFill>
@@ -488,7 +488,7 @@
             </a:ln>
             <a:extLst>
               <a:ext uri="{91240B29-F687-4f45-9708-019B960494DF}">
-                <a14:hiddenLine xmlns:a14="http://schemas.microsoft.com/office/drawing/2010/main" xmlns="" w="9525">
+                <a14:hiddenLine xmlns="" xmlns:a14="http://schemas.microsoft.com/office/drawing/2010/main" w="9525">
                   <a:solidFill>
                     <a:srgbClr val="000000"/>
                   </a:solidFill>
@@ -578,7 +578,7 @@
             </a:ln>
             <a:extLst>
               <a:ext uri="{91240B29-F687-4f45-9708-019B960494DF}">
-                <a14:hiddenLine xmlns:a14="http://schemas.microsoft.com/office/drawing/2010/main" xmlns="" w="9525">
+                <a14:hiddenLine xmlns="" xmlns:a14="http://schemas.microsoft.com/office/drawing/2010/main" w="9525">
                   <a:solidFill>
                     <a:srgbClr val="000000"/>
                   </a:solidFill>
@@ -640,7 +640,7 @@
             </a:ln>
             <a:extLst>
               <a:ext uri="{91240B29-F687-4f45-9708-019B960494DF}">
-                <a14:hiddenLine xmlns:a14="http://schemas.microsoft.com/office/drawing/2010/main" xmlns="" w="9525">
+                <a14:hiddenLine xmlns="" xmlns:a14="http://schemas.microsoft.com/office/drawing/2010/main" w="9525">
                   <a:solidFill>
                     <a:srgbClr val="000000"/>
                   </a:solidFill>
@@ -702,7 +702,7 @@
             </a:ln>
             <a:extLst>
               <a:ext uri="{91240B29-F687-4f45-9708-019B960494DF}">
-                <a14:hiddenLine xmlns:a14="http://schemas.microsoft.com/office/drawing/2010/main" xmlns="" w="9525">
+                <a14:hiddenLine xmlns="" xmlns:a14="http://schemas.microsoft.com/office/drawing/2010/main" w="9525">
                   <a:solidFill>
                     <a:srgbClr val="000000"/>
                   </a:solidFill>
@@ -792,7 +792,7 @@
             </a:ln>
             <a:extLst>
               <a:ext uri="{91240B29-F687-4f45-9708-019B960494DF}">
-                <a14:hiddenLine xmlns:a14="http://schemas.microsoft.com/office/drawing/2010/main" xmlns="" w="9525">
+                <a14:hiddenLine xmlns="" xmlns:a14="http://schemas.microsoft.com/office/drawing/2010/main" w="9525">
                   <a:solidFill>
                     <a:srgbClr val="000000"/>
                   </a:solidFill>
@@ -854,7 +854,7 @@
             </a:ln>
             <a:extLst>
               <a:ext uri="{91240B29-F687-4f45-9708-019B960494DF}">
-                <a14:hiddenLine xmlns:a14="http://schemas.microsoft.com/office/drawing/2010/main" xmlns="" w="9525">
+                <a14:hiddenLine xmlns="" xmlns:a14="http://schemas.microsoft.com/office/drawing/2010/main" w="9525">
                   <a:solidFill>
                     <a:srgbClr val="000000"/>
                   </a:solidFill>
@@ -916,7 +916,7 @@
             </a:ln>
             <a:extLst>
               <a:ext uri="{91240B29-F687-4f45-9708-019B960494DF}">
-                <a14:hiddenLine xmlns:a14="http://schemas.microsoft.com/office/drawing/2010/main" xmlns="" w="9525">
+                <a14:hiddenLine xmlns="" xmlns:a14="http://schemas.microsoft.com/office/drawing/2010/main" w="9525">
                   <a:solidFill>
                     <a:srgbClr val="000000"/>
                   </a:solidFill>
@@ -1006,7 +1006,7 @@
             </a:ln>
             <a:extLst>
               <a:ext uri="{91240B29-F687-4f45-9708-019B960494DF}">
-                <a14:hiddenLine xmlns:a14="http://schemas.microsoft.com/office/drawing/2010/main" xmlns="" w="9525">
+                <a14:hiddenLine xmlns="" xmlns:a14="http://schemas.microsoft.com/office/drawing/2010/main" w="9525">
                   <a:solidFill>
                     <a:srgbClr val="000000"/>
                   </a:solidFill>
@@ -1096,7 +1096,7 @@
             </a:ln>
             <a:extLst>
               <a:ext uri="{91240B29-F687-4f45-9708-019B960494DF}">
-                <a14:hiddenLine xmlns:a14="http://schemas.microsoft.com/office/drawing/2010/main" xmlns="" w="9525">
+                <a14:hiddenLine xmlns="" xmlns:a14="http://schemas.microsoft.com/office/drawing/2010/main" w="9525">
                   <a:solidFill>
                     <a:srgbClr val="000000"/>
                   </a:solidFill>
@@ -1158,7 +1158,7 @@
             </a:ln>
             <a:extLst>
               <a:ext uri="{91240B29-F687-4f45-9708-019B960494DF}">
-                <a14:hiddenLine xmlns:a14="http://schemas.microsoft.com/office/drawing/2010/main" xmlns="" w="9525">
+                <a14:hiddenLine xmlns="" xmlns:a14="http://schemas.microsoft.com/office/drawing/2010/main" w="9525">
                   <a:solidFill>
                     <a:srgbClr val="000000"/>
                   </a:solidFill>
@@ -1268,7 +1268,7 @@
             </a:ln>
             <a:extLst>
               <a:ext uri="{91240B29-F687-4f45-9708-019B960494DF}">
-                <a14:hiddenLine xmlns:a14="http://schemas.microsoft.com/office/drawing/2010/main" xmlns="" w="9525">
+                <a14:hiddenLine xmlns="" xmlns:a14="http://schemas.microsoft.com/office/drawing/2010/main" w="9525">
                   <a:solidFill>
                     <a:srgbClr val="000000"/>
                   </a:solidFill>
@@ -1330,7 +1330,7 @@
             </a:ln>
             <a:extLst>
               <a:ext uri="{91240B29-F687-4f45-9708-019B960494DF}">
-                <a14:hiddenLine xmlns:a14="http://schemas.microsoft.com/office/drawing/2010/main" xmlns="" w="9525">
+                <a14:hiddenLine xmlns="" xmlns:a14="http://schemas.microsoft.com/office/drawing/2010/main" w="9525">
                   <a:solidFill>
                     <a:srgbClr val="000000"/>
                   </a:solidFill>
@@ -1420,7 +1420,7 @@
             </a:ln>
             <a:extLst>
               <a:ext uri="{91240B29-F687-4f45-9708-019B960494DF}">
-                <a14:hiddenLine xmlns:a14="http://schemas.microsoft.com/office/drawing/2010/main" xmlns="" w="9525">
+                <a14:hiddenLine xmlns="" xmlns:a14="http://schemas.microsoft.com/office/drawing/2010/main" w="9525">
                   <a:solidFill>
                     <a:srgbClr val="000000"/>
                   </a:solidFill>
@@ -1510,7 +1510,7 @@
             </a:ln>
             <a:extLst>
               <a:ext uri="{91240B29-F687-4f45-9708-019B960494DF}">
-                <a14:hiddenLine xmlns:a14="http://schemas.microsoft.com/office/drawing/2010/main" xmlns="" w="9525">
+                <a14:hiddenLine xmlns="" xmlns:a14="http://schemas.microsoft.com/office/drawing/2010/main" w="9525">
                   <a:solidFill>
                     <a:srgbClr val="000000"/>
                   </a:solidFill>
@@ -1572,7 +1572,7 @@
             </a:ln>
             <a:extLst>
               <a:ext uri="{91240B29-F687-4f45-9708-019B960494DF}">
-                <a14:hiddenLine xmlns:a14="http://schemas.microsoft.com/office/drawing/2010/main" xmlns="" w="9525">
+                <a14:hiddenLine xmlns="" xmlns:a14="http://schemas.microsoft.com/office/drawing/2010/main" w="9525">
                   <a:solidFill>
                     <a:srgbClr val="000000"/>
                   </a:solidFill>
@@ -1662,7 +1662,7 @@
             </a:ln>
             <a:extLst>
               <a:ext uri="{91240B29-F687-4f45-9708-019B960494DF}">
-                <a14:hiddenLine xmlns:a14="http://schemas.microsoft.com/office/drawing/2010/main" xmlns="" w="9525">
+                <a14:hiddenLine xmlns="" xmlns:a14="http://schemas.microsoft.com/office/drawing/2010/main" w="9525">
                   <a:solidFill>
                     <a:srgbClr val="000000"/>
                   </a:solidFill>
@@ -1752,7 +1752,7 @@
             </a:ln>
             <a:extLst>
               <a:ext uri="{91240B29-F687-4f45-9708-019B960494DF}">
-                <a14:hiddenLine xmlns:a14="http://schemas.microsoft.com/office/drawing/2010/main" xmlns="" w="9525">
+                <a14:hiddenLine xmlns="" xmlns:a14="http://schemas.microsoft.com/office/drawing/2010/main" w="9525">
                   <a:solidFill>
                     <a:srgbClr val="000000"/>
                   </a:solidFill>
@@ -1808,7 +1808,7 @@
             </a:ln>
             <a:extLst>
               <a:ext uri="{91240B29-F687-4f45-9708-019B960494DF}">
-                <a14:hiddenLine xmlns:a14="http://schemas.microsoft.com/office/drawing/2010/main" xmlns="" w="9525">
+                <a14:hiddenLine xmlns="" xmlns:a14="http://schemas.microsoft.com/office/drawing/2010/main" w="9525">
                   <a:solidFill>
                     <a:srgbClr val="000000"/>
                   </a:solidFill>
@@ -1898,7 +1898,7 @@
             </a:ln>
             <a:extLst>
               <a:ext uri="{91240B29-F687-4f45-9708-019B960494DF}">
-                <a14:hiddenLine xmlns:a14="http://schemas.microsoft.com/office/drawing/2010/main" xmlns="" w="9525">
+                <a14:hiddenLine xmlns="" xmlns:a14="http://schemas.microsoft.com/office/drawing/2010/main" w="9525">
                   <a:solidFill>
                     <a:srgbClr val="000000"/>
                   </a:solidFill>
@@ -1954,7 +1954,7 @@
             </a:ln>
             <a:extLst>
               <a:ext uri="{91240B29-F687-4f45-9708-019B960494DF}">
-                <a14:hiddenLine xmlns:a14="http://schemas.microsoft.com/office/drawing/2010/main" xmlns="" w="9525">
+                <a14:hiddenLine xmlns="" xmlns:a14="http://schemas.microsoft.com/office/drawing/2010/main" w="9525">
                   <a:solidFill>
                     <a:srgbClr val="000000"/>
                   </a:solidFill>
@@ -2044,7 +2044,7 @@
             </a:ln>
             <a:extLst>
               <a:ext uri="{91240B29-F687-4f45-9708-019B960494DF}">
-                <a14:hiddenLine xmlns:a14="http://schemas.microsoft.com/office/drawing/2010/main" xmlns="" w="9525">
+                <a14:hiddenLine xmlns="" xmlns:a14="http://schemas.microsoft.com/office/drawing/2010/main" w="9525">
                   <a:solidFill>
                     <a:srgbClr val="000000"/>
                   </a:solidFill>
@@ -2112,7 +2112,7 @@
             </a:ln>
             <a:extLst>
               <a:ext uri="{91240B29-F687-4f45-9708-019B960494DF}">
-                <a14:hiddenLine xmlns:a14="http://schemas.microsoft.com/office/drawing/2010/main" xmlns="" w="9525">
+                <a14:hiddenLine xmlns="" xmlns:a14="http://schemas.microsoft.com/office/drawing/2010/main" w="9525">
                   <a:solidFill>
                     <a:srgbClr val="000000"/>
                   </a:solidFill>
@@ -2202,7 +2202,7 @@
             </a:ln>
             <a:extLst>
               <a:ext uri="{91240B29-F687-4f45-9708-019B960494DF}">
-                <a14:hiddenLine xmlns:a14="http://schemas.microsoft.com/office/drawing/2010/main" xmlns="" w="9525">
+                <a14:hiddenLine xmlns="" xmlns:a14="http://schemas.microsoft.com/office/drawing/2010/main" w="9525">
                   <a:solidFill>
                     <a:srgbClr val="000000"/>
                   </a:solidFill>
@@ -2270,7 +2270,7 @@
             </a:ln>
             <a:extLst>
               <a:ext uri="{91240B29-F687-4f45-9708-019B960494DF}">
-                <a14:hiddenLine xmlns:a14="http://schemas.microsoft.com/office/drawing/2010/main" xmlns="" w="9525">
+                <a14:hiddenLine xmlns="" xmlns:a14="http://schemas.microsoft.com/office/drawing/2010/main" w="9525">
                   <a:solidFill>
                     <a:srgbClr val="000000"/>
                   </a:solidFill>
@@ -2360,7 +2360,7 @@
             </a:ln>
             <a:extLst>
               <a:ext uri="{91240B29-F687-4f45-9708-019B960494DF}">
-                <a14:hiddenLine xmlns:a14="http://schemas.microsoft.com/office/drawing/2010/main" xmlns="" w="9525">
+                <a14:hiddenLine xmlns="" xmlns:a14="http://schemas.microsoft.com/office/drawing/2010/main" w="9525">
                   <a:solidFill>
                     <a:srgbClr val="000000"/>
                   </a:solidFill>
@@ -2394,7 +2394,7 @@
             </a:ln>
             <a:extLst>
               <a:ext uri="{91240B29-F687-4f45-9708-019B960494DF}">
-                <a14:hiddenLine xmlns:a14="http://schemas.microsoft.com/office/drawing/2010/main" xmlns="" w="9525">
+                <a14:hiddenLine xmlns="" xmlns:a14="http://schemas.microsoft.com/office/drawing/2010/main" w="9525">
                   <a:solidFill>
                     <a:srgbClr val="000000"/>
                   </a:solidFill>
@@ -2484,7 +2484,7 @@
             </a:ln>
             <a:extLst>
               <a:ext uri="{91240B29-F687-4f45-9708-019B960494DF}">
-                <a14:hiddenLine xmlns:a14="http://schemas.microsoft.com/office/drawing/2010/main" xmlns="" w="9525">
+                <a14:hiddenLine xmlns="" xmlns:a14="http://schemas.microsoft.com/office/drawing/2010/main" w="9525">
                   <a:solidFill>
                     <a:srgbClr val="000000"/>
                   </a:solidFill>
@@ -2546,7 +2546,7 @@
             </a:ln>
             <a:extLst>
               <a:ext uri="{91240B29-F687-4f45-9708-019B960494DF}">
-                <a14:hiddenLine xmlns:a14="http://schemas.microsoft.com/office/drawing/2010/main" xmlns="" w="9525">
+                <a14:hiddenLine xmlns="" xmlns:a14="http://schemas.microsoft.com/office/drawing/2010/main" w="9525">
                   <a:solidFill>
                     <a:srgbClr val="000000"/>
                   </a:solidFill>
@@ -2608,7 +2608,7 @@
             </a:ln>
             <a:extLst>
               <a:ext uri="{91240B29-F687-4f45-9708-019B960494DF}">
-                <a14:hiddenLine xmlns:a14="http://schemas.microsoft.com/office/drawing/2010/main" xmlns="" w="9525">
+                <a14:hiddenLine xmlns="" xmlns:a14="http://schemas.microsoft.com/office/drawing/2010/main" w="9525">
                   <a:solidFill>
                     <a:srgbClr val="000000"/>
                   </a:solidFill>
@@ -2698,7 +2698,7 @@
             </a:ln>
             <a:extLst>
               <a:ext uri="{91240B29-F687-4f45-9708-019B960494DF}">
-                <a14:hiddenLine xmlns:a14="http://schemas.microsoft.com/office/drawing/2010/main" xmlns="" w="9525">
+                <a14:hiddenLine xmlns="" xmlns:a14="http://schemas.microsoft.com/office/drawing/2010/main" w="9525">
                   <a:solidFill>
                     <a:srgbClr val="000000"/>
                   </a:solidFill>
@@ -2766,7 +2766,7 @@
             </a:ln>
             <a:extLst>
               <a:ext uri="{91240B29-F687-4f45-9708-019B960494DF}">
-                <a14:hiddenLine xmlns:a14="http://schemas.microsoft.com/office/drawing/2010/main" xmlns="" w="9525">
+                <a14:hiddenLine xmlns="" xmlns:a14="http://schemas.microsoft.com/office/drawing/2010/main" w="9525">
                   <a:solidFill>
                     <a:srgbClr val="000000"/>
                   </a:solidFill>
@@ -2828,7 +2828,7 @@
             </a:ln>
             <a:extLst>
               <a:ext uri="{91240B29-F687-4f45-9708-019B960494DF}">
-                <a14:hiddenLine xmlns:a14="http://schemas.microsoft.com/office/drawing/2010/main" xmlns="" w="9525">
+                <a14:hiddenLine xmlns="" xmlns:a14="http://schemas.microsoft.com/office/drawing/2010/main" w="9525">
                   <a:solidFill>
                     <a:srgbClr val="000000"/>
                   </a:solidFill>
@@ -2918,7 +2918,7 @@
             </a:ln>
             <a:extLst>
               <a:ext uri="{91240B29-F687-4f45-9708-019B960494DF}">
-                <a14:hiddenLine xmlns:a14="http://schemas.microsoft.com/office/drawing/2010/main" xmlns="" w="9525">
+                <a14:hiddenLine xmlns="" xmlns:a14="http://schemas.microsoft.com/office/drawing/2010/main" w="9525">
                   <a:solidFill>
                     <a:srgbClr val="000000"/>
                   </a:solidFill>
@@ -2980,7 +2980,7 @@
             </a:ln>
             <a:extLst>
               <a:ext uri="{91240B29-F687-4f45-9708-019B960494DF}">
-                <a14:hiddenLine xmlns:a14="http://schemas.microsoft.com/office/drawing/2010/main" xmlns="" w="9525">
+                <a14:hiddenLine xmlns="" xmlns:a14="http://schemas.microsoft.com/office/drawing/2010/main" w="9525">
                   <a:solidFill>
                     <a:srgbClr val="000000"/>
                   </a:solidFill>
@@ -3070,7 +3070,7 @@
             </a:ln>
             <a:extLst>
               <a:ext uri="{91240B29-F687-4f45-9708-019B960494DF}">
-                <a14:hiddenLine xmlns:a14="http://schemas.microsoft.com/office/drawing/2010/main" xmlns="" w="9525">
+                <a14:hiddenLine xmlns="" xmlns:a14="http://schemas.microsoft.com/office/drawing/2010/main" w="9525">
                   <a:solidFill>
                     <a:srgbClr val="000000"/>
                   </a:solidFill>
@@ -3132,7 +3132,7 @@
             </a:ln>
             <a:extLst>
               <a:ext uri="{91240B29-F687-4f45-9708-019B960494DF}">
-                <a14:hiddenLine xmlns:a14="http://schemas.microsoft.com/office/drawing/2010/main" xmlns="" w="9525">
+                <a14:hiddenLine xmlns="" xmlns:a14="http://schemas.microsoft.com/office/drawing/2010/main" w="9525">
                   <a:solidFill>
                     <a:srgbClr val="000000"/>
                   </a:solidFill>
@@ -3222,7 +3222,7 @@
             </a:ln>
             <a:extLst>
               <a:ext uri="{91240B29-F687-4f45-9708-019B960494DF}">
-                <a14:hiddenLine xmlns:a14="http://schemas.microsoft.com/office/drawing/2010/main" xmlns="" w="9525">
+                <a14:hiddenLine xmlns="" xmlns:a14="http://schemas.microsoft.com/office/drawing/2010/main" w="9525">
                   <a:solidFill>
                     <a:srgbClr val="000000"/>
                   </a:solidFill>
@@ -3256,7 +3256,7 @@
             </a:ln>
             <a:extLst>
               <a:ext uri="{91240B29-F687-4f45-9708-019B960494DF}">
-                <a14:hiddenLine xmlns:a14="http://schemas.microsoft.com/office/drawing/2010/main" xmlns="" w="9525">
+                <a14:hiddenLine xmlns="" xmlns:a14="http://schemas.microsoft.com/office/drawing/2010/main" w="9525">
                   <a:solidFill>
                     <a:srgbClr val="000000"/>
                   </a:solidFill>
@@ -3321,7 +3321,7 @@
             </a:ln>
             <a:extLst>
               <a:ext uri="{91240B29-F687-4f45-9708-019B960494DF}">
-                <a14:hiddenLine xmlns:a14="http://schemas.microsoft.com/office/drawing/2010/main" xmlns="" w="9525">
+                <a14:hiddenLine xmlns="" xmlns:a14="http://schemas.microsoft.com/office/drawing/2010/main" w="9525">
                   <a:solidFill>
                     <a:srgbClr val="000000"/>
                   </a:solidFill>
@@ -3411,7 +3411,7 @@
             </a:ln>
             <a:extLst>
               <a:ext uri="{91240B29-F687-4f45-9708-019B960494DF}">
-                <a14:hiddenLine xmlns:a14="http://schemas.microsoft.com/office/drawing/2010/main" xmlns="" w="9525">
+                <a14:hiddenLine xmlns="" xmlns:a14="http://schemas.microsoft.com/office/drawing/2010/main" w="9525">
                   <a:solidFill>
                     <a:srgbClr val="000000"/>
                   </a:solidFill>
@@ -3473,7 +3473,7 @@
             </a:ln>
             <a:extLst>
               <a:ext uri="{91240B29-F687-4f45-9708-019B960494DF}">
-                <a14:hiddenLine xmlns:a14="http://schemas.microsoft.com/office/drawing/2010/main" xmlns="" w="9525">
+                <a14:hiddenLine xmlns="" xmlns:a14="http://schemas.microsoft.com/office/drawing/2010/main" w="9525">
                   <a:solidFill>
                     <a:srgbClr val="000000"/>
                   </a:solidFill>
@@ -3563,7 +3563,7 @@
             </a:ln>
             <a:extLst>
               <a:ext uri="{91240B29-F687-4f45-9708-019B960494DF}">
-                <a14:hiddenLine xmlns:a14="http://schemas.microsoft.com/office/drawing/2010/main" xmlns="" w="9525">
+                <a14:hiddenLine xmlns="" xmlns:a14="http://schemas.microsoft.com/office/drawing/2010/main" w="9525">
                   <a:solidFill>
                     <a:srgbClr val="000000"/>
                   </a:solidFill>
@@ -3653,7 +3653,7 @@
             </a:ln>
             <a:extLst>
               <a:ext uri="{91240B29-F687-4f45-9708-019B960494DF}">
-                <a14:hiddenLine xmlns:a14="http://schemas.microsoft.com/office/drawing/2010/main" xmlns="" w="9525">
+                <a14:hiddenLine xmlns="" xmlns:a14="http://schemas.microsoft.com/office/drawing/2010/main" w="9525">
                   <a:solidFill>
                     <a:srgbClr val="000000"/>
                   </a:solidFill>
@@ -3718,7 +3718,7 @@
             </a:ln>
             <a:extLst>
               <a:ext uri="{91240B29-F687-4f45-9708-019B960494DF}">
-                <a14:hiddenLine xmlns:a14="http://schemas.microsoft.com/office/drawing/2010/main" xmlns="" w="9525">
+                <a14:hiddenLine xmlns="" xmlns:a14="http://schemas.microsoft.com/office/drawing/2010/main" w="9525">
                   <a:solidFill>
                     <a:srgbClr val="000000"/>
                   </a:solidFill>
@@ -3780,7 +3780,7 @@
             </a:ln>
             <a:extLst>
               <a:ext uri="{91240B29-F687-4f45-9708-019B960494DF}">
-                <a14:hiddenLine xmlns:a14="http://schemas.microsoft.com/office/drawing/2010/main" xmlns="" w="9525">
+                <a14:hiddenLine xmlns="" xmlns:a14="http://schemas.microsoft.com/office/drawing/2010/main" w="9525">
                   <a:solidFill>
                     <a:srgbClr val="000000"/>
                   </a:solidFill>
@@ -3870,7 +3870,7 @@
             </a:ln>
             <a:extLst>
               <a:ext uri="{91240B29-F687-4f45-9708-019B960494DF}">
-                <a14:hiddenLine xmlns:a14="http://schemas.microsoft.com/office/drawing/2010/main" xmlns="" w="9525">
+                <a14:hiddenLine xmlns="" xmlns:a14="http://schemas.microsoft.com/office/drawing/2010/main" w="9525">
                   <a:solidFill>
                     <a:srgbClr val="000000"/>
                   </a:solidFill>
@@ -3960,7 +3960,7 @@
             </a:ln>
             <a:extLst>
               <a:ext uri="{91240B29-F687-4f45-9708-019B960494DF}">
-                <a14:hiddenLine xmlns:a14="http://schemas.microsoft.com/office/drawing/2010/main" xmlns="" w="9525">
+                <a14:hiddenLine xmlns="" xmlns:a14="http://schemas.microsoft.com/office/drawing/2010/main" w="9525">
                   <a:solidFill>
                     <a:srgbClr val="000000"/>
                   </a:solidFill>
@@ -4022,7 +4022,7 @@
             </a:ln>
             <a:extLst>
               <a:ext uri="{91240B29-F687-4f45-9708-019B960494DF}">
-                <a14:hiddenLine xmlns:a14="http://schemas.microsoft.com/office/drawing/2010/main" xmlns="" w="9525">
+                <a14:hiddenLine xmlns="" xmlns:a14="http://schemas.microsoft.com/office/drawing/2010/main" w="9525">
                   <a:solidFill>
                     <a:srgbClr val="000000"/>
                   </a:solidFill>
@@ -4142,7 +4142,7 @@
             </a:ln>
             <a:extLst>
               <a:ext uri="{91240B29-F687-4f45-9708-019B960494DF}">
-                <a14:hiddenLine xmlns:a14="http://schemas.microsoft.com/office/drawing/2010/main" xmlns="" w="9525">
+                <a14:hiddenLine xmlns="" xmlns:a14="http://schemas.microsoft.com/office/drawing/2010/main" w="9525">
                   <a:solidFill>
                     <a:srgbClr val="000000"/>
                   </a:solidFill>
@@ -4210,7 +4210,7 @@
             </a:ln>
             <a:extLst>
               <a:ext uri="{91240B29-F687-4f45-9708-019B960494DF}">
-                <a14:hiddenLine xmlns:a14="http://schemas.microsoft.com/office/drawing/2010/main" xmlns="" w="9525">
+                <a14:hiddenLine xmlns="" xmlns:a14="http://schemas.microsoft.com/office/drawing/2010/main" w="9525">
                   <a:solidFill>
                     <a:srgbClr val="000000"/>
                   </a:solidFill>
@@ -4300,7 +4300,7 @@
             </a:ln>
             <a:extLst>
               <a:ext uri="{91240B29-F687-4f45-9708-019B960494DF}">
-                <a14:hiddenLine xmlns:a14="http://schemas.microsoft.com/office/drawing/2010/main" xmlns="" w="9525">
+                <a14:hiddenLine xmlns="" xmlns:a14="http://schemas.microsoft.com/office/drawing/2010/main" w="9525">
                   <a:solidFill>
                     <a:srgbClr val="000000"/>
                   </a:solidFill>
@@ -9107,7 +9107,7 @@
           <a:noFill/>
           <a:extLst>
             <a:ext uri="{909E8E84-426E-40dd-AFC4-6F175D3DCCD1}">
-              <a14:hiddenFill xmlns:a14="http://schemas.microsoft.com/office/drawing/2010/main" xmlns="">
+              <a14:hiddenFill xmlns="" xmlns:a14="http://schemas.microsoft.com/office/drawing/2010/main">
                 <a:solidFill>
                   <a:srgbClr val="FFFFFF"/>
                 </a:solidFill>
@@ -9181,7 +9181,7 @@
               </a:ln>
               <a:extLst>
                 <a:ext uri="{91240B29-F687-4f45-9708-019B960494DF}">
-                  <a14:hiddenLine xmlns:a14="http://schemas.microsoft.com/office/drawing/2010/main" xmlns="" w="9525">
+                  <a14:hiddenLine xmlns="" xmlns:a14="http://schemas.microsoft.com/office/drawing/2010/main" w="9525">
                     <a:solidFill>
                       <a:srgbClr val="000000"/>
                     </a:solidFill>
@@ -9271,7 +9271,7 @@
               </a:ln>
               <a:extLst>
                 <a:ext uri="{91240B29-F687-4f45-9708-019B960494DF}">
-                  <a14:hiddenLine xmlns:a14="http://schemas.microsoft.com/office/drawing/2010/main" xmlns="" w="9525">
+                  <a14:hiddenLine xmlns="" xmlns:a14="http://schemas.microsoft.com/office/drawing/2010/main" w="9525">
                     <a:solidFill>
                       <a:srgbClr val="000000"/>
                     </a:solidFill>
@@ -9361,7 +9361,7 @@
               </a:ln>
               <a:extLst>
                 <a:ext uri="{91240B29-F687-4f45-9708-019B960494DF}">
-                  <a14:hiddenLine xmlns:a14="http://schemas.microsoft.com/office/drawing/2010/main" xmlns="" w="9525">
+                  <a14:hiddenLine xmlns="" xmlns:a14="http://schemas.microsoft.com/office/drawing/2010/main" w="9525">
                     <a:solidFill>
                       <a:srgbClr val="000000"/>
                     </a:solidFill>
@@ -9423,7 +9423,7 @@
               </a:ln>
               <a:extLst>
                 <a:ext uri="{91240B29-F687-4f45-9708-019B960494DF}">
-                  <a14:hiddenLine xmlns:a14="http://schemas.microsoft.com/office/drawing/2010/main" xmlns="" w="9525">
+                  <a14:hiddenLine xmlns="" xmlns:a14="http://schemas.microsoft.com/office/drawing/2010/main" w="9525">
                     <a:solidFill>
                       <a:srgbClr val="000000"/>
                     </a:solidFill>
@@ -9513,7 +9513,7 @@
               </a:ln>
               <a:extLst>
                 <a:ext uri="{91240B29-F687-4f45-9708-019B960494DF}">
-                  <a14:hiddenLine xmlns:a14="http://schemas.microsoft.com/office/drawing/2010/main" xmlns="" w="9525">
+                  <a14:hiddenLine xmlns="" xmlns:a14="http://schemas.microsoft.com/office/drawing/2010/main" w="9525">
                     <a:solidFill>
                       <a:srgbClr val="000000"/>
                     </a:solidFill>
@@ -9575,7 +9575,7 @@
               </a:ln>
               <a:extLst>
                 <a:ext uri="{91240B29-F687-4f45-9708-019B960494DF}">
-                  <a14:hiddenLine xmlns:a14="http://schemas.microsoft.com/office/drawing/2010/main" xmlns="" w="9525">
+                  <a14:hiddenLine xmlns="" xmlns:a14="http://schemas.microsoft.com/office/drawing/2010/main" w="9525">
                     <a:solidFill>
                       <a:srgbClr val="000000"/>
                     </a:solidFill>
@@ -9637,7 +9637,7 @@
               </a:ln>
               <a:extLst>
                 <a:ext uri="{91240B29-F687-4f45-9708-019B960494DF}">
-                  <a14:hiddenLine xmlns:a14="http://schemas.microsoft.com/office/drawing/2010/main" xmlns="" w="9525">
+                  <a14:hiddenLine xmlns="" xmlns:a14="http://schemas.microsoft.com/office/drawing/2010/main" w="9525">
                     <a:solidFill>
                       <a:srgbClr val="000000"/>
                     </a:solidFill>
@@ -9727,7 +9727,7 @@
               </a:ln>
               <a:extLst>
                 <a:ext uri="{91240B29-F687-4f45-9708-019B960494DF}">
-                  <a14:hiddenLine xmlns:a14="http://schemas.microsoft.com/office/drawing/2010/main" xmlns="" w="9525">
+                  <a14:hiddenLine xmlns="" xmlns:a14="http://schemas.microsoft.com/office/drawing/2010/main" w="9525">
                     <a:solidFill>
                       <a:srgbClr val="000000"/>
                     </a:solidFill>
@@ -9817,7 +9817,7 @@
               </a:ln>
               <a:extLst>
                 <a:ext uri="{91240B29-F687-4f45-9708-019B960494DF}">
-                  <a14:hiddenLine xmlns:a14="http://schemas.microsoft.com/office/drawing/2010/main" xmlns="" w="9525">
+                  <a14:hiddenLine xmlns="" xmlns:a14="http://schemas.microsoft.com/office/drawing/2010/main" w="9525">
                     <a:solidFill>
                       <a:srgbClr val="000000"/>
                     </a:solidFill>
@@ -9879,7 +9879,7 @@
               </a:ln>
               <a:extLst>
                 <a:ext uri="{91240B29-F687-4f45-9708-019B960494DF}">
-                  <a14:hiddenLine xmlns:a14="http://schemas.microsoft.com/office/drawing/2010/main" xmlns="" w="9525">
+                  <a14:hiddenLine xmlns="" xmlns:a14="http://schemas.microsoft.com/office/drawing/2010/main" w="9525">
                     <a:solidFill>
                       <a:srgbClr val="000000"/>
                     </a:solidFill>
@@ -9989,7 +9989,7 @@
               </a:ln>
               <a:extLst>
                 <a:ext uri="{91240B29-F687-4f45-9708-019B960494DF}">
-                  <a14:hiddenLine xmlns:a14="http://schemas.microsoft.com/office/drawing/2010/main" xmlns="" w="9525">
+                  <a14:hiddenLine xmlns="" xmlns:a14="http://schemas.microsoft.com/office/drawing/2010/main" w="9525">
                     <a:solidFill>
                       <a:srgbClr val="000000"/>
                     </a:solidFill>
@@ -10073,7 +10073,7 @@
               </a:ln>
               <a:extLst>
                 <a:ext uri="{91240B29-F687-4f45-9708-019B960494DF}">
-                  <a14:hiddenLine xmlns:a14="http://schemas.microsoft.com/office/drawing/2010/main" xmlns="" w="9525">
+                  <a14:hiddenLine xmlns="" xmlns:a14="http://schemas.microsoft.com/office/drawing/2010/main" w="9525">
                     <a:solidFill>
                       <a:srgbClr val="000000"/>
                     </a:solidFill>
@@ -10135,7 +10135,7 @@
               </a:ln>
               <a:extLst>
                 <a:ext uri="{91240B29-F687-4f45-9708-019B960494DF}">
-                  <a14:hiddenLine xmlns:a14="http://schemas.microsoft.com/office/drawing/2010/main" xmlns="" w="9525">
+                  <a14:hiddenLine xmlns="" xmlns:a14="http://schemas.microsoft.com/office/drawing/2010/main" w="9525">
                     <a:solidFill>
                       <a:srgbClr val="000000"/>
                     </a:solidFill>
@@ -10197,7 +10197,7 @@
               </a:ln>
               <a:extLst>
                 <a:ext uri="{91240B29-F687-4f45-9708-019B960494DF}">
-                  <a14:hiddenLine xmlns:a14="http://schemas.microsoft.com/office/drawing/2010/main" xmlns="" w="9525">
+                  <a14:hiddenLine xmlns="" xmlns:a14="http://schemas.microsoft.com/office/drawing/2010/main" w="9525">
                     <a:solidFill>
                       <a:srgbClr val="000000"/>
                     </a:solidFill>
@@ -10287,7 +10287,7 @@
               </a:ln>
               <a:extLst>
                 <a:ext uri="{91240B29-F687-4f45-9708-019B960494DF}">
-                  <a14:hiddenLine xmlns:a14="http://schemas.microsoft.com/office/drawing/2010/main" xmlns="" w="9525">
+                  <a14:hiddenLine xmlns="" xmlns:a14="http://schemas.microsoft.com/office/drawing/2010/main" w="9525">
                     <a:solidFill>
                       <a:srgbClr val="000000"/>
                     </a:solidFill>
@@ -10321,7 +10321,7 @@
               </a:ln>
               <a:extLst>
                 <a:ext uri="{91240B29-F687-4f45-9708-019B960494DF}">
-                  <a14:hiddenLine xmlns:a14="http://schemas.microsoft.com/office/drawing/2010/main" xmlns="" w="9525">
+                  <a14:hiddenLine xmlns="" xmlns:a14="http://schemas.microsoft.com/office/drawing/2010/main" w="9525">
                     <a:solidFill>
                       <a:srgbClr val="000000"/>
                     </a:solidFill>
@@ -10386,7 +10386,7 @@
               </a:ln>
               <a:extLst>
                 <a:ext uri="{91240B29-F687-4f45-9708-019B960494DF}">
-                  <a14:hiddenLine xmlns:a14="http://schemas.microsoft.com/office/drawing/2010/main" xmlns="" w="9525">
+                  <a14:hiddenLine xmlns="" xmlns:a14="http://schemas.microsoft.com/office/drawing/2010/main" w="9525">
                     <a:solidFill>
                       <a:srgbClr val="000000"/>
                     </a:solidFill>
@@ -10476,7 +10476,7 @@
               </a:ln>
               <a:extLst>
                 <a:ext uri="{91240B29-F687-4f45-9708-019B960494DF}">
-                  <a14:hiddenLine xmlns:a14="http://schemas.microsoft.com/office/drawing/2010/main" xmlns="" w="9525">
+                  <a14:hiddenLine xmlns="" xmlns:a14="http://schemas.microsoft.com/office/drawing/2010/main" w="9525">
                     <a:solidFill>
                       <a:srgbClr val="000000"/>
                     </a:solidFill>
@@ -10538,7 +10538,7 @@
               </a:ln>
               <a:extLst>
                 <a:ext uri="{91240B29-F687-4f45-9708-019B960494DF}">
-                  <a14:hiddenLine xmlns:a14="http://schemas.microsoft.com/office/drawing/2010/main" xmlns="" w="9525">
+                  <a14:hiddenLine xmlns="" xmlns:a14="http://schemas.microsoft.com/office/drawing/2010/main" w="9525">
                     <a:solidFill>
                       <a:srgbClr val="000000"/>
                     </a:solidFill>
@@ -10628,7 +10628,7 @@
               </a:ln>
               <a:extLst>
                 <a:ext uri="{91240B29-F687-4f45-9708-019B960494DF}">
-                  <a14:hiddenLine xmlns:a14="http://schemas.microsoft.com/office/drawing/2010/main" xmlns="" w="9525">
+                  <a14:hiddenLine xmlns="" xmlns:a14="http://schemas.microsoft.com/office/drawing/2010/main" w="9525">
                     <a:solidFill>
                       <a:srgbClr val="000000"/>
                     </a:solidFill>
@@ -10693,7 +10693,7 @@
               </a:ln>
               <a:extLst>
                 <a:ext uri="{91240B29-F687-4f45-9708-019B960494DF}">
-                  <a14:hiddenLine xmlns:a14="http://schemas.microsoft.com/office/drawing/2010/main" xmlns="" w="9525">
+                  <a14:hiddenLine xmlns="" xmlns:a14="http://schemas.microsoft.com/office/drawing/2010/main" w="9525">
                     <a:solidFill>
                       <a:srgbClr val="000000"/>
                     </a:solidFill>
@@ -10755,7 +10755,7 @@
               </a:ln>
               <a:extLst>
                 <a:ext uri="{91240B29-F687-4f45-9708-019B960494DF}">
-                  <a14:hiddenLine xmlns:a14="http://schemas.microsoft.com/office/drawing/2010/main" xmlns="" w="9525">
+                  <a14:hiddenLine xmlns="" xmlns:a14="http://schemas.microsoft.com/office/drawing/2010/main" w="9525">
                     <a:solidFill>
                       <a:srgbClr val="000000"/>
                     </a:solidFill>
@@ -10845,7 +10845,7 @@
               </a:ln>
               <a:extLst>
                 <a:ext uri="{91240B29-F687-4f45-9708-019B960494DF}">
-                  <a14:hiddenLine xmlns:a14="http://schemas.microsoft.com/office/drawing/2010/main" xmlns="" w="9525">
+                  <a14:hiddenLine xmlns="" xmlns:a14="http://schemas.microsoft.com/office/drawing/2010/main" w="9525">
                     <a:solidFill>
                       <a:srgbClr val="000000"/>
                     </a:solidFill>
@@ -10935,7 +10935,7 @@
               </a:ln>
               <a:extLst>
                 <a:ext uri="{91240B29-F687-4f45-9708-019B960494DF}">
-                  <a14:hiddenLine xmlns:a14="http://schemas.microsoft.com/office/drawing/2010/main" xmlns="" w="9525">
+                  <a14:hiddenLine xmlns="" xmlns:a14="http://schemas.microsoft.com/office/drawing/2010/main" w="9525">
                     <a:solidFill>
                       <a:srgbClr val="000000"/>
                     </a:solidFill>
@@ -11000,7 +11000,7 @@
               </a:ln>
               <a:extLst>
                 <a:ext uri="{91240B29-F687-4f45-9708-019B960494DF}">
-                  <a14:hiddenLine xmlns:a14="http://schemas.microsoft.com/office/drawing/2010/main" xmlns="" w="9525">
+                  <a14:hiddenLine xmlns="" xmlns:a14="http://schemas.microsoft.com/office/drawing/2010/main" w="9525">
                     <a:solidFill>
                       <a:srgbClr val="000000"/>
                     </a:solidFill>
@@ -11120,7 +11120,7 @@
               </a:ln>
               <a:extLst>
                 <a:ext uri="{91240B29-F687-4f45-9708-019B960494DF}">
-                  <a14:hiddenLine xmlns:a14="http://schemas.microsoft.com/office/drawing/2010/main" xmlns="" w="9525">
+                  <a14:hiddenLine xmlns="" xmlns:a14="http://schemas.microsoft.com/office/drawing/2010/main" w="9525">
                     <a:solidFill>
                       <a:srgbClr val="000000"/>
                     </a:solidFill>
@@ -11218,7 +11218,7 @@
               </a:ln>
               <a:extLst>
                 <a:ext uri="{91240B29-F687-4f45-9708-019B960494DF}">
-                  <a14:hiddenLine xmlns:a14="http://schemas.microsoft.com/office/drawing/2010/main" xmlns="" w="9525">
+                  <a14:hiddenLine xmlns="" xmlns:a14="http://schemas.microsoft.com/office/drawing/2010/main" w="9525">
                     <a:solidFill>
                       <a:srgbClr val="000000"/>
                     </a:solidFill>
@@ -11333,7 +11333,7 @@
               </a:ln>
               <a:extLst>
                 <a:ext uri="{91240B29-F687-4f45-9708-019B960494DF}">
-                  <a14:hiddenLine xmlns:a14="http://schemas.microsoft.com/office/drawing/2010/main" xmlns="" w="9525">
+                  <a14:hiddenLine xmlns="" xmlns:a14="http://schemas.microsoft.com/office/drawing/2010/main" w="9525">
                     <a:solidFill>
                       <a:srgbClr val="000000"/>
                     </a:solidFill>
@@ -11423,7 +11423,7 @@
               </a:ln>
               <a:extLst>
                 <a:ext uri="{91240B29-F687-4f45-9708-019B960494DF}">
-                  <a14:hiddenLine xmlns:a14="http://schemas.microsoft.com/office/drawing/2010/main" xmlns="" w="9525">
+                  <a14:hiddenLine xmlns="" xmlns:a14="http://schemas.microsoft.com/office/drawing/2010/main" w="9525">
                     <a:solidFill>
                       <a:srgbClr val="000000"/>
                     </a:solidFill>
@@ -11488,7 +11488,7 @@
               </a:ln>
               <a:extLst>
                 <a:ext uri="{91240B29-F687-4f45-9708-019B960494DF}">
-                  <a14:hiddenLine xmlns:a14="http://schemas.microsoft.com/office/drawing/2010/main" xmlns="" w="9525">
+                  <a14:hiddenLine xmlns="" xmlns:a14="http://schemas.microsoft.com/office/drawing/2010/main" w="9525">
                     <a:solidFill>
                       <a:srgbClr val="000000"/>
                     </a:solidFill>
@@ -11578,7 +11578,7 @@
               </a:ln>
               <a:extLst>
                 <a:ext uri="{91240B29-F687-4f45-9708-019B960494DF}">
-                  <a14:hiddenLine xmlns:a14="http://schemas.microsoft.com/office/drawing/2010/main" xmlns="" w="9525">
+                  <a14:hiddenLine xmlns="" xmlns:a14="http://schemas.microsoft.com/office/drawing/2010/main" w="9525">
                     <a:solidFill>
                       <a:srgbClr val="000000"/>
                     </a:solidFill>
@@ -11646,7 +11646,7 @@
               </a:ln>
               <a:extLst>
                 <a:ext uri="{91240B29-F687-4f45-9708-019B960494DF}">
-                  <a14:hiddenLine xmlns:a14="http://schemas.microsoft.com/office/drawing/2010/main" xmlns="" w="9525">
+                  <a14:hiddenLine xmlns="" xmlns:a14="http://schemas.microsoft.com/office/drawing/2010/main" w="9525">
                     <a:solidFill>
                       <a:srgbClr val="000000"/>
                     </a:solidFill>
@@ -11736,7 +11736,7 @@
               </a:ln>
               <a:extLst>
                 <a:ext uri="{91240B29-F687-4f45-9708-019B960494DF}">
-                  <a14:hiddenLine xmlns:a14="http://schemas.microsoft.com/office/drawing/2010/main" xmlns="" w="9525">
+                  <a14:hiddenLine xmlns="" xmlns:a14="http://schemas.microsoft.com/office/drawing/2010/main" w="9525">
                     <a:solidFill>
                       <a:srgbClr val="000000"/>
                     </a:solidFill>
@@ -11804,7 +11804,7 @@
               </a:ln>
               <a:extLst>
                 <a:ext uri="{91240B29-F687-4f45-9708-019B960494DF}">
-                  <a14:hiddenLine xmlns:a14="http://schemas.microsoft.com/office/drawing/2010/main" xmlns="" w="9525">
+                  <a14:hiddenLine xmlns="" xmlns:a14="http://schemas.microsoft.com/office/drawing/2010/main" w="9525">
                     <a:solidFill>
                       <a:srgbClr val="000000"/>
                     </a:solidFill>
@@ -11894,7 +11894,7 @@
               </a:ln>
               <a:extLst>
                 <a:ext uri="{91240B29-F687-4f45-9708-019B960494DF}">
-                  <a14:hiddenLine xmlns:a14="http://schemas.microsoft.com/office/drawing/2010/main" xmlns="" w="9525">
+                  <a14:hiddenLine xmlns="" xmlns:a14="http://schemas.microsoft.com/office/drawing/2010/main" w="9525">
                     <a:solidFill>
                       <a:srgbClr val="000000"/>
                     </a:solidFill>
@@ -11928,7 +11928,7 @@
               </a:ln>
               <a:extLst>
                 <a:ext uri="{91240B29-F687-4f45-9708-019B960494DF}">
-                  <a14:hiddenLine xmlns:a14="http://schemas.microsoft.com/office/drawing/2010/main" xmlns="" w="9525">
+                  <a14:hiddenLine xmlns="" xmlns:a14="http://schemas.microsoft.com/office/drawing/2010/main" w="9525">
                     <a:solidFill>
                       <a:srgbClr val="000000"/>
                     </a:solidFill>
@@ -17226,10 +17226,10 @@
       </p:grpSpPr>
       <p:pic>
         <p:nvPicPr>
-          <p:cNvPr id="1026" name="Picture 2" descr="Web Apps Development - ifelse Technologies">
+          <p:cNvPr id="1028" name="Picture 4" descr="261,679 Transition Images, Stock Photos &amp; Vectors | Shutterstock">
             <a:extLst>
               <a:ext uri="{FF2B5EF4-FFF2-40B4-BE49-F238E27FC236}">
-                <a16:creationId xmlns:a16="http://schemas.microsoft.com/office/drawing/2014/main" id="{4E089139-EE8E-48A2-A1D3-3D2AFCBE47B9}"/>
+                <a16:creationId xmlns:a16="http://schemas.microsoft.com/office/drawing/2014/main" id="{2411B246-637D-46A5-A7CB-5672F7AA5A7D}"/>
               </a:ext>
             </a:extLst>
           </p:cNvPr>
@@ -17253,35 +17253,34 @@
         </p:blipFill>
         <p:spPr bwMode="auto">
           <a:xfrm>
-            <a:off x="1676400" y="990600"/>
-            <a:ext cx="8839200" cy="4876800"/>
+            <a:off x="3304300" y="1424703"/>
+            <a:ext cx="5583399" cy="4008594"/>
           </a:xfrm>
-          <a:prstGeom prst="roundRect">
-            <a:avLst>
-              <a:gd name="adj" fmla="val 16667"/>
-            </a:avLst>
+          <a:prstGeom prst="ellipse">
+            <a:avLst/>
           </a:prstGeom>
-          <a:ln>
-            <a:noFill/>
+          <a:ln w="190500" cap="rnd">
+            <a:solidFill>
+              <a:srgbClr val="C8C6BD"/>
+            </a:solidFill>
+            <a:prstDash val="solid"/>
           </a:ln>
           <a:effectLst>
-            <a:outerShdw blurRad="76200" dist="38100" dir="7800000" algn="tl" rotWithShape="0">
-              <a:srgbClr val="000000">
-                <a:alpha val="40000"/>
-              </a:srgbClr>
+            <a:outerShdw blurRad="127000" algn="bl" rotWithShape="0">
+              <a:srgbClr val="000000"/>
             </a:outerShdw>
           </a:effectLst>
           <a:scene3d>
-            <a:camera prst="orthographicFront"/>
-            <a:lightRig rig="contrasting" dir="t">
-              <a:rot lat="0" lon="0" rev="4200000"/>
+            <a:camera prst="perspectiveFront" fov="5400000"/>
+            <a:lightRig rig="threePt" dir="t">
+              <a:rot lat="0" lon="0" rev="19200000"/>
             </a:lightRig>
           </a:scene3d>
-          <a:sp3d prstMaterial="plastic">
-            <a:bevelT w="381000" h="114300" prst="relaxedInset"/>
-            <a:contourClr>
-              <a:srgbClr val="969696"/>
-            </a:contourClr>
+          <a:sp3d extrusionH="25400">
+            <a:bevelT w="304800" h="152400" prst="hardEdge"/>
+            <a:extrusionClr>
+              <a:srgbClr val="000000"/>
+            </a:extrusionClr>
           </a:sp3d>
           <a:extLst>
             <a:ext uri="{909E8E84-426E-40DD-AFC4-6F175D3DCCD1}">
@@ -17297,7 +17296,7 @@
     </p:spTree>
     <p:extLst>
       <p:ext uri="{BB962C8B-B14F-4D97-AF65-F5344CB8AC3E}">
-        <p14:creationId xmlns:p14="http://schemas.microsoft.com/office/powerpoint/2010/main" val="2144135071"/>
+        <p14:creationId xmlns:p14="http://schemas.microsoft.com/office/powerpoint/2010/main" val="2144346333"/>
       </p:ext>
     </p:extLst>
   </p:cSld>
@@ -17490,7 +17489,73 @@
             </a:pPr>
             <a:r>
               <a:rPr lang="en-US" dirty="0"/>
-              <a:t>The development process is different in each company </a:t>
+              <a:t>Structured solution to address all common software attributes:</a:t>
+            </a:r>
+          </a:p>
+          <a:p>
+            <a:pPr lvl="1">
+              <a:lnSpc>
+                <a:spcPct val="100000"/>
+              </a:lnSpc>
+            </a:pPr>
+            <a:r>
+              <a:rPr lang="en-US" dirty="0"/>
+              <a:t>Meets all the requirements</a:t>
+            </a:r>
+          </a:p>
+          <a:p>
+            <a:pPr lvl="1">
+              <a:lnSpc>
+                <a:spcPct val="100000"/>
+              </a:lnSpc>
+            </a:pPr>
+            <a:r>
+              <a:rPr lang="en-US" dirty="0"/>
+              <a:t>Performance optimized</a:t>
+            </a:r>
+          </a:p>
+          <a:p>
+            <a:pPr lvl="1">
+              <a:lnSpc>
+                <a:spcPct val="100000"/>
+              </a:lnSpc>
+            </a:pPr>
+            <a:r>
+              <a:rPr lang="en-US" dirty="0"/>
+              <a:t>Security in check</a:t>
+            </a:r>
+          </a:p>
+          <a:p>
+            <a:pPr lvl="1">
+              <a:lnSpc>
+                <a:spcPct val="100000"/>
+              </a:lnSpc>
+            </a:pPr>
+            <a:r>
+              <a:rPr lang="en-US" dirty="0"/>
+              <a:t>Manageability for developers</a:t>
+            </a:r>
+          </a:p>
+          <a:p>
+            <a:pPr lvl="1">
+              <a:lnSpc>
+                <a:spcPct val="100000"/>
+              </a:lnSpc>
+            </a:pPr>
+            <a:r>
+              <a:rPr lang="en-US" dirty="0"/>
+              <a:t>Scalability for business growth</a:t>
+            </a:r>
+          </a:p>
+          <a:p>
+            <a:pPr lvl="1">
+              <a:lnSpc>
+                <a:spcPct val="100000"/>
+              </a:lnSpc>
+            </a:pPr>
+            <a:r>
+              <a:rPr lang="en-US" dirty="0"/>
+              <a:t>Accessibility for easier user experience</a:t>
             </a:r>
           </a:p>
           <a:p>
@@ -17501,7 +17566,7 @@
             </a:pPr>
             <a:r>
               <a:rPr lang="en-US" dirty="0"/>
-              <a:t>But there is always a need to: </a:t>
+              <a:t>Major requirements:</a:t>
             </a:r>
           </a:p>
           <a:p>
@@ -17512,7 +17577,7 @@
             </a:pPr>
             <a:r>
               <a:rPr lang="en-US" dirty="0"/>
-              <a:t>Understand business problem </a:t>
+              <a:t>User requirements – the way end-users interact with the system</a:t>
             </a:r>
           </a:p>
           <a:p>
@@ -17523,7 +17588,7 @@
             </a:pPr>
             <a:r>
               <a:rPr lang="en-US" dirty="0"/>
-              <a:t>Document non-technical business solution </a:t>
+              <a:t>Business requirements – cheaper, faster, better than competitors</a:t>
             </a:r>
           </a:p>
           <a:p>
@@ -17534,7 +17599,7 @@
             </a:pPr>
             <a:r>
               <a:rPr lang="en-US" dirty="0"/>
-              <a:t>Convert solution to technical architecture </a:t>
+              <a:t>IT system requirements – infrastructure requirements</a:t>
             </a:r>
           </a:p>
           <a:p>
@@ -17543,43 +17608,7 @@
                 <a:spcPct val="100000"/>
               </a:lnSpc>
             </a:pPr>
-            <a:r>
-              <a:rPr lang="en-US" dirty="0"/>
-              <a:t>Convert architecture to code </a:t>
-            </a:r>
-          </a:p>
-          <a:p>
-            <a:pPr lvl="1">
-              <a:lnSpc>
-                <a:spcPct val="100000"/>
-              </a:lnSpc>
-            </a:pPr>
-            <a:r>
-              <a:rPr lang="en-US" dirty="0"/>
-              <a:t>Manage developers </a:t>
-            </a:r>
-          </a:p>
-          <a:p>
-            <a:pPr lvl="1">
-              <a:lnSpc>
-                <a:spcPct val="100000"/>
-              </a:lnSpc>
-            </a:pPr>
-            <a:r>
-              <a:rPr lang="en-US" dirty="0"/>
-              <a:t>Test code </a:t>
-            </a:r>
-          </a:p>
-          <a:p>
-            <a:pPr lvl="1">
-              <a:lnSpc>
-                <a:spcPct val="100000"/>
-              </a:lnSpc>
-            </a:pPr>
-            <a:r>
-              <a:rPr lang="en-US" dirty="0"/>
-              <a:t>Deploy code</a:t>
-            </a:r>
+            <a:endParaRPr lang="en-US" dirty="0"/>
           </a:p>
           <a:p>
             <a:pPr>
@@ -17587,10 +17616,15 @@
                 <a:spcPct val="100000"/>
               </a:lnSpc>
             </a:pPr>
-            <a:r>
-              <a:rPr lang="en-US" dirty="0"/>
-              <a:t>Of course, in some companies these responsibilities are mixed</a:t>
-            </a:r>
+            <a:endParaRPr lang="en-US" dirty="0"/>
+          </a:p>
+          <a:p>
+            <a:pPr>
+              <a:lnSpc>
+                <a:spcPct val="100000"/>
+              </a:lnSpc>
+            </a:pPr>
+            <a:endParaRPr lang="en-US" dirty="0"/>
           </a:p>
         </p:txBody>
       </p:sp>
@@ -17610,17 +17644,16 @@
           <a:lstStyle/>
           <a:p>
             <a:r>
-              <a:rPr lang="en-GB" dirty="0"/>
-              <a:t>Principles Of Software Development</a:t>
-            </a:r>
-            <a:endParaRPr lang="en-US" dirty="0"/>
+              <a:rPr lang="en-US" dirty="0"/>
+              <a:t>Software architecture</a:t>
+            </a:r>
           </a:p>
         </p:txBody>
       </p:sp>
     </p:spTree>
     <p:extLst>
       <p:ext uri="{BB962C8B-B14F-4D97-AF65-F5344CB8AC3E}">
-        <p14:creationId xmlns:p14="http://schemas.microsoft.com/office/powerpoint/2010/main" val="496021609"/>
+        <p14:creationId xmlns:p14="http://schemas.microsoft.com/office/powerpoint/2010/main" val="3715122582"/>
       </p:ext>
     </p:extLst>
   </p:cSld>
@@ -17686,6 +17719,122 @@
       </p:sp>
       <p:sp>
         <p:nvSpPr>
+          <p:cNvPr id="5" name="Content Placeholder 4"/>
+          <p:cNvSpPr>
+            <a:spLocks noGrp="1"/>
+          </p:cNvSpPr>
+          <p:nvPr>
+            <p:ph idx="1"/>
+          </p:nvPr>
+        </p:nvSpPr>
+        <p:spPr>
+          <a:xfrm>
+            <a:off x="1141413" y="1712549"/>
+            <a:ext cx="11696797" cy="5458202"/>
+          </a:xfrm>
+        </p:spPr>
+        <p:txBody>
+          <a:bodyPr>
+            <a:normAutofit/>
+          </a:bodyPr>
+          <a:lstStyle/>
+          <a:p>
+            <a:pPr>
+              <a:lnSpc>
+                <a:spcPct val="100000"/>
+              </a:lnSpc>
+            </a:pPr>
+            <a:r>
+              <a:rPr lang="en-US" dirty="0"/>
+              <a:t>The structural elements and interfaces composing the system </a:t>
+            </a:r>
+          </a:p>
+          <a:p>
+            <a:pPr lvl="1">
+              <a:lnSpc>
+                <a:spcPct val="100000"/>
+              </a:lnSpc>
+            </a:pPr>
+            <a:r>
+              <a:rPr lang="en-US" dirty="0"/>
+              <a:t>Objects – the low-level building blocks of the system</a:t>
+            </a:r>
+          </a:p>
+          <a:p>
+            <a:pPr>
+              <a:lnSpc>
+                <a:spcPct val="100000"/>
+              </a:lnSpc>
+            </a:pPr>
+            <a:r>
+              <a:rPr lang="en-US" dirty="0"/>
+              <a:t>How these elements behave in collaboration </a:t>
+            </a:r>
+          </a:p>
+          <a:p>
+            <a:pPr lvl="1">
+              <a:lnSpc>
+                <a:spcPct val="100000"/>
+              </a:lnSpc>
+            </a:pPr>
+            <a:r>
+              <a:rPr lang="en-US" dirty="0"/>
+              <a:t>How communication is done in the architecture</a:t>
+            </a:r>
+          </a:p>
+          <a:p>
+            <a:pPr>
+              <a:lnSpc>
+                <a:spcPct val="100000"/>
+              </a:lnSpc>
+            </a:pPr>
+            <a:r>
+              <a:rPr lang="en-US" dirty="0"/>
+              <a:t>The composition of elements into larger subsystems </a:t>
+            </a:r>
+          </a:p>
+          <a:p>
+            <a:pPr lvl="1">
+              <a:lnSpc>
+                <a:spcPct val="100000"/>
+              </a:lnSpc>
+            </a:pPr>
+            <a:r>
+              <a:rPr lang="en-US" dirty="0"/>
+              <a:t>How the elements are mapped to trees or graphs – the high-level data structure</a:t>
+            </a:r>
+          </a:p>
+          <a:p>
+            <a:pPr>
+              <a:lnSpc>
+                <a:spcPct val="100000"/>
+              </a:lnSpc>
+            </a:pPr>
+            <a:r>
+              <a:rPr lang="en-US" dirty="0"/>
+              <a:t>The architectural style that guides this composition</a:t>
+            </a:r>
+          </a:p>
+          <a:p>
+            <a:pPr>
+              <a:lnSpc>
+                <a:spcPct val="100000"/>
+              </a:lnSpc>
+            </a:pPr>
+            <a:endParaRPr lang="en-US" dirty="0"/>
+          </a:p>
+          <a:p>
+            <a:pPr>
+              <a:lnSpc>
+                <a:spcPct val="100000"/>
+              </a:lnSpc>
+            </a:pPr>
+            <a:endParaRPr lang="en-US" dirty="0"/>
+          </a:p>
+        </p:txBody>
+      </p:sp>
+      <p:sp>
+        <p:nvSpPr>
           <p:cNvPr id="4" name="Title 3"/>
           <p:cNvSpPr>
             <a:spLocks noGrp="1"/>
@@ -17701,55 +17850,15 @@
           <a:p>
             <a:r>
               <a:rPr lang="en-US" dirty="0"/>
-              <a:t>main Roles In Software Development</a:t>
+              <a:t>What composes an architecture?</a:t>
             </a:r>
           </a:p>
         </p:txBody>
       </p:sp>
-      <p:pic>
-        <p:nvPicPr>
-          <p:cNvPr id="6" name="Picture 5">
-            <a:extLst>
-              <a:ext uri="{FF2B5EF4-FFF2-40B4-BE49-F238E27FC236}">
-                <a16:creationId xmlns:a16="http://schemas.microsoft.com/office/drawing/2014/main" id="{8239FE3B-7EFF-4999-B985-1BC2CDC5BEF1}"/>
-              </a:ext>
-            </a:extLst>
-          </p:cNvPr>
-          <p:cNvPicPr>
-            <a:picLocks noChangeAspect="1"/>
-          </p:cNvPicPr>
-          <p:nvPr/>
-        </p:nvPicPr>
-        <p:blipFill>
-          <a:blip r:embed="rId2"/>
-          <a:stretch>
-            <a:fillRect/>
-          </a:stretch>
-        </p:blipFill>
-        <p:spPr>
-          <a:xfrm>
-            <a:off x="1881300" y="2239609"/>
-            <a:ext cx="8426224" cy="3544533"/>
-          </a:xfrm>
-          <a:prstGeom prst="rect">
-            <a:avLst/>
-          </a:prstGeom>
-          <a:ln>
-            <a:noFill/>
-          </a:ln>
-          <a:effectLst>
-            <a:outerShdw blurRad="190500" algn="tl" rotWithShape="0">
-              <a:srgbClr val="000000">
-                <a:alpha val="70000"/>
-              </a:srgbClr>
-            </a:outerShdw>
-          </a:effectLst>
-        </p:spPr>
-      </p:pic>
     </p:spTree>
     <p:extLst>
       <p:ext uri="{BB962C8B-B14F-4D97-AF65-F5344CB8AC3E}">
-        <p14:creationId xmlns:p14="http://schemas.microsoft.com/office/powerpoint/2010/main" val="517407646"/>
+        <p14:creationId xmlns:p14="http://schemas.microsoft.com/office/powerpoint/2010/main" val="2157245210"/>
       </p:ext>
     </p:extLst>
   </p:cSld>
@@ -17842,7 +17951,7 @@
             </a:pPr>
             <a:r>
               <a:rPr lang="en-US" dirty="0"/>
-              <a:t>Understanding the Business</a:t>
+              <a:t>Additionally, our design should cover:</a:t>
             </a:r>
           </a:p>
           <a:p>
@@ -17852,8 +17961,67 @@
               </a:lnSpc>
             </a:pPr>
             <a:r>
-              <a:rPr lang="en-US" dirty="0"/>
-              <a:t>The more business understanding you have, the more useful you will be </a:t>
+              <a:rPr lang="en-GB" dirty="0"/>
+              <a:t>Functionality</a:t>
+            </a:r>
+            <a:endParaRPr lang="en-US" dirty="0"/>
+          </a:p>
+          <a:p>
+            <a:pPr lvl="1">
+              <a:lnSpc>
+                <a:spcPct val="100000"/>
+              </a:lnSpc>
+            </a:pPr>
+            <a:r>
+              <a:rPr lang="en-GB" dirty="0"/>
+              <a:t>Usability</a:t>
+            </a:r>
+            <a:endParaRPr lang="en-US" dirty="0"/>
+          </a:p>
+          <a:p>
+            <a:pPr lvl="1">
+              <a:lnSpc>
+                <a:spcPct val="100000"/>
+              </a:lnSpc>
+            </a:pPr>
+            <a:r>
+              <a:rPr lang="en-GB" dirty="0"/>
+              <a:t>Resilience</a:t>
+            </a:r>
+            <a:endParaRPr lang="en-US" dirty="0"/>
+          </a:p>
+          <a:p>
+            <a:pPr lvl="1">
+              <a:lnSpc>
+                <a:spcPct val="100000"/>
+              </a:lnSpc>
+            </a:pPr>
+            <a:r>
+              <a:rPr lang="en-GB" dirty="0"/>
+              <a:t>Performance</a:t>
+            </a:r>
+          </a:p>
+          <a:p>
+            <a:pPr lvl="1">
+              <a:lnSpc>
+                <a:spcPct val="100000"/>
+              </a:lnSpc>
+            </a:pPr>
+            <a:r>
+              <a:rPr lang="en-GB" dirty="0"/>
+              <a:t>Economic and technology constraints</a:t>
+            </a:r>
+            <a:endParaRPr lang="en-US" dirty="0"/>
+          </a:p>
+          <a:p>
+            <a:pPr lvl="1">
+              <a:lnSpc>
+                <a:spcPct val="100000"/>
+              </a:lnSpc>
+            </a:pPr>
+            <a:r>
+              <a:rPr lang="en-GB" dirty="0"/>
+              <a:t>Trade-offs and aesthetic concerns</a:t>
             </a:r>
           </a:p>
           <a:p>
@@ -17863,8 +18031,8 @@
               </a:lnSpc>
             </a:pPr>
             <a:r>
-              <a:rPr lang="en-US" dirty="0"/>
-              <a:t>Cross-Domain Understanding </a:t>
+              <a:rPr lang="en-GB" dirty="0"/>
+              <a:t>The goal is to:</a:t>
             </a:r>
           </a:p>
           <a:p>
@@ -17875,7 +18043,51 @@
             </a:pPr>
             <a:r>
               <a:rPr lang="en-US" dirty="0"/>
-              <a:t>You know bits of the other roles in the team as well</a:t>
+              <a:t>Document high-level structure </a:t>
+            </a:r>
+          </a:p>
+          <a:p>
+            <a:pPr lvl="1">
+              <a:lnSpc>
+                <a:spcPct val="100000"/>
+              </a:lnSpc>
+            </a:pPr>
+            <a:r>
+              <a:rPr lang="en-US" dirty="0"/>
+              <a:t>Do not go into implementation details </a:t>
+            </a:r>
+          </a:p>
+          <a:p>
+            <a:pPr lvl="1">
+              <a:lnSpc>
+                <a:spcPct val="100000"/>
+              </a:lnSpc>
+            </a:pPr>
+            <a:r>
+              <a:rPr lang="en-US" dirty="0"/>
+              <a:t>Minimize complexity </a:t>
+            </a:r>
+          </a:p>
+          <a:p>
+            <a:pPr lvl="1">
+              <a:lnSpc>
+                <a:spcPct val="100000"/>
+              </a:lnSpc>
+            </a:pPr>
+            <a:r>
+              <a:rPr lang="en-US" dirty="0"/>
+              <a:t>Address all requirements </a:t>
+            </a:r>
+          </a:p>
+          <a:p>
+            <a:pPr lvl="1">
+              <a:lnSpc>
+                <a:spcPct val="100000"/>
+              </a:lnSpc>
+            </a:pPr>
+            <a:r>
+              <a:rPr lang="en-US" dirty="0"/>
+              <a:t>Be compatible with all use cases and scenarios</a:t>
             </a:r>
           </a:p>
           <a:p>
@@ -17884,21 +18096,7 @@
                 <a:spcPct val="100000"/>
               </a:lnSpc>
             </a:pPr>
-            <a:r>
-              <a:rPr lang="en-US" dirty="0"/>
-              <a:t>Multiple Perspectives </a:t>
-            </a:r>
-          </a:p>
-          <a:p>
-            <a:pPr lvl="1">
-              <a:lnSpc>
-                <a:spcPct val="100000"/>
-              </a:lnSpc>
-            </a:pPr>
-            <a:r>
-              <a:rPr lang="en-US" dirty="0"/>
-              <a:t>You need to see the problem from everyone's point of view</a:t>
-            </a:r>
+            <a:endParaRPr lang="en-US" dirty="0"/>
           </a:p>
           <a:p>
             <a:pPr>
@@ -17906,43 +18104,7 @@
                 <a:spcPct val="100000"/>
               </a:lnSpc>
             </a:pPr>
-            <a:r>
-              <a:rPr lang="en-US" dirty="0"/>
-              <a:t>People Skills </a:t>
-            </a:r>
-          </a:p>
-          <a:p>
-            <a:pPr lvl="1">
-              <a:lnSpc>
-                <a:spcPct val="100000"/>
-              </a:lnSpc>
-            </a:pPr>
-            <a:r>
-              <a:rPr lang="en-US" dirty="0"/>
-              <a:t>Just to make sure communication goes smoothly</a:t>
-            </a:r>
-          </a:p>
-          <a:p>
-            <a:pPr>
-              <a:lnSpc>
-                <a:spcPct val="100000"/>
-              </a:lnSpc>
-            </a:pPr>
-            <a:r>
-              <a:rPr lang="en-US" dirty="0"/>
-              <a:t>Lifelong Learning</a:t>
-            </a:r>
-          </a:p>
-          <a:p>
-            <a:pPr lvl="1">
-              <a:lnSpc>
-                <a:spcPct val="100000"/>
-              </a:lnSpc>
-            </a:pPr>
-            <a:r>
-              <a:rPr lang="en-US" dirty="0"/>
-              <a:t>IT is moving super fast; you need to stay relevant</a:t>
-            </a:r>
+            <a:endParaRPr lang="en-US" dirty="0"/>
           </a:p>
         </p:txBody>
       </p:sp>
@@ -17962,17 +18124,16 @@
           <a:lstStyle/>
           <a:p>
             <a:r>
-              <a:rPr lang="en-GB" dirty="0"/>
-              <a:t>Required skills by everybody in the team</a:t>
-            </a:r>
-            <a:endParaRPr lang="en-US" dirty="0"/>
+              <a:rPr lang="en-US" dirty="0"/>
+              <a:t>What composes an architecture?</a:t>
+            </a:r>
           </a:p>
         </p:txBody>
       </p:sp>
     </p:spTree>
     <p:extLst>
       <p:ext uri="{BB962C8B-B14F-4D97-AF65-F5344CB8AC3E}">
-        <p14:creationId xmlns:p14="http://schemas.microsoft.com/office/powerpoint/2010/main" val="1745452266"/>
+        <p14:creationId xmlns:p14="http://schemas.microsoft.com/office/powerpoint/2010/main" val="4016185382"/>
       </p:ext>
     </p:extLst>
   </p:cSld>
@@ -18048,16 +18209,22 @@
         </p:nvSpPr>
         <p:spPr>
           <a:xfrm>
-            <a:off x="1141413" y="1712549"/>
+            <a:off x="1141413" y="1843177"/>
             <a:ext cx="11696797" cy="5458202"/>
           </a:xfrm>
         </p:spPr>
         <p:txBody>
           <a:bodyPr>
-            <a:normAutofit/>
+            <a:normAutofit fontScale="92500" lnSpcReduction="20000"/>
           </a:bodyPr>
           <a:lstStyle/>
           <a:p>
+            <a:r>
+              <a:rPr lang="en-US" dirty="0"/>
+              <a:t>Separation of Concerns</a:t>
+            </a:r>
+          </a:p>
+          <a:p>
             <a:pPr>
               <a:lnSpc>
                 <a:spcPct val="100000"/>
@@ -18065,8 +18232,63 @@
             </a:pPr>
             <a:r>
               <a:rPr lang="en-US" dirty="0"/>
-              <a:t>A product/project owner</a:t>
-            </a:r>
+              <a:t>Encapsulation</a:t>
+            </a:r>
+          </a:p>
+          <a:p>
+            <a:r>
+              <a:rPr lang="en-US" dirty="0"/>
+              <a:t>Dependency Inversion</a:t>
+            </a:r>
+          </a:p>
+          <a:p>
+            <a:r>
+              <a:rPr lang="en-US" dirty="0"/>
+              <a:t>Explicit Components</a:t>
+            </a:r>
+          </a:p>
+          <a:p>
+            <a:r>
+              <a:rPr lang="en-US" dirty="0"/>
+              <a:t>Single Responsibility</a:t>
+            </a:r>
+          </a:p>
+          <a:p>
+            <a:r>
+              <a:rPr lang="en-US" dirty="0"/>
+              <a:t>Don’t Repeat Yourself </a:t>
+            </a:r>
+          </a:p>
+          <a:p>
+            <a:r>
+              <a:rPr lang="en-US" dirty="0"/>
+              <a:t>Persistence &amp; Infrastructure Ignorance</a:t>
+            </a:r>
+          </a:p>
+          <a:p>
+            <a:r>
+              <a:rPr lang="en-US" dirty="0"/>
+              <a:t>Presentation Ignorance</a:t>
+            </a:r>
+          </a:p>
+          <a:p>
+            <a:r>
+              <a:rPr lang="en-US" dirty="0"/>
+              <a:t>Bounded Contexts</a:t>
+            </a:r>
+          </a:p>
+          <a:p>
+            <a:r>
+              <a:rPr lang="en-US" dirty="0"/>
+              <a:t>Testability</a:t>
+            </a:r>
+            <a:br>
+              <a:rPr lang="en-US" dirty="0"/>
+            </a:br>
+            <a:br>
+              <a:rPr lang="en-US" dirty="0"/>
+            </a:br>
+            <a:endParaRPr lang="en-US" dirty="0"/>
           </a:p>
           <a:p>
             <a:pPr>
@@ -18074,10 +18296,7 @@
                 <a:spcPct val="100000"/>
               </a:lnSpc>
             </a:pPr>
-            <a:r>
-              <a:rPr lang="en-US" dirty="0"/>
-              <a:t>Responsible for functionality </a:t>
-            </a:r>
+            <a:endParaRPr lang="en-US" dirty="0"/>
           </a:p>
           <a:p>
             <a:pPr>
@@ -18085,76 +18304,7 @@
                 <a:spcPct val="100000"/>
               </a:lnSpc>
             </a:pPr>
-            <a:r>
-              <a:rPr lang="en-US" dirty="0"/>
-              <a:t>Captures, consolidates, and communicates information </a:t>
-            </a:r>
-          </a:p>
-          <a:p>
-            <a:pPr>
-              <a:lnSpc>
-                <a:spcPct val="100000"/>
-              </a:lnSpc>
-            </a:pPr>
-            <a:r>
-              <a:rPr lang="en-US" dirty="0"/>
-              <a:t>Constantly asks questions: </a:t>
-            </a:r>
-          </a:p>
-          <a:p>
-            <a:pPr lvl="1">
-              <a:lnSpc>
-                <a:spcPct val="100000"/>
-              </a:lnSpc>
-            </a:pPr>
-            <a:r>
-              <a:rPr lang="en-US" dirty="0"/>
-              <a:t>What do you mean? </a:t>
-            </a:r>
-          </a:p>
-          <a:p>
-            <a:pPr lvl="1">
-              <a:lnSpc>
-                <a:spcPct val="100000"/>
-              </a:lnSpc>
-            </a:pPr>
-            <a:r>
-              <a:rPr lang="en-US" dirty="0"/>
-              <a:t>How does this fit in with…? </a:t>
-            </a:r>
-          </a:p>
-          <a:p>
-            <a:pPr lvl="1">
-              <a:lnSpc>
-                <a:spcPct val="100000"/>
-              </a:lnSpc>
-            </a:pPr>
-            <a:r>
-              <a:rPr lang="en-US" dirty="0"/>
-              <a:t>Etc. </a:t>
-            </a:r>
-          </a:p>
-          <a:p>
-            <a:pPr>
-              <a:lnSpc>
-                <a:spcPct val="100000"/>
-              </a:lnSpc>
-            </a:pPr>
-            <a:r>
-              <a:rPr lang="en-US" dirty="0"/>
-              <a:t>Identifies and resolves conflicts </a:t>
-            </a:r>
-          </a:p>
-          <a:p>
-            <a:pPr>
-              <a:lnSpc>
-                <a:spcPct val="100000"/>
-              </a:lnSpc>
-            </a:pPr>
-            <a:r>
-              <a:rPr lang="en-US" dirty="0"/>
-              <a:t>Produces requirements specification</a:t>
-            </a:r>
+            <a:endParaRPr lang="en-US" dirty="0"/>
           </a:p>
         </p:txBody>
       </p:sp>
@@ -18175,15 +18325,62 @@
           <a:p>
             <a:r>
               <a:rPr lang="en-US" dirty="0"/>
-              <a:t>Responsibilities Of The Functional Analyst</a:t>
+              <a:t>Our architecture needs</a:t>
             </a:r>
           </a:p>
         </p:txBody>
       </p:sp>
+      <p:pic>
+        <p:nvPicPr>
+          <p:cNvPr id="1026" name="Picture 2">
+            <a:extLst>
+              <a:ext uri="{FF2B5EF4-FFF2-40B4-BE49-F238E27FC236}">
+                <a16:creationId xmlns:a16="http://schemas.microsoft.com/office/drawing/2014/main" id="{10DE6182-0F58-429E-A0D9-AA70D8424F77}"/>
+              </a:ext>
+            </a:extLst>
+          </p:cNvPr>
+          <p:cNvPicPr>
+            <a:picLocks noChangeAspect="1" noChangeArrowheads="1"/>
+          </p:cNvPicPr>
+          <p:nvPr/>
+        </p:nvPicPr>
+        <p:blipFill>
+          <a:blip r:embed="rId2">
+            <a:extLst>
+              <a:ext uri="{28A0092B-C50C-407E-A947-70E740481C1C}">
+                <a14:useLocalDpi xmlns:a14="http://schemas.microsoft.com/office/drawing/2010/main" val="0"/>
+              </a:ext>
+            </a:extLst>
+          </a:blip>
+          <a:srcRect/>
+          <a:stretch>
+            <a:fillRect/>
+          </a:stretch>
+        </p:blipFill>
+        <p:spPr bwMode="auto">
+          <a:xfrm>
+            <a:off x="5324605" y="2097088"/>
+            <a:ext cx="5823717" cy="3605877"/>
+          </a:xfrm>
+          <a:prstGeom prst="rect">
+            <a:avLst/>
+          </a:prstGeom>
+          <a:noFill/>
+          <a:extLst>
+            <a:ext uri="{909E8E84-426E-40DD-AFC4-6F175D3DCCD1}">
+              <a14:hiddenFill xmlns:a14="http://schemas.microsoft.com/office/drawing/2010/main">
+                <a:solidFill>
+                  <a:srgbClr val="FFFFFF"/>
+                </a:solidFill>
+              </a14:hiddenFill>
+            </a:ext>
+          </a:extLst>
+        </p:spPr>
+      </p:pic>
     </p:spTree>
     <p:extLst>
       <p:ext uri="{BB962C8B-B14F-4D97-AF65-F5344CB8AC3E}">
-        <p14:creationId xmlns:p14="http://schemas.microsoft.com/office/powerpoint/2010/main" val="2557145445"/>
+        <p14:creationId xmlns:p14="http://schemas.microsoft.com/office/powerpoint/2010/main" val="2705439330"/>
       </p:ext>
     </p:extLst>
   </p:cSld>
@@ -18259,7 +18456,7 @@
         </p:nvSpPr>
         <p:spPr>
           <a:xfrm>
-            <a:off x="1141413" y="1712549"/>
+            <a:off x="1141413" y="1843177"/>
             <a:ext cx="11696797" cy="5458202"/>
           </a:xfrm>
         </p:spPr>
@@ -18269,15 +18466,58 @@
           </a:bodyPr>
           <a:lstStyle/>
           <a:p>
+            <a:r>
+              <a:rPr lang="en-US" dirty="0"/>
+              <a:t>Layers:</a:t>
+            </a:r>
+          </a:p>
+          <a:p>
+            <a:pPr lvl="1"/>
+            <a:r>
+              <a:rPr lang="en-US" dirty="0"/>
+              <a:t>System, Sub-systems, Layers, Components, Classes, Data and Methods</a:t>
+            </a:r>
+          </a:p>
+          <a:p>
+            <a:r>
+              <a:rPr lang="en-US" dirty="0"/>
+              <a:t>Bad Architecture:</a:t>
+            </a:r>
+          </a:p>
+          <a:p>
+            <a:pPr lvl="1"/>
+            <a:r>
+              <a:rPr lang="en-US" dirty="0"/>
+              <a:t>Complex, Incoherent, Brittle, Untestable, Unmaintainable </a:t>
+            </a:r>
+          </a:p>
+          <a:p>
+            <a:r>
+              <a:rPr lang="en-US" dirty="0"/>
+              <a:t>Good Architecture:</a:t>
+            </a:r>
+          </a:p>
+          <a:p>
+            <a:pPr lvl="1"/>
+            <a:r>
+              <a:rPr lang="en-US" dirty="0"/>
+              <a:t>Simple, Understandable, Flexible, Testable, Maintainable</a:t>
+            </a:r>
+            <a:br>
+              <a:rPr lang="en-US" dirty="0"/>
+            </a:br>
+            <a:br>
+              <a:rPr lang="en-US" dirty="0"/>
+            </a:br>
+            <a:endParaRPr lang="en-US" dirty="0"/>
+          </a:p>
+          <a:p>
             <a:pPr>
               <a:lnSpc>
                 <a:spcPct val="100000"/>
               </a:lnSpc>
             </a:pPr>
-            <a:r>
-              <a:rPr lang="en-US" dirty="0"/>
-              <a:t>Precise communicators </a:t>
-            </a:r>
+            <a:endParaRPr lang="en-US" dirty="0"/>
           </a:p>
           <a:p>
             <a:pPr>
@@ -18285,76 +18525,7 @@
                 <a:spcPct val="100000"/>
               </a:lnSpc>
             </a:pPr>
-            <a:r>
-              <a:rPr lang="en-US" dirty="0"/>
-              <a:t>Great attention to detail</a:t>
-            </a:r>
-          </a:p>
-          <a:p>
-            <a:pPr>
-              <a:lnSpc>
-                <a:spcPct val="100000"/>
-              </a:lnSpc>
-            </a:pPr>
-            <a:r>
-              <a:rPr lang="en-US" dirty="0"/>
-              <a:t>Adept at dealing with differing opinions and conflicts</a:t>
-            </a:r>
-          </a:p>
-          <a:p>
-            <a:pPr>
-              <a:lnSpc>
-                <a:spcPct val="100000"/>
-              </a:lnSpc>
-            </a:pPr>
-            <a:r>
-              <a:rPr lang="en-US" dirty="0"/>
-              <a:t>Know when detail is necessary and when not </a:t>
-            </a:r>
-          </a:p>
-          <a:p>
-            <a:pPr>
-              <a:lnSpc>
-                <a:spcPct val="100000"/>
-              </a:lnSpc>
-            </a:pPr>
-            <a:r>
-              <a:rPr lang="en-US" dirty="0"/>
-              <a:t>Great relationship skills </a:t>
-            </a:r>
-          </a:p>
-          <a:p>
-            <a:pPr>
-              <a:lnSpc>
-                <a:spcPct val="100000"/>
-              </a:lnSpc>
-            </a:pPr>
-            <a:r>
-              <a:rPr lang="en-US" dirty="0"/>
-              <a:t>Very good listener</a:t>
-            </a:r>
-          </a:p>
-          <a:p>
-            <a:pPr>
-              <a:lnSpc>
-                <a:spcPct val="100000"/>
-              </a:lnSpc>
-            </a:pPr>
-            <a:r>
-              <a:rPr lang="en-US" dirty="0"/>
-              <a:t>Can create clear and precise documents </a:t>
-            </a:r>
-          </a:p>
-          <a:p>
-            <a:pPr>
-              <a:lnSpc>
-                <a:spcPct val="100000"/>
-              </a:lnSpc>
-            </a:pPr>
-            <a:r>
-              <a:rPr lang="en-US" dirty="0"/>
-              <a:t>Skilled in using Office tools</a:t>
-            </a:r>
+            <a:endParaRPr lang="en-US" dirty="0"/>
           </a:p>
         </p:txBody>
       </p:sp>
@@ -18375,7 +18546,7 @@
           <a:p>
             <a:r>
               <a:rPr lang="en-US" dirty="0"/>
-              <a:t>Skills Of The Functional Analyst</a:t>
+              <a:t>Architecture abstraction</a:t>
             </a:r>
           </a:p>
         </p:txBody>
@@ -18383,7 +18554,7 @@
     </p:spTree>
     <p:extLst>
       <p:ext uri="{BB962C8B-B14F-4D97-AF65-F5344CB8AC3E}">
-        <p14:creationId xmlns:p14="http://schemas.microsoft.com/office/powerpoint/2010/main" val="2884769962"/>
+        <p14:creationId xmlns:p14="http://schemas.microsoft.com/office/powerpoint/2010/main" val="1629691651"/>
       </p:ext>
     </p:extLst>
   </p:cSld>
@@ -18476,7 +18647,7 @@
             </a:pPr>
             <a:r>
               <a:rPr lang="en-US" dirty="0"/>
-              <a:t>Pros:</a:t>
+              <a:t>Build to change instead of building to last </a:t>
             </a:r>
           </a:p>
           <a:p>
@@ -18487,7 +18658,7 @@
             </a:pPr>
             <a:r>
               <a:rPr lang="en-US" dirty="0"/>
-              <a:t>Key role </a:t>
+              <a:t>You are going to change your solution multiple times</a:t>
             </a:r>
           </a:p>
           <a:p>
@@ -18498,7 +18669,7 @@
             </a:pPr>
             <a:r>
               <a:rPr lang="en-US" dirty="0"/>
-              <a:t>Lots of interactions</a:t>
+              <a:t>Create around modularity and flexibility</a:t>
             </a:r>
           </a:p>
           <a:p>
@@ -18509,7 +18680,7 @@
             </a:pPr>
             <a:r>
               <a:rPr lang="en-US" dirty="0"/>
-              <a:t>Cons:</a:t>
+              <a:t>Use models, but only to analyze and reduce risk </a:t>
             </a:r>
           </a:p>
           <a:p>
@@ -18520,7 +18691,18 @@
             </a:pPr>
             <a:r>
               <a:rPr lang="en-US" dirty="0"/>
-              <a:t>Must work with bad user representatives </a:t>
+              <a:t>The models should be more abstract, otherwise you are taking the role of a developer</a:t>
+            </a:r>
+          </a:p>
+          <a:p>
+            <a:pPr>
+              <a:lnSpc>
+                <a:spcPct val="100000"/>
+              </a:lnSpc>
+            </a:pPr>
+            <a:r>
+              <a:rPr lang="en-US" dirty="0"/>
+              <a:t>Use visualizations to communicate and collaborate </a:t>
             </a:r>
           </a:p>
           <a:p>
@@ -18531,7 +18713,18 @@
             </a:pPr>
             <a:r>
               <a:rPr lang="en-US" dirty="0"/>
-              <a:t>Can expect conflict </a:t>
+              <a:t>Your architecture is going to be a large diagram</a:t>
+            </a:r>
+          </a:p>
+          <a:p>
+            <a:pPr>
+              <a:lnSpc>
+                <a:spcPct val="100000"/>
+              </a:lnSpc>
+            </a:pPr>
+            <a:r>
+              <a:rPr lang="en-US" dirty="0"/>
+              <a:t>Identify and research critical points of failure</a:t>
             </a:r>
           </a:p>
           <a:p>
@@ -18542,7 +18735,18 @@
             </a:pPr>
             <a:r>
               <a:rPr lang="en-US" dirty="0"/>
-              <a:t>Will receive blame if functionality is missing</a:t>
+              <a:t>Put in work in research in everything advanced</a:t>
+            </a:r>
+          </a:p>
+          <a:p>
+            <a:pPr lvl="1">
+              <a:lnSpc>
+                <a:spcPct val="100000"/>
+              </a:lnSpc>
+            </a:pPr>
+            <a:r>
+              <a:rPr lang="en-US" dirty="0"/>
+              <a:t>Security, scalability, resiliency </a:t>
             </a:r>
           </a:p>
         </p:txBody>
@@ -18563,16 +18767,17 @@
           <a:lstStyle/>
           <a:p>
             <a:r>
-              <a:rPr lang="en-US" dirty="0"/>
-              <a:t>If you want to be Functional Analyst</a:t>
-            </a:r>
+              <a:rPr lang="en-GB" dirty="0"/>
+              <a:t>Software Architecture Design Tips</a:t>
+            </a:r>
+            <a:endParaRPr lang="en-US" dirty="0"/>
           </a:p>
         </p:txBody>
       </p:sp>
     </p:spTree>
     <p:extLst>
       <p:ext uri="{BB962C8B-B14F-4D97-AF65-F5344CB8AC3E}">
-        <p14:creationId xmlns:p14="http://schemas.microsoft.com/office/powerpoint/2010/main" val="874567698"/>
+        <p14:creationId xmlns:p14="http://schemas.microsoft.com/office/powerpoint/2010/main" val="2724761539"/>
       </p:ext>
     </p:extLst>
   </p:cSld>
@@ -18665,7 +18870,7 @@
             </a:pPr>
             <a:r>
               <a:rPr lang="en-US" dirty="0"/>
-              <a:t>Leads and mentors developers </a:t>
+              <a:t>The goal of a software architect is to minimize complexity</a:t>
             </a:r>
           </a:p>
           <a:p>
@@ -18676,19 +18881,9 @@
             </a:pPr>
             <a:r>
               <a:rPr lang="en-US" dirty="0"/>
-              <a:t>Assigns tasks to developers </a:t>
-            </a:r>
-          </a:p>
-          <a:p>
-            <a:pPr lvl="1">
-              <a:lnSpc>
-                <a:spcPct val="100000"/>
-              </a:lnSpc>
-            </a:pPr>
-            <a:r>
-              <a:rPr lang="en-US" dirty="0"/>
-              <a:t>Based on their skill level</a:t>
-            </a:r>
+              <a:t>This can be accomplished by separating the design into different areas of concern</a:t>
+            </a:r>
+            <a:endParaRPr lang="bg-BG" dirty="0"/>
           </a:p>
           <a:p>
             <a:pPr>
@@ -18698,40 +18893,7 @@
             </a:pPr>
             <a:r>
               <a:rPr lang="en-US" dirty="0"/>
-              <a:t>Details and partitions work</a:t>
-            </a:r>
-          </a:p>
-          <a:p>
-            <a:pPr>
-              <a:lnSpc>
-                <a:spcPct val="100000"/>
-              </a:lnSpc>
-            </a:pPr>
-            <a:r>
-              <a:rPr lang="en-US" dirty="0"/>
-              <a:t>Ensures that all developers are successful</a:t>
-            </a:r>
-          </a:p>
-          <a:p>
-            <a:pPr>
-              <a:lnSpc>
-                <a:spcPct val="100000"/>
-              </a:lnSpc>
-            </a:pPr>
-            <a:r>
-              <a:rPr lang="en-US" dirty="0"/>
-              <a:t>It is not always an official role</a:t>
-            </a:r>
-          </a:p>
-          <a:p>
-            <a:pPr lvl="1">
-              <a:lnSpc>
-                <a:spcPct val="100000"/>
-              </a:lnSpc>
-            </a:pPr>
-            <a:r>
-              <a:rPr lang="en-US" dirty="0"/>
-              <a:t>Usually, it is the person who helps everyone else</a:t>
+              <a:t>Also known as modules (or components)</a:t>
             </a:r>
           </a:p>
         </p:txBody>
@@ -18753,15 +18915,55 @@
           <a:p>
             <a:r>
               <a:rPr lang="en-US" dirty="0"/>
-              <a:t>Responsibilities Of The Lead Developer</a:t>
+              <a:t>Areas Of Software Architectures</a:t>
             </a:r>
           </a:p>
         </p:txBody>
       </p:sp>
+      <p:pic>
+        <p:nvPicPr>
+          <p:cNvPr id="3" name="Picture 2">
+            <a:extLst>
+              <a:ext uri="{FF2B5EF4-FFF2-40B4-BE49-F238E27FC236}">
+                <a16:creationId xmlns:a16="http://schemas.microsoft.com/office/drawing/2014/main" id="{D75C7A74-CEAF-41FA-A8E2-E94317C017D2}"/>
+              </a:ext>
+            </a:extLst>
+          </p:cNvPr>
+          <p:cNvPicPr>
+            <a:picLocks noChangeAspect="1"/>
+          </p:cNvPicPr>
+          <p:nvPr/>
+        </p:nvPicPr>
+        <p:blipFill>
+          <a:blip r:embed="rId2"/>
+          <a:stretch>
+            <a:fillRect/>
+          </a:stretch>
+        </p:blipFill>
+        <p:spPr>
+          <a:xfrm>
+            <a:off x="3646576" y="3347357"/>
+            <a:ext cx="4182669" cy="3101892"/>
+          </a:xfrm>
+          <a:prstGeom prst="rect">
+            <a:avLst/>
+          </a:prstGeom>
+          <a:ln>
+            <a:noFill/>
+          </a:ln>
+          <a:effectLst>
+            <a:outerShdw blurRad="190500" algn="tl" rotWithShape="0">
+              <a:srgbClr val="000000">
+                <a:alpha val="70000"/>
+              </a:srgbClr>
+            </a:outerShdw>
+          </a:effectLst>
+        </p:spPr>
+      </p:pic>
     </p:spTree>
     <p:extLst>
       <p:ext uri="{BB962C8B-B14F-4D97-AF65-F5344CB8AC3E}">
-        <p14:creationId xmlns:p14="http://schemas.microsoft.com/office/powerpoint/2010/main" val="87945836"/>
+        <p14:creationId xmlns:p14="http://schemas.microsoft.com/office/powerpoint/2010/main" val="2079088332"/>
       </p:ext>
     </p:extLst>
   </p:cSld>
@@ -18854,7 +19056,18 @@
             </a:pPr>
             <a:r>
               <a:rPr lang="en-US" dirty="0"/>
-              <a:t>Awesome programming skills</a:t>
+              <a:t>Separation of concerns </a:t>
+            </a:r>
+          </a:p>
+          <a:p>
+            <a:pPr lvl="1">
+              <a:lnSpc>
+                <a:spcPct val="100000"/>
+              </a:lnSpc>
+            </a:pPr>
+            <a:r>
+              <a:rPr lang="en-US" dirty="0"/>
+              <a:t>Each object and module should be in its own concern and context</a:t>
             </a:r>
           </a:p>
           <a:p>
@@ -18865,7 +19078,18 @@
             </a:pPr>
             <a:r>
               <a:rPr lang="en-US" dirty="0"/>
-              <a:t>Willing to mentor and be value-driven</a:t>
+              <a:t>Single responsibility principle </a:t>
+            </a:r>
+          </a:p>
+          <a:p>
+            <a:pPr lvl="1">
+              <a:lnSpc>
+                <a:spcPct val="100000"/>
+              </a:lnSpc>
+            </a:pPr>
+            <a:r>
+              <a:rPr lang="en-US" dirty="0"/>
+              <a:t>Elements in our design must have a single purpose</a:t>
             </a:r>
           </a:p>
           <a:p>
@@ -18876,7 +19100,29 @@
             </a:pPr>
             <a:r>
               <a:rPr lang="en-US" dirty="0"/>
-              <a:t>Grows out of the Developer role </a:t>
+              <a:t>Principle of least knowledge </a:t>
+            </a:r>
+          </a:p>
+          <a:p>
+            <a:pPr lvl="1">
+              <a:lnSpc>
+                <a:spcPct val="100000"/>
+              </a:lnSpc>
+            </a:pPr>
+            <a:r>
+              <a:rPr lang="en-US" dirty="0"/>
+              <a:t>Components do not know about the internals of other components</a:t>
+            </a:r>
+          </a:p>
+          <a:p>
+            <a:pPr lvl="1">
+              <a:lnSpc>
+                <a:spcPct val="100000"/>
+              </a:lnSpc>
+            </a:pPr>
+            <a:r>
+              <a:rPr lang="en-US" dirty="0"/>
+              <a:t>Done through interfaces</a:t>
             </a:r>
           </a:p>
           <a:p>
@@ -18887,7 +19133,18 @@
             </a:pPr>
             <a:r>
               <a:rPr lang="en-US" dirty="0"/>
-              <a:t>Requires great relationship with Architect </a:t>
+              <a:t>Don’t repeat yourself </a:t>
+            </a:r>
+          </a:p>
+          <a:p>
+            <a:pPr lvl="1">
+              <a:lnSpc>
+                <a:spcPct val="100000"/>
+              </a:lnSpc>
+            </a:pPr>
+            <a:r>
+              <a:rPr lang="en-US" dirty="0"/>
+              <a:t>Don't have multiple components with the same purpose</a:t>
             </a:r>
           </a:p>
           <a:p>
@@ -18898,51 +19155,29 @@
             </a:pPr>
             <a:r>
               <a:rPr lang="en-US" dirty="0"/>
-              <a:t>Wide knowledge of libraries/tools/techniques </a:t>
-            </a:r>
-          </a:p>
-          <a:p>
-            <a:pPr>
-              <a:lnSpc>
-                <a:spcPct val="100000"/>
-              </a:lnSpc>
-            </a:pPr>
-            <a:r>
-              <a:rPr lang="en-US" dirty="0"/>
-              <a:t>Adept at creating technical specifications </a:t>
-            </a:r>
-          </a:p>
-          <a:p>
-            <a:pPr>
-              <a:lnSpc>
-                <a:spcPct val="100000"/>
-              </a:lnSpc>
-            </a:pPr>
-            <a:r>
-              <a:rPr lang="en-US" dirty="0"/>
-              <a:t>Adept at build &amp; configuration management </a:t>
-            </a:r>
-          </a:p>
-          <a:p>
-            <a:pPr>
-              <a:lnSpc>
-                <a:spcPct val="100000"/>
-              </a:lnSpc>
-            </a:pPr>
-            <a:r>
-              <a:rPr lang="en-US" dirty="0"/>
-              <a:t>Adept at debugging, post-mortem log inspection, etc. </a:t>
-            </a:r>
-          </a:p>
-          <a:p>
-            <a:pPr>
-              <a:lnSpc>
-                <a:spcPct val="100000"/>
-              </a:lnSpc>
-            </a:pPr>
-            <a:r>
-              <a:rPr lang="en-US" dirty="0"/>
-              <a:t>Can create own tools if needed</a:t>
+              <a:t>Minimize upfront design</a:t>
+            </a:r>
+          </a:p>
+          <a:p>
+            <a:pPr lvl="1">
+              <a:lnSpc>
+                <a:spcPct val="100000"/>
+              </a:lnSpc>
+            </a:pPr>
+            <a:r>
+              <a:rPr lang="en-US" dirty="0"/>
+              <a:t>Try to design the minimum architecture so that developers can work</a:t>
+            </a:r>
+          </a:p>
+          <a:p>
+            <a:pPr lvl="1">
+              <a:lnSpc>
+                <a:spcPct val="100000"/>
+              </a:lnSpc>
+            </a:pPr>
+            <a:r>
+              <a:rPr lang="en-US" dirty="0"/>
+              <a:t>You will polish the next sections later</a:t>
             </a:r>
           </a:p>
         </p:txBody>
@@ -18964,7 +19199,7 @@
           <a:p>
             <a:r>
               <a:rPr lang="en-US" dirty="0"/>
-              <a:t>Skills Of The Lead Developer</a:t>
+              <a:t>Key Principles Of Software Architectures</a:t>
             </a:r>
           </a:p>
         </p:txBody>
@@ -18972,7 +19207,7 @@
     </p:spTree>
     <p:extLst>
       <p:ext uri="{BB962C8B-B14F-4D97-AF65-F5344CB8AC3E}">
-        <p14:creationId xmlns:p14="http://schemas.microsoft.com/office/powerpoint/2010/main" val="2066229287"/>
+        <p14:creationId xmlns:p14="http://schemas.microsoft.com/office/powerpoint/2010/main" val="391249419"/>
       </p:ext>
     </p:extLst>
   </p:cSld>
@@ -18999,213 +19234,80 @@
           <a:chExt cx="0" cy="0"/>
         </a:xfrm>
       </p:grpSpPr>
-      <p:sp>
-        <p:nvSpPr>
-          <p:cNvPr id="7" name="Slide Number Placeholder 3"/>
-          <p:cNvSpPr>
-            <a:spLocks noGrp="1"/>
-          </p:cNvSpPr>
-          <p:nvPr>
-            <p:ph type="sldNum" sz="quarter" idx="4294967295"/>
-          </p:nvPr>
-        </p:nvSpPr>
-        <p:spPr>
+      <p:pic>
+        <p:nvPicPr>
+          <p:cNvPr id="1026" name="Picture 2" descr="Web Apps Development - ifelse Technologies">
+            <a:extLst>
+              <a:ext uri="{FF2B5EF4-FFF2-40B4-BE49-F238E27FC236}">
+                <a16:creationId xmlns:a16="http://schemas.microsoft.com/office/drawing/2014/main" id="{4E089139-EE8E-48A2-A1D3-3D2AFCBE47B9}"/>
+              </a:ext>
+            </a:extLst>
+          </p:cNvPr>
+          <p:cNvPicPr>
+            <a:picLocks noChangeAspect="1" noChangeArrowheads="1"/>
+          </p:cNvPicPr>
+          <p:nvPr/>
+        </p:nvPicPr>
+        <p:blipFill>
+          <a:blip r:embed="rId2">
+            <a:extLst>
+              <a:ext uri="{28A0092B-C50C-407E-A947-70E740481C1C}">
+                <a14:useLocalDpi xmlns:a14="http://schemas.microsoft.com/office/drawing/2010/main" val="0"/>
+              </a:ext>
+            </a:extLst>
+          </a:blip>
+          <a:srcRect/>
+          <a:stretch>
+            <a:fillRect/>
+          </a:stretch>
+        </p:blipFill>
+        <p:spPr bwMode="auto">
           <a:xfrm>
-            <a:off x="11568000" y="6525003"/>
-            <a:ext cx="428822" cy="196477"/>
+            <a:off x="1676400" y="990600"/>
+            <a:ext cx="8839200" cy="4876800"/>
           </a:xfrm>
-          <a:prstGeom prst="rect">
-            <a:avLst/>
+          <a:prstGeom prst="roundRect">
+            <a:avLst>
+              <a:gd name="adj" fmla="val 16667"/>
+            </a:avLst>
           </a:prstGeom>
+          <a:ln>
+            <a:noFill/>
+          </a:ln>
+          <a:effectLst>
+            <a:outerShdw blurRad="76200" dist="38100" dir="7800000" algn="tl" rotWithShape="0">
+              <a:srgbClr val="000000">
+                <a:alpha val="40000"/>
+              </a:srgbClr>
+            </a:outerShdw>
+          </a:effectLst>
+          <a:scene3d>
+            <a:camera prst="orthographicFront"/>
+            <a:lightRig rig="contrasting" dir="t">
+              <a:rot lat="0" lon="0" rev="4200000"/>
+            </a:lightRig>
+          </a:scene3d>
+          <a:sp3d prstMaterial="plastic">
+            <a:bevelT w="381000" h="114300" prst="relaxedInset"/>
+            <a:contourClr>
+              <a:srgbClr val="969696"/>
+            </a:contourClr>
+          </a:sp3d>
+          <a:extLst>
+            <a:ext uri="{909E8E84-426E-40DD-AFC4-6F175D3DCCD1}">
+              <a14:hiddenFill xmlns:a14="http://schemas.microsoft.com/office/drawing/2010/main">
+                <a:solidFill>
+                  <a:srgbClr val="FFFFFF"/>
+                </a:solidFill>
+              </a14:hiddenFill>
+            </a:ext>
+          </a:extLst>
         </p:spPr>
-        <p:txBody>
-          <a:bodyPr/>
-          <a:lstStyle/>
-          <a:p>
-            <a:pPr>
-              <a:defRPr/>
-            </a:pPr>
-            <a:fld id="{58452FF4-89E3-4D1B-9927-2DBDC00E58D7}" type="slidenum">
-              <a:rPr lang="en-US" smtClean="0"/>
-              <a:pPr>
-                <a:defRPr/>
-              </a:pPr>
-              <a:t>38</a:t>
-            </a:fld>
-            <a:endParaRPr lang="en-US" dirty="0"/>
-          </a:p>
-        </p:txBody>
-      </p:sp>
-      <p:sp>
-        <p:nvSpPr>
-          <p:cNvPr id="5" name="Content Placeholder 4"/>
-          <p:cNvSpPr>
-            <a:spLocks noGrp="1"/>
-          </p:cNvSpPr>
-          <p:nvPr>
-            <p:ph idx="1"/>
-          </p:nvPr>
-        </p:nvSpPr>
-        <p:spPr>
-          <a:xfrm>
-            <a:off x="1141413" y="1712549"/>
-            <a:ext cx="11696797" cy="5458202"/>
-          </a:xfrm>
-        </p:spPr>
-        <p:txBody>
-          <a:bodyPr>
-            <a:normAutofit/>
-          </a:bodyPr>
-          <a:lstStyle/>
-          <a:p>
-            <a:pPr>
-              <a:lnSpc>
-                <a:spcPct val="100000"/>
-              </a:lnSpc>
-            </a:pPr>
-            <a:r>
-              <a:rPr lang="en-US" dirty="0"/>
-              <a:t>Pros:</a:t>
-            </a:r>
-          </a:p>
-          <a:p>
-            <a:pPr lvl="1">
-              <a:lnSpc>
-                <a:spcPct val="100000"/>
-              </a:lnSpc>
-            </a:pPr>
-            <a:r>
-              <a:rPr lang="en-US" dirty="0"/>
-              <a:t>Lead-in to a Solution Architect</a:t>
-            </a:r>
-          </a:p>
-          <a:p>
-            <a:pPr lvl="1">
-              <a:lnSpc>
-                <a:spcPct val="100000"/>
-              </a:lnSpc>
-            </a:pPr>
-            <a:r>
-              <a:rPr lang="en-US" dirty="0"/>
-              <a:t>Involves coding (optional, not necessary, but suggested) </a:t>
-            </a:r>
-          </a:p>
-          <a:p>
-            <a:pPr lvl="1">
-              <a:lnSpc>
-                <a:spcPct val="100000"/>
-              </a:lnSpc>
-            </a:pPr>
-            <a:r>
-              <a:rPr lang="en-US" dirty="0"/>
-              <a:t>Can pick &amp; choose cool tasks</a:t>
-            </a:r>
-          </a:p>
-          <a:p>
-            <a:pPr>
-              <a:lnSpc>
-                <a:spcPct val="100000"/>
-              </a:lnSpc>
-            </a:pPr>
-            <a:r>
-              <a:rPr lang="en-US" dirty="0"/>
-              <a:t>Cons:</a:t>
-            </a:r>
-          </a:p>
-          <a:p>
-            <a:pPr lvl="1">
-              <a:lnSpc>
-                <a:spcPct val="100000"/>
-              </a:lnSpc>
-            </a:pPr>
-            <a:r>
-              <a:rPr lang="en-US" dirty="0"/>
-              <a:t>Can get squeezed between the Solution Architect and the Developers </a:t>
-            </a:r>
-          </a:p>
-          <a:p>
-            <a:pPr lvl="1">
-              <a:lnSpc>
-                <a:spcPct val="100000"/>
-              </a:lnSpc>
-            </a:pPr>
-            <a:r>
-              <a:rPr lang="en-US" dirty="0"/>
-              <a:t>Lifelong learning required </a:t>
-            </a:r>
-          </a:p>
-          <a:p>
-            <a:pPr lvl="1">
-              <a:lnSpc>
-                <a:spcPct val="100000"/>
-              </a:lnSpc>
-            </a:pPr>
-            <a:r>
-              <a:rPr lang="en-US" dirty="0"/>
-              <a:t>Turns into a Developer if the Project Management is weak </a:t>
-            </a:r>
-          </a:p>
-          <a:p>
-            <a:pPr lvl="2">
-              <a:lnSpc>
-                <a:spcPct val="100000"/>
-              </a:lnSpc>
-            </a:pPr>
-            <a:r>
-              <a:rPr lang="en-US" dirty="0"/>
-              <a:t>Loses motivation</a:t>
-            </a:r>
-          </a:p>
-          <a:p>
-            <a:pPr lvl="1">
-              <a:lnSpc>
-                <a:spcPct val="100000"/>
-              </a:lnSpc>
-            </a:pPr>
-            <a:r>
-              <a:rPr lang="en-US" dirty="0"/>
-              <a:t>Team might be too small </a:t>
-            </a:r>
-          </a:p>
-          <a:p>
-            <a:pPr lvl="1">
-              <a:lnSpc>
-                <a:spcPct val="100000"/>
-              </a:lnSpc>
-            </a:pPr>
-            <a:r>
-              <a:rPr lang="en-US" dirty="0"/>
-              <a:t>Vulnerable to offshoring</a:t>
-            </a:r>
-          </a:p>
-        </p:txBody>
-      </p:sp>
-      <p:sp>
-        <p:nvSpPr>
-          <p:cNvPr id="4" name="Title 3"/>
-          <p:cNvSpPr>
-            <a:spLocks noGrp="1"/>
-          </p:cNvSpPr>
-          <p:nvPr>
-            <p:ph type="title"/>
-          </p:nvPr>
-        </p:nvSpPr>
-        <p:spPr/>
-        <p:txBody>
-          <a:bodyPr/>
-          <a:lstStyle/>
-          <a:p>
-            <a:r>
-              <a:rPr lang="en-US" dirty="0"/>
-              <a:t>If you want to be Lead Developer</a:t>
-            </a:r>
-          </a:p>
-        </p:txBody>
-      </p:sp>
+      </p:pic>
     </p:spTree>
     <p:extLst>
       <p:ext uri="{BB962C8B-B14F-4D97-AF65-F5344CB8AC3E}">
-        <p14:creationId xmlns:p14="http://schemas.microsoft.com/office/powerpoint/2010/main" val="1674648528"/>
+        <p14:creationId xmlns:p14="http://schemas.microsoft.com/office/powerpoint/2010/main" val="407160551"/>
       </p:ext>
     </p:extLst>
   </p:cSld>
@@ -19298,7 +19400,18 @@
             </a:pPr>
             <a:r>
               <a:rPr lang="en-US" dirty="0"/>
-              <a:t>Massive responsibility</a:t>
+              <a:t>The development process is different in each company </a:t>
+            </a:r>
+          </a:p>
+          <a:p>
+            <a:pPr>
+              <a:lnSpc>
+                <a:spcPct val="100000"/>
+              </a:lnSpc>
+            </a:pPr>
+            <a:r>
+              <a:rPr lang="en-US" dirty="0"/>
+              <a:t>But there is always a need to: </a:t>
             </a:r>
           </a:p>
           <a:p>
@@ -19309,7 +19422,73 @@
             </a:pPr>
             <a:r>
               <a:rPr lang="en-US" dirty="0"/>
-              <a:t>Functional understanding, technical knowledge and leadership skills</a:t>
+              <a:t>Understand business problem </a:t>
+            </a:r>
+          </a:p>
+          <a:p>
+            <a:pPr lvl="1">
+              <a:lnSpc>
+                <a:spcPct val="100000"/>
+              </a:lnSpc>
+            </a:pPr>
+            <a:r>
+              <a:rPr lang="en-US" dirty="0"/>
+              <a:t>Document non-technical business solution </a:t>
+            </a:r>
+          </a:p>
+          <a:p>
+            <a:pPr lvl="1">
+              <a:lnSpc>
+                <a:spcPct val="100000"/>
+              </a:lnSpc>
+            </a:pPr>
+            <a:r>
+              <a:rPr lang="en-US" dirty="0"/>
+              <a:t>Convert solution to technical architecture </a:t>
+            </a:r>
+          </a:p>
+          <a:p>
+            <a:pPr lvl="1">
+              <a:lnSpc>
+                <a:spcPct val="100000"/>
+              </a:lnSpc>
+            </a:pPr>
+            <a:r>
+              <a:rPr lang="en-US" dirty="0"/>
+              <a:t>Convert architecture to code </a:t>
+            </a:r>
+          </a:p>
+          <a:p>
+            <a:pPr lvl="1">
+              <a:lnSpc>
+                <a:spcPct val="100000"/>
+              </a:lnSpc>
+            </a:pPr>
+            <a:r>
+              <a:rPr lang="en-US" dirty="0"/>
+              <a:t>Manage developers </a:t>
+            </a:r>
+          </a:p>
+          <a:p>
+            <a:pPr lvl="1">
+              <a:lnSpc>
+                <a:spcPct val="100000"/>
+              </a:lnSpc>
+            </a:pPr>
+            <a:r>
+              <a:rPr lang="en-US" dirty="0"/>
+              <a:t>Test code </a:t>
+            </a:r>
+          </a:p>
+          <a:p>
+            <a:pPr lvl="1">
+              <a:lnSpc>
+                <a:spcPct val="100000"/>
+              </a:lnSpc>
+            </a:pPr>
+            <a:r>
+              <a:rPr lang="en-US" dirty="0"/>
+              <a:t>Deploy code</a:t>
             </a:r>
           </a:p>
           <a:p>
@@ -19320,73 +19499,7 @@
             </a:pPr>
             <a:r>
               <a:rPr lang="en-US" dirty="0"/>
-              <a:t>Responsible for the technology stack</a:t>
-            </a:r>
-          </a:p>
-          <a:p>
-            <a:pPr>
-              <a:lnSpc>
-                <a:spcPct val="100000"/>
-              </a:lnSpc>
-            </a:pPr>
-            <a:r>
-              <a:rPr lang="en-US" dirty="0"/>
-              <a:t>Converts functional requirements to a technical architecture </a:t>
-            </a:r>
-          </a:p>
-          <a:p>
-            <a:pPr>
-              <a:lnSpc>
-                <a:spcPct val="100000"/>
-              </a:lnSpc>
-            </a:pPr>
-            <a:r>
-              <a:rPr lang="en-US" dirty="0"/>
-              <a:t>Carefully balances patterns/requirements/elegance/concepts </a:t>
-            </a:r>
-          </a:p>
-          <a:p>
-            <a:pPr>
-              <a:lnSpc>
-                <a:spcPct val="100000"/>
-              </a:lnSpc>
-            </a:pPr>
-            <a:r>
-              <a:rPr lang="en-US" dirty="0"/>
-              <a:t>Researches key technologies </a:t>
-            </a:r>
-          </a:p>
-          <a:p>
-            <a:pPr>
-              <a:lnSpc>
-                <a:spcPct val="100000"/>
-              </a:lnSpc>
-            </a:pPr>
-            <a:r>
-              <a:rPr lang="en-US" dirty="0"/>
-              <a:t>Has deep understanding of design and architectural patterns </a:t>
-            </a:r>
-          </a:p>
-          <a:p>
-            <a:pPr>
-              <a:lnSpc>
-                <a:spcPct val="100000"/>
-              </a:lnSpc>
-            </a:pPr>
-            <a:r>
-              <a:rPr lang="en-US" dirty="0"/>
-              <a:t>Motivates and guides development team </a:t>
-            </a:r>
-          </a:p>
-          <a:p>
-            <a:pPr>
-              <a:lnSpc>
-                <a:spcPct val="100000"/>
-              </a:lnSpc>
-            </a:pPr>
-            <a:r>
-              <a:rPr lang="en-US" dirty="0"/>
-              <a:t>Ensures that the Lead Developer is successful</a:t>
+              <a:t>Of course, in some companies these responsibilities are mixed</a:t>
             </a:r>
           </a:p>
         </p:txBody>
@@ -19407,16 +19520,17 @@
           <a:lstStyle/>
           <a:p>
             <a:r>
-              <a:rPr lang="en-US" dirty="0"/>
-              <a:t>Responsibilities Of The Solution Architect</a:t>
-            </a:r>
+              <a:rPr lang="en-GB" dirty="0"/>
+              <a:t>Principles Of Software Development</a:t>
+            </a:r>
+            <a:endParaRPr lang="en-US" dirty="0"/>
           </a:p>
         </p:txBody>
       </p:sp>
     </p:spTree>
     <p:extLst>
       <p:ext uri="{BB962C8B-B14F-4D97-AF65-F5344CB8AC3E}">
-        <p14:creationId xmlns:p14="http://schemas.microsoft.com/office/powerpoint/2010/main" val="1886410298"/>
+        <p14:creationId xmlns:p14="http://schemas.microsoft.com/office/powerpoint/2010/main" val="4165426311"/>
       </p:ext>
     </p:extLst>
   </p:cSld>
@@ -19883,106 +19997,6 @@
       </p:sp>
       <p:sp>
         <p:nvSpPr>
-          <p:cNvPr id="5" name="Content Placeholder 4"/>
-          <p:cNvSpPr>
-            <a:spLocks noGrp="1"/>
-          </p:cNvSpPr>
-          <p:nvPr>
-            <p:ph idx="1"/>
-          </p:nvPr>
-        </p:nvSpPr>
-        <p:spPr>
-          <a:xfrm>
-            <a:off x="1141413" y="1712549"/>
-            <a:ext cx="11696797" cy="5458202"/>
-          </a:xfrm>
-        </p:spPr>
-        <p:txBody>
-          <a:bodyPr>
-            <a:normAutofit/>
-          </a:bodyPr>
-          <a:lstStyle/>
-          <a:p>
-            <a:pPr>
-              <a:lnSpc>
-                <a:spcPct val="100000"/>
-              </a:lnSpc>
-            </a:pPr>
-            <a:r>
-              <a:rPr lang="en-US" dirty="0"/>
-              <a:t>Grows out of Lead Developer role </a:t>
-            </a:r>
-          </a:p>
-          <a:p>
-            <a:pPr>
-              <a:lnSpc>
-                <a:spcPct val="100000"/>
-              </a:lnSpc>
-            </a:pPr>
-            <a:r>
-              <a:rPr lang="en-US" dirty="0"/>
-              <a:t>Requires great relationship with Lead Developer </a:t>
-            </a:r>
-          </a:p>
-          <a:p>
-            <a:pPr>
-              <a:lnSpc>
-                <a:spcPct val="100000"/>
-              </a:lnSpc>
-            </a:pPr>
-            <a:r>
-              <a:rPr lang="en-US" dirty="0"/>
-              <a:t>Always maintains helicopter view </a:t>
-            </a:r>
-          </a:p>
-          <a:p>
-            <a:pPr lvl="1">
-              <a:lnSpc>
-                <a:spcPct val="100000"/>
-              </a:lnSpc>
-            </a:pPr>
-            <a:r>
-              <a:rPr lang="en-US" dirty="0"/>
-              <a:t>It is not bad to help with code, but there is another role for that</a:t>
-            </a:r>
-          </a:p>
-          <a:p>
-            <a:pPr>
-              <a:lnSpc>
-                <a:spcPct val="100000"/>
-              </a:lnSpc>
-            </a:pPr>
-            <a:r>
-              <a:rPr lang="en-US" dirty="0"/>
-              <a:t>Deep understanding of design patterns </a:t>
-            </a:r>
-          </a:p>
-          <a:p>
-            <a:pPr>
-              <a:lnSpc>
-                <a:spcPct val="100000"/>
-              </a:lnSpc>
-            </a:pPr>
-            <a:r>
-              <a:rPr lang="en-US" dirty="0"/>
-              <a:t>Fluent in UML or other design tools </a:t>
-            </a:r>
-          </a:p>
-          <a:p>
-            <a:pPr>
-              <a:lnSpc>
-                <a:spcPct val="100000"/>
-              </a:lnSpc>
-            </a:pPr>
-            <a:r>
-              <a:rPr lang="en-US" dirty="0"/>
-              <a:t>Experience with tools &amp; code generators</a:t>
-            </a:r>
-          </a:p>
-        </p:txBody>
-      </p:sp>
-      <p:sp>
-        <p:nvSpPr>
           <p:cNvPr id="4" name="Title 3"/>
           <p:cNvSpPr>
             <a:spLocks noGrp="1"/>
@@ -19998,15 +20012,55 @@
           <a:p>
             <a:r>
               <a:rPr lang="en-US" dirty="0"/>
-              <a:t>Skills Of The Solution Architect</a:t>
+              <a:t>main Roles In Software Development</a:t>
             </a:r>
           </a:p>
         </p:txBody>
       </p:sp>
+      <p:pic>
+        <p:nvPicPr>
+          <p:cNvPr id="6" name="Picture 5">
+            <a:extLst>
+              <a:ext uri="{FF2B5EF4-FFF2-40B4-BE49-F238E27FC236}">
+                <a16:creationId xmlns:a16="http://schemas.microsoft.com/office/drawing/2014/main" id="{8239FE3B-7EFF-4999-B985-1BC2CDC5BEF1}"/>
+              </a:ext>
+            </a:extLst>
+          </p:cNvPr>
+          <p:cNvPicPr>
+            <a:picLocks noChangeAspect="1"/>
+          </p:cNvPicPr>
+          <p:nvPr/>
+        </p:nvPicPr>
+        <p:blipFill>
+          <a:blip r:embed="rId2"/>
+          <a:stretch>
+            <a:fillRect/>
+          </a:stretch>
+        </p:blipFill>
+        <p:spPr>
+          <a:xfrm>
+            <a:off x="1881300" y="2239609"/>
+            <a:ext cx="8426224" cy="3544533"/>
+          </a:xfrm>
+          <a:prstGeom prst="rect">
+            <a:avLst/>
+          </a:prstGeom>
+          <a:ln>
+            <a:noFill/>
+          </a:ln>
+          <a:effectLst>
+            <a:outerShdw blurRad="190500" algn="tl" rotWithShape="0">
+              <a:srgbClr val="000000">
+                <a:alpha val="70000"/>
+              </a:srgbClr>
+            </a:outerShdw>
+          </a:effectLst>
+        </p:spPr>
+      </p:pic>
     </p:spTree>
     <p:extLst>
       <p:ext uri="{BB962C8B-B14F-4D97-AF65-F5344CB8AC3E}">
-        <p14:creationId xmlns:p14="http://schemas.microsoft.com/office/powerpoint/2010/main" val="3001252842"/>
+        <p14:creationId xmlns:p14="http://schemas.microsoft.com/office/powerpoint/2010/main" val="3556893762"/>
       </p:ext>
     </p:extLst>
   </p:cSld>
@@ -20099,7 +20153,7 @@
             </a:pPr>
             <a:r>
               <a:rPr lang="en-US" dirty="0"/>
-              <a:t>Pros:</a:t>
+              <a:t>Understanding the Business</a:t>
             </a:r>
           </a:p>
           <a:p>
@@ -20110,7 +20164,18 @@
             </a:pPr>
             <a:r>
               <a:rPr lang="en-US" dirty="0"/>
-              <a:t>High value position </a:t>
+              <a:t>The more business understanding you have, the more useful you will be </a:t>
+            </a:r>
+          </a:p>
+          <a:p>
+            <a:pPr>
+              <a:lnSpc>
+                <a:spcPct val="100000"/>
+              </a:lnSpc>
+            </a:pPr>
+            <a:r>
+              <a:rPr lang="en-US" dirty="0"/>
+              <a:t>Cross-Domain Understanding </a:t>
             </a:r>
           </a:p>
           <a:p>
@@ -20121,7 +20186,18 @@
             </a:pPr>
             <a:r>
               <a:rPr lang="en-US" dirty="0"/>
-              <a:t>Great salary </a:t>
+              <a:t>You know bits of the other roles in the team as well</a:t>
+            </a:r>
+          </a:p>
+          <a:p>
+            <a:pPr>
+              <a:lnSpc>
+                <a:spcPct val="100000"/>
+              </a:lnSpc>
+            </a:pPr>
+            <a:r>
+              <a:rPr lang="en-US" dirty="0"/>
+              <a:t>Multiple Perspectives </a:t>
             </a:r>
           </a:p>
           <a:p>
@@ -20132,7 +20208,18 @@
             </a:pPr>
             <a:r>
               <a:rPr lang="en-US" dirty="0"/>
-              <a:t>Visible role </a:t>
+              <a:t>You need to see the problem from everyone's point of view</a:t>
+            </a:r>
+          </a:p>
+          <a:p>
+            <a:pPr>
+              <a:lnSpc>
+                <a:spcPct val="100000"/>
+              </a:lnSpc>
+            </a:pPr>
+            <a:r>
+              <a:rPr lang="en-US" dirty="0"/>
+              <a:t>People Skills </a:t>
             </a:r>
           </a:p>
           <a:p>
@@ -20143,7 +20230,18 @@
             </a:pPr>
             <a:r>
               <a:rPr lang="en-US" dirty="0"/>
-              <a:t>Lots of interactions </a:t>
+              <a:t>Just to make sure communication goes smoothly</a:t>
+            </a:r>
+          </a:p>
+          <a:p>
+            <a:pPr>
+              <a:lnSpc>
+                <a:spcPct val="100000"/>
+              </a:lnSpc>
+            </a:pPr>
+            <a:r>
+              <a:rPr lang="en-US" dirty="0"/>
+              <a:t>Lifelong Learning</a:t>
             </a:r>
           </a:p>
           <a:p>
@@ -20154,62 +20252,7 @@
             </a:pPr>
             <a:r>
               <a:rPr lang="en-US" dirty="0"/>
-              <a:t>Safe from outsourcing</a:t>
-            </a:r>
-          </a:p>
-          <a:p>
-            <a:pPr>
-              <a:lnSpc>
-                <a:spcPct val="100000"/>
-              </a:lnSpc>
-            </a:pPr>
-            <a:r>
-              <a:rPr lang="en-US" dirty="0"/>
-              <a:t>Cons:</a:t>
-            </a:r>
-          </a:p>
-          <a:p>
-            <a:pPr lvl="1">
-              <a:lnSpc>
-                <a:spcPct val="100000"/>
-              </a:lnSpc>
-            </a:pPr>
-            <a:r>
-              <a:rPr lang="en-US" dirty="0"/>
-              <a:t>Difficult to stay up to date </a:t>
-            </a:r>
-          </a:p>
-          <a:p>
-            <a:pPr lvl="1">
-              <a:lnSpc>
-                <a:spcPct val="100000"/>
-              </a:lnSpc>
-            </a:pPr>
-            <a:r>
-              <a:rPr lang="en-US" dirty="0"/>
-              <a:t>Difficult to get right </a:t>
-            </a:r>
-          </a:p>
-          <a:p>
-            <a:pPr lvl="1">
-              <a:lnSpc>
-                <a:spcPct val="100000"/>
-              </a:lnSpc>
-            </a:pPr>
-            <a:r>
-              <a:rPr lang="en-US" dirty="0"/>
-              <a:t>Can receive bad requirements </a:t>
-            </a:r>
-          </a:p>
-          <a:p>
-            <a:pPr lvl="1">
-              <a:lnSpc>
-                <a:spcPct val="100000"/>
-              </a:lnSpc>
-            </a:pPr>
-            <a:r>
-              <a:rPr lang="en-US" dirty="0"/>
-              <a:t>First in line to receive blame</a:t>
+              <a:t>IT is moving super fast; you need to stay relevant</a:t>
             </a:r>
           </a:p>
         </p:txBody>
@@ -20230,16 +20273,17 @@
           <a:lstStyle/>
           <a:p>
             <a:r>
-              <a:rPr lang="en-US" dirty="0"/>
-              <a:t>If you want to be Solution Architect</a:t>
-            </a:r>
+              <a:rPr lang="en-GB" dirty="0"/>
+              <a:t>Required skills by everybody in the team</a:t>
+            </a:r>
+            <a:endParaRPr lang="en-US" dirty="0"/>
           </a:p>
         </p:txBody>
       </p:sp>
     </p:spTree>
     <p:extLst>
       <p:ext uri="{BB962C8B-B14F-4D97-AF65-F5344CB8AC3E}">
-        <p14:creationId xmlns:p14="http://schemas.microsoft.com/office/powerpoint/2010/main" val="3225976250"/>
+        <p14:creationId xmlns:p14="http://schemas.microsoft.com/office/powerpoint/2010/main" val="2853289414"/>
       </p:ext>
     </p:extLst>
   </p:cSld>
@@ -20332,7 +20376,40 @@
             </a:pPr>
             <a:r>
               <a:rPr lang="en-US" dirty="0"/>
-              <a:t>Infrastructure Architects</a:t>
+              <a:t>A product/project owner</a:t>
+            </a:r>
+          </a:p>
+          <a:p>
+            <a:pPr>
+              <a:lnSpc>
+                <a:spcPct val="100000"/>
+              </a:lnSpc>
+            </a:pPr>
+            <a:r>
+              <a:rPr lang="en-US" dirty="0"/>
+              <a:t>Responsible for functionality </a:t>
+            </a:r>
+          </a:p>
+          <a:p>
+            <a:pPr>
+              <a:lnSpc>
+                <a:spcPct val="100000"/>
+              </a:lnSpc>
+            </a:pPr>
+            <a:r>
+              <a:rPr lang="en-US" dirty="0"/>
+              <a:t>Captures, consolidates, and communicates information </a:t>
+            </a:r>
+          </a:p>
+          <a:p>
+            <a:pPr>
+              <a:lnSpc>
+                <a:spcPct val="100000"/>
+              </a:lnSpc>
+            </a:pPr>
+            <a:r>
+              <a:rPr lang="en-US" dirty="0"/>
+              <a:t>Constantly asks questions: </a:t>
             </a:r>
           </a:p>
           <a:p>
@@ -20343,7 +20420,7 @@
             </a:pPr>
             <a:r>
               <a:rPr lang="en-US" dirty="0"/>
-              <a:t>Design the infrastructure </a:t>
+              <a:t>What do you mean? </a:t>
             </a:r>
           </a:p>
           <a:p>
@@ -20354,7 +20431,7 @@
             </a:pPr>
             <a:r>
               <a:rPr lang="en-US" dirty="0"/>
-              <a:t>Servers, VMs, network, storage, etc. </a:t>
+              <a:t>How does this fit in with…? </a:t>
             </a:r>
           </a:p>
           <a:p>
@@ -20365,18 +20442,7 @@
             </a:pPr>
             <a:r>
               <a:rPr lang="en-US" dirty="0"/>
-              <a:t>Familiar with requirements</a:t>
-            </a:r>
-          </a:p>
-          <a:p>
-            <a:pPr lvl="1">
-              <a:lnSpc>
-                <a:spcPct val="100000"/>
-              </a:lnSpc>
-            </a:pPr>
-            <a:r>
-              <a:rPr lang="en-US" dirty="0"/>
-              <a:t>Promoted from Infrastructure Expert</a:t>
+              <a:t>Etc. </a:t>
             </a:r>
           </a:p>
           <a:p>
@@ -20387,18 +20453,7 @@
             </a:pPr>
             <a:r>
               <a:rPr lang="en-US" dirty="0"/>
-              <a:t>Solution/Software/System Architect</a:t>
-            </a:r>
-          </a:p>
-          <a:p>
-            <a:pPr lvl="1">
-              <a:lnSpc>
-                <a:spcPct val="100000"/>
-              </a:lnSpc>
-            </a:pPr>
-            <a:r>
-              <a:rPr lang="en-US" dirty="0"/>
-              <a:t>Responsible for the architecture of the software</a:t>
+              <a:t>Identifies and resolves conflicts </a:t>
             </a:r>
           </a:p>
           <a:p>
@@ -20409,51 +20464,7 @@
             </a:pPr>
             <a:r>
               <a:rPr lang="en-US" dirty="0"/>
-              <a:t>Enterprise Architect</a:t>
-            </a:r>
-          </a:p>
-          <a:p>
-            <a:pPr lvl="1">
-              <a:lnSpc>
-                <a:spcPct val="100000"/>
-              </a:lnSpc>
-            </a:pPr>
-            <a:r>
-              <a:rPr lang="en-US" dirty="0"/>
-              <a:t>Works with top level management - CEO, CIO </a:t>
-            </a:r>
-          </a:p>
-          <a:p>
-            <a:pPr lvl="1">
-              <a:lnSpc>
-                <a:spcPct val="100000"/>
-              </a:lnSpc>
-            </a:pPr>
-            <a:r>
-              <a:rPr lang="en-US" dirty="0"/>
-              <a:t>Streamlines the IT to support the business </a:t>
-            </a:r>
-          </a:p>
-          <a:p>
-            <a:pPr lvl="1">
-              <a:lnSpc>
-                <a:spcPct val="100000"/>
-              </a:lnSpc>
-            </a:pPr>
-            <a:r>
-              <a:rPr lang="en-US" dirty="0"/>
-              <a:t>No development-oriented tasks </a:t>
-            </a:r>
-          </a:p>
-          <a:p>
-            <a:pPr lvl="1">
-              <a:lnSpc>
-                <a:spcPct val="100000"/>
-              </a:lnSpc>
-            </a:pPr>
-            <a:r>
-              <a:rPr lang="en-US" dirty="0"/>
-              <a:t>Promoted from Senior Solution Architect / Project Manager</a:t>
+              <a:t>Produces requirements specification</a:t>
             </a:r>
           </a:p>
         </p:txBody>
@@ -20475,7 +20486,7 @@
           <a:p>
             <a:r>
               <a:rPr lang="en-US" dirty="0"/>
-              <a:t>Types of architects in the IT world</a:t>
+              <a:t>Responsibilities Of The Functional Analyst</a:t>
             </a:r>
           </a:p>
         </p:txBody>
@@ -20483,7 +20494,7 @@
     </p:spTree>
     <p:extLst>
       <p:ext uri="{BB962C8B-B14F-4D97-AF65-F5344CB8AC3E}">
-        <p14:creationId xmlns:p14="http://schemas.microsoft.com/office/powerpoint/2010/main" val="3103303756"/>
+        <p14:creationId xmlns:p14="http://schemas.microsoft.com/office/powerpoint/2010/main" val="268096906"/>
       </p:ext>
     </p:extLst>
   </p:cSld>
@@ -20576,7 +20587,7 @@
             </a:pPr>
             <a:r>
               <a:rPr lang="en-US" dirty="0"/>
-              <a:t>We've looked at software development team roles in an ideal world</a:t>
+              <a:t>Precise communicators </a:t>
             </a:r>
           </a:p>
           <a:p>
@@ -20587,51 +20598,7 @@
             </a:pPr>
             <a:r>
               <a:rPr lang="en-US" dirty="0"/>
-              <a:t>Real-life is not exactly like that</a:t>
-            </a:r>
-          </a:p>
-          <a:p>
-            <a:pPr lvl="1">
-              <a:lnSpc>
-                <a:spcPct val="100000"/>
-              </a:lnSpc>
-            </a:pPr>
-            <a:r>
-              <a:rPr lang="en-US" dirty="0"/>
-              <a:t>Missing roles</a:t>
-            </a:r>
-          </a:p>
-          <a:p>
-            <a:pPr lvl="1">
-              <a:lnSpc>
-                <a:spcPct val="100000"/>
-              </a:lnSpc>
-            </a:pPr>
-            <a:r>
-              <a:rPr lang="en-US" dirty="0"/>
-              <a:t>Individuals with conflicting roles</a:t>
-            </a:r>
-          </a:p>
-          <a:p>
-            <a:pPr lvl="1">
-              <a:lnSpc>
-                <a:spcPct val="100000"/>
-              </a:lnSpc>
-            </a:pPr>
-            <a:r>
-              <a:rPr lang="en-US" dirty="0"/>
-              <a:t>Disempowered roles</a:t>
-            </a:r>
-          </a:p>
-          <a:p>
-            <a:pPr lvl="1">
-              <a:lnSpc>
-                <a:spcPct val="100000"/>
-              </a:lnSpc>
-            </a:pPr>
-            <a:r>
-              <a:rPr lang="en-US" dirty="0"/>
-              <a:t>Other inconsistencies</a:t>
+              <a:t>Great attention to detail</a:t>
             </a:r>
           </a:p>
           <a:p>
@@ -20642,14 +20609,7 @@
             </a:pPr>
             <a:r>
               <a:rPr lang="en-US" dirty="0"/>
-              <a:t>The organization itself might lack the understanding of how developer teams </a:t>
-            </a:r>
-            <a:br>
-              <a:rPr lang="en-US" dirty="0"/>
-            </a:br>
-            <a:r>
-              <a:rPr lang="en-US" dirty="0"/>
-              <a:t>are supposed to function</a:t>
+              <a:t>Adept at dealing with differing opinions and conflicts</a:t>
             </a:r>
           </a:p>
           <a:p>
@@ -20658,7 +20618,54 @@
                 <a:spcPct val="100000"/>
               </a:lnSpc>
             </a:pPr>
-            <a:endParaRPr lang="en-US" dirty="0"/>
+            <a:r>
+              <a:rPr lang="en-US" dirty="0"/>
+              <a:t>Know when detail is necessary and when not </a:t>
+            </a:r>
+          </a:p>
+          <a:p>
+            <a:pPr>
+              <a:lnSpc>
+                <a:spcPct val="100000"/>
+              </a:lnSpc>
+            </a:pPr>
+            <a:r>
+              <a:rPr lang="en-US" dirty="0"/>
+              <a:t>Great relationship skills </a:t>
+            </a:r>
+          </a:p>
+          <a:p>
+            <a:pPr>
+              <a:lnSpc>
+                <a:spcPct val="100000"/>
+              </a:lnSpc>
+            </a:pPr>
+            <a:r>
+              <a:rPr lang="en-US" dirty="0"/>
+              <a:t>Very good listener</a:t>
+            </a:r>
+          </a:p>
+          <a:p>
+            <a:pPr>
+              <a:lnSpc>
+                <a:spcPct val="100000"/>
+              </a:lnSpc>
+            </a:pPr>
+            <a:r>
+              <a:rPr lang="en-US" dirty="0"/>
+              <a:t>Can create clear and precise documents </a:t>
+            </a:r>
+          </a:p>
+          <a:p>
+            <a:pPr>
+              <a:lnSpc>
+                <a:spcPct val="100000"/>
+              </a:lnSpc>
+            </a:pPr>
+            <a:r>
+              <a:rPr lang="en-US" dirty="0"/>
+              <a:t>Skilled in using Office tools</a:t>
+            </a:r>
           </a:p>
         </p:txBody>
       </p:sp>
@@ -20679,7 +20686,7 @@
           <a:p>
             <a:r>
               <a:rPr lang="en-US" dirty="0"/>
-              <a:t>Ideal world vs real-life</a:t>
+              <a:t>Skills Of The Functional Analyst</a:t>
             </a:r>
           </a:p>
         </p:txBody>
@@ -20687,7 +20694,7 @@
     </p:spTree>
     <p:extLst>
       <p:ext uri="{BB962C8B-B14F-4D97-AF65-F5344CB8AC3E}">
-        <p14:creationId xmlns:p14="http://schemas.microsoft.com/office/powerpoint/2010/main" val="2828873676"/>
+        <p14:creationId xmlns:p14="http://schemas.microsoft.com/office/powerpoint/2010/main" val="2733125913"/>
       </p:ext>
     </p:extLst>
   </p:cSld>
@@ -20753,6 +20760,106 @@
       </p:sp>
       <p:sp>
         <p:nvSpPr>
+          <p:cNvPr id="5" name="Content Placeholder 4"/>
+          <p:cNvSpPr>
+            <a:spLocks noGrp="1"/>
+          </p:cNvSpPr>
+          <p:nvPr>
+            <p:ph idx="1"/>
+          </p:nvPr>
+        </p:nvSpPr>
+        <p:spPr>
+          <a:xfrm>
+            <a:off x="1141413" y="1712549"/>
+            <a:ext cx="11696797" cy="5458202"/>
+          </a:xfrm>
+        </p:spPr>
+        <p:txBody>
+          <a:bodyPr>
+            <a:normAutofit/>
+          </a:bodyPr>
+          <a:lstStyle/>
+          <a:p>
+            <a:pPr>
+              <a:lnSpc>
+                <a:spcPct val="100000"/>
+              </a:lnSpc>
+            </a:pPr>
+            <a:r>
+              <a:rPr lang="en-US" dirty="0"/>
+              <a:t>Pros:</a:t>
+            </a:r>
+          </a:p>
+          <a:p>
+            <a:pPr lvl="1">
+              <a:lnSpc>
+                <a:spcPct val="100000"/>
+              </a:lnSpc>
+            </a:pPr>
+            <a:r>
+              <a:rPr lang="en-US" dirty="0"/>
+              <a:t>Key role </a:t>
+            </a:r>
+          </a:p>
+          <a:p>
+            <a:pPr lvl="1">
+              <a:lnSpc>
+                <a:spcPct val="100000"/>
+              </a:lnSpc>
+            </a:pPr>
+            <a:r>
+              <a:rPr lang="en-US" dirty="0"/>
+              <a:t>Lots of interactions</a:t>
+            </a:r>
+          </a:p>
+          <a:p>
+            <a:pPr>
+              <a:lnSpc>
+                <a:spcPct val="100000"/>
+              </a:lnSpc>
+            </a:pPr>
+            <a:r>
+              <a:rPr lang="en-US" dirty="0"/>
+              <a:t>Cons:</a:t>
+            </a:r>
+          </a:p>
+          <a:p>
+            <a:pPr lvl="1">
+              <a:lnSpc>
+                <a:spcPct val="100000"/>
+              </a:lnSpc>
+            </a:pPr>
+            <a:r>
+              <a:rPr lang="en-US" dirty="0"/>
+              <a:t>Must work with bad user representatives </a:t>
+            </a:r>
+          </a:p>
+          <a:p>
+            <a:pPr lvl="1">
+              <a:lnSpc>
+                <a:spcPct val="100000"/>
+              </a:lnSpc>
+            </a:pPr>
+            <a:r>
+              <a:rPr lang="en-US" dirty="0"/>
+              <a:t>Can expect conflict </a:t>
+            </a:r>
+          </a:p>
+          <a:p>
+            <a:pPr lvl="1">
+              <a:lnSpc>
+                <a:spcPct val="100000"/>
+              </a:lnSpc>
+            </a:pPr>
+            <a:r>
+              <a:rPr lang="en-US" dirty="0"/>
+              <a:t>Will receive blame if functionality is missing</a:t>
+            </a:r>
+          </a:p>
+        </p:txBody>
+      </p:sp>
+      <p:sp>
+        <p:nvSpPr>
           <p:cNvPr id="4" name="Title 3"/>
           <p:cNvSpPr>
             <a:spLocks noGrp="1"/>
@@ -20768,55 +20875,15 @@
           <a:p>
             <a:r>
               <a:rPr lang="en-US" dirty="0"/>
-              <a:t>Organizational chart example 1</a:t>
+              <a:t>If you want to be Functional Analyst</a:t>
             </a:r>
           </a:p>
         </p:txBody>
       </p:sp>
-      <p:pic>
-        <p:nvPicPr>
-          <p:cNvPr id="2" name="Picture 1">
-            <a:extLst>
-              <a:ext uri="{FF2B5EF4-FFF2-40B4-BE49-F238E27FC236}">
-                <a16:creationId xmlns:a16="http://schemas.microsoft.com/office/drawing/2014/main" id="{140BBADB-5C4A-434C-BB9A-32BCFD497A0E}"/>
-              </a:ext>
-            </a:extLst>
-          </p:cNvPr>
-          <p:cNvPicPr>
-            <a:picLocks noChangeAspect="1"/>
-          </p:cNvPicPr>
-          <p:nvPr/>
-        </p:nvPicPr>
-        <p:blipFill>
-          <a:blip r:embed="rId2"/>
-          <a:stretch>
-            <a:fillRect/>
-          </a:stretch>
-        </p:blipFill>
-        <p:spPr>
-          <a:xfrm>
-            <a:off x="2750895" y="2097088"/>
-            <a:ext cx="6690210" cy="3739539"/>
-          </a:xfrm>
-          <a:prstGeom prst="rect">
-            <a:avLst/>
-          </a:prstGeom>
-          <a:ln>
-            <a:noFill/>
-          </a:ln>
-          <a:effectLst>
-            <a:outerShdw blurRad="190500" algn="tl" rotWithShape="0">
-              <a:srgbClr val="000000">
-                <a:alpha val="70000"/>
-              </a:srgbClr>
-            </a:outerShdw>
-          </a:effectLst>
-        </p:spPr>
-      </p:pic>
     </p:spTree>
     <p:extLst>
       <p:ext uri="{BB962C8B-B14F-4D97-AF65-F5344CB8AC3E}">
-        <p14:creationId xmlns:p14="http://schemas.microsoft.com/office/powerpoint/2010/main" val="1371405896"/>
+        <p14:creationId xmlns:p14="http://schemas.microsoft.com/office/powerpoint/2010/main" val="396150646"/>
       </p:ext>
     </p:extLst>
   </p:cSld>
@@ -20843,79 +20910,169 @@
           <a:chExt cx="0" cy="0"/>
         </a:xfrm>
       </p:grpSpPr>
-      <p:pic>
-        <p:nvPicPr>
-          <p:cNvPr id="1028" name="Picture 4" descr="261,679 Transition Images, Stock Photos &amp; Vectors | Shutterstock">
-            <a:extLst>
-              <a:ext uri="{FF2B5EF4-FFF2-40B4-BE49-F238E27FC236}">
-                <a16:creationId xmlns:a16="http://schemas.microsoft.com/office/drawing/2014/main" id="{2411B246-637D-46A5-A7CB-5672F7AA5A7D}"/>
-              </a:ext>
-            </a:extLst>
-          </p:cNvPr>
-          <p:cNvPicPr>
-            <a:picLocks noChangeAspect="1" noChangeArrowheads="1"/>
-          </p:cNvPicPr>
-          <p:nvPr/>
-        </p:nvPicPr>
-        <p:blipFill>
-          <a:blip r:embed="rId2">
-            <a:extLst>
-              <a:ext uri="{28A0092B-C50C-407E-A947-70E740481C1C}">
-                <a14:useLocalDpi xmlns:a14="http://schemas.microsoft.com/office/drawing/2010/main" val="0"/>
-              </a:ext>
-            </a:extLst>
-          </a:blip>
-          <a:srcRect/>
-          <a:stretch>
-            <a:fillRect/>
-          </a:stretch>
-        </p:blipFill>
-        <p:spPr bwMode="auto">
+      <p:sp>
+        <p:nvSpPr>
+          <p:cNvPr id="7" name="Slide Number Placeholder 3"/>
+          <p:cNvSpPr>
+            <a:spLocks noGrp="1"/>
+          </p:cNvSpPr>
+          <p:nvPr>
+            <p:ph type="sldNum" sz="quarter" idx="4294967295"/>
+          </p:nvPr>
+        </p:nvSpPr>
+        <p:spPr>
           <a:xfrm>
-            <a:off x="3304300" y="1424703"/>
-            <a:ext cx="5583399" cy="4008594"/>
+            <a:off x="11568000" y="6525003"/>
+            <a:ext cx="428822" cy="196477"/>
           </a:xfrm>
-          <a:prstGeom prst="ellipse">
+          <a:prstGeom prst="rect">
             <a:avLst/>
           </a:prstGeom>
-          <a:ln w="190500" cap="rnd">
-            <a:solidFill>
-              <a:srgbClr val="C8C6BD"/>
-            </a:solidFill>
-            <a:prstDash val="solid"/>
-          </a:ln>
-          <a:effectLst>
-            <a:outerShdw blurRad="127000" algn="bl" rotWithShape="0">
-              <a:srgbClr val="000000"/>
-            </a:outerShdw>
-          </a:effectLst>
-          <a:scene3d>
-            <a:camera prst="perspectiveFront" fov="5400000"/>
-            <a:lightRig rig="threePt" dir="t">
-              <a:rot lat="0" lon="0" rev="19200000"/>
-            </a:lightRig>
-          </a:scene3d>
-          <a:sp3d extrusionH="25400">
-            <a:bevelT w="304800" h="152400" prst="hardEdge"/>
-            <a:extrusionClr>
-              <a:srgbClr val="000000"/>
-            </a:extrusionClr>
-          </a:sp3d>
-          <a:extLst>
-            <a:ext uri="{909E8E84-426E-40DD-AFC4-6F175D3DCCD1}">
-              <a14:hiddenFill xmlns:a14="http://schemas.microsoft.com/office/drawing/2010/main">
-                <a:solidFill>
-                  <a:srgbClr val="FFFFFF"/>
-                </a:solidFill>
-              </a14:hiddenFill>
-            </a:ext>
-          </a:extLst>
         </p:spPr>
-      </p:pic>
+        <p:txBody>
+          <a:bodyPr/>
+          <a:lstStyle/>
+          <a:p>
+            <a:pPr>
+              <a:defRPr/>
+            </a:pPr>
+            <a:fld id="{58452FF4-89E3-4D1B-9927-2DBDC00E58D7}" type="slidenum">
+              <a:rPr lang="en-US" smtClean="0"/>
+              <a:pPr>
+                <a:defRPr/>
+              </a:pPr>
+              <a:t>45</a:t>
+            </a:fld>
+            <a:endParaRPr lang="en-US" dirty="0"/>
+          </a:p>
+        </p:txBody>
+      </p:sp>
+      <p:sp>
+        <p:nvSpPr>
+          <p:cNvPr id="5" name="Content Placeholder 4"/>
+          <p:cNvSpPr>
+            <a:spLocks noGrp="1"/>
+          </p:cNvSpPr>
+          <p:nvPr>
+            <p:ph idx="1"/>
+          </p:nvPr>
+        </p:nvSpPr>
+        <p:spPr>
+          <a:xfrm>
+            <a:off x="1141413" y="1712549"/>
+            <a:ext cx="11696797" cy="5458202"/>
+          </a:xfrm>
+        </p:spPr>
+        <p:txBody>
+          <a:bodyPr>
+            <a:normAutofit/>
+          </a:bodyPr>
+          <a:lstStyle/>
+          <a:p>
+            <a:pPr>
+              <a:lnSpc>
+                <a:spcPct val="100000"/>
+              </a:lnSpc>
+            </a:pPr>
+            <a:r>
+              <a:rPr lang="en-US" dirty="0"/>
+              <a:t>Leads and mentors developers </a:t>
+            </a:r>
+          </a:p>
+          <a:p>
+            <a:pPr>
+              <a:lnSpc>
+                <a:spcPct val="100000"/>
+              </a:lnSpc>
+            </a:pPr>
+            <a:r>
+              <a:rPr lang="en-US" dirty="0"/>
+              <a:t>Assigns tasks to developers </a:t>
+            </a:r>
+          </a:p>
+          <a:p>
+            <a:pPr lvl="1">
+              <a:lnSpc>
+                <a:spcPct val="100000"/>
+              </a:lnSpc>
+            </a:pPr>
+            <a:r>
+              <a:rPr lang="en-US" dirty="0"/>
+              <a:t>Based on their skill level</a:t>
+            </a:r>
+          </a:p>
+          <a:p>
+            <a:pPr>
+              <a:lnSpc>
+                <a:spcPct val="100000"/>
+              </a:lnSpc>
+            </a:pPr>
+            <a:r>
+              <a:rPr lang="en-US" dirty="0"/>
+              <a:t>Details and partitions work</a:t>
+            </a:r>
+          </a:p>
+          <a:p>
+            <a:pPr>
+              <a:lnSpc>
+                <a:spcPct val="100000"/>
+              </a:lnSpc>
+            </a:pPr>
+            <a:r>
+              <a:rPr lang="en-US" dirty="0"/>
+              <a:t>Ensures that all developers are successful</a:t>
+            </a:r>
+          </a:p>
+          <a:p>
+            <a:pPr>
+              <a:lnSpc>
+                <a:spcPct val="100000"/>
+              </a:lnSpc>
+            </a:pPr>
+            <a:r>
+              <a:rPr lang="en-US" dirty="0"/>
+              <a:t>It is not always an official role</a:t>
+            </a:r>
+          </a:p>
+          <a:p>
+            <a:pPr lvl="1">
+              <a:lnSpc>
+                <a:spcPct val="100000"/>
+              </a:lnSpc>
+            </a:pPr>
+            <a:r>
+              <a:rPr lang="en-US" dirty="0"/>
+              <a:t>Usually, it is the person who helps everyone else</a:t>
+            </a:r>
+          </a:p>
+        </p:txBody>
+      </p:sp>
+      <p:sp>
+        <p:nvSpPr>
+          <p:cNvPr id="4" name="Title 3"/>
+          <p:cNvSpPr>
+            <a:spLocks noGrp="1"/>
+          </p:cNvSpPr>
+          <p:nvPr>
+            <p:ph type="title"/>
+          </p:nvPr>
+        </p:nvSpPr>
+        <p:spPr/>
+        <p:txBody>
+          <a:bodyPr/>
+          <a:lstStyle/>
+          <a:p>
+            <a:r>
+              <a:rPr lang="en-US" dirty="0"/>
+              <a:t>Responsibilities Of The Lead Developer</a:t>
+            </a:r>
+          </a:p>
+        </p:txBody>
+      </p:sp>
     </p:spTree>
     <p:extLst>
       <p:ext uri="{BB962C8B-B14F-4D97-AF65-F5344CB8AC3E}">
-        <p14:creationId xmlns:p14="http://schemas.microsoft.com/office/powerpoint/2010/main" val="2144346333"/>
+        <p14:creationId xmlns:p14="http://schemas.microsoft.com/office/powerpoint/2010/main" val="2438615120"/>
       </p:ext>
     </p:extLst>
   </p:cSld>
@@ -21008,73 +21165,7 @@
             </a:pPr>
             <a:r>
               <a:rPr lang="en-US" dirty="0"/>
-              <a:t>Structured solution to address all common software attributes:</a:t>
-            </a:r>
-          </a:p>
-          <a:p>
-            <a:pPr lvl="1">
-              <a:lnSpc>
-                <a:spcPct val="100000"/>
-              </a:lnSpc>
-            </a:pPr>
-            <a:r>
-              <a:rPr lang="en-US" dirty="0"/>
-              <a:t>Meets all the requirements</a:t>
-            </a:r>
-          </a:p>
-          <a:p>
-            <a:pPr lvl="1">
-              <a:lnSpc>
-                <a:spcPct val="100000"/>
-              </a:lnSpc>
-            </a:pPr>
-            <a:r>
-              <a:rPr lang="en-US" dirty="0"/>
-              <a:t>Performance optimized</a:t>
-            </a:r>
-          </a:p>
-          <a:p>
-            <a:pPr lvl="1">
-              <a:lnSpc>
-                <a:spcPct val="100000"/>
-              </a:lnSpc>
-            </a:pPr>
-            <a:r>
-              <a:rPr lang="en-US" dirty="0"/>
-              <a:t>Security in check</a:t>
-            </a:r>
-          </a:p>
-          <a:p>
-            <a:pPr lvl="1">
-              <a:lnSpc>
-                <a:spcPct val="100000"/>
-              </a:lnSpc>
-            </a:pPr>
-            <a:r>
-              <a:rPr lang="en-US" dirty="0"/>
-              <a:t>Manageability for developers</a:t>
-            </a:r>
-          </a:p>
-          <a:p>
-            <a:pPr lvl="1">
-              <a:lnSpc>
-                <a:spcPct val="100000"/>
-              </a:lnSpc>
-            </a:pPr>
-            <a:r>
-              <a:rPr lang="en-US" dirty="0"/>
-              <a:t>Scalability for business growth</a:t>
-            </a:r>
-          </a:p>
-          <a:p>
-            <a:pPr lvl="1">
-              <a:lnSpc>
-                <a:spcPct val="100000"/>
-              </a:lnSpc>
-            </a:pPr>
-            <a:r>
-              <a:rPr lang="en-US" dirty="0"/>
-              <a:t>Accessibility for easier user experience</a:t>
+              <a:t>Awesome programming skills</a:t>
             </a:r>
           </a:p>
           <a:p>
@@ -21085,49 +21176,8 @@
             </a:pPr>
             <a:r>
               <a:rPr lang="en-US" dirty="0"/>
-              <a:t>Major requirements:</a:t>
-            </a:r>
-          </a:p>
-          <a:p>
-            <a:pPr lvl="1">
-              <a:lnSpc>
-                <a:spcPct val="100000"/>
-              </a:lnSpc>
-            </a:pPr>
-            <a:r>
-              <a:rPr lang="en-US" dirty="0"/>
-              <a:t>User requirements – the way end-users interact with the system</a:t>
-            </a:r>
-          </a:p>
-          <a:p>
-            <a:pPr lvl="1">
-              <a:lnSpc>
-                <a:spcPct val="100000"/>
-              </a:lnSpc>
-            </a:pPr>
-            <a:r>
-              <a:rPr lang="en-US" dirty="0"/>
-              <a:t>Business requirements – cheaper, faster, better than competitors</a:t>
-            </a:r>
-          </a:p>
-          <a:p>
-            <a:pPr lvl="1">
-              <a:lnSpc>
-                <a:spcPct val="100000"/>
-              </a:lnSpc>
-            </a:pPr>
-            <a:r>
-              <a:rPr lang="en-US" dirty="0"/>
-              <a:t>IT system requirements – infrastructure requirements</a:t>
-            </a:r>
-          </a:p>
-          <a:p>
-            <a:pPr lvl="1">
-              <a:lnSpc>
-                <a:spcPct val="100000"/>
-              </a:lnSpc>
-            </a:pPr>
-            <a:endParaRPr lang="en-US" dirty="0"/>
+              <a:t>Willing to mentor and be value-driven</a:t>
+            </a:r>
           </a:p>
           <a:p>
             <a:pPr>
@@ -21135,7 +21185,10 @@
                 <a:spcPct val="100000"/>
               </a:lnSpc>
             </a:pPr>
-            <a:endParaRPr lang="en-US" dirty="0"/>
+            <a:r>
+              <a:rPr lang="en-US" dirty="0"/>
+              <a:t>Grows out of the Developer role </a:t>
+            </a:r>
           </a:p>
           <a:p>
             <a:pPr>
@@ -21143,7 +21196,65 @@
                 <a:spcPct val="100000"/>
               </a:lnSpc>
             </a:pPr>
-            <a:endParaRPr lang="en-US" dirty="0"/>
+            <a:r>
+              <a:rPr lang="en-US" dirty="0"/>
+              <a:t>Requires great relationship with Architect </a:t>
+            </a:r>
+          </a:p>
+          <a:p>
+            <a:pPr>
+              <a:lnSpc>
+                <a:spcPct val="100000"/>
+              </a:lnSpc>
+            </a:pPr>
+            <a:r>
+              <a:rPr lang="en-US" dirty="0"/>
+              <a:t>Wide knowledge of libraries/tools/techniques </a:t>
+            </a:r>
+          </a:p>
+          <a:p>
+            <a:pPr>
+              <a:lnSpc>
+                <a:spcPct val="100000"/>
+              </a:lnSpc>
+            </a:pPr>
+            <a:r>
+              <a:rPr lang="en-US" dirty="0"/>
+              <a:t>Adept at creating technical specifications </a:t>
+            </a:r>
+          </a:p>
+          <a:p>
+            <a:pPr>
+              <a:lnSpc>
+                <a:spcPct val="100000"/>
+              </a:lnSpc>
+            </a:pPr>
+            <a:r>
+              <a:rPr lang="en-US" dirty="0"/>
+              <a:t>Adept at build &amp; configuration management </a:t>
+            </a:r>
+          </a:p>
+          <a:p>
+            <a:pPr>
+              <a:lnSpc>
+                <a:spcPct val="100000"/>
+              </a:lnSpc>
+            </a:pPr>
+            <a:r>
+              <a:rPr lang="en-US" dirty="0"/>
+              <a:t>Adept at debugging, post-mortem log inspection, etc. </a:t>
+            </a:r>
+          </a:p>
+          <a:p>
+            <a:pPr>
+              <a:lnSpc>
+                <a:spcPct val="100000"/>
+              </a:lnSpc>
+            </a:pPr>
+            <a:r>
+              <a:rPr lang="en-US" dirty="0"/>
+              <a:t>Can create own tools if needed</a:t>
+            </a:r>
           </a:p>
         </p:txBody>
       </p:sp>
@@ -21164,7 +21275,7 @@
           <a:p>
             <a:r>
               <a:rPr lang="en-US" dirty="0"/>
-              <a:t>Software architecture</a:t>
+              <a:t>Skills Of The Lead Developer</a:t>
             </a:r>
           </a:p>
         </p:txBody>
@@ -21172,7 +21283,7 @@
     </p:spTree>
     <p:extLst>
       <p:ext uri="{BB962C8B-B14F-4D97-AF65-F5344CB8AC3E}">
-        <p14:creationId xmlns:p14="http://schemas.microsoft.com/office/powerpoint/2010/main" val="3715122582"/>
+        <p14:creationId xmlns:p14="http://schemas.microsoft.com/office/powerpoint/2010/main" val="2287631515"/>
       </p:ext>
     </p:extLst>
   </p:cSld>
@@ -21265,7 +21376,7 @@
             </a:pPr>
             <a:r>
               <a:rPr lang="en-US" dirty="0"/>
-              <a:t>The structural elements and interfaces composing the system </a:t>
+              <a:t>Pros:</a:t>
             </a:r>
           </a:p>
           <a:p>
@@ -21276,7 +21387,29 @@
             </a:pPr>
             <a:r>
               <a:rPr lang="en-US" dirty="0"/>
-              <a:t>Objects – the low-level building blocks of the system</a:t>
+              <a:t>Lead-in to a Solution Architect</a:t>
+            </a:r>
+          </a:p>
+          <a:p>
+            <a:pPr lvl="1">
+              <a:lnSpc>
+                <a:spcPct val="100000"/>
+              </a:lnSpc>
+            </a:pPr>
+            <a:r>
+              <a:rPr lang="en-US" dirty="0"/>
+              <a:t>Involves coding (optional, not necessary, but suggested) </a:t>
+            </a:r>
+          </a:p>
+          <a:p>
+            <a:pPr lvl="1">
+              <a:lnSpc>
+                <a:spcPct val="100000"/>
+              </a:lnSpc>
+            </a:pPr>
+            <a:r>
+              <a:rPr lang="en-US" dirty="0"/>
+              <a:t>Can pick &amp; choose cool tasks</a:t>
             </a:r>
           </a:p>
           <a:p>
@@ -21287,7 +21420,7 @@
             </a:pPr>
             <a:r>
               <a:rPr lang="en-US" dirty="0"/>
-              <a:t>How these elements behave in collaboration </a:t>
+              <a:t>Cons:</a:t>
             </a:r>
           </a:p>
           <a:p>
@@ -21298,18 +21431,7 @@
             </a:pPr>
             <a:r>
               <a:rPr lang="en-US" dirty="0"/>
-              <a:t>How communication is done in the architecture</a:t>
-            </a:r>
-          </a:p>
-          <a:p>
-            <a:pPr>
-              <a:lnSpc>
-                <a:spcPct val="100000"/>
-              </a:lnSpc>
-            </a:pPr>
-            <a:r>
-              <a:rPr lang="en-US" dirty="0"/>
-              <a:t>The composition of elements into larger subsystems </a:t>
+              <a:t>Can get squeezed between the Solution Architect and the Developers </a:t>
             </a:r>
           </a:p>
           <a:p>
@@ -21320,35 +21442,52 @@
             </a:pPr>
             <a:r>
               <a:rPr lang="en-US" dirty="0"/>
-              <a:t>How the elements are mapped to trees or graphs – the high-level data structure</a:t>
-            </a:r>
-          </a:p>
-          <a:p>
-            <a:pPr>
-              <a:lnSpc>
-                <a:spcPct val="100000"/>
-              </a:lnSpc>
-            </a:pPr>
-            <a:r>
-              <a:rPr lang="en-US" dirty="0"/>
-              <a:t>The architectural style that guides this composition</a:t>
-            </a:r>
-          </a:p>
-          <a:p>
-            <a:pPr>
-              <a:lnSpc>
-                <a:spcPct val="100000"/>
-              </a:lnSpc>
-            </a:pPr>
-            <a:endParaRPr lang="en-US" dirty="0"/>
-          </a:p>
-          <a:p>
-            <a:pPr>
-              <a:lnSpc>
-                <a:spcPct val="100000"/>
-              </a:lnSpc>
-            </a:pPr>
-            <a:endParaRPr lang="en-US" dirty="0"/>
+              <a:t>Lifelong learning required </a:t>
+            </a:r>
+          </a:p>
+          <a:p>
+            <a:pPr lvl="1">
+              <a:lnSpc>
+                <a:spcPct val="100000"/>
+              </a:lnSpc>
+            </a:pPr>
+            <a:r>
+              <a:rPr lang="en-US" dirty="0"/>
+              <a:t>Turns into a Developer if the Project Management is weak </a:t>
+            </a:r>
+          </a:p>
+          <a:p>
+            <a:pPr lvl="2">
+              <a:lnSpc>
+                <a:spcPct val="100000"/>
+              </a:lnSpc>
+            </a:pPr>
+            <a:r>
+              <a:rPr lang="en-US" dirty="0"/>
+              <a:t>Loses motivation</a:t>
+            </a:r>
+          </a:p>
+          <a:p>
+            <a:pPr lvl="1">
+              <a:lnSpc>
+                <a:spcPct val="100000"/>
+              </a:lnSpc>
+            </a:pPr>
+            <a:r>
+              <a:rPr lang="en-US" dirty="0"/>
+              <a:t>Team might be too small </a:t>
+            </a:r>
+          </a:p>
+          <a:p>
+            <a:pPr lvl="1">
+              <a:lnSpc>
+                <a:spcPct val="100000"/>
+              </a:lnSpc>
+            </a:pPr>
+            <a:r>
+              <a:rPr lang="en-US" dirty="0"/>
+              <a:t>Vulnerable to offshoring</a:t>
+            </a:r>
           </a:p>
         </p:txBody>
       </p:sp>
@@ -21369,7 +21508,7 @@
           <a:p>
             <a:r>
               <a:rPr lang="en-US" dirty="0"/>
-              <a:t>What composes an architecture?</a:t>
+              <a:t>If you want to be Lead Developer</a:t>
             </a:r>
           </a:p>
         </p:txBody>
@@ -21377,7 +21516,7 @@
     </p:spTree>
     <p:extLst>
       <p:ext uri="{BB962C8B-B14F-4D97-AF65-F5344CB8AC3E}">
-        <p14:creationId xmlns:p14="http://schemas.microsoft.com/office/powerpoint/2010/main" val="2157245210"/>
+        <p14:creationId xmlns:p14="http://schemas.microsoft.com/office/powerpoint/2010/main" val="4152948661"/>
       </p:ext>
     </p:extLst>
   </p:cSld>
@@ -21470,7 +21609,7 @@
             </a:pPr>
             <a:r>
               <a:rPr lang="en-US" dirty="0"/>
-              <a:t>Additionally, our design should cover:</a:t>
+              <a:t>Massive responsibility</a:t>
             </a:r>
           </a:p>
           <a:p>
@@ -21480,67 +21619,8 @@
               </a:lnSpc>
             </a:pPr>
             <a:r>
-              <a:rPr lang="en-GB" dirty="0"/>
-              <a:t>Functionality</a:t>
-            </a:r>
-            <a:endParaRPr lang="en-US" dirty="0"/>
-          </a:p>
-          <a:p>
-            <a:pPr lvl="1">
-              <a:lnSpc>
-                <a:spcPct val="100000"/>
-              </a:lnSpc>
-            </a:pPr>
-            <a:r>
-              <a:rPr lang="en-GB" dirty="0"/>
-              <a:t>Usability</a:t>
-            </a:r>
-            <a:endParaRPr lang="en-US" dirty="0"/>
-          </a:p>
-          <a:p>
-            <a:pPr lvl="1">
-              <a:lnSpc>
-                <a:spcPct val="100000"/>
-              </a:lnSpc>
-            </a:pPr>
-            <a:r>
-              <a:rPr lang="en-GB" dirty="0"/>
-              <a:t>Resilience</a:t>
-            </a:r>
-            <a:endParaRPr lang="en-US" dirty="0"/>
-          </a:p>
-          <a:p>
-            <a:pPr lvl="1">
-              <a:lnSpc>
-                <a:spcPct val="100000"/>
-              </a:lnSpc>
-            </a:pPr>
-            <a:r>
-              <a:rPr lang="en-GB" dirty="0"/>
-              <a:t>Performance</a:t>
-            </a:r>
-          </a:p>
-          <a:p>
-            <a:pPr lvl="1">
-              <a:lnSpc>
-                <a:spcPct val="100000"/>
-              </a:lnSpc>
-            </a:pPr>
-            <a:r>
-              <a:rPr lang="en-GB" dirty="0"/>
-              <a:t>Economic and technology constraints</a:t>
-            </a:r>
-            <a:endParaRPr lang="en-US" dirty="0"/>
-          </a:p>
-          <a:p>
-            <a:pPr lvl="1">
-              <a:lnSpc>
-                <a:spcPct val="100000"/>
-              </a:lnSpc>
-            </a:pPr>
-            <a:r>
-              <a:rPr lang="en-GB" dirty="0"/>
-              <a:t>Trade-offs and aesthetic concerns</a:t>
+              <a:rPr lang="en-US" dirty="0"/>
+              <a:t>Functional understanding, technical knowledge and leadership skills</a:t>
             </a:r>
           </a:p>
           <a:p>
@@ -21550,63 +21630,8 @@
               </a:lnSpc>
             </a:pPr>
             <a:r>
-              <a:rPr lang="en-GB" dirty="0"/>
-              <a:t>The goal is to:</a:t>
-            </a:r>
-          </a:p>
-          <a:p>
-            <a:pPr lvl="1">
-              <a:lnSpc>
-                <a:spcPct val="100000"/>
-              </a:lnSpc>
-            </a:pPr>
-            <a:r>
-              <a:rPr lang="en-US" dirty="0"/>
-              <a:t>Document high-level structure </a:t>
-            </a:r>
-          </a:p>
-          <a:p>
-            <a:pPr lvl="1">
-              <a:lnSpc>
-                <a:spcPct val="100000"/>
-              </a:lnSpc>
-            </a:pPr>
-            <a:r>
-              <a:rPr lang="en-US" dirty="0"/>
-              <a:t>Do not go into implementation details </a:t>
-            </a:r>
-          </a:p>
-          <a:p>
-            <a:pPr lvl="1">
-              <a:lnSpc>
-                <a:spcPct val="100000"/>
-              </a:lnSpc>
-            </a:pPr>
-            <a:r>
-              <a:rPr lang="en-US" dirty="0"/>
-              <a:t>Minimize complexity </a:t>
-            </a:r>
-          </a:p>
-          <a:p>
-            <a:pPr lvl="1">
-              <a:lnSpc>
-                <a:spcPct val="100000"/>
-              </a:lnSpc>
-            </a:pPr>
-            <a:r>
-              <a:rPr lang="en-US" dirty="0"/>
-              <a:t>Address all requirements </a:t>
-            </a:r>
-          </a:p>
-          <a:p>
-            <a:pPr lvl="1">
-              <a:lnSpc>
-                <a:spcPct val="100000"/>
-              </a:lnSpc>
-            </a:pPr>
-            <a:r>
-              <a:rPr lang="en-US" dirty="0"/>
-              <a:t>Be compatible with all use cases and scenarios</a:t>
+              <a:rPr lang="en-US" dirty="0"/>
+              <a:t>Responsible for the technology stack</a:t>
             </a:r>
           </a:p>
           <a:p>
@@ -21615,7 +21640,10 @@
                 <a:spcPct val="100000"/>
               </a:lnSpc>
             </a:pPr>
-            <a:endParaRPr lang="en-US" dirty="0"/>
+            <a:r>
+              <a:rPr lang="en-US" dirty="0"/>
+              <a:t>Converts functional requirements to a technical architecture </a:t>
+            </a:r>
           </a:p>
           <a:p>
             <a:pPr>
@@ -21623,7 +21651,54 @@
                 <a:spcPct val="100000"/>
               </a:lnSpc>
             </a:pPr>
-            <a:endParaRPr lang="en-US" dirty="0"/>
+            <a:r>
+              <a:rPr lang="en-US" dirty="0"/>
+              <a:t>Carefully balances patterns/requirements/elegance/concepts </a:t>
+            </a:r>
+          </a:p>
+          <a:p>
+            <a:pPr>
+              <a:lnSpc>
+                <a:spcPct val="100000"/>
+              </a:lnSpc>
+            </a:pPr>
+            <a:r>
+              <a:rPr lang="en-US" dirty="0"/>
+              <a:t>Researches key technologies </a:t>
+            </a:r>
+          </a:p>
+          <a:p>
+            <a:pPr>
+              <a:lnSpc>
+                <a:spcPct val="100000"/>
+              </a:lnSpc>
+            </a:pPr>
+            <a:r>
+              <a:rPr lang="en-US" dirty="0"/>
+              <a:t>Has deep understanding of design and architectural patterns </a:t>
+            </a:r>
+          </a:p>
+          <a:p>
+            <a:pPr>
+              <a:lnSpc>
+                <a:spcPct val="100000"/>
+              </a:lnSpc>
+            </a:pPr>
+            <a:r>
+              <a:rPr lang="en-US" dirty="0"/>
+              <a:t>Motivates and guides development team </a:t>
+            </a:r>
+          </a:p>
+          <a:p>
+            <a:pPr>
+              <a:lnSpc>
+                <a:spcPct val="100000"/>
+              </a:lnSpc>
+            </a:pPr>
+            <a:r>
+              <a:rPr lang="en-US" dirty="0"/>
+              <a:t>Ensures that the Lead Developer is successful</a:t>
+            </a:r>
           </a:p>
         </p:txBody>
       </p:sp>
@@ -21644,7 +21719,7 @@
           <a:p>
             <a:r>
               <a:rPr lang="en-US" dirty="0"/>
-              <a:t>What composes an architecture?</a:t>
+              <a:t>Responsibilities Of The Solution Architect</a:t>
             </a:r>
           </a:p>
         </p:txBody>
@@ -21652,7 +21727,7 @@
     </p:spTree>
     <p:extLst>
       <p:ext uri="{BB962C8B-B14F-4D97-AF65-F5344CB8AC3E}">
-        <p14:creationId xmlns:p14="http://schemas.microsoft.com/office/powerpoint/2010/main" val="4016185382"/>
+        <p14:creationId xmlns:p14="http://schemas.microsoft.com/office/powerpoint/2010/main" val="1666425229"/>
       </p:ext>
     </p:extLst>
   </p:cSld>
@@ -21728,22 +21803,16 @@
         </p:nvSpPr>
         <p:spPr>
           <a:xfrm>
-            <a:off x="1141413" y="1843177"/>
+            <a:off x="1141413" y="1712549"/>
             <a:ext cx="11696797" cy="5458202"/>
           </a:xfrm>
         </p:spPr>
         <p:txBody>
           <a:bodyPr>
-            <a:normAutofit fontScale="92500" lnSpcReduction="20000"/>
+            <a:normAutofit/>
           </a:bodyPr>
           <a:lstStyle/>
           <a:p>
-            <a:r>
-              <a:rPr lang="en-US" dirty="0"/>
-              <a:t>Separation of Concerns</a:t>
-            </a:r>
-          </a:p>
-          <a:p>
             <a:pPr>
               <a:lnSpc>
                 <a:spcPct val="100000"/>
@@ -21751,63 +21820,8 @@
             </a:pPr>
             <a:r>
               <a:rPr lang="en-US" dirty="0"/>
-              <a:t>Encapsulation</a:t>
-            </a:r>
-          </a:p>
-          <a:p>
-            <a:r>
-              <a:rPr lang="en-US" dirty="0"/>
-              <a:t>Dependency Inversion</a:t>
-            </a:r>
-          </a:p>
-          <a:p>
-            <a:r>
-              <a:rPr lang="en-US" dirty="0"/>
-              <a:t>Explicit Components</a:t>
-            </a:r>
-          </a:p>
-          <a:p>
-            <a:r>
-              <a:rPr lang="en-US" dirty="0"/>
-              <a:t>Single Responsibility</a:t>
-            </a:r>
-          </a:p>
-          <a:p>
-            <a:r>
-              <a:rPr lang="en-US" dirty="0"/>
-              <a:t>Don’t Repeat Yourself </a:t>
-            </a:r>
-          </a:p>
-          <a:p>
-            <a:r>
-              <a:rPr lang="en-US" dirty="0"/>
-              <a:t>Persistence &amp; Infrastructure Ignorance</a:t>
-            </a:r>
-          </a:p>
-          <a:p>
-            <a:r>
-              <a:rPr lang="en-US" dirty="0"/>
-              <a:t>Presentation Ignorance</a:t>
-            </a:r>
-          </a:p>
-          <a:p>
-            <a:r>
-              <a:rPr lang="en-US" dirty="0"/>
-              <a:t>Bounded Contexts</a:t>
-            </a:r>
-          </a:p>
-          <a:p>
-            <a:r>
-              <a:rPr lang="en-US" dirty="0"/>
-              <a:t>Testability</a:t>
-            </a:r>
-            <a:br>
-              <a:rPr lang="en-US" dirty="0"/>
-            </a:br>
-            <a:br>
-              <a:rPr lang="en-US" dirty="0"/>
-            </a:br>
-            <a:endParaRPr lang="en-US" dirty="0"/>
+              <a:t>Grows out of Lead Developer role </a:t>
+            </a:r>
           </a:p>
           <a:p>
             <a:pPr>
@@ -21815,7 +21829,10 @@
                 <a:spcPct val="100000"/>
               </a:lnSpc>
             </a:pPr>
-            <a:endParaRPr lang="en-US" dirty="0"/>
+            <a:r>
+              <a:rPr lang="en-US" dirty="0"/>
+              <a:t>Requires great relationship with Lead Developer </a:t>
+            </a:r>
           </a:p>
           <a:p>
             <a:pPr>
@@ -21823,7 +21840,54 @@
                 <a:spcPct val="100000"/>
               </a:lnSpc>
             </a:pPr>
-            <a:endParaRPr lang="en-US" dirty="0"/>
+            <a:r>
+              <a:rPr lang="en-US" dirty="0"/>
+              <a:t>Always maintains helicopter view </a:t>
+            </a:r>
+          </a:p>
+          <a:p>
+            <a:pPr lvl="1">
+              <a:lnSpc>
+                <a:spcPct val="100000"/>
+              </a:lnSpc>
+            </a:pPr>
+            <a:r>
+              <a:rPr lang="en-US" dirty="0"/>
+              <a:t>It is not bad to help with code, but there is another role for that</a:t>
+            </a:r>
+          </a:p>
+          <a:p>
+            <a:pPr>
+              <a:lnSpc>
+                <a:spcPct val="100000"/>
+              </a:lnSpc>
+            </a:pPr>
+            <a:r>
+              <a:rPr lang="en-US" dirty="0"/>
+              <a:t>Deep understanding of design patterns </a:t>
+            </a:r>
+          </a:p>
+          <a:p>
+            <a:pPr>
+              <a:lnSpc>
+                <a:spcPct val="100000"/>
+              </a:lnSpc>
+            </a:pPr>
+            <a:r>
+              <a:rPr lang="en-US" dirty="0"/>
+              <a:t>Fluent in UML or other design tools </a:t>
+            </a:r>
+          </a:p>
+          <a:p>
+            <a:pPr>
+              <a:lnSpc>
+                <a:spcPct val="100000"/>
+              </a:lnSpc>
+            </a:pPr>
+            <a:r>
+              <a:rPr lang="en-US" dirty="0"/>
+              <a:t>Experience with tools &amp; code generators</a:t>
+            </a:r>
           </a:p>
         </p:txBody>
       </p:sp>
@@ -21844,62 +21908,15 @@
           <a:p>
             <a:r>
               <a:rPr lang="en-US" dirty="0"/>
-              <a:t>Our architecture needs</a:t>
+              <a:t>Skills Of The Solution Architect</a:t>
             </a:r>
           </a:p>
         </p:txBody>
       </p:sp>
-      <p:pic>
-        <p:nvPicPr>
-          <p:cNvPr id="1026" name="Picture 2">
-            <a:extLst>
-              <a:ext uri="{FF2B5EF4-FFF2-40B4-BE49-F238E27FC236}">
-                <a16:creationId xmlns:a16="http://schemas.microsoft.com/office/drawing/2014/main" id="{10DE6182-0F58-429E-A0D9-AA70D8424F77}"/>
-              </a:ext>
-            </a:extLst>
-          </p:cNvPr>
-          <p:cNvPicPr>
-            <a:picLocks noChangeAspect="1" noChangeArrowheads="1"/>
-          </p:cNvPicPr>
-          <p:nvPr/>
-        </p:nvPicPr>
-        <p:blipFill>
-          <a:blip r:embed="rId2">
-            <a:extLst>
-              <a:ext uri="{28A0092B-C50C-407E-A947-70E740481C1C}">
-                <a14:useLocalDpi xmlns:a14="http://schemas.microsoft.com/office/drawing/2010/main" val="0"/>
-              </a:ext>
-            </a:extLst>
-          </a:blip>
-          <a:srcRect/>
-          <a:stretch>
-            <a:fillRect/>
-          </a:stretch>
-        </p:blipFill>
-        <p:spPr bwMode="auto">
-          <a:xfrm>
-            <a:off x="5324605" y="2097088"/>
-            <a:ext cx="5823717" cy="3605877"/>
-          </a:xfrm>
-          <a:prstGeom prst="rect">
-            <a:avLst/>
-          </a:prstGeom>
-          <a:noFill/>
-          <a:extLst>
-            <a:ext uri="{909E8E84-426E-40DD-AFC4-6F175D3DCCD1}">
-              <a14:hiddenFill xmlns:a14="http://schemas.microsoft.com/office/drawing/2010/main">
-                <a:solidFill>
-                  <a:srgbClr val="FFFFFF"/>
-                </a:solidFill>
-              </a14:hiddenFill>
-            </a:ext>
-          </a:extLst>
-        </p:spPr>
-      </p:pic>
     </p:spTree>
     <p:extLst>
       <p:ext uri="{BB962C8B-B14F-4D97-AF65-F5344CB8AC3E}">
-        <p14:creationId xmlns:p14="http://schemas.microsoft.com/office/powerpoint/2010/main" val="2705439330"/>
+        <p14:creationId xmlns:p14="http://schemas.microsoft.com/office/powerpoint/2010/main" val="3068092215"/>
       </p:ext>
     </p:extLst>
   </p:cSld>
@@ -22371,7 +22388,7 @@
         </p:nvSpPr>
         <p:spPr>
           <a:xfrm>
-            <a:off x="1141413" y="1843177"/>
+            <a:off x="1141413" y="1712549"/>
             <a:ext cx="11696797" cy="5458202"/>
           </a:xfrm>
         </p:spPr>
@@ -22381,58 +22398,70 @@
           </a:bodyPr>
           <a:lstStyle/>
           <a:p>
-            <a:r>
-              <a:rPr lang="en-US" dirty="0"/>
-              <a:t>Layers:</a:t>
-            </a:r>
-          </a:p>
-          <a:p>
-            <a:pPr lvl="1"/>
-            <a:r>
-              <a:rPr lang="en-US" dirty="0"/>
-              <a:t>System, Sub-systems, Layers, Components, Classes, Data and Methods</a:t>
-            </a:r>
-          </a:p>
-          <a:p>
-            <a:r>
-              <a:rPr lang="en-US" dirty="0"/>
-              <a:t>Bad Architecture:</a:t>
-            </a:r>
-          </a:p>
-          <a:p>
-            <a:pPr lvl="1"/>
-            <a:r>
-              <a:rPr lang="en-US" dirty="0"/>
-              <a:t>Complex, Incoherent, Brittle, Untestable, Unmaintainable </a:t>
-            </a:r>
-          </a:p>
-          <a:p>
-            <a:r>
-              <a:rPr lang="en-US" dirty="0"/>
-              <a:t>Good Architecture:</a:t>
-            </a:r>
-          </a:p>
-          <a:p>
-            <a:pPr lvl="1"/>
-            <a:r>
-              <a:rPr lang="en-US" dirty="0"/>
-              <a:t>Simple, Understandable, Flexible, Testable, Maintainable</a:t>
-            </a:r>
-            <a:br>
-              <a:rPr lang="en-US" dirty="0"/>
-            </a:br>
-            <a:br>
-              <a:rPr lang="en-US" dirty="0"/>
-            </a:br>
-            <a:endParaRPr lang="en-US" dirty="0"/>
-          </a:p>
-          <a:p>
             <a:pPr>
               <a:lnSpc>
                 <a:spcPct val="100000"/>
               </a:lnSpc>
             </a:pPr>
-            <a:endParaRPr lang="en-US" dirty="0"/>
+            <a:r>
+              <a:rPr lang="en-US" dirty="0"/>
+              <a:t>Pros:</a:t>
+            </a:r>
+          </a:p>
+          <a:p>
+            <a:pPr lvl="1">
+              <a:lnSpc>
+                <a:spcPct val="100000"/>
+              </a:lnSpc>
+            </a:pPr>
+            <a:r>
+              <a:rPr lang="en-US" dirty="0"/>
+              <a:t>High value position </a:t>
+            </a:r>
+          </a:p>
+          <a:p>
+            <a:pPr lvl="1">
+              <a:lnSpc>
+                <a:spcPct val="100000"/>
+              </a:lnSpc>
+            </a:pPr>
+            <a:r>
+              <a:rPr lang="en-US" dirty="0"/>
+              <a:t>Great salary </a:t>
+            </a:r>
+          </a:p>
+          <a:p>
+            <a:pPr lvl="1">
+              <a:lnSpc>
+                <a:spcPct val="100000"/>
+              </a:lnSpc>
+            </a:pPr>
+            <a:r>
+              <a:rPr lang="en-US" dirty="0"/>
+              <a:t>Visible role </a:t>
+            </a:r>
+          </a:p>
+          <a:p>
+            <a:pPr lvl="1">
+              <a:lnSpc>
+                <a:spcPct val="100000"/>
+              </a:lnSpc>
+            </a:pPr>
+            <a:r>
+              <a:rPr lang="en-US" dirty="0"/>
+              <a:t>Lots of interactions </a:t>
+            </a:r>
+          </a:p>
+          <a:p>
+            <a:pPr lvl="1">
+              <a:lnSpc>
+                <a:spcPct val="100000"/>
+              </a:lnSpc>
+            </a:pPr>
+            <a:r>
+              <a:rPr lang="en-US" dirty="0"/>
+              <a:t>Safe from outsourcing</a:t>
+            </a:r>
           </a:p>
           <a:p>
             <a:pPr>
@@ -22440,7 +22469,54 @@
                 <a:spcPct val="100000"/>
               </a:lnSpc>
             </a:pPr>
-            <a:endParaRPr lang="en-US" dirty="0"/>
+            <a:r>
+              <a:rPr lang="en-US" dirty="0"/>
+              <a:t>Cons:</a:t>
+            </a:r>
+          </a:p>
+          <a:p>
+            <a:pPr lvl="1">
+              <a:lnSpc>
+                <a:spcPct val="100000"/>
+              </a:lnSpc>
+            </a:pPr>
+            <a:r>
+              <a:rPr lang="en-US" dirty="0"/>
+              <a:t>Difficult to stay up to date </a:t>
+            </a:r>
+          </a:p>
+          <a:p>
+            <a:pPr lvl="1">
+              <a:lnSpc>
+                <a:spcPct val="100000"/>
+              </a:lnSpc>
+            </a:pPr>
+            <a:r>
+              <a:rPr lang="en-US" dirty="0"/>
+              <a:t>Difficult to get right </a:t>
+            </a:r>
+          </a:p>
+          <a:p>
+            <a:pPr lvl="1">
+              <a:lnSpc>
+                <a:spcPct val="100000"/>
+              </a:lnSpc>
+            </a:pPr>
+            <a:r>
+              <a:rPr lang="en-US" dirty="0"/>
+              <a:t>Can receive bad requirements </a:t>
+            </a:r>
+          </a:p>
+          <a:p>
+            <a:pPr lvl="1">
+              <a:lnSpc>
+                <a:spcPct val="100000"/>
+              </a:lnSpc>
+            </a:pPr>
+            <a:r>
+              <a:rPr lang="en-US" dirty="0"/>
+              <a:t>First in line to receive blame</a:t>
+            </a:r>
           </a:p>
         </p:txBody>
       </p:sp>
@@ -22461,7 +22537,7 @@
           <a:p>
             <a:r>
               <a:rPr lang="en-US" dirty="0"/>
-              <a:t>Architecture abstraction</a:t>
+              <a:t>If you want to be Solution Architect</a:t>
             </a:r>
           </a:p>
         </p:txBody>
@@ -22469,7 +22545,7 @@
     </p:spTree>
     <p:extLst>
       <p:ext uri="{BB962C8B-B14F-4D97-AF65-F5344CB8AC3E}">
-        <p14:creationId xmlns:p14="http://schemas.microsoft.com/office/powerpoint/2010/main" val="1629691651"/>
+        <p14:creationId xmlns:p14="http://schemas.microsoft.com/office/powerpoint/2010/main" val="81260893"/>
       </p:ext>
     </p:extLst>
   </p:cSld>
@@ -22562,7 +22638,7 @@
             </a:pPr>
             <a:r>
               <a:rPr lang="en-US" dirty="0"/>
-              <a:t>Build to change instead of building to last </a:t>
+              <a:t>Infrastructure Architects</a:t>
             </a:r>
           </a:p>
           <a:p>
@@ -22573,7 +22649,7 @@
             </a:pPr>
             <a:r>
               <a:rPr lang="en-US" dirty="0"/>
-              <a:t>You are going to change your solution multiple times</a:t>
+              <a:t>Design the infrastructure </a:t>
             </a:r>
           </a:p>
           <a:p>
@@ -22584,7 +22660,29 @@
             </a:pPr>
             <a:r>
               <a:rPr lang="en-US" dirty="0"/>
-              <a:t>Create around modularity and flexibility</a:t>
+              <a:t>Servers, VMs, network, storage, etc. </a:t>
+            </a:r>
+          </a:p>
+          <a:p>
+            <a:pPr lvl="1">
+              <a:lnSpc>
+                <a:spcPct val="100000"/>
+              </a:lnSpc>
+            </a:pPr>
+            <a:r>
+              <a:rPr lang="en-US" dirty="0"/>
+              <a:t>Familiar with requirements</a:t>
+            </a:r>
+          </a:p>
+          <a:p>
+            <a:pPr lvl="1">
+              <a:lnSpc>
+                <a:spcPct val="100000"/>
+              </a:lnSpc>
+            </a:pPr>
+            <a:r>
+              <a:rPr lang="en-US" dirty="0"/>
+              <a:t>Promoted from Infrastructure Expert</a:t>
             </a:r>
           </a:p>
           <a:p>
@@ -22595,7 +22693,7 @@
             </a:pPr>
             <a:r>
               <a:rPr lang="en-US" dirty="0"/>
-              <a:t>Use models, but only to analyze and reduce risk </a:t>
+              <a:t>Solution/Software/System Architect</a:t>
             </a:r>
           </a:p>
           <a:p>
@@ -22606,7 +22704,7 @@
             </a:pPr>
             <a:r>
               <a:rPr lang="en-US" dirty="0"/>
-              <a:t>The models should be more abstract, otherwise you are taking the role of a developer</a:t>
+              <a:t>Responsible for the architecture of the software</a:t>
             </a:r>
           </a:p>
           <a:p>
@@ -22617,7 +22715,7 @@
             </a:pPr>
             <a:r>
               <a:rPr lang="en-US" dirty="0"/>
-              <a:t>Use visualizations to communicate and collaborate </a:t>
+              <a:t>Enterprise Architect</a:t>
             </a:r>
           </a:p>
           <a:p>
@@ -22628,18 +22726,7 @@
             </a:pPr>
             <a:r>
               <a:rPr lang="en-US" dirty="0"/>
-              <a:t>Your architecture is going to be a large diagram</a:t>
-            </a:r>
-          </a:p>
-          <a:p>
-            <a:pPr>
-              <a:lnSpc>
-                <a:spcPct val="100000"/>
-              </a:lnSpc>
-            </a:pPr>
-            <a:r>
-              <a:rPr lang="en-US" dirty="0"/>
-              <a:t>Identify and research critical points of failure</a:t>
+              <a:t>Works with top level management - CEO, CIO </a:t>
             </a:r>
           </a:p>
           <a:p>
@@ -22650,7 +22737,7 @@
             </a:pPr>
             <a:r>
               <a:rPr lang="en-US" dirty="0"/>
-              <a:t>Put in work in research in everything advanced</a:t>
+              <a:t>Streamlines the IT to support the business </a:t>
             </a:r>
           </a:p>
           <a:p>
@@ -22661,7 +22748,18 @@
             </a:pPr>
             <a:r>
               <a:rPr lang="en-US" dirty="0"/>
-              <a:t>Security, scalability, resiliency </a:t>
+              <a:t>No development-oriented tasks </a:t>
+            </a:r>
+          </a:p>
+          <a:p>
+            <a:pPr lvl="1">
+              <a:lnSpc>
+                <a:spcPct val="100000"/>
+              </a:lnSpc>
+            </a:pPr>
+            <a:r>
+              <a:rPr lang="en-US" dirty="0"/>
+              <a:t>Promoted from Senior Solution Architect / Project Manager</a:t>
             </a:r>
           </a:p>
         </p:txBody>
@@ -22682,17 +22780,16 @@
           <a:lstStyle/>
           <a:p>
             <a:r>
-              <a:rPr lang="en-GB" dirty="0"/>
-              <a:t>Software Architecture Design Tips</a:t>
-            </a:r>
-            <a:endParaRPr lang="en-US" dirty="0"/>
+              <a:rPr lang="en-US" dirty="0"/>
+              <a:t>Types of architects in the IT world</a:t>
+            </a:r>
           </a:p>
         </p:txBody>
       </p:sp>
     </p:spTree>
     <p:extLst>
       <p:ext uri="{BB962C8B-B14F-4D97-AF65-F5344CB8AC3E}">
-        <p14:creationId xmlns:p14="http://schemas.microsoft.com/office/powerpoint/2010/main" val="2724761539"/>
+        <p14:creationId xmlns:p14="http://schemas.microsoft.com/office/powerpoint/2010/main" val="4275319993"/>
       </p:ext>
     </p:extLst>
   </p:cSld>
@@ -22785,7 +22882,7 @@
             </a:pPr>
             <a:r>
               <a:rPr lang="en-US" dirty="0"/>
-              <a:t>The goal of a software architect is to minimize complexity</a:t>
+              <a:t>We've looked at software development team roles in an ideal world</a:t>
             </a:r>
           </a:p>
           <a:p>
@@ -22796,9 +22893,52 @@
             </a:pPr>
             <a:r>
               <a:rPr lang="en-US" dirty="0"/>
-              <a:t>This can be accomplished by separating the design into different areas of concern</a:t>
-            </a:r>
-            <a:endParaRPr lang="bg-BG" dirty="0"/>
+              <a:t>Real-life is not exactly like that</a:t>
+            </a:r>
+          </a:p>
+          <a:p>
+            <a:pPr lvl="1">
+              <a:lnSpc>
+                <a:spcPct val="100000"/>
+              </a:lnSpc>
+            </a:pPr>
+            <a:r>
+              <a:rPr lang="en-US" dirty="0"/>
+              <a:t>Missing roles</a:t>
+            </a:r>
+          </a:p>
+          <a:p>
+            <a:pPr lvl="1">
+              <a:lnSpc>
+                <a:spcPct val="100000"/>
+              </a:lnSpc>
+            </a:pPr>
+            <a:r>
+              <a:rPr lang="en-US" dirty="0"/>
+              <a:t>Individuals with conflicting roles</a:t>
+            </a:r>
+          </a:p>
+          <a:p>
+            <a:pPr lvl="1">
+              <a:lnSpc>
+                <a:spcPct val="100000"/>
+              </a:lnSpc>
+            </a:pPr>
+            <a:r>
+              <a:rPr lang="en-US" dirty="0"/>
+              <a:t>Disempowered roles</a:t>
+            </a:r>
+          </a:p>
+          <a:p>
+            <a:pPr lvl="1">
+              <a:lnSpc>
+                <a:spcPct val="100000"/>
+              </a:lnSpc>
+            </a:pPr>
+            <a:r>
+              <a:rPr lang="en-US" dirty="0"/>
+              <a:t>Other inconsistencies</a:t>
+            </a:r>
           </a:p>
           <a:p>
             <a:pPr>
@@ -22808,8 +22948,23 @@
             </a:pPr>
             <a:r>
               <a:rPr lang="en-US" dirty="0"/>
-              <a:t>Also known as modules (or components)</a:t>
-            </a:r>
+              <a:t>The organization itself might lack the understanding of how developer teams </a:t>
+            </a:r>
+            <a:br>
+              <a:rPr lang="en-US" dirty="0"/>
+            </a:br>
+            <a:r>
+              <a:rPr lang="en-US" dirty="0"/>
+              <a:t>are supposed to function</a:t>
+            </a:r>
+          </a:p>
+          <a:p>
+            <a:pPr>
+              <a:lnSpc>
+                <a:spcPct val="100000"/>
+              </a:lnSpc>
+            </a:pPr>
+            <a:endParaRPr lang="en-US" dirty="0"/>
           </a:p>
         </p:txBody>
       </p:sp>
@@ -22830,55 +22985,15 @@
           <a:p>
             <a:r>
               <a:rPr lang="en-US" dirty="0"/>
-              <a:t>Areas Of Software Architectures</a:t>
+              <a:t>Ideal world vs real-life</a:t>
             </a:r>
           </a:p>
         </p:txBody>
       </p:sp>
-      <p:pic>
-        <p:nvPicPr>
-          <p:cNvPr id="3" name="Picture 2">
-            <a:extLst>
-              <a:ext uri="{FF2B5EF4-FFF2-40B4-BE49-F238E27FC236}">
-                <a16:creationId xmlns:a16="http://schemas.microsoft.com/office/drawing/2014/main" id="{D75C7A74-CEAF-41FA-A8E2-E94317C017D2}"/>
-              </a:ext>
-            </a:extLst>
-          </p:cNvPr>
-          <p:cNvPicPr>
-            <a:picLocks noChangeAspect="1"/>
-          </p:cNvPicPr>
-          <p:nvPr/>
-        </p:nvPicPr>
-        <p:blipFill>
-          <a:blip r:embed="rId2"/>
-          <a:stretch>
-            <a:fillRect/>
-          </a:stretch>
-        </p:blipFill>
-        <p:spPr>
-          <a:xfrm>
-            <a:off x="3646576" y="3347357"/>
-            <a:ext cx="4182669" cy="3101892"/>
-          </a:xfrm>
-          <a:prstGeom prst="rect">
-            <a:avLst/>
-          </a:prstGeom>
-          <a:ln>
-            <a:noFill/>
-          </a:ln>
-          <a:effectLst>
-            <a:outerShdw blurRad="190500" algn="tl" rotWithShape="0">
-              <a:srgbClr val="000000">
-                <a:alpha val="70000"/>
-              </a:srgbClr>
-            </a:outerShdw>
-          </a:effectLst>
-        </p:spPr>
-      </p:pic>
     </p:spTree>
     <p:extLst>
       <p:ext uri="{BB962C8B-B14F-4D97-AF65-F5344CB8AC3E}">
-        <p14:creationId xmlns:p14="http://schemas.microsoft.com/office/powerpoint/2010/main" val="2079088332"/>
+        <p14:creationId xmlns:p14="http://schemas.microsoft.com/office/powerpoint/2010/main" val="992382190"/>
       </p:ext>
     </p:extLst>
   </p:cSld>
@@ -22944,161 +23059,6 @@
       </p:sp>
       <p:sp>
         <p:nvSpPr>
-          <p:cNvPr id="5" name="Content Placeholder 4"/>
-          <p:cNvSpPr>
-            <a:spLocks noGrp="1"/>
-          </p:cNvSpPr>
-          <p:nvPr>
-            <p:ph idx="1"/>
-          </p:nvPr>
-        </p:nvSpPr>
-        <p:spPr>
-          <a:xfrm>
-            <a:off x="1141413" y="1712549"/>
-            <a:ext cx="11696797" cy="5458202"/>
-          </a:xfrm>
-        </p:spPr>
-        <p:txBody>
-          <a:bodyPr>
-            <a:normAutofit/>
-          </a:bodyPr>
-          <a:lstStyle/>
-          <a:p>
-            <a:pPr>
-              <a:lnSpc>
-                <a:spcPct val="100000"/>
-              </a:lnSpc>
-            </a:pPr>
-            <a:r>
-              <a:rPr lang="en-US" dirty="0"/>
-              <a:t>Separation of concerns </a:t>
-            </a:r>
-          </a:p>
-          <a:p>
-            <a:pPr lvl="1">
-              <a:lnSpc>
-                <a:spcPct val="100000"/>
-              </a:lnSpc>
-            </a:pPr>
-            <a:r>
-              <a:rPr lang="en-US" dirty="0"/>
-              <a:t>Each object and module should be in its own concern and context</a:t>
-            </a:r>
-          </a:p>
-          <a:p>
-            <a:pPr>
-              <a:lnSpc>
-                <a:spcPct val="100000"/>
-              </a:lnSpc>
-            </a:pPr>
-            <a:r>
-              <a:rPr lang="en-US" dirty="0"/>
-              <a:t>Single responsibility principle </a:t>
-            </a:r>
-          </a:p>
-          <a:p>
-            <a:pPr lvl="1">
-              <a:lnSpc>
-                <a:spcPct val="100000"/>
-              </a:lnSpc>
-            </a:pPr>
-            <a:r>
-              <a:rPr lang="en-US" dirty="0"/>
-              <a:t>Elements in our design must have a single purpose</a:t>
-            </a:r>
-          </a:p>
-          <a:p>
-            <a:pPr>
-              <a:lnSpc>
-                <a:spcPct val="100000"/>
-              </a:lnSpc>
-            </a:pPr>
-            <a:r>
-              <a:rPr lang="en-US" dirty="0"/>
-              <a:t>Principle of least knowledge </a:t>
-            </a:r>
-          </a:p>
-          <a:p>
-            <a:pPr lvl="1">
-              <a:lnSpc>
-                <a:spcPct val="100000"/>
-              </a:lnSpc>
-            </a:pPr>
-            <a:r>
-              <a:rPr lang="en-US" dirty="0"/>
-              <a:t>Components do not know about the internals of other components</a:t>
-            </a:r>
-          </a:p>
-          <a:p>
-            <a:pPr lvl="1">
-              <a:lnSpc>
-                <a:spcPct val="100000"/>
-              </a:lnSpc>
-            </a:pPr>
-            <a:r>
-              <a:rPr lang="en-US" dirty="0"/>
-              <a:t>Done through interfaces</a:t>
-            </a:r>
-          </a:p>
-          <a:p>
-            <a:pPr>
-              <a:lnSpc>
-                <a:spcPct val="100000"/>
-              </a:lnSpc>
-            </a:pPr>
-            <a:r>
-              <a:rPr lang="en-US" dirty="0"/>
-              <a:t>Don’t repeat yourself </a:t>
-            </a:r>
-          </a:p>
-          <a:p>
-            <a:pPr lvl="1">
-              <a:lnSpc>
-                <a:spcPct val="100000"/>
-              </a:lnSpc>
-            </a:pPr>
-            <a:r>
-              <a:rPr lang="en-US" dirty="0"/>
-              <a:t>Don't have multiple components with the same purpose</a:t>
-            </a:r>
-          </a:p>
-          <a:p>
-            <a:pPr>
-              <a:lnSpc>
-                <a:spcPct val="100000"/>
-              </a:lnSpc>
-            </a:pPr>
-            <a:r>
-              <a:rPr lang="en-US" dirty="0"/>
-              <a:t>Minimize upfront design</a:t>
-            </a:r>
-          </a:p>
-          <a:p>
-            <a:pPr lvl="1">
-              <a:lnSpc>
-                <a:spcPct val="100000"/>
-              </a:lnSpc>
-            </a:pPr>
-            <a:r>
-              <a:rPr lang="en-US" dirty="0"/>
-              <a:t>Try to design the minimum architecture so that developers can work</a:t>
-            </a:r>
-          </a:p>
-          <a:p>
-            <a:pPr lvl="1">
-              <a:lnSpc>
-                <a:spcPct val="100000"/>
-              </a:lnSpc>
-            </a:pPr>
-            <a:r>
-              <a:rPr lang="en-US" dirty="0"/>
-              <a:t>You will polish the next sections later</a:t>
-            </a:r>
-          </a:p>
-        </p:txBody>
-      </p:sp>
-      <p:sp>
-        <p:nvSpPr>
           <p:cNvPr id="4" name="Title 3"/>
           <p:cNvSpPr>
             <a:spLocks noGrp="1"/>
@@ -23114,15 +23074,55 @@
           <a:p>
             <a:r>
               <a:rPr lang="en-US" dirty="0"/>
-              <a:t>Key Principles Of Software Architectures</a:t>
+              <a:t>Organizational chart example 1</a:t>
             </a:r>
           </a:p>
         </p:txBody>
       </p:sp>
+      <p:pic>
+        <p:nvPicPr>
+          <p:cNvPr id="2" name="Picture 1">
+            <a:extLst>
+              <a:ext uri="{FF2B5EF4-FFF2-40B4-BE49-F238E27FC236}">
+                <a16:creationId xmlns:a16="http://schemas.microsoft.com/office/drawing/2014/main" id="{140BBADB-5C4A-434C-BB9A-32BCFD497A0E}"/>
+              </a:ext>
+            </a:extLst>
+          </p:cNvPr>
+          <p:cNvPicPr>
+            <a:picLocks noChangeAspect="1"/>
+          </p:cNvPicPr>
+          <p:nvPr/>
+        </p:nvPicPr>
+        <p:blipFill>
+          <a:blip r:embed="rId2"/>
+          <a:stretch>
+            <a:fillRect/>
+          </a:stretch>
+        </p:blipFill>
+        <p:spPr>
+          <a:xfrm>
+            <a:off x="2750895" y="2097088"/>
+            <a:ext cx="6690210" cy="3739539"/>
+          </a:xfrm>
+          <a:prstGeom prst="rect">
+            <a:avLst/>
+          </a:prstGeom>
+          <a:ln>
+            <a:noFill/>
+          </a:ln>
+          <a:effectLst>
+            <a:outerShdw blurRad="190500" algn="tl" rotWithShape="0">
+              <a:srgbClr val="000000">
+                <a:alpha val="70000"/>
+              </a:srgbClr>
+            </a:outerShdw>
+          </a:effectLst>
+        </p:spPr>
+      </p:pic>
     </p:spTree>
     <p:extLst>
       <p:ext uri="{BB962C8B-B14F-4D97-AF65-F5344CB8AC3E}">
-        <p14:creationId xmlns:p14="http://schemas.microsoft.com/office/powerpoint/2010/main" val="391249419"/>
+        <p14:creationId xmlns:p14="http://schemas.microsoft.com/office/powerpoint/2010/main" val="3585916944"/>
       </p:ext>
     </p:extLst>
   </p:cSld>
